--- a/Documents/Introduction to Immersive Technologies.pptx
+++ b/Documents/Introduction to Immersive Technologies.pptx
@@ -11,10 +11,12 @@
     <p:sldId id="262" r:id="rId5"/>
     <p:sldId id="259" r:id="rId6"/>
     <p:sldId id="263" r:id="rId7"/>
-    <p:sldId id="260" r:id="rId8"/>
-    <p:sldId id="264" r:id="rId9"/>
-    <p:sldId id="261" r:id="rId10"/>
-    <p:sldId id="265" r:id="rId11"/>
+    <p:sldId id="266" r:id="rId8"/>
+    <p:sldId id="260" r:id="rId9"/>
+    <p:sldId id="264" r:id="rId10"/>
+    <p:sldId id="267" r:id="rId11"/>
+    <p:sldId id="261" r:id="rId12"/>
+    <p:sldId id="265" r:id="rId13"/>
   </p:sldIdLst>
   <p:sldSz cx="12192000" cy="6858000"/>
   <p:notesSz cx="6858000" cy="9144000"/>
@@ -113,13 +115,18 @@
       </a:defRPr>
     </a:lvl9pPr>
   </p:defaultTextStyle>
+  <p:extLst>
+    <p:ext uri="{EFAFB233-063F-42B5-8137-9DF3F51BA10A}">
+      <p15:sldGuideLst xmlns:p15="http://schemas.microsoft.com/office/powerpoint/2012/main"/>
+    </p:ext>
+  </p:extLst>
 </p:presentation>
 </file>
 
 <file path=ppt/revisionInfo.xml><?xml version="1.0" encoding="utf-8"?>
 <p1510:revInfo xmlns:a="http://schemas.openxmlformats.org/drawingml/2006/main" xmlns:r="http://schemas.openxmlformats.org/officeDocument/2006/relationships" xmlns:p1510="http://schemas.microsoft.com/office/powerpoint/2015/10/main">
   <p1510:revLst>
-    <p1510:client id="{B367F221-1C18-4B25-A8D4-844B79FC7859}" v="8" dt="2024-08-28T17:47:17.071"/>
+    <p1510:client id="{B367F221-1C18-4B25-A8D4-844B79FC7859}" v="28" dt="2024-08-29T02:48:48.118"/>
   </p1510:revLst>
 </p1510:revInfo>
 </file>
@@ -129,18 +136,18 @@
   <pc:docChgLst>
     <pc:chgData name="Inamdar, Chaitanya (ADV D IN DTS EMX)" userId="dce70c7b-6f06-4b14-ba7f-615f0687729d" providerId="ADAL" clId="{B367F221-1C18-4B25-A8D4-844B79FC7859}"/>
     <pc:docChg chg="undo redo custSel addSld modSld">
-      <pc:chgData name="Inamdar, Chaitanya (ADV D IN DTS EMX)" userId="dce70c7b-6f06-4b14-ba7f-615f0687729d" providerId="ADAL" clId="{B367F221-1C18-4B25-A8D4-844B79FC7859}" dt="2024-08-28T17:47:30.826" v="30" actId="20577"/>
+      <pc:chgData name="Inamdar, Chaitanya (ADV D IN DTS EMX)" userId="dce70c7b-6f06-4b14-ba7f-615f0687729d" providerId="ADAL" clId="{B367F221-1C18-4B25-A8D4-844B79FC7859}" dt="2024-08-29T02:50:28.951" v="303"/>
       <pc:docMkLst>
         <pc:docMk/>
       </pc:docMkLst>
-      <pc:sldChg chg="modSp mod">
-        <pc:chgData name="Inamdar, Chaitanya (ADV D IN DTS EMX)" userId="dce70c7b-6f06-4b14-ba7f-615f0687729d" providerId="ADAL" clId="{B367F221-1C18-4B25-A8D4-844B79FC7859}" dt="2024-08-28T17:47:17.071" v="18"/>
+      <pc:sldChg chg="addSp modSp mod setBg addAnim">
+        <pc:chgData name="Inamdar, Chaitanya (ADV D IN DTS EMX)" userId="dce70c7b-6f06-4b14-ba7f-615f0687729d" providerId="ADAL" clId="{B367F221-1C18-4B25-A8D4-844B79FC7859}" dt="2024-08-29T02:50:28.951" v="303"/>
         <pc:sldMkLst>
           <pc:docMk/>
           <pc:sldMk cId="2936474750" sldId="256"/>
         </pc:sldMkLst>
         <pc:spChg chg="mod">
-          <ac:chgData name="Inamdar, Chaitanya (ADV D IN DTS EMX)" userId="dce70c7b-6f06-4b14-ba7f-615f0687729d" providerId="ADAL" clId="{B367F221-1C18-4B25-A8D4-844B79FC7859}" dt="2024-08-28T17:47:17.071" v="18"/>
+          <ac:chgData name="Inamdar, Chaitanya (ADV D IN DTS EMX)" userId="dce70c7b-6f06-4b14-ba7f-615f0687729d" providerId="ADAL" clId="{B367F221-1C18-4B25-A8D4-844B79FC7859}" dt="2024-08-29T02:50:28.951" v="301" actId="26606"/>
           <ac:spMkLst>
             <pc:docMk/>
             <pc:sldMk cId="2936474750" sldId="256"/>
@@ -148,22 +155,54 @@
           </ac:spMkLst>
         </pc:spChg>
         <pc:spChg chg="mod">
-          <ac:chgData name="Inamdar, Chaitanya (ADV D IN DTS EMX)" userId="dce70c7b-6f06-4b14-ba7f-615f0687729d" providerId="ADAL" clId="{B367F221-1C18-4B25-A8D4-844B79FC7859}" dt="2024-08-28T17:47:17.071" v="18"/>
+          <ac:chgData name="Inamdar, Chaitanya (ADV D IN DTS EMX)" userId="dce70c7b-6f06-4b14-ba7f-615f0687729d" providerId="ADAL" clId="{B367F221-1C18-4B25-A8D4-844B79FC7859}" dt="2024-08-29T02:50:28.951" v="301" actId="26606"/>
           <ac:spMkLst>
             <pc:docMk/>
             <pc:sldMk cId="2936474750" sldId="256"/>
             <ac:spMk id="3" creationId="{20B4C4B1-CE23-921F-C68F-55801F31EA27}"/>
           </ac:spMkLst>
         </pc:spChg>
+        <pc:spChg chg="add">
+          <ac:chgData name="Inamdar, Chaitanya (ADV D IN DTS EMX)" userId="dce70c7b-6f06-4b14-ba7f-615f0687729d" providerId="ADAL" clId="{B367F221-1C18-4B25-A8D4-844B79FC7859}" dt="2024-08-29T02:50:28.951" v="301" actId="26606"/>
+          <ac:spMkLst>
+            <pc:docMk/>
+            <pc:sldMk cId="2936474750" sldId="256"/>
+            <ac:spMk id="8" creationId="{FFD48BC7-DC40-47DE-87EE-9F4B6ECB9ABB}"/>
+          </ac:spMkLst>
+        </pc:spChg>
+        <pc:spChg chg="add">
+          <ac:chgData name="Inamdar, Chaitanya (ADV D IN DTS EMX)" userId="dce70c7b-6f06-4b14-ba7f-615f0687729d" providerId="ADAL" clId="{B367F221-1C18-4B25-A8D4-844B79FC7859}" dt="2024-08-29T02:50:28.951" v="301" actId="26606"/>
+          <ac:spMkLst>
+            <pc:docMk/>
+            <pc:sldMk cId="2936474750" sldId="256"/>
+            <ac:spMk id="10" creationId="{E502BBC7-2C76-46F3-BC24-5985BC13DB88}"/>
+          </ac:spMkLst>
+        </pc:spChg>
+        <pc:spChg chg="add">
+          <ac:chgData name="Inamdar, Chaitanya (ADV D IN DTS EMX)" userId="dce70c7b-6f06-4b14-ba7f-615f0687729d" providerId="ADAL" clId="{B367F221-1C18-4B25-A8D4-844B79FC7859}" dt="2024-08-29T02:50:28.951" v="301" actId="26606"/>
+          <ac:spMkLst>
+            <pc:docMk/>
+            <pc:sldMk cId="2936474750" sldId="256"/>
+            <ac:spMk id="12" creationId="{C7F28D52-2A5F-4D23-81AE-7CB8B591C7AF}"/>
+          </ac:spMkLst>
+        </pc:spChg>
+        <pc:spChg chg="add">
+          <ac:chgData name="Inamdar, Chaitanya (ADV D IN DTS EMX)" userId="dce70c7b-6f06-4b14-ba7f-615f0687729d" providerId="ADAL" clId="{B367F221-1C18-4B25-A8D4-844B79FC7859}" dt="2024-08-29T02:50:28.951" v="301" actId="26606"/>
+          <ac:spMkLst>
+            <pc:docMk/>
+            <pc:sldMk cId="2936474750" sldId="256"/>
+            <ac:spMk id="14" creationId="{3629484E-3792-4B3D-89AD-7C8A1ED0E0D4}"/>
+          </ac:spMkLst>
+        </pc:spChg>
       </pc:sldChg>
-      <pc:sldChg chg="modSp mod">
-        <pc:chgData name="Inamdar, Chaitanya (ADV D IN DTS EMX)" userId="dce70c7b-6f06-4b14-ba7f-615f0687729d" providerId="ADAL" clId="{B367F221-1C18-4B25-A8D4-844B79FC7859}" dt="2024-08-28T17:47:17.071" v="18"/>
+      <pc:sldChg chg="addSp modSp mod setBg">
+        <pc:chgData name="Inamdar, Chaitanya (ADV D IN DTS EMX)" userId="dce70c7b-6f06-4b14-ba7f-615f0687729d" providerId="ADAL" clId="{B367F221-1C18-4B25-A8D4-844B79FC7859}" dt="2024-08-29T02:50:17.577" v="297" actId="26606"/>
         <pc:sldMkLst>
           <pc:docMk/>
           <pc:sldMk cId="3878934931" sldId="257"/>
         </pc:sldMkLst>
         <pc:spChg chg="mod">
-          <ac:chgData name="Inamdar, Chaitanya (ADV D IN DTS EMX)" userId="dce70c7b-6f06-4b14-ba7f-615f0687729d" providerId="ADAL" clId="{B367F221-1C18-4B25-A8D4-844B79FC7859}" dt="2024-08-28T17:47:17.071" v="18"/>
+          <ac:chgData name="Inamdar, Chaitanya (ADV D IN DTS EMX)" userId="dce70c7b-6f06-4b14-ba7f-615f0687729d" providerId="ADAL" clId="{B367F221-1C18-4B25-A8D4-844B79FC7859}" dt="2024-08-29T02:50:17.577" v="297" actId="26606"/>
           <ac:spMkLst>
             <pc:docMk/>
             <pc:sldMk cId="3878934931" sldId="257"/>
@@ -171,15 +210,55 @@
           </ac:spMkLst>
         </pc:spChg>
         <pc:spChg chg="mod">
-          <ac:chgData name="Inamdar, Chaitanya (ADV D IN DTS EMX)" userId="dce70c7b-6f06-4b14-ba7f-615f0687729d" providerId="ADAL" clId="{B367F221-1C18-4B25-A8D4-844B79FC7859}" dt="2024-08-28T17:47:17.071" v="18"/>
+          <ac:chgData name="Inamdar, Chaitanya (ADV D IN DTS EMX)" userId="dce70c7b-6f06-4b14-ba7f-615f0687729d" providerId="ADAL" clId="{B367F221-1C18-4B25-A8D4-844B79FC7859}" dt="2024-08-29T02:50:17.577" v="297" actId="26606"/>
           <ac:spMkLst>
             <pc:docMk/>
             <pc:sldMk cId="3878934931" sldId="257"/>
             <ac:spMk id="3" creationId="{55C8BA99-3A68-DD73-83BE-217B2B84A25F}"/>
           </ac:spMkLst>
         </pc:spChg>
+        <pc:spChg chg="add">
+          <ac:chgData name="Inamdar, Chaitanya (ADV D IN DTS EMX)" userId="dce70c7b-6f06-4b14-ba7f-615f0687729d" providerId="ADAL" clId="{B367F221-1C18-4B25-A8D4-844B79FC7859}" dt="2024-08-29T02:50:17.577" v="297" actId="26606"/>
+          <ac:spMkLst>
+            <pc:docMk/>
+            <pc:sldMk cId="3878934931" sldId="257"/>
+            <ac:spMk id="4103" creationId="{0288C6B4-AFC3-407F-A595-EFFD38D4CCAF}"/>
+          </ac:spMkLst>
+        </pc:spChg>
+        <pc:spChg chg="add">
+          <ac:chgData name="Inamdar, Chaitanya (ADV D IN DTS EMX)" userId="dce70c7b-6f06-4b14-ba7f-615f0687729d" providerId="ADAL" clId="{B367F221-1C18-4B25-A8D4-844B79FC7859}" dt="2024-08-29T02:50:17.577" v="297" actId="26606"/>
+          <ac:spMkLst>
+            <pc:docMk/>
+            <pc:sldMk cId="3878934931" sldId="257"/>
+            <ac:spMk id="4105" creationId="{CF236821-17FE-429B-8D2C-08E13A64EA40}"/>
+          </ac:spMkLst>
+        </pc:spChg>
+        <pc:spChg chg="add">
+          <ac:chgData name="Inamdar, Chaitanya (ADV D IN DTS EMX)" userId="dce70c7b-6f06-4b14-ba7f-615f0687729d" providerId="ADAL" clId="{B367F221-1C18-4B25-A8D4-844B79FC7859}" dt="2024-08-29T02:50:17.577" v="297" actId="26606"/>
+          <ac:spMkLst>
+            <pc:docMk/>
+            <pc:sldMk cId="3878934931" sldId="257"/>
+            <ac:spMk id="4107" creationId="{C0BDBCD2-E081-43AB-9119-C55465E59757}"/>
+          </ac:spMkLst>
+        </pc:spChg>
+        <pc:spChg chg="add">
+          <ac:chgData name="Inamdar, Chaitanya (ADV D IN DTS EMX)" userId="dce70c7b-6f06-4b14-ba7f-615f0687729d" providerId="ADAL" clId="{B367F221-1C18-4B25-A8D4-844B79FC7859}" dt="2024-08-29T02:50:17.577" v="297" actId="26606"/>
+          <ac:spMkLst>
+            <pc:docMk/>
+            <pc:sldMk cId="3878934931" sldId="257"/>
+            <ac:spMk id="4109" creationId="{98E79BE4-34FE-485A-98A5-92CE8F7C4743}"/>
+          </ac:spMkLst>
+        </pc:spChg>
+        <pc:spChg chg="add">
+          <ac:chgData name="Inamdar, Chaitanya (ADV D IN DTS EMX)" userId="dce70c7b-6f06-4b14-ba7f-615f0687729d" providerId="ADAL" clId="{B367F221-1C18-4B25-A8D4-844B79FC7859}" dt="2024-08-29T02:50:17.577" v="297" actId="26606"/>
+          <ac:spMkLst>
+            <pc:docMk/>
+            <pc:sldMk cId="3878934931" sldId="257"/>
+            <ac:spMk id="4111" creationId="{7A5F0580-5EE9-419F-96EE-B6529EF6E7D0}"/>
+          </ac:spMkLst>
+        </pc:spChg>
         <pc:picChg chg="mod">
-          <ac:chgData name="Inamdar, Chaitanya (ADV D IN DTS EMX)" userId="dce70c7b-6f06-4b14-ba7f-615f0687729d" providerId="ADAL" clId="{B367F221-1C18-4B25-A8D4-844B79FC7859}" dt="2024-08-28T17:47:17.043" v="16" actId="1076"/>
+          <ac:chgData name="Inamdar, Chaitanya (ADV D IN DTS EMX)" userId="dce70c7b-6f06-4b14-ba7f-615f0687729d" providerId="ADAL" clId="{B367F221-1C18-4B25-A8D4-844B79FC7859}" dt="2024-08-29T02:50:17.577" v="297" actId="26606"/>
           <ac:picMkLst>
             <pc:docMk/>
             <pc:sldMk cId="3878934931" sldId="257"/>
@@ -187,14 +266,14 @@
           </ac:picMkLst>
         </pc:picChg>
       </pc:sldChg>
-      <pc:sldChg chg="modSp">
-        <pc:chgData name="Inamdar, Chaitanya (ADV D IN DTS EMX)" userId="dce70c7b-6f06-4b14-ba7f-615f0687729d" providerId="ADAL" clId="{B367F221-1C18-4B25-A8D4-844B79FC7859}" dt="2024-08-28T17:47:17.071" v="18"/>
+      <pc:sldChg chg="addSp modSp mod setBg addAnim">
+        <pc:chgData name="Inamdar, Chaitanya (ADV D IN DTS EMX)" userId="dce70c7b-6f06-4b14-ba7f-615f0687729d" providerId="ADAL" clId="{B367F221-1C18-4B25-A8D4-844B79FC7859}" dt="2024-08-29T02:50:25.973" v="300"/>
         <pc:sldMkLst>
           <pc:docMk/>
           <pc:sldMk cId="538912545" sldId="258"/>
         </pc:sldMkLst>
         <pc:spChg chg="mod">
-          <ac:chgData name="Inamdar, Chaitanya (ADV D IN DTS EMX)" userId="dce70c7b-6f06-4b14-ba7f-615f0687729d" providerId="ADAL" clId="{B367F221-1C18-4B25-A8D4-844B79FC7859}" dt="2024-08-28T17:47:17.071" v="18"/>
+          <ac:chgData name="Inamdar, Chaitanya (ADV D IN DTS EMX)" userId="dce70c7b-6f06-4b14-ba7f-615f0687729d" providerId="ADAL" clId="{B367F221-1C18-4B25-A8D4-844B79FC7859}" dt="2024-08-29T02:50:25.973" v="298" actId="26606"/>
           <ac:spMkLst>
             <pc:docMk/>
             <pc:sldMk cId="538912545" sldId="258"/>
@@ -202,22 +281,54 @@
           </ac:spMkLst>
         </pc:spChg>
         <pc:spChg chg="mod">
-          <ac:chgData name="Inamdar, Chaitanya (ADV D IN DTS EMX)" userId="dce70c7b-6f06-4b14-ba7f-615f0687729d" providerId="ADAL" clId="{B367F221-1C18-4B25-A8D4-844B79FC7859}" dt="2024-08-28T17:47:17.071" v="18"/>
+          <ac:chgData name="Inamdar, Chaitanya (ADV D IN DTS EMX)" userId="dce70c7b-6f06-4b14-ba7f-615f0687729d" providerId="ADAL" clId="{B367F221-1C18-4B25-A8D4-844B79FC7859}" dt="2024-08-29T02:50:25.973" v="298" actId="26606"/>
           <ac:spMkLst>
             <pc:docMk/>
             <pc:sldMk cId="538912545" sldId="258"/>
             <ac:spMk id="3" creationId="{20B4C4B1-CE23-921F-C68F-55801F31EA27}"/>
           </ac:spMkLst>
         </pc:spChg>
+        <pc:spChg chg="add">
+          <ac:chgData name="Inamdar, Chaitanya (ADV D IN DTS EMX)" userId="dce70c7b-6f06-4b14-ba7f-615f0687729d" providerId="ADAL" clId="{B367F221-1C18-4B25-A8D4-844B79FC7859}" dt="2024-08-29T02:50:25.973" v="298" actId="26606"/>
+          <ac:spMkLst>
+            <pc:docMk/>
+            <pc:sldMk cId="538912545" sldId="258"/>
+            <ac:spMk id="8" creationId="{FFD48BC7-DC40-47DE-87EE-9F4B6ECB9ABB}"/>
+          </ac:spMkLst>
+        </pc:spChg>
+        <pc:spChg chg="add">
+          <ac:chgData name="Inamdar, Chaitanya (ADV D IN DTS EMX)" userId="dce70c7b-6f06-4b14-ba7f-615f0687729d" providerId="ADAL" clId="{B367F221-1C18-4B25-A8D4-844B79FC7859}" dt="2024-08-29T02:50:25.973" v="298" actId="26606"/>
+          <ac:spMkLst>
+            <pc:docMk/>
+            <pc:sldMk cId="538912545" sldId="258"/>
+            <ac:spMk id="10" creationId="{E502BBC7-2C76-46F3-BC24-5985BC13DB88}"/>
+          </ac:spMkLst>
+        </pc:spChg>
+        <pc:spChg chg="add">
+          <ac:chgData name="Inamdar, Chaitanya (ADV D IN DTS EMX)" userId="dce70c7b-6f06-4b14-ba7f-615f0687729d" providerId="ADAL" clId="{B367F221-1C18-4B25-A8D4-844B79FC7859}" dt="2024-08-29T02:50:25.973" v="298" actId="26606"/>
+          <ac:spMkLst>
+            <pc:docMk/>
+            <pc:sldMk cId="538912545" sldId="258"/>
+            <ac:spMk id="12" creationId="{C7F28D52-2A5F-4D23-81AE-7CB8B591C7AF}"/>
+          </ac:spMkLst>
+        </pc:spChg>
+        <pc:spChg chg="add">
+          <ac:chgData name="Inamdar, Chaitanya (ADV D IN DTS EMX)" userId="dce70c7b-6f06-4b14-ba7f-615f0687729d" providerId="ADAL" clId="{B367F221-1C18-4B25-A8D4-844B79FC7859}" dt="2024-08-29T02:50:25.973" v="298" actId="26606"/>
+          <ac:spMkLst>
+            <pc:docMk/>
+            <pc:sldMk cId="538912545" sldId="258"/>
+            <ac:spMk id="14" creationId="{3629484E-3792-4B3D-89AD-7C8A1ED0E0D4}"/>
+          </ac:spMkLst>
+        </pc:spChg>
       </pc:sldChg>
-      <pc:sldChg chg="modSp mod">
-        <pc:chgData name="Inamdar, Chaitanya (ADV D IN DTS EMX)" userId="dce70c7b-6f06-4b14-ba7f-615f0687729d" providerId="ADAL" clId="{B367F221-1C18-4B25-A8D4-844B79FC7859}" dt="2024-08-28T17:47:17.071" v="18"/>
+      <pc:sldChg chg="addSp modSp mod setBg">
+        <pc:chgData name="Inamdar, Chaitanya (ADV D IN DTS EMX)" userId="dce70c7b-6f06-4b14-ba7f-615f0687729d" providerId="ADAL" clId="{B367F221-1C18-4B25-A8D4-844B79FC7859}" dt="2024-08-29T02:49:57.531" v="295" actId="26606"/>
         <pc:sldMkLst>
           <pc:docMk/>
           <pc:sldMk cId="2225496149" sldId="259"/>
         </pc:sldMkLst>
         <pc:spChg chg="mod">
-          <ac:chgData name="Inamdar, Chaitanya (ADV D IN DTS EMX)" userId="dce70c7b-6f06-4b14-ba7f-615f0687729d" providerId="ADAL" clId="{B367F221-1C18-4B25-A8D4-844B79FC7859}" dt="2024-08-28T17:47:17.071" v="18"/>
+          <ac:chgData name="Inamdar, Chaitanya (ADV D IN DTS EMX)" userId="dce70c7b-6f06-4b14-ba7f-615f0687729d" providerId="ADAL" clId="{B367F221-1C18-4B25-A8D4-844B79FC7859}" dt="2024-08-29T02:49:57.531" v="295" actId="26606"/>
           <ac:spMkLst>
             <pc:docMk/>
             <pc:sldMk cId="2225496149" sldId="259"/>
@@ -225,22 +336,86 @@
           </ac:spMkLst>
         </pc:spChg>
         <pc:spChg chg="mod">
-          <ac:chgData name="Inamdar, Chaitanya (ADV D IN DTS EMX)" userId="dce70c7b-6f06-4b14-ba7f-615f0687729d" providerId="ADAL" clId="{B367F221-1C18-4B25-A8D4-844B79FC7859}" dt="2024-08-28T17:47:17.071" v="18"/>
+          <ac:chgData name="Inamdar, Chaitanya (ADV D IN DTS EMX)" userId="dce70c7b-6f06-4b14-ba7f-615f0687729d" providerId="ADAL" clId="{B367F221-1C18-4B25-A8D4-844B79FC7859}" dt="2024-08-29T02:49:57.531" v="295" actId="26606"/>
           <ac:spMkLst>
             <pc:docMk/>
             <pc:sldMk cId="2225496149" sldId="259"/>
             <ac:spMk id="3" creationId="{9DBE6F76-6571-A42F-5649-B20B57EB0042}"/>
           </ac:spMkLst>
         </pc:spChg>
+        <pc:spChg chg="add">
+          <ac:chgData name="Inamdar, Chaitanya (ADV D IN DTS EMX)" userId="dce70c7b-6f06-4b14-ba7f-615f0687729d" providerId="ADAL" clId="{B367F221-1C18-4B25-A8D4-844B79FC7859}" dt="2024-08-29T02:49:57.531" v="295" actId="26606"/>
+          <ac:spMkLst>
+            <pc:docMk/>
+            <pc:sldMk cId="2225496149" sldId="259"/>
+            <ac:spMk id="1036" creationId="{231BF440-39FA-4087-84CC-2EEC0BBDAF29}"/>
+          </ac:spMkLst>
+        </pc:spChg>
+        <pc:spChg chg="add">
+          <ac:chgData name="Inamdar, Chaitanya (ADV D IN DTS EMX)" userId="dce70c7b-6f06-4b14-ba7f-615f0687729d" providerId="ADAL" clId="{B367F221-1C18-4B25-A8D4-844B79FC7859}" dt="2024-08-29T02:49:57.531" v="295" actId="26606"/>
+          <ac:spMkLst>
+            <pc:docMk/>
+            <pc:sldMk cId="2225496149" sldId="259"/>
+            <ac:spMk id="1038" creationId="{F04E4CBA-303B-48BD-8451-C2701CB0EEBF}"/>
+          </ac:spMkLst>
+        </pc:spChg>
+        <pc:spChg chg="add">
+          <ac:chgData name="Inamdar, Chaitanya (ADV D IN DTS EMX)" userId="dce70c7b-6f06-4b14-ba7f-615f0687729d" providerId="ADAL" clId="{B367F221-1C18-4B25-A8D4-844B79FC7859}" dt="2024-08-29T02:49:57.531" v="295" actId="26606"/>
+          <ac:spMkLst>
+            <pc:docMk/>
+            <pc:sldMk cId="2225496149" sldId="259"/>
+            <ac:spMk id="1040" creationId="{F6CA58B3-AFCC-4A40-9882-50D5080879B0}"/>
+          </ac:spMkLst>
+        </pc:spChg>
+        <pc:spChg chg="add">
+          <ac:chgData name="Inamdar, Chaitanya (ADV D IN DTS EMX)" userId="dce70c7b-6f06-4b14-ba7f-615f0687729d" providerId="ADAL" clId="{B367F221-1C18-4B25-A8D4-844B79FC7859}" dt="2024-08-29T02:49:57.531" v="295" actId="26606"/>
+          <ac:spMkLst>
+            <pc:docMk/>
+            <pc:sldMk cId="2225496149" sldId="259"/>
+            <ac:spMk id="1042" creationId="{75C56826-D4E5-42ED-8529-079651CB3005}"/>
+          </ac:spMkLst>
+        </pc:spChg>
+        <pc:spChg chg="add">
+          <ac:chgData name="Inamdar, Chaitanya (ADV D IN DTS EMX)" userId="dce70c7b-6f06-4b14-ba7f-615f0687729d" providerId="ADAL" clId="{B367F221-1C18-4B25-A8D4-844B79FC7859}" dt="2024-08-29T02:49:57.531" v="295" actId="26606"/>
+          <ac:spMkLst>
+            <pc:docMk/>
+            <pc:sldMk cId="2225496149" sldId="259"/>
+            <ac:spMk id="1044" creationId="{82095FCE-EF05-4443-B97A-85DEE3A5CA17}"/>
+          </ac:spMkLst>
+        </pc:spChg>
+        <pc:spChg chg="add">
+          <ac:chgData name="Inamdar, Chaitanya (ADV D IN DTS EMX)" userId="dce70c7b-6f06-4b14-ba7f-615f0687729d" providerId="ADAL" clId="{B367F221-1C18-4B25-A8D4-844B79FC7859}" dt="2024-08-29T02:49:57.531" v="295" actId="26606"/>
+          <ac:spMkLst>
+            <pc:docMk/>
+            <pc:sldMk cId="2225496149" sldId="259"/>
+            <ac:spMk id="1046" creationId="{CA00AE6B-AA30-4CF8-BA6F-339B780AD76C}"/>
+          </ac:spMkLst>
+        </pc:spChg>
+        <pc:picChg chg="mod ord">
+          <ac:chgData name="Inamdar, Chaitanya (ADV D IN DTS EMX)" userId="dce70c7b-6f06-4b14-ba7f-615f0687729d" providerId="ADAL" clId="{B367F221-1C18-4B25-A8D4-844B79FC7859}" dt="2024-08-29T02:49:57.531" v="295" actId="26606"/>
+          <ac:picMkLst>
+            <pc:docMk/>
+            <pc:sldMk cId="2225496149" sldId="259"/>
+            <ac:picMk id="1027" creationId="{A0AA53AF-B7F8-6BC8-764A-EB80817967A2}"/>
+          </ac:picMkLst>
+        </pc:picChg>
+        <pc:picChg chg="mod ord">
+          <ac:chgData name="Inamdar, Chaitanya (ADV D IN DTS EMX)" userId="dce70c7b-6f06-4b14-ba7f-615f0687729d" providerId="ADAL" clId="{B367F221-1C18-4B25-A8D4-844B79FC7859}" dt="2024-08-29T02:49:57.531" v="295" actId="26606"/>
+          <ac:picMkLst>
+            <pc:docMk/>
+            <pc:sldMk cId="2225496149" sldId="259"/>
+            <ac:picMk id="1031" creationId="{A28101B4-26CB-16C9-8134-4F895109ADB6}"/>
+          </ac:picMkLst>
+        </pc:picChg>
       </pc:sldChg>
-      <pc:sldChg chg="modSp mod">
-        <pc:chgData name="Inamdar, Chaitanya (ADV D IN DTS EMX)" userId="dce70c7b-6f06-4b14-ba7f-615f0687729d" providerId="ADAL" clId="{B367F221-1C18-4B25-A8D4-844B79FC7859}" dt="2024-08-28T17:47:17.071" v="18"/>
+      <pc:sldChg chg="addSp modSp mod setBg">
+        <pc:chgData name="Inamdar, Chaitanya (ADV D IN DTS EMX)" userId="dce70c7b-6f06-4b14-ba7f-615f0687729d" providerId="ADAL" clId="{B367F221-1C18-4B25-A8D4-844B79FC7859}" dt="2024-08-29T02:48:14.197" v="206" actId="14100"/>
         <pc:sldMkLst>
           <pc:docMk/>
           <pc:sldMk cId="1391152324" sldId="260"/>
         </pc:sldMkLst>
         <pc:spChg chg="mod">
-          <ac:chgData name="Inamdar, Chaitanya (ADV D IN DTS EMX)" userId="dce70c7b-6f06-4b14-ba7f-615f0687729d" providerId="ADAL" clId="{B367F221-1C18-4B25-A8D4-844B79FC7859}" dt="2024-08-28T17:47:17.071" v="18"/>
+          <ac:chgData name="Inamdar, Chaitanya (ADV D IN DTS EMX)" userId="dce70c7b-6f06-4b14-ba7f-615f0687729d" providerId="ADAL" clId="{B367F221-1C18-4B25-A8D4-844B79FC7859}" dt="2024-08-29T02:48:14.197" v="206" actId="14100"/>
           <ac:spMkLst>
             <pc:docMk/>
             <pc:sldMk cId="1391152324" sldId="260"/>
@@ -248,58 +423,250 @@
           </ac:spMkLst>
         </pc:spChg>
         <pc:spChg chg="mod">
-          <ac:chgData name="Inamdar, Chaitanya (ADV D IN DTS EMX)" userId="dce70c7b-6f06-4b14-ba7f-615f0687729d" providerId="ADAL" clId="{B367F221-1C18-4B25-A8D4-844B79FC7859}" dt="2024-08-28T17:47:17.071" v="18"/>
+          <ac:chgData name="Inamdar, Chaitanya (ADV D IN DTS EMX)" userId="dce70c7b-6f06-4b14-ba7f-615f0687729d" providerId="ADAL" clId="{B367F221-1C18-4B25-A8D4-844B79FC7859}" dt="2024-08-29T02:47:19.338" v="198" actId="26606"/>
           <ac:spMkLst>
             <pc:docMk/>
             <pc:sldMk cId="1391152324" sldId="260"/>
             <ac:spMk id="3" creationId="{0CD3E4C2-93B8-6E62-8132-4FC68F653B08}"/>
           </ac:spMkLst>
         </pc:spChg>
+        <pc:spChg chg="add">
+          <ac:chgData name="Inamdar, Chaitanya (ADV D IN DTS EMX)" userId="dce70c7b-6f06-4b14-ba7f-615f0687729d" providerId="ADAL" clId="{B367F221-1C18-4B25-A8D4-844B79FC7859}" dt="2024-08-29T02:47:19.338" v="198" actId="26606"/>
+          <ac:spMkLst>
+            <pc:docMk/>
+            <pc:sldMk cId="1391152324" sldId="260"/>
+            <ac:spMk id="8" creationId="{1C799903-48D5-4A31-A1A2-541072D9771E}"/>
+          </ac:spMkLst>
+        </pc:spChg>
+        <pc:spChg chg="add">
+          <ac:chgData name="Inamdar, Chaitanya (ADV D IN DTS EMX)" userId="dce70c7b-6f06-4b14-ba7f-615f0687729d" providerId="ADAL" clId="{B367F221-1C18-4B25-A8D4-844B79FC7859}" dt="2024-08-29T02:47:19.338" v="198" actId="26606"/>
+          <ac:spMkLst>
+            <pc:docMk/>
+            <pc:sldMk cId="1391152324" sldId="260"/>
+            <ac:spMk id="10" creationId="{8EFFF109-FC58-4FD3-BE05-9775A1310F55}"/>
+          </ac:spMkLst>
+        </pc:spChg>
+        <pc:spChg chg="add">
+          <ac:chgData name="Inamdar, Chaitanya (ADV D IN DTS EMX)" userId="dce70c7b-6f06-4b14-ba7f-615f0687729d" providerId="ADAL" clId="{B367F221-1C18-4B25-A8D4-844B79FC7859}" dt="2024-08-29T02:47:19.338" v="198" actId="26606"/>
+          <ac:spMkLst>
+            <pc:docMk/>
+            <pc:sldMk cId="1391152324" sldId="260"/>
+            <ac:spMk id="12" creationId="{E1B96AD6-92A9-4273-A62B-96A1C3E0BA95}"/>
+          </ac:spMkLst>
+        </pc:spChg>
+        <pc:spChg chg="add">
+          <ac:chgData name="Inamdar, Chaitanya (ADV D IN DTS EMX)" userId="dce70c7b-6f06-4b14-ba7f-615f0687729d" providerId="ADAL" clId="{B367F221-1C18-4B25-A8D4-844B79FC7859}" dt="2024-08-29T02:47:19.338" v="198" actId="26606"/>
+          <ac:spMkLst>
+            <pc:docMk/>
+            <pc:sldMk cId="1391152324" sldId="260"/>
+            <ac:spMk id="14" creationId="{463EEC44-1BA3-44ED-81FC-A644B04B2A44}"/>
+          </ac:spMkLst>
+        </pc:spChg>
       </pc:sldChg>
-      <pc:sldChg chg="modSp">
-        <pc:chgData name="Inamdar, Chaitanya (ADV D IN DTS EMX)" userId="dce70c7b-6f06-4b14-ba7f-615f0687729d" providerId="ADAL" clId="{B367F221-1C18-4B25-A8D4-844B79FC7859}" dt="2024-08-28T17:47:17.071" v="18"/>
+      <pc:sldChg chg="addSp modSp mod setBg">
+        <pc:chgData name="Inamdar, Chaitanya (ADV D IN DTS EMX)" userId="dce70c7b-6f06-4b14-ba7f-615f0687729d" providerId="ADAL" clId="{B367F221-1C18-4B25-A8D4-844B79FC7859}" dt="2024-08-29T02:47:09.480" v="197" actId="26606"/>
         <pc:sldMkLst>
           <pc:docMk/>
           <pc:sldMk cId="1065276320" sldId="261"/>
         </pc:sldMkLst>
         <pc:spChg chg="mod">
-          <ac:chgData name="Inamdar, Chaitanya (ADV D IN DTS EMX)" userId="dce70c7b-6f06-4b14-ba7f-615f0687729d" providerId="ADAL" clId="{B367F221-1C18-4B25-A8D4-844B79FC7859}" dt="2024-08-28T17:47:17.071" v="18"/>
+          <ac:chgData name="Inamdar, Chaitanya (ADV D IN DTS EMX)" userId="dce70c7b-6f06-4b14-ba7f-615f0687729d" providerId="ADAL" clId="{B367F221-1C18-4B25-A8D4-844B79FC7859}" dt="2024-08-29T02:47:09.480" v="197" actId="26606"/>
           <ac:spMkLst>
             <pc:docMk/>
             <pc:sldMk cId="1065276320" sldId="261"/>
             <ac:spMk id="2" creationId="{73CC334E-AB2C-C46C-E726-3E5E8CA43F71}"/>
           </ac:spMkLst>
         </pc:spChg>
+        <pc:spChg chg="mod">
+          <ac:chgData name="Inamdar, Chaitanya (ADV D IN DTS EMX)" userId="dce70c7b-6f06-4b14-ba7f-615f0687729d" providerId="ADAL" clId="{B367F221-1C18-4B25-A8D4-844B79FC7859}" dt="2024-08-29T02:47:09.480" v="197" actId="26606"/>
+          <ac:spMkLst>
+            <pc:docMk/>
+            <pc:sldMk cId="1065276320" sldId="261"/>
+            <ac:spMk id="4" creationId="{06FDA291-58B1-BE0A-2854-E5EEA95AA8B8}"/>
+          </ac:spMkLst>
+        </pc:spChg>
+        <pc:spChg chg="add">
+          <ac:chgData name="Inamdar, Chaitanya (ADV D IN DTS EMX)" userId="dce70c7b-6f06-4b14-ba7f-615f0687729d" providerId="ADAL" clId="{B367F221-1C18-4B25-A8D4-844B79FC7859}" dt="2024-08-29T02:47:09.480" v="197" actId="26606"/>
+          <ac:spMkLst>
+            <pc:docMk/>
+            <pc:sldMk cId="1065276320" sldId="261"/>
+            <ac:spMk id="9" creationId="{1C799903-48D5-4A31-A1A2-541072D9771E}"/>
+          </ac:spMkLst>
+        </pc:spChg>
+        <pc:spChg chg="add">
+          <ac:chgData name="Inamdar, Chaitanya (ADV D IN DTS EMX)" userId="dce70c7b-6f06-4b14-ba7f-615f0687729d" providerId="ADAL" clId="{B367F221-1C18-4B25-A8D4-844B79FC7859}" dt="2024-08-29T02:47:09.480" v="197" actId="26606"/>
+          <ac:spMkLst>
+            <pc:docMk/>
+            <pc:sldMk cId="1065276320" sldId="261"/>
+            <ac:spMk id="11" creationId="{8EFFF109-FC58-4FD3-BE05-9775A1310F55}"/>
+          </ac:spMkLst>
+        </pc:spChg>
+        <pc:spChg chg="add">
+          <ac:chgData name="Inamdar, Chaitanya (ADV D IN DTS EMX)" userId="dce70c7b-6f06-4b14-ba7f-615f0687729d" providerId="ADAL" clId="{B367F221-1C18-4B25-A8D4-844B79FC7859}" dt="2024-08-29T02:47:09.480" v="197" actId="26606"/>
+          <ac:spMkLst>
+            <pc:docMk/>
+            <pc:sldMk cId="1065276320" sldId="261"/>
+            <ac:spMk id="13" creationId="{E1B96AD6-92A9-4273-A62B-96A1C3E0BA95}"/>
+          </ac:spMkLst>
+        </pc:spChg>
+        <pc:spChg chg="add">
+          <ac:chgData name="Inamdar, Chaitanya (ADV D IN DTS EMX)" userId="dce70c7b-6f06-4b14-ba7f-615f0687729d" providerId="ADAL" clId="{B367F221-1C18-4B25-A8D4-844B79FC7859}" dt="2024-08-29T02:47:09.480" v="197" actId="26606"/>
+          <ac:spMkLst>
+            <pc:docMk/>
+            <pc:sldMk cId="1065276320" sldId="261"/>
+            <ac:spMk id="15" creationId="{463EEC44-1BA3-44ED-81FC-A644B04B2A44}"/>
+          </ac:spMkLst>
+        </pc:spChg>
       </pc:sldChg>
-      <pc:sldChg chg="addSp delSp delDesignElem">
-        <pc:chgData name="Inamdar, Chaitanya (ADV D IN DTS EMX)" userId="dce70c7b-6f06-4b14-ba7f-615f0687729d" providerId="ADAL" clId="{B367F221-1C18-4B25-A8D4-844B79FC7859}" dt="2024-08-28T17:47:17.071" v="18"/>
+      <pc:sldChg chg="addSp delSp modSp mod delDesignElem">
+        <pc:chgData name="Inamdar, Chaitanya (ADV D IN DTS EMX)" userId="dce70c7b-6f06-4b14-ba7f-615f0687729d" providerId="ADAL" clId="{B367F221-1C18-4B25-A8D4-844B79FC7859}" dt="2024-08-29T02:50:04.746" v="296" actId="26606"/>
         <pc:sldMkLst>
           <pc:docMk/>
           <pc:sldMk cId="1111484387" sldId="262"/>
         </pc:sldMkLst>
+        <pc:spChg chg="mod">
+          <ac:chgData name="Inamdar, Chaitanya (ADV D IN DTS EMX)" userId="dce70c7b-6f06-4b14-ba7f-615f0687729d" providerId="ADAL" clId="{B367F221-1C18-4B25-A8D4-844B79FC7859}" dt="2024-08-29T02:50:04.746" v="296" actId="26606"/>
+          <ac:spMkLst>
+            <pc:docMk/>
+            <pc:sldMk cId="1111484387" sldId="262"/>
+            <ac:spMk id="2" creationId="{479AEDDA-98ED-7301-9715-0F1E8ADF94C4}"/>
+          </ac:spMkLst>
+        </pc:spChg>
+        <pc:spChg chg="mod">
+          <ac:chgData name="Inamdar, Chaitanya (ADV D IN DTS EMX)" userId="dce70c7b-6f06-4b14-ba7f-615f0687729d" providerId="ADAL" clId="{B367F221-1C18-4B25-A8D4-844B79FC7859}" dt="2024-08-29T02:50:04.746" v="296" actId="26606"/>
+          <ac:spMkLst>
+            <pc:docMk/>
+            <pc:sldMk cId="1111484387" sldId="262"/>
+            <ac:spMk id="3" creationId="{7FB97219-D347-9617-350F-E0D5371140A8}"/>
+          </ac:spMkLst>
+        </pc:spChg>
+        <pc:spChg chg="add">
+          <ac:chgData name="Inamdar, Chaitanya (ADV D IN DTS EMX)" userId="dce70c7b-6f06-4b14-ba7f-615f0687729d" providerId="ADAL" clId="{B367F221-1C18-4B25-A8D4-844B79FC7859}" dt="2024-08-29T02:50:04.746" v="296" actId="26606"/>
+          <ac:spMkLst>
+            <pc:docMk/>
+            <pc:sldMk cId="1111484387" sldId="262"/>
+            <ac:spMk id="3086" creationId="{0288C6B4-AFC3-407F-A595-EFFD38D4CCAF}"/>
+          </ac:spMkLst>
+        </pc:spChg>
+        <pc:spChg chg="add">
+          <ac:chgData name="Inamdar, Chaitanya (ADV D IN DTS EMX)" userId="dce70c7b-6f06-4b14-ba7f-615f0687729d" providerId="ADAL" clId="{B367F221-1C18-4B25-A8D4-844B79FC7859}" dt="2024-08-29T02:50:04.746" v="296" actId="26606"/>
+          <ac:spMkLst>
+            <pc:docMk/>
+            <pc:sldMk cId="1111484387" sldId="262"/>
+            <ac:spMk id="3088" creationId="{CF236821-17FE-429B-8D2C-08E13A64EA40}"/>
+          </ac:spMkLst>
+        </pc:spChg>
+        <pc:spChg chg="add">
+          <ac:chgData name="Inamdar, Chaitanya (ADV D IN DTS EMX)" userId="dce70c7b-6f06-4b14-ba7f-615f0687729d" providerId="ADAL" clId="{B367F221-1C18-4B25-A8D4-844B79FC7859}" dt="2024-08-29T02:50:04.746" v="296" actId="26606"/>
+          <ac:spMkLst>
+            <pc:docMk/>
+            <pc:sldMk cId="1111484387" sldId="262"/>
+            <ac:spMk id="3090" creationId="{C0BDBCD2-E081-43AB-9119-C55465E59757}"/>
+          </ac:spMkLst>
+        </pc:spChg>
+        <pc:spChg chg="add">
+          <ac:chgData name="Inamdar, Chaitanya (ADV D IN DTS EMX)" userId="dce70c7b-6f06-4b14-ba7f-615f0687729d" providerId="ADAL" clId="{B367F221-1C18-4B25-A8D4-844B79FC7859}" dt="2024-08-29T02:50:04.746" v="296" actId="26606"/>
+          <ac:spMkLst>
+            <pc:docMk/>
+            <pc:sldMk cId="1111484387" sldId="262"/>
+            <ac:spMk id="3092" creationId="{98E79BE4-34FE-485A-98A5-92CE8F7C4743}"/>
+          </ac:spMkLst>
+        </pc:spChg>
+        <pc:spChg chg="add">
+          <ac:chgData name="Inamdar, Chaitanya (ADV D IN DTS EMX)" userId="dce70c7b-6f06-4b14-ba7f-615f0687729d" providerId="ADAL" clId="{B367F221-1C18-4B25-A8D4-844B79FC7859}" dt="2024-08-29T02:50:04.746" v="296" actId="26606"/>
+          <ac:spMkLst>
+            <pc:docMk/>
+            <pc:sldMk cId="1111484387" sldId="262"/>
+            <ac:spMk id="3094" creationId="{7A5F0580-5EE9-419F-96EE-B6529EF6E7D0}"/>
+          </ac:spMkLst>
+        </pc:spChg>
         <pc:grpChg chg="add del">
-          <ac:chgData name="Inamdar, Chaitanya (ADV D IN DTS EMX)" userId="dce70c7b-6f06-4b14-ba7f-615f0687729d" providerId="ADAL" clId="{B367F221-1C18-4B25-A8D4-844B79FC7859}" dt="2024-08-28T17:47:17.071" v="18"/>
+          <ac:chgData name="Inamdar, Chaitanya (ADV D IN DTS EMX)" userId="dce70c7b-6f06-4b14-ba7f-615f0687729d" providerId="ADAL" clId="{B367F221-1C18-4B25-A8D4-844B79FC7859}" dt="2024-08-29T02:50:04.746" v="296" actId="26606"/>
           <ac:grpSpMkLst>
             <pc:docMk/>
             <pc:sldMk cId="1111484387" sldId="262"/>
             <ac:grpSpMk id="3079" creationId="{6258F736-B256-8039-9DC6-F4E49A5C5AD5}"/>
           </ac:grpSpMkLst>
         </pc:grpChg>
+        <pc:picChg chg="mod">
+          <ac:chgData name="Inamdar, Chaitanya (ADV D IN DTS EMX)" userId="dce70c7b-6f06-4b14-ba7f-615f0687729d" providerId="ADAL" clId="{B367F221-1C18-4B25-A8D4-844B79FC7859}" dt="2024-08-29T02:50:04.746" v="296" actId="26606"/>
+          <ac:picMkLst>
+            <pc:docMk/>
+            <pc:sldMk cId="1111484387" sldId="262"/>
+            <ac:picMk id="3074" creationId="{39578DB9-8942-52E3-C714-152C0C032125}"/>
+          </ac:picMkLst>
+        </pc:picChg>
       </pc:sldChg>
-      <pc:sldChg chg="modSp">
-        <pc:chgData name="Inamdar, Chaitanya (ADV D IN DTS EMX)" userId="dce70c7b-6f06-4b14-ba7f-615f0687729d" providerId="ADAL" clId="{B367F221-1C18-4B25-A8D4-844B79FC7859}" dt="2024-08-28T17:47:17.071" v="18"/>
+      <pc:sldChg chg="addSp modSp mod setBg">
+        <pc:chgData name="Inamdar, Chaitanya (ADV D IN DTS EMX)" userId="dce70c7b-6f06-4b14-ba7f-615f0687729d" providerId="ADAL" clId="{B367F221-1C18-4B25-A8D4-844B79FC7859}" dt="2024-08-29T02:49:52.794" v="294" actId="26606"/>
         <pc:sldMkLst>
           <pc:docMk/>
           <pc:sldMk cId="3008097328" sldId="263"/>
         </pc:sldMkLst>
-        <pc:spChg chg="mod">
-          <ac:chgData name="Inamdar, Chaitanya (ADV D IN DTS EMX)" userId="dce70c7b-6f06-4b14-ba7f-615f0687729d" providerId="ADAL" clId="{B367F221-1C18-4B25-A8D4-844B79FC7859}" dt="2024-08-28T17:47:17.071" v="18"/>
+        <pc:spChg chg="mod ord">
+          <ac:chgData name="Inamdar, Chaitanya (ADV D IN DTS EMX)" userId="dce70c7b-6f06-4b14-ba7f-615f0687729d" providerId="ADAL" clId="{B367F221-1C18-4B25-A8D4-844B79FC7859}" dt="2024-08-29T02:49:52.794" v="294" actId="26606"/>
           <ac:spMkLst>
             <pc:docMk/>
             <pc:sldMk cId="3008097328" sldId="263"/>
             <ac:spMk id="2" creationId="{BFF257CD-9E19-70A4-79CF-417B3B2A55ED}"/>
           </ac:spMkLst>
         </pc:spChg>
+        <pc:spChg chg="mod">
+          <ac:chgData name="Inamdar, Chaitanya (ADV D IN DTS EMX)" userId="dce70c7b-6f06-4b14-ba7f-615f0687729d" providerId="ADAL" clId="{B367F221-1C18-4B25-A8D4-844B79FC7859}" dt="2024-08-29T02:49:52.794" v="294" actId="26606"/>
+          <ac:spMkLst>
+            <pc:docMk/>
+            <pc:sldMk cId="3008097328" sldId="263"/>
+            <ac:spMk id="5" creationId="{7C4FA44A-3297-9F80-BF18-0019916AE403}"/>
+          </ac:spMkLst>
+        </pc:spChg>
+        <pc:spChg chg="add">
+          <ac:chgData name="Inamdar, Chaitanya (ADV D IN DTS EMX)" userId="dce70c7b-6f06-4b14-ba7f-615f0687729d" providerId="ADAL" clId="{B367F221-1C18-4B25-A8D4-844B79FC7859}" dt="2024-08-29T02:49:52.794" v="294" actId="26606"/>
+          <ac:spMkLst>
+            <pc:docMk/>
+            <pc:sldMk cId="3008097328" sldId="263"/>
+            <ac:spMk id="5129" creationId="{560AFAAC-EA6C-45A9-9E03-C9C9F0193B4F}"/>
+          </ac:spMkLst>
+        </pc:spChg>
+        <pc:spChg chg="add">
+          <ac:chgData name="Inamdar, Chaitanya (ADV D IN DTS EMX)" userId="dce70c7b-6f06-4b14-ba7f-615f0687729d" providerId="ADAL" clId="{B367F221-1C18-4B25-A8D4-844B79FC7859}" dt="2024-08-29T02:49:52.794" v="294" actId="26606"/>
+          <ac:spMkLst>
+            <pc:docMk/>
+            <pc:sldMk cId="3008097328" sldId="263"/>
+            <ac:spMk id="5131" creationId="{83549E37-C86B-4401-90BD-D8BF83859F14}"/>
+          </ac:spMkLst>
+        </pc:spChg>
+        <pc:spChg chg="add">
+          <ac:chgData name="Inamdar, Chaitanya (ADV D IN DTS EMX)" userId="dce70c7b-6f06-4b14-ba7f-615f0687729d" providerId="ADAL" clId="{B367F221-1C18-4B25-A8D4-844B79FC7859}" dt="2024-08-29T02:49:52.794" v="294" actId="26606"/>
+          <ac:spMkLst>
+            <pc:docMk/>
+            <pc:sldMk cId="3008097328" sldId="263"/>
+            <ac:spMk id="5133" creationId="{8A17784E-76D8-4521-A77D-0D2EBB923004}"/>
+          </ac:spMkLst>
+        </pc:spChg>
+        <pc:spChg chg="add">
+          <ac:chgData name="Inamdar, Chaitanya (ADV D IN DTS EMX)" userId="dce70c7b-6f06-4b14-ba7f-615f0687729d" providerId="ADAL" clId="{B367F221-1C18-4B25-A8D4-844B79FC7859}" dt="2024-08-29T02:49:52.794" v="294" actId="26606"/>
+          <ac:spMkLst>
+            <pc:docMk/>
+            <pc:sldMk cId="3008097328" sldId="263"/>
+            <ac:spMk id="5135" creationId="{C0036C6B-F09C-4EAB-AE02-8D056EE74856}"/>
+          </ac:spMkLst>
+        </pc:spChg>
+        <pc:spChg chg="add">
+          <ac:chgData name="Inamdar, Chaitanya (ADV D IN DTS EMX)" userId="dce70c7b-6f06-4b14-ba7f-615f0687729d" providerId="ADAL" clId="{B367F221-1C18-4B25-A8D4-844B79FC7859}" dt="2024-08-29T02:49:52.794" v="294" actId="26606"/>
+          <ac:spMkLst>
+            <pc:docMk/>
+            <pc:sldMk cId="3008097328" sldId="263"/>
+            <ac:spMk id="5137" creationId="{FC8D5885-2804-4D3C-BE31-902E4D3279B0}"/>
+          </ac:spMkLst>
+        </pc:spChg>
+        <pc:picChg chg="mod">
+          <ac:chgData name="Inamdar, Chaitanya (ADV D IN DTS EMX)" userId="dce70c7b-6f06-4b14-ba7f-615f0687729d" providerId="ADAL" clId="{B367F221-1C18-4B25-A8D4-844B79FC7859}" dt="2024-08-29T02:49:52.794" v="294" actId="26606"/>
+          <ac:picMkLst>
+            <pc:docMk/>
+            <pc:sldMk cId="3008097328" sldId="263"/>
+            <ac:picMk id="5124" creationId="{9B6BE115-8EDD-2A75-EFAF-C4F044597FF6}"/>
+          </ac:picMkLst>
+        </pc:picChg>
       </pc:sldChg>
       <pc:sldChg chg="modSp mod">
         <pc:chgData name="Inamdar, Chaitanya (ADV D IN DTS EMX)" userId="dce70c7b-6f06-4b14-ba7f-615f0687729d" providerId="ADAL" clId="{B367F221-1C18-4B25-A8D4-844B79FC7859}" dt="2024-08-28T17:47:21.599" v="23" actId="14100"/>
@@ -339,6 +706,260 @@
           </ac:spMkLst>
         </pc:spChg>
       </pc:sldChg>
+      <pc:sldChg chg="addSp delSp modSp new mod setBg addAnim">
+        <pc:chgData name="Inamdar, Chaitanya (ADV D IN DTS EMX)" userId="dce70c7b-6f06-4b14-ba7f-615f0687729d" providerId="ADAL" clId="{B367F221-1C18-4B25-A8D4-844B79FC7859}" dt="2024-08-29T02:49:30.430" v="293" actId="20577"/>
+        <pc:sldMkLst>
+          <pc:docMk/>
+          <pc:sldMk cId="1534433467" sldId="266"/>
+        </pc:sldMkLst>
+        <pc:spChg chg="mod ord">
+          <ac:chgData name="Inamdar, Chaitanya (ADV D IN DTS EMX)" userId="dce70c7b-6f06-4b14-ba7f-615f0687729d" providerId="ADAL" clId="{B367F221-1C18-4B25-A8D4-844B79FC7859}" dt="2024-08-29T02:48:55.863" v="210" actId="26606"/>
+          <ac:spMkLst>
+            <pc:docMk/>
+            <pc:sldMk cId="1534433467" sldId="266"/>
+            <ac:spMk id="2" creationId="{964A6BB4-2337-D61E-162B-3F4B969605E2}"/>
+          </ac:spMkLst>
+        </pc:spChg>
+        <pc:spChg chg="del">
+          <ac:chgData name="Inamdar, Chaitanya (ADV D IN DTS EMX)" userId="dce70c7b-6f06-4b14-ba7f-615f0687729d" providerId="ADAL" clId="{B367F221-1C18-4B25-A8D4-844B79FC7859}" dt="2024-08-29T02:39:59.025" v="56" actId="478"/>
+          <ac:spMkLst>
+            <pc:docMk/>
+            <pc:sldMk cId="1534433467" sldId="266"/>
+            <ac:spMk id="3" creationId="{6280698B-228D-B474-7597-13D2ABC94CA4}"/>
+          </ac:spMkLst>
+        </pc:spChg>
+        <pc:spChg chg="add ord">
+          <ac:chgData name="Inamdar, Chaitanya (ADV D IN DTS EMX)" userId="dce70c7b-6f06-4b14-ba7f-615f0687729d" providerId="ADAL" clId="{B367F221-1C18-4B25-A8D4-844B79FC7859}" dt="2024-08-29T02:48:55.863" v="210" actId="26606"/>
+          <ac:spMkLst>
+            <pc:docMk/>
+            <pc:sldMk cId="1534433467" sldId="266"/>
+            <ac:spMk id="4" creationId="{3CA5B9E8-3602-0182-CD38-C6F234C3900D}"/>
+          </ac:spMkLst>
+        </pc:spChg>
+        <pc:spChg chg="add mod">
+          <ac:chgData name="Inamdar, Chaitanya (ADV D IN DTS EMX)" userId="dce70c7b-6f06-4b14-ba7f-615f0687729d" providerId="ADAL" clId="{B367F221-1C18-4B25-A8D4-844B79FC7859}" dt="2024-08-29T02:49:30.430" v="293" actId="20577"/>
+          <ac:spMkLst>
+            <pc:docMk/>
+            <pc:sldMk cId="1534433467" sldId="266"/>
+            <ac:spMk id="5" creationId="{D52F480E-9862-CABC-378F-051273E9FB04}"/>
+          </ac:spMkLst>
+        </pc:spChg>
+        <pc:spChg chg="add del">
+          <ac:chgData name="Inamdar, Chaitanya (ADV D IN DTS EMX)" userId="dce70c7b-6f06-4b14-ba7f-615f0687729d" providerId="ADAL" clId="{B367F221-1C18-4B25-A8D4-844B79FC7859}" dt="2024-08-29T02:48:55.863" v="210" actId="26606"/>
+          <ac:spMkLst>
+            <pc:docMk/>
+            <pc:sldMk cId="1534433467" sldId="266"/>
+            <ac:spMk id="1035" creationId="{6234BCC6-39B9-47D9-8BF8-C665401AE23C}"/>
+          </ac:spMkLst>
+        </pc:spChg>
+        <pc:spChg chg="add del">
+          <ac:chgData name="Inamdar, Chaitanya (ADV D IN DTS EMX)" userId="dce70c7b-6f06-4b14-ba7f-615f0687729d" providerId="ADAL" clId="{B367F221-1C18-4B25-A8D4-844B79FC7859}" dt="2024-08-29T02:48:55.863" v="210" actId="26606"/>
+          <ac:spMkLst>
+            <pc:docMk/>
+            <pc:sldMk cId="1534433467" sldId="266"/>
+            <ac:spMk id="1037" creationId="{72A9CE9D-DAC3-40AF-B504-78A64A909F9D}"/>
+          </ac:spMkLst>
+        </pc:spChg>
+        <pc:spChg chg="add del">
+          <ac:chgData name="Inamdar, Chaitanya (ADV D IN DTS EMX)" userId="dce70c7b-6f06-4b14-ba7f-615f0687729d" providerId="ADAL" clId="{B367F221-1C18-4B25-A8D4-844B79FC7859}" dt="2024-08-29T02:48:55.863" v="210" actId="26606"/>
+          <ac:spMkLst>
+            <pc:docMk/>
+            <pc:sldMk cId="1534433467" sldId="266"/>
+            <ac:spMk id="1039" creationId="{506D7452-6CDE-4381-86CE-07B2459383D5}"/>
+          </ac:spMkLst>
+        </pc:spChg>
+        <pc:spChg chg="add del">
+          <ac:chgData name="Inamdar, Chaitanya (ADV D IN DTS EMX)" userId="dce70c7b-6f06-4b14-ba7f-615f0687729d" providerId="ADAL" clId="{B367F221-1C18-4B25-A8D4-844B79FC7859}" dt="2024-08-29T02:48:55.863" v="210" actId="26606"/>
+          <ac:spMkLst>
+            <pc:docMk/>
+            <pc:sldMk cId="1534433467" sldId="266"/>
+            <ac:spMk id="1041" creationId="{762DA937-8B55-4317-BD32-98D7AF30E39E}"/>
+          </ac:spMkLst>
+        </pc:spChg>
+        <pc:spChg chg="add del">
+          <ac:chgData name="Inamdar, Chaitanya (ADV D IN DTS EMX)" userId="dce70c7b-6f06-4b14-ba7f-615f0687729d" providerId="ADAL" clId="{B367F221-1C18-4B25-A8D4-844B79FC7859}" dt="2024-08-29T02:48:55.863" v="210" actId="26606"/>
+          <ac:spMkLst>
+            <pc:docMk/>
+            <pc:sldMk cId="1534433467" sldId="266"/>
+            <ac:spMk id="1043" creationId="{C52EE5A8-045B-4D39-8ED1-513334085EEC}"/>
+          </ac:spMkLst>
+        </pc:spChg>
+        <pc:spChg chg="add">
+          <ac:chgData name="Inamdar, Chaitanya (ADV D IN DTS EMX)" userId="dce70c7b-6f06-4b14-ba7f-615f0687729d" providerId="ADAL" clId="{B367F221-1C18-4B25-A8D4-844B79FC7859}" dt="2024-08-29T02:48:55.863" v="210" actId="26606"/>
+          <ac:spMkLst>
+            <pc:docMk/>
+            <pc:sldMk cId="1534433467" sldId="266"/>
+            <ac:spMk id="1048" creationId="{231BF440-39FA-4087-84CC-2EEC0BBDAF29}"/>
+          </ac:spMkLst>
+        </pc:spChg>
+        <pc:spChg chg="add">
+          <ac:chgData name="Inamdar, Chaitanya (ADV D IN DTS EMX)" userId="dce70c7b-6f06-4b14-ba7f-615f0687729d" providerId="ADAL" clId="{B367F221-1C18-4B25-A8D4-844B79FC7859}" dt="2024-08-29T02:48:55.863" v="210" actId="26606"/>
+          <ac:spMkLst>
+            <pc:docMk/>
+            <pc:sldMk cId="1534433467" sldId="266"/>
+            <ac:spMk id="1050" creationId="{F04E4CBA-303B-48BD-8451-C2701CB0EEBF}"/>
+          </ac:spMkLst>
+        </pc:spChg>
+        <pc:spChg chg="add">
+          <ac:chgData name="Inamdar, Chaitanya (ADV D IN DTS EMX)" userId="dce70c7b-6f06-4b14-ba7f-615f0687729d" providerId="ADAL" clId="{B367F221-1C18-4B25-A8D4-844B79FC7859}" dt="2024-08-29T02:48:55.863" v="210" actId="26606"/>
+          <ac:spMkLst>
+            <pc:docMk/>
+            <pc:sldMk cId="1534433467" sldId="266"/>
+            <ac:spMk id="1052" creationId="{F6CA58B3-AFCC-4A40-9882-50D5080879B0}"/>
+          </ac:spMkLst>
+        </pc:spChg>
+        <pc:spChg chg="add">
+          <ac:chgData name="Inamdar, Chaitanya (ADV D IN DTS EMX)" userId="dce70c7b-6f06-4b14-ba7f-615f0687729d" providerId="ADAL" clId="{B367F221-1C18-4B25-A8D4-844B79FC7859}" dt="2024-08-29T02:48:55.863" v="210" actId="26606"/>
+          <ac:spMkLst>
+            <pc:docMk/>
+            <pc:sldMk cId="1534433467" sldId="266"/>
+            <ac:spMk id="1054" creationId="{75C56826-D4E5-42ED-8529-079651CB3005}"/>
+          </ac:spMkLst>
+        </pc:spChg>
+        <pc:spChg chg="add">
+          <ac:chgData name="Inamdar, Chaitanya (ADV D IN DTS EMX)" userId="dce70c7b-6f06-4b14-ba7f-615f0687729d" providerId="ADAL" clId="{B367F221-1C18-4B25-A8D4-844B79FC7859}" dt="2024-08-29T02:48:55.863" v="210" actId="26606"/>
+          <ac:spMkLst>
+            <pc:docMk/>
+            <pc:sldMk cId="1534433467" sldId="266"/>
+            <ac:spMk id="1056" creationId="{82095FCE-EF05-4443-B97A-85DEE3A5CA17}"/>
+          </ac:spMkLst>
+        </pc:spChg>
+        <pc:spChg chg="add">
+          <ac:chgData name="Inamdar, Chaitanya (ADV D IN DTS EMX)" userId="dce70c7b-6f06-4b14-ba7f-615f0687729d" providerId="ADAL" clId="{B367F221-1C18-4B25-A8D4-844B79FC7859}" dt="2024-08-29T02:48:55.863" v="210" actId="26606"/>
+          <ac:spMkLst>
+            <pc:docMk/>
+            <pc:sldMk cId="1534433467" sldId="266"/>
+            <ac:spMk id="1058" creationId="{CA00AE6B-AA30-4CF8-BA6F-339B780AD76C}"/>
+          </ac:spMkLst>
+        </pc:spChg>
+        <pc:picChg chg="add mod">
+          <ac:chgData name="Inamdar, Chaitanya (ADV D IN DTS EMX)" userId="dce70c7b-6f06-4b14-ba7f-615f0687729d" providerId="ADAL" clId="{B367F221-1C18-4B25-A8D4-844B79FC7859}" dt="2024-08-29T02:47:29.527" v="199" actId="26606"/>
+          <ac:picMkLst>
+            <pc:docMk/>
+            <pc:sldMk cId="1534433467" sldId="266"/>
+            <ac:picMk id="1028" creationId="{F49FB003-5B55-5027-39E3-EADF9719B590}"/>
+          </ac:picMkLst>
+        </pc:picChg>
+        <pc:picChg chg="add mod">
+          <ac:chgData name="Inamdar, Chaitanya (ADV D IN DTS EMX)" userId="dce70c7b-6f06-4b14-ba7f-615f0687729d" providerId="ADAL" clId="{B367F221-1C18-4B25-A8D4-844B79FC7859}" dt="2024-08-29T02:47:29.527" v="199" actId="26606"/>
+          <ac:picMkLst>
+            <pc:docMk/>
+            <pc:sldMk cId="1534433467" sldId="266"/>
+            <ac:picMk id="1030" creationId="{76FF2624-9960-FE3E-A230-1D18911D4F6C}"/>
+          </ac:picMkLst>
+        </pc:picChg>
+      </pc:sldChg>
+      <pc:sldChg chg="addSp delSp modSp new mod setBg">
+        <pc:chgData name="Inamdar, Chaitanya (ADV D IN DTS EMX)" userId="dce70c7b-6f06-4b14-ba7f-615f0687729d" providerId="ADAL" clId="{B367F221-1C18-4B25-A8D4-844B79FC7859}" dt="2024-08-29T02:48:17.177" v="208" actId="20577"/>
+        <pc:sldMkLst>
+          <pc:docMk/>
+          <pc:sldMk cId="956245343" sldId="267"/>
+        </pc:sldMkLst>
+        <pc:spChg chg="mod ord">
+          <ac:chgData name="Inamdar, Chaitanya (ADV D IN DTS EMX)" userId="dce70c7b-6f06-4b14-ba7f-615f0687729d" providerId="ADAL" clId="{B367F221-1C18-4B25-A8D4-844B79FC7859}" dt="2024-08-29T02:48:17.177" v="208" actId="20577"/>
+          <ac:spMkLst>
+            <pc:docMk/>
+            <pc:sldMk cId="956245343" sldId="267"/>
+            <ac:spMk id="2" creationId="{BC1CC5B3-04CF-D0FB-7BFC-0ABEBD0E2A48}"/>
+          </ac:spMkLst>
+        </pc:spChg>
+        <pc:spChg chg="del">
+          <ac:chgData name="Inamdar, Chaitanya (ADV D IN DTS EMX)" userId="dce70c7b-6f06-4b14-ba7f-615f0687729d" providerId="ADAL" clId="{B367F221-1C18-4B25-A8D4-844B79FC7859}" dt="2024-08-29T02:45:28.781" v="80"/>
+          <ac:spMkLst>
+            <pc:docMk/>
+            <pc:sldMk cId="956245343" sldId="267"/>
+            <ac:spMk id="3" creationId="{9E1262E9-018F-FE42-D560-79A57E2A8EE9}"/>
+          </ac:spMkLst>
+        </pc:spChg>
+        <pc:spChg chg="add del">
+          <ac:chgData name="Inamdar, Chaitanya (ADV D IN DTS EMX)" userId="dce70c7b-6f06-4b14-ba7f-615f0687729d" providerId="ADAL" clId="{B367F221-1C18-4B25-A8D4-844B79FC7859}" dt="2024-08-29T02:46:25.483" v="90" actId="26606"/>
+          <ac:spMkLst>
+            <pc:docMk/>
+            <pc:sldMk cId="956245343" sldId="267"/>
+            <ac:spMk id="2056" creationId="{575BFF4E-1DE1-1D55-E996-1F0233F65DA8}"/>
+          </ac:spMkLst>
+        </pc:spChg>
+        <pc:spChg chg="add del">
+          <ac:chgData name="Inamdar, Chaitanya (ADV D IN DTS EMX)" userId="dce70c7b-6f06-4b14-ba7f-615f0687729d" providerId="ADAL" clId="{B367F221-1C18-4B25-A8D4-844B79FC7859}" dt="2024-08-29T02:46:25.483" v="90" actId="26606"/>
+          <ac:spMkLst>
+            <pc:docMk/>
+            <pc:sldMk cId="956245343" sldId="267"/>
+            <ac:spMk id="2059" creationId="{99F1FFA9-D672-408C-9220-ADEEC6ABDD09}"/>
+          </ac:spMkLst>
+        </pc:spChg>
+        <pc:spChg chg="add">
+          <ac:chgData name="Inamdar, Chaitanya (ADV D IN DTS EMX)" userId="dce70c7b-6f06-4b14-ba7f-615f0687729d" providerId="ADAL" clId="{B367F221-1C18-4B25-A8D4-844B79FC7859}" dt="2024-08-29T02:46:25.504" v="91" actId="26606"/>
+          <ac:spMkLst>
+            <pc:docMk/>
+            <pc:sldMk cId="956245343" sldId="267"/>
+            <ac:spMk id="2061" creationId="{F04E4CBA-303B-48BD-8451-C2701CB0EEBF}"/>
+          </ac:spMkLst>
+        </pc:spChg>
+        <pc:spChg chg="add">
+          <ac:chgData name="Inamdar, Chaitanya (ADV D IN DTS EMX)" userId="dce70c7b-6f06-4b14-ba7f-615f0687729d" providerId="ADAL" clId="{B367F221-1C18-4B25-A8D4-844B79FC7859}" dt="2024-08-29T02:46:25.504" v="91" actId="26606"/>
+          <ac:spMkLst>
+            <pc:docMk/>
+            <pc:sldMk cId="956245343" sldId="267"/>
+            <ac:spMk id="2062" creationId="{231BF440-39FA-4087-84CC-2EEC0BBDAF29}"/>
+          </ac:spMkLst>
+        </pc:spChg>
+        <pc:spChg chg="add">
+          <ac:chgData name="Inamdar, Chaitanya (ADV D IN DTS EMX)" userId="dce70c7b-6f06-4b14-ba7f-615f0687729d" providerId="ADAL" clId="{B367F221-1C18-4B25-A8D4-844B79FC7859}" dt="2024-08-29T02:46:25.504" v="91" actId="26606"/>
+          <ac:spMkLst>
+            <pc:docMk/>
+            <pc:sldMk cId="956245343" sldId="267"/>
+            <ac:spMk id="2063" creationId="{F6CA58B3-AFCC-4A40-9882-50D5080879B0}"/>
+          </ac:spMkLst>
+        </pc:spChg>
+        <pc:spChg chg="add mod">
+          <ac:chgData name="Inamdar, Chaitanya (ADV D IN DTS EMX)" userId="dce70c7b-6f06-4b14-ba7f-615f0687729d" providerId="ADAL" clId="{B367F221-1C18-4B25-A8D4-844B79FC7859}" dt="2024-08-29T02:46:58.367" v="196" actId="20577"/>
+          <ac:spMkLst>
+            <pc:docMk/>
+            <pc:sldMk cId="956245343" sldId="267"/>
+            <ac:spMk id="2064" creationId="{7BF9B835-0795-1967-DF78-4DFEA403F568}"/>
+          </ac:spMkLst>
+        </pc:spChg>
+        <pc:spChg chg="add">
+          <ac:chgData name="Inamdar, Chaitanya (ADV D IN DTS EMX)" userId="dce70c7b-6f06-4b14-ba7f-615f0687729d" providerId="ADAL" clId="{B367F221-1C18-4B25-A8D4-844B79FC7859}" dt="2024-08-29T02:46:25.504" v="91" actId="26606"/>
+          <ac:spMkLst>
+            <pc:docMk/>
+            <pc:sldMk cId="956245343" sldId="267"/>
+            <ac:spMk id="2065" creationId="{75C56826-D4E5-42ED-8529-079651CB3005}"/>
+          </ac:spMkLst>
+        </pc:spChg>
+        <pc:spChg chg="add">
+          <ac:chgData name="Inamdar, Chaitanya (ADV D IN DTS EMX)" userId="dce70c7b-6f06-4b14-ba7f-615f0687729d" providerId="ADAL" clId="{B367F221-1C18-4B25-A8D4-844B79FC7859}" dt="2024-08-29T02:46:25.504" v="91" actId="26606"/>
+          <ac:spMkLst>
+            <pc:docMk/>
+            <pc:sldMk cId="956245343" sldId="267"/>
+            <ac:spMk id="2067" creationId="{82095FCE-EF05-4443-B97A-85DEE3A5CA17}"/>
+          </ac:spMkLst>
+        </pc:spChg>
+        <pc:spChg chg="add">
+          <ac:chgData name="Inamdar, Chaitanya (ADV D IN DTS EMX)" userId="dce70c7b-6f06-4b14-ba7f-615f0687729d" providerId="ADAL" clId="{B367F221-1C18-4B25-A8D4-844B79FC7859}" dt="2024-08-29T02:46:25.504" v="91" actId="26606"/>
+          <ac:spMkLst>
+            <pc:docMk/>
+            <pc:sldMk cId="956245343" sldId="267"/>
+            <ac:spMk id="2069" creationId="{CA00AE6B-AA30-4CF8-BA6F-339B780AD76C}"/>
+          </ac:spMkLst>
+        </pc:spChg>
+        <pc:picChg chg="add mod ord">
+          <ac:chgData name="Inamdar, Chaitanya (ADV D IN DTS EMX)" userId="dce70c7b-6f06-4b14-ba7f-615f0687729d" providerId="ADAL" clId="{B367F221-1C18-4B25-A8D4-844B79FC7859}" dt="2024-08-29T02:46:25.504" v="91" actId="26606"/>
+          <ac:picMkLst>
+            <pc:docMk/>
+            <pc:sldMk cId="956245343" sldId="267"/>
+            <ac:picMk id="2050" creationId="{BB303917-9EAA-D7D1-2288-93415EEFACA9}"/>
+          </ac:picMkLst>
+        </pc:picChg>
+        <pc:picChg chg="add mod">
+          <ac:chgData name="Inamdar, Chaitanya (ADV D IN DTS EMX)" userId="dce70c7b-6f06-4b14-ba7f-615f0687729d" providerId="ADAL" clId="{B367F221-1C18-4B25-A8D4-844B79FC7859}" dt="2024-08-29T02:46:25.504" v="91" actId="26606"/>
+          <ac:picMkLst>
+            <pc:docMk/>
+            <pc:sldMk cId="956245343" sldId="267"/>
+            <ac:picMk id="2052" creationId="{BAB2418E-6B0D-38D4-5833-751CF43E6322}"/>
+          </ac:picMkLst>
+        </pc:picChg>
+      </pc:sldChg>
     </pc:docChg>
   </pc:docChgLst>
 </pc:chgInfo>
@@ -493,7 +1114,7 @@
           <a:p>
             <a:fld id="{E3E395D2-04E4-4D4D-ADD6-B5F72DC254DA}" type="datetimeFigureOut">
               <a:rPr lang="en-IN" smtClean="0"/>
-              <a:t>28-08-2024</a:t>
+              <a:t>29-08-2024</a:t>
             </a:fld>
             <a:endParaRPr lang="en-IN"/>
           </a:p>
@@ -693,7 +1314,7 @@
           <a:p>
             <a:fld id="{E3E395D2-04E4-4D4D-ADD6-B5F72DC254DA}" type="datetimeFigureOut">
               <a:rPr lang="en-IN" smtClean="0"/>
-              <a:t>28-08-2024</a:t>
+              <a:t>29-08-2024</a:t>
             </a:fld>
             <a:endParaRPr lang="en-IN"/>
           </a:p>
@@ -903,7 +1524,7 @@
           <a:p>
             <a:fld id="{E3E395D2-04E4-4D4D-ADD6-B5F72DC254DA}" type="datetimeFigureOut">
               <a:rPr lang="en-IN" smtClean="0"/>
-              <a:t>28-08-2024</a:t>
+              <a:t>29-08-2024</a:t>
             </a:fld>
             <a:endParaRPr lang="en-IN"/>
           </a:p>
@@ -1103,7 +1724,7 @@
           <a:p>
             <a:fld id="{E3E395D2-04E4-4D4D-ADD6-B5F72DC254DA}" type="datetimeFigureOut">
               <a:rPr lang="en-IN" smtClean="0"/>
-              <a:t>28-08-2024</a:t>
+              <a:t>29-08-2024</a:t>
             </a:fld>
             <a:endParaRPr lang="en-IN"/>
           </a:p>
@@ -1379,7 +2000,7 @@
           <a:p>
             <a:fld id="{E3E395D2-04E4-4D4D-ADD6-B5F72DC254DA}" type="datetimeFigureOut">
               <a:rPr lang="en-IN" smtClean="0"/>
-              <a:t>28-08-2024</a:t>
+              <a:t>29-08-2024</a:t>
             </a:fld>
             <a:endParaRPr lang="en-IN"/>
           </a:p>
@@ -1647,7 +2268,7 @@
           <a:p>
             <a:fld id="{E3E395D2-04E4-4D4D-ADD6-B5F72DC254DA}" type="datetimeFigureOut">
               <a:rPr lang="en-IN" smtClean="0"/>
-              <a:t>28-08-2024</a:t>
+              <a:t>29-08-2024</a:t>
             </a:fld>
             <a:endParaRPr lang="en-IN"/>
           </a:p>
@@ -2062,7 +2683,7 @@
           <a:p>
             <a:fld id="{E3E395D2-04E4-4D4D-ADD6-B5F72DC254DA}" type="datetimeFigureOut">
               <a:rPr lang="en-IN" smtClean="0"/>
-              <a:t>28-08-2024</a:t>
+              <a:t>29-08-2024</a:t>
             </a:fld>
             <a:endParaRPr lang="en-IN"/>
           </a:p>
@@ -2204,7 +2825,7 @@
           <a:p>
             <a:fld id="{E3E395D2-04E4-4D4D-ADD6-B5F72DC254DA}" type="datetimeFigureOut">
               <a:rPr lang="en-IN" smtClean="0"/>
-              <a:t>28-08-2024</a:t>
+              <a:t>29-08-2024</a:t>
             </a:fld>
             <a:endParaRPr lang="en-IN"/>
           </a:p>
@@ -2317,7 +2938,7 @@
           <a:p>
             <a:fld id="{E3E395D2-04E4-4D4D-ADD6-B5F72DC254DA}" type="datetimeFigureOut">
               <a:rPr lang="en-IN" smtClean="0"/>
-              <a:t>28-08-2024</a:t>
+              <a:t>29-08-2024</a:t>
             </a:fld>
             <a:endParaRPr lang="en-IN"/>
           </a:p>
@@ -2630,7 +3251,7 @@
           <a:p>
             <a:fld id="{E3E395D2-04E4-4D4D-ADD6-B5F72DC254DA}" type="datetimeFigureOut">
               <a:rPr lang="en-IN" smtClean="0"/>
-              <a:t>28-08-2024</a:t>
+              <a:t>29-08-2024</a:t>
             </a:fld>
             <a:endParaRPr lang="en-IN"/>
           </a:p>
@@ -2919,7 +3540,7 @@
           <a:p>
             <a:fld id="{E3E395D2-04E4-4D4D-ADD6-B5F72DC254DA}" type="datetimeFigureOut">
               <a:rPr lang="en-IN" smtClean="0"/>
-              <a:t>28-08-2024</a:t>
+              <a:t>29-08-2024</a:t>
             </a:fld>
             <a:endParaRPr lang="en-IN"/>
           </a:p>
@@ -3162,7 +3783,7 @@
           <a:p>
             <a:fld id="{E3E395D2-04E4-4D4D-ADD6-B5F72DC254DA}" type="datetimeFigureOut">
               <a:rPr lang="en-IN" smtClean="0"/>
-              <a:t>28-08-2024</a:t>
+              <a:t>29-08-2024</a:t>
             </a:fld>
             <a:endParaRPr lang="en-IN"/>
           </a:p>
@@ -3565,6 +4186,14 @@
 <file path=ppt/slides/slide1.xml><?xml version="1.0" encoding="utf-8"?>
 <p:sld xmlns:a="http://schemas.openxmlformats.org/drawingml/2006/main" xmlns:r="http://schemas.openxmlformats.org/officeDocument/2006/relationships" xmlns:p="http://schemas.openxmlformats.org/presentationml/2006/main">
   <p:cSld>
+    <p:bg>
+      <p:bgPr>
+        <a:solidFill>
+          <a:schemeClr val="bg1"/>
+        </a:solidFill>
+        <a:effectLst/>
+      </p:bgPr>
+    </p:bg>
     <p:spTree>
       <p:nvGrpSpPr>
         <p:cNvPr id="1" name=""/>
@@ -3579,6 +4208,457 @@
           <a:chExt cx="0" cy="0"/>
         </a:xfrm>
       </p:grpSpPr>
+      <p:sp useBgFill="1">
+        <p:nvSpPr>
+          <p:cNvPr id="8" name="Rectangle 7">
+            <a:extLst>
+              <a:ext uri="{FF2B5EF4-FFF2-40B4-BE49-F238E27FC236}">
+                <a16:creationId xmlns:a16="http://schemas.microsoft.com/office/drawing/2014/main" id="{FFD48BC7-DC40-47DE-87EE-9F4B6ECB9ABB}"/>
+              </a:ext>
+              <a:ext uri="{C183D7F6-B498-43B3-948B-1728B52AA6E4}">
+                <adec:decorative xmlns:adec="http://schemas.microsoft.com/office/drawing/2017/decorative" val="1"/>
+              </a:ext>
+            </a:extLst>
+          </p:cNvPr>
+          <p:cNvSpPr>
+            <a:spLocks noGrp="1" noRot="1" noChangeAspect="1" noMove="1" noResize="1" noEditPoints="1" noAdjustHandles="1" noChangeArrowheads="1" noChangeShapeType="1" noTextEdit="1"/>
+          </p:cNvSpPr>
+          <p:nvPr>
+            <p:extLst>
+              <p:ext uri="{386F3935-93C4-4BCD-93E2-E3B085C9AB24}">
+                <p16:designElem xmlns:p16="http://schemas.microsoft.com/office/powerpoint/2015/main" val="1"/>
+              </p:ext>
+            </p:extLst>
+          </p:nvPr>
+        </p:nvSpPr>
+        <p:spPr>
+          <a:xfrm>
+            <a:off x="0" y="0"/>
+            <a:ext cx="12192000" cy="6858000"/>
+          </a:xfrm>
+          <a:prstGeom prst="rect">
+            <a:avLst/>
+          </a:prstGeom>
+          <a:ln>
+            <a:noFill/>
+          </a:ln>
+        </p:spPr>
+        <p:style>
+          <a:lnRef idx="2">
+            <a:schemeClr val="accent1">
+              <a:shade val="50000"/>
+            </a:schemeClr>
+          </a:lnRef>
+          <a:fillRef idx="1">
+            <a:schemeClr val="accent1"/>
+          </a:fillRef>
+          <a:effectRef idx="0">
+            <a:schemeClr val="accent1"/>
+          </a:effectRef>
+          <a:fontRef idx="minor">
+            <a:schemeClr val="lt1"/>
+          </a:fontRef>
+        </p:style>
+        <p:txBody>
+          <a:bodyPr rtlCol="0" anchor="ctr"/>
+          <a:lstStyle/>
+          <a:p>
+            <a:pPr algn="ctr"/>
+            <a:endParaRPr lang="en-US"/>
+          </a:p>
+        </p:txBody>
+      </p:sp>
+      <p:sp useBgFill="1">
+        <p:nvSpPr>
+          <p:cNvPr id="10" name="Freeform: Shape 9">
+            <a:extLst>
+              <a:ext uri="{FF2B5EF4-FFF2-40B4-BE49-F238E27FC236}">
+                <a16:creationId xmlns:a16="http://schemas.microsoft.com/office/drawing/2014/main" id="{E502BBC7-2C76-46F3-BC24-5985BC13DB88}"/>
+              </a:ext>
+              <a:ext uri="{C183D7F6-B498-43B3-948B-1728B52AA6E4}">
+                <adec:decorative xmlns:adec="http://schemas.microsoft.com/office/drawing/2017/decorative" val="1"/>
+              </a:ext>
+            </a:extLst>
+          </p:cNvPr>
+          <p:cNvSpPr>
+            <a:spLocks noGrp="1" noRot="1" noChangeAspect="1" noMove="1" noResize="1" noEditPoints="1" noAdjustHandles="1" noChangeArrowheads="1" noChangeShapeType="1" noTextEdit="1"/>
+          </p:cNvSpPr>
+          <p:nvPr>
+            <p:extLst>
+              <p:ext uri="{386F3935-93C4-4BCD-93E2-E3B085C9AB24}">
+                <p16:designElem xmlns:p16="http://schemas.microsoft.com/office/powerpoint/2015/main" val="1"/>
+              </p:ext>
+            </p:extLst>
+          </p:nvPr>
+        </p:nvSpPr>
+        <p:spPr>
+          <a:xfrm>
+            <a:off x="1114425" y="0"/>
+            <a:ext cx="9963150" cy="6858000"/>
+          </a:xfrm>
+          <a:custGeom>
+            <a:avLst/>
+            <a:gdLst>
+              <a:gd name="connsiteX0" fmla="*/ 1595771 w 9963150"/>
+              <a:gd name="connsiteY0" fmla="*/ 0 h 6858000"/>
+              <a:gd name="connsiteX1" fmla="*/ 8367379 w 9963150"/>
+              <a:gd name="connsiteY1" fmla="*/ 0 h 6858000"/>
+              <a:gd name="connsiteX2" fmla="*/ 8504080 w 9963150"/>
+              <a:gd name="connsiteY2" fmla="*/ 130333 h 6858000"/>
+              <a:gd name="connsiteX3" fmla="*/ 9963150 w 9963150"/>
+              <a:gd name="connsiteY3" fmla="*/ 3652838 h 6858000"/>
+              <a:gd name="connsiteX4" fmla="*/ 8825600 w 9963150"/>
+              <a:gd name="connsiteY4" fmla="*/ 6821583 h 6858000"/>
+              <a:gd name="connsiteX5" fmla="*/ 8794055 w 9963150"/>
+              <a:gd name="connsiteY5" fmla="*/ 6858000 h 6858000"/>
+              <a:gd name="connsiteX6" fmla="*/ 1169096 w 9963150"/>
+              <a:gd name="connsiteY6" fmla="*/ 6858000 h 6858000"/>
+              <a:gd name="connsiteX7" fmla="*/ 1137550 w 9963150"/>
+              <a:gd name="connsiteY7" fmla="*/ 6821583 h 6858000"/>
+              <a:gd name="connsiteX8" fmla="*/ 0 w 9963150"/>
+              <a:gd name="connsiteY8" fmla="*/ 3652838 h 6858000"/>
+              <a:gd name="connsiteX9" fmla="*/ 1459070 w 9963150"/>
+              <a:gd name="connsiteY9" fmla="*/ 130333 h 6858000"/>
+            </a:gdLst>
+            <a:ahLst/>
+            <a:cxnLst>
+              <a:cxn ang="0">
+                <a:pos x="connsiteX0" y="connsiteY0"/>
+              </a:cxn>
+              <a:cxn ang="0">
+                <a:pos x="connsiteX1" y="connsiteY1"/>
+              </a:cxn>
+              <a:cxn ang="0">
+                <a:pos x="connsiteX2" y="connsiteY2"/>
+              </a:cxn>
+              <a:cxn ang="0">
+                <a:pos x="connsiteX3" y="connsiteY3"/>
+              </a:cxn>
+              <a:cxn ang="0">
+                <a:pos x="connsiteX4" y="connsiteY4"/>
+              </a:cxn>
+              <a:cxn ang="0">
+                <a:pos x="connsiteX5" y="connsiteY5"/>
+              </a:cxn>
+              <a:cxn ang="0">
+                <a:pos x="connsiteX6" y="connsiteY6"/>
+              </a:cxn>
+              <a:cxn ang="0">
+                <a:pos x="connsiteX7" y="connsiteY7"/>
+              </a:cxn>
+              <a:cxn ang="0">
+                <a:pos x="connsiteX8" y="connsiteY8"/>
+              </a:cxn>
+              <a:cxn ang="0">
+                <a:pos x="connsiteX9" y="connsiteY9"/>
+              </a:cxn>
+            </a:cxnLst>
+            <a:rect l="l" t="t" r="r" b="b"/>
+            <a:pathLst>
+              <a:path w="9963150" h="6858000">
+                <a:moveTo>
+                  <a:pt x="1595771" y="0"/>
+                </a:moveTo>
+                <a:lnTo>
+                  <a:pt x="8367379" y="0"/>
+                </a:lnTo>
+                <a:lnTo>
+                  <a:pt x="8504080" y="130333"/>
+                </a:lnTo>
+                <a:cubicBezTo>
+                  <a:pt x="9405568" y="1031820"/>
+                  <a:pt x="9963150" y="2277214"/>
+                  <a:pt x="9963150" y="3652838"/>
+                </a:cubicBezTo>
+                <a:cubicBezTo>
+                  <a:pt x="9963150" y="4856509"/>
+                  <a:pt x="9536251" y="5960473"/>
+                  <a:pt x="8825600" y="6821583"/>
+                </a:cubicBezTo>
+                <a:lnTo>
+                  <a:pt x="8794055" y="6858000"/>
+                </a:lnTo>
+                <a:lnTo>
+                  <a:pt x="1169096" y="6858000"/>
+                </a:lnTo>
+                <a:lnTo>
+                  <a:pt x="1137550" y="6821583"/>
+                </a:lnTo>
+                <a:cubicBezTo>
+                  <a:pt x="426899" y="5960473"/>
+                  <a:pt x="0" y="4856509"/>
+                  <a:pt x="0" y="3652838"/>
+                </a:cubicBezTo>
+                <a:cubicBezTo>
+                  <a:pt x="0" y="2277214"/>
+                  <a:pt x="557582" y="1031820"/>
+                  <a:pt x="1459070" y="130333"/>
+                </a:cubicBezTo>
+                <a:close/>
+              </a:path>
+            </a:pathLst>
+          </a:custGeom>
+          <a:ln w="9525">
+            <a:solidFill>
+              <a:srgbClr val="EFEFEF"/>
+            </a:solidFill>
+          </a:ln>
+          <a:effectLst>
+            <a:outerShdw blurRad="139700" sx="102000" sy="102000" algn="ctr" rotWithShape="0">
+              <a:schemeClr val="bg1">
+                <a:lumMod val="85000"/>
+                <a:alpha val="38000"/>
+              </a:schemeClr>
+            </a:outerShdw>
+          </a:effectLst>
+        </p:spPr>
+        <p:style>
+          <a:lnRef idx="2">
+            <a:schemeClr val="accent1">
+              <a:shade val="50000"/>
+            </a:schemeClr>
+          </a:lnRef>
+          <a:fillRef idx="1">
+            <a:schemeClr val="accent1"/>
+          </a:fillRef>
+          <a:effectRef idx="0">
+            <a:schemeClr val="accent1"/>
+          </a:effectRef>
+          <a:fontRef idx="minor">
+            <a:schemeClr val="lt1"/>
+          </a:fontRef>
+        </p:style>
+        <p:txBody>
+          <a:bodyPr wrap="square" rtlCol="0" anchor="ctr">
+            <a:noAutofit/>
+          </a:bodyPr>
+          <a:lstStyle/>
+          <a:p>
+            <a:pPr marL="0" marR="0" lvl="0" indent="0" algn="ctr" defTabSz="914400" rtl="0" eaLnBrk="1" fontAlgn="auto" latinLnBrk="0" hangingPunct="1">
+              <a:lnSpc>
+                <a:spcPct val="100000"/>
+              </a:lnSpc>
+              <a:spcBef>
+                <a:spcPts val="0"/>
+              </a:spcBef>
+              <a:spcAft>
+                <a:spcPts val="0"/>
+              </a:spcAft>
+              <a:buClrTx/>
+              <a:buSzTx/>
+              <a:buFontTx/>
+              <a:buNone/>
+              <a:tabLst/>
+              <a:defRPr/>
+            </a:pPr>
+            <a:endParaRPr kumimoji="0" lang="en-US" sz="1800" b="0" i="0" u="none" strike="noStrike" kern="1200" cap="none" spc="0" normalizeH="0" baseline="0" noProof="0">
+              <a:ln>
+                <a:noFill/>
+              </a:ln>
+              <a:solidFill>
+                <a:prstClr val="white"/>
+              </a:solidFill>
+              <a:effectLst/>
+              <a:uLnTx/>
+              <a:uFillTx/>
+              <a:latin typeface="Calibri" panose="020F0502020204030204"/>
+              <a:ea typeface="+mn-ea"/>
+              <a:cs typeface="+mn-cs"/>
+            </a:endParaRPr>
+          </a:p>
+        </p:txBody>
+      </p:sp>
+      <p:sp useBgFill="1">
+        <p:nvSpPr>
+          <p:cNvPr id="12" name="Freeform: Shape 11">
+            <a:extLst>
+              <a:ext uri="{FF2B5EF4-FFF2-40B4-BE49-F238E27FC236}">
+                <a16:creationId xmlns:a16="http://schemas.microsoft.com/office/drawing/2014/main" id="{C7F28D52-2A5F-4D23-81AE-7CB8B591C7AF}"/>
+              </a:ext>
+              <a:ext uri="{C183D7F6-B498-43B3-948B-1728B52AA6E4}">
+                <adec:decorative xmlns:adec="http://schemas.microsoft.com/office/drawing/2017/decorative" val="1"/>
+              </a:ext>
+            </a:extLst>
+          </p:cNvPr>
+          <p:cNvSpPr>
+            <a:spLocks noGrp="1" noRot="1" noChangeAspect="1" noMove="1" noResize="1" noEditPoints="1" noAdjustHandles="1" noChangeArrowheads="1" noChangeShapeType="1" noTextEdit="1"/>
+          </p:cNvSpPr>
+          <p:nvPr>
+            <p:extLst>
+              <p:ext uri="{386F3935-93C4-4BCD-93E2-E3B085C9AB24}">
+                <p16:designElem xmlns:p16="http://schemas.microsoft.com/office/powerpoint/2015/main" val="1"/>
+              </p:ext>
+            </p:extLst>
+          </p:nvPr>
+        </p:nvSpPr>
+        <p:spPr>
+          <a:xfrm>
+            <a:off x="1121664" y="0"/>
+            <a:ext cx="9948672" cy="6858000"/>
+          </a:xfrm>
+          <a:custGeom>
+            <a:avLst/>
+            <a:gdLst>
+              <a:gd name="connsiteX0" fmla="*/ 1595771 w 9963150"/>
+              <a:gd name="connsiteY0" fmla="*/ 0 h 6858000"/>
+              <a:gd name="connsiteX1" fmla="*/ 8367379 w 9963150"/>
+              <a:gd name="connsiteY1" fmla="*/ 0 h 6858000"/>
+              <a:gd name="connsiteX2" fmla="*/ 8504080 w 9963150"/>
+              <a:gd name="connsiteY2" fmla="*/ 130333 h 6858000"/>
+              <a:gd name="connsiteX3" fmla="*/ 9963150 w 9963150"/>
+              <a:gd name="connsiteY3" fmla="*/ 3652838 h 6858000"/>
+              <a:gd name="connsiteX4" fmla="*/ 8825600 w 9963150"/>
+              <a:gd name="connsiteY4" fmla="*/ 6821583 h 6858000"/>
+              <a:gd name="connsiteX5" fmla="*/ 8794055 w 9963150"/>
+              <a:gd name="connsiteY5" fmla="*/ 6858000 h 6858000"/>
+              <a:gd name="connsiteX6" fmla="*/ 1169096 w 9963150"/>
+              <a:gd name="connsiteY6" fmla="*/ 6858000 h 6858000"/>
+              <a:gd name="connsiteX7" fmla="*/ 1137550 w 9963150"/>
+              <a:gd name="connsiteY7" fmla="*/ 6821583 h 6858000"/>
+              <a:gd name="connsiteX8" fmla="*/ 0 w 9963150"/>
+              <a:gd name="connsiteY8" fmla="*/ 3652838 h 6858000"/>
+              <a:gd name="connsiteX9" fmla="*/ 1459070 w 9963150"/>
+              <a:gd name="connsiteY9" fmla="*/ 130333 h 6858000"/>
+            </a:gdLst>
+            <a:ahLst/>
+            <a:cxnLst>
+              <a:cxn ang="0">
+                <a:pos x="connsiteX0" y="connsiteY0"/>
+              </a:cxn>
+              <a:cxn ang="0">
+                <a:pos x="connsiteX1" y="connsiteY1"/>
+              </a:cxn>
+              <a:cxn ang="0">
+                <a:pos x="connsiteX2" y="connsiteY2"/>
+              </a:cxn>
+              <a:cxn ang="0">
+                <a:pos x="connsiteX3" y="connsiteY3"/>
+              </a:cxn>
+              <a:cxn ang="0">
+                <a:pos x="connsiteX4" y="connsiteY4"/>
+              </a:cxn>
+              <a:cxn ang="0">
+                <a:pos x="connsiteX5" y="connsiteY5"/>
+              </a:cxn>
+              <a:cxn ang="0">
+                <a:pos x="connsiteX6" y="connsiteY6"/>
+              </a:cxn>
+              <a:cxn ang="0">
+                <a:pos x="connsiteX7" y="connsiteY7"/>
+              </a:cxn>
+              <a:cxn ang="0">
+                <a:pos x="connsiteX8" y="connsiteY8"/>
+              </a:cxn>
+              <a:cxn ang="0">
+                <a:pos x="connsiteX9" y="connsiteY9"/>
+              </a:cxn>
+            </a:cxnLst>
+            <a:rect l="l" t="t" r="r" b="b"/>
+            <a:pathLst>
+              <a:path w="9963150" h="6858000">
+                <a:moveTo>
+                  <a:pt x="1595771" y="0"/>
+                </a:moveTo>
+                <a:lnTo>
+                  <a:pt x="8367379" y="0"/>
+                </a:lnTo>
+                <a:lnTo>
+                  <a:pt x="8504080" y="130333"/>
+                </a:lnTo>
+                <a:cubicBezTo>
+                  <a:pt x="9405568" y="1031820"/>
+                  <a:pt x="9963150" y="2277214"/>
+                  <a:pt x="9963150" y="3652838"/>
+                </a:cubicBezTo>
+                <a:cubicBezTo>
+                  <a:pt x="9963150" y="4856509"/>
+                  <a:pt x="9536251" y="5960473"/>
+                  <a:pt x="8825600" y="6821583"/>
+                </a:cubicBezTo>
+                <a:lnTo>
+                  <a:pt x="8794055" y="6858000"/>
+                </a:lnTo>
+                <a:lnTo>
+                  <a:pt x="1169096" y="6858000"/>
+                </a:lnTo>
+                <a:lnTo>
+                  <a:pt x="1137550" y="6821583"/>
+                </a:lnTo>
+                <a:cubicBezTo>
+                  <a:pt x="426899" y="5960473"/>
+                  <a:pt x="0" y="4856509"/>
+                  <a:pt x="0" y="3652838"/>
+                </a:cubicBezTo>
+                <a:cubicBezTo>
+                  <a:pt x="0" y="2277214"/>
+                  <a:pt x="557582" y="1031820"/>
+                  <a:pt x="1459070" y="130333"/>
+                </a:cubicBezTo>
+                <a:close/>
+              </a:path>
+            </a:pathLst>
+          </a:custGeom>
+          <a:ln w="9525">
+            <a:noFill/>
+          </a:ln>
+          <a:effectLst/>
+        </p:spPr>
+        <p:style>
+          <a:lnRef idx="2">
+            <a:schemeClr val="accent1">
+              <a:shade val="50000"/>
+            </a:schemeClr>
+          </a:lnRef>
+          <a:fillRef idx="1">
+            <a:schemeClr val="accent1"/>
+          </a:fillRef>
+          <a:effectRef idx="0">
+            <a:schemeClr val="accent1"/>
+          </a:effectRef>
+          <a:fontRef idx="minor">
+            <a:schemeClr val="lt1"/>
+          </a:fontRef>
+        </p:style>
+        <p:txBody>
+          <a:bodyPr wrap="square" rtlCol="0" anchor="ctr">
+            <a:noAutofit/>
+          </a:bodyPr>
+          <a:lstStyle/>
+          <a:p>
+            <a:pPr marL="0" marR="0" lvl="0" indent="0" algn="ctr" defTabSz="914400" rtl="0" eaLnBrk="1" fontAlgn="auto" latinLnBrk="0" hangingPunct="1">
+              <a:lnSpc>
+                <a:spcPct val="100000"/>
+              </a:lnSpc>
+              <a:spcBef>
+                <a:spcPts val="0"/>
+              </a:spcBef>
+              <a:spcAft>
+                <a:spcPts val="0"/>
+              </a:spcAft>
+              <a:buClrTx/>
+              <a:buSzTx/>
+              <a:buFontTx/>
+              <a:buNone/>
+              <a:tabLst/>
+              <a:defRPr/>
+            </a:pPr>
+            <a:endParaRPr kumimoji="0" lang="en-US" sz="1800" b="0" i="0" u="none" strike="noStrike" kern="1200" cap="none" spc="0" normalizeH="0" baseline="0" noProof="0">
+              <a:ln>
+                <a:noFill/>
+              </a:ln>
+              <a:solidFill>
+                <a:prstClr val="white"/>
+              </a:solidFill>
+              <a:effectLst/>
+              <a:uLnTx/>
+              <a:uFillTx/>
+              <a:latin typeface="Calibri" panose="020F0502020204030204"/>
+              <a:ea typeface="+mn-ea"/>
+              <a:cs typeface="+mn-cs"/>
+            </a:endParaRPr>
+          </a:p>
+        </p:txBody>
+      </p:sp>
       <p:sp>
         <p:nvSpPr>
           <p:cNvPr id="2" name="Title 1">
@@ -3595,16 +4675,23 @@
             <p:ph type="ctrTitle"/>
           </p:nvPr>
         </p:nvSpPr>
-        <p:spPr/>
-        <p:txBody>
-          <a:bodyPr/>
+        <p:spPr>
+          <a:xfrm>
+            <a:off x="1524003" y="1999615"/>
+            <a:ext cx="9144000" cy="2764028"/>
+          </a:xfrm>
+        </p:spPr>
+        <p:txBody>
+          <a:bodyPr anchor="ctr">
+            <a:normAutofit/>
+          </a:bodyPr>
           <a:lstStyle/>
           <a:p>
             <a:r>
-              <a:rPr lang="en-US" dirty="0"/>
+              <a:rPr lang="en-US" sz="7200"/>
               <a:t>Introduction to Immersive Technologies</a:t>
             </a:r>
-            <a:endParaRPr lang="en-IN" dirty="0"/>
+            <a:endParaRPr lang="en-IN" sz="7200"/>
           </a:p>
         </p:txBody>
       </p:sp>
@@ -3624,16 +4711,115 @@
             <p:ph type="subTitle" idx="1"/>
           </p:nvPr>
         </p:nvSpPr>
-        <p:spPr/>
-        <p:txBody>
-          <a:bodyPr/>
+        <p:spPr>
+          <a:xfrm>
+            <a:off x="1966912" y="5645150"/>
+            <a:ext cx="8258176" cy="631825"/>
+          </a:xfrm>
+        </p:spPr>
+        <p:txBody>
+          <a:bodyPr anchor="ctr">
+            <a:normAutofit/>
+          </a:bodyPr>
           <a:lstStyle/>
           <a:p>
             <a:r>
-              <a:rPr lang="en-US" dirty="0"/>
+              <a:rPr lang="en-US" sz="2800"/>
               <a:t>JPP SIG CP2</a:t>
             </a:r>
-            <a:endParaRPr lang="en-IN" dirty="0"/>
+            <a:endParaRPr lang="en-IN" sz="2800"/>
+          </a:p>
+        </p:txBody>
+      </p:sp>
+      <p:sp>
+        <p:nvSpPr>
+          <p:cNvPr id="14" name="Rectangle 13">
+            <a:extLst>
+              <a:ext uri="{FF2B5EF4-FFF2-40B4-BE49-F238E27FC236}">
+                <a16:creationId xmlns:a16="http://schemas.microsoft.com/office/drawing/2014/main" id="{3629484E-3792-4B3D-89AD-7C8A1ED0E0D4}"/>
+              </a:ext>
+              <a:ext uri="{C183D7F6-B498-43B3-948B-1728B52AA6E4}">
+                <adec:decorative xmlns:adec="http://schemas.microsoft.com/office/drawing/2017/decorative" val="1"/>
+              </a:ext>
+            </a:extLst>
+          </p:cNvPr>
+          <p:cNvSpPr>
+            <a:spLocks noGrp="1" noRot="1" noChangeAspect="1" noMove="1" noResize="1" noEditPoints="1" noAdjustHandles="1" noChangeArrowheads="1" noChangeShapeType="1" noTextEdit="1"/>
+          </p:cNvSpPr>
+          <p:nvPr>
+            <p:extLst>
+              <p:ext uri="{386F3935-93C4-4BCD-93E2-E3B085C9AB24}">
+                <p16:designElem xmlns:p16="http://schemas.microsoft.com/office/powerpoint/2015/main" val="1"/>
+              </p:ext>
+            </p:extLst>
+          </p:nvPr>
+        </p:nvSpPr>
+        <p:spPr>
+          <a:xfrm>
+            <a:off x="3718560" y="5524786"/>
+            <a:ext cx="4754880" cy="27432"/>
+          </a:xfrm>
+          <a:prstGeom prst="rect">
+            <a:avLst/>
+          </a:prstGeom>
+          <a:solidFill>
+            <a:schemeClr val="accent2"/>
+          </a:solidFill>
+          <a:ln>
+            <a:noFill/>
+          </a:ln>
+        </p:spPr>
+        <p:style>
+          <a:lnRef idx="2">
+            <a:schemeClr val="accent1">
+              <a:shade val="50000"/>
+            </a:schemeClr>
+          </a:lnRef>
+          <a:fillRef idx="1">
+            <a:schemeClr val="accent1"/>
+          </a:fillRef>
+          <a:effectRef idx="0">
+            <a:schemeClr val="accent1"/>
+          </a:effectRef>
+          <a:fontRef idx="minor">
+            <a:schemeClr val="lt1"/>
+          </a:fontRef>
+        </p:style>
+        <p:txBody>
+          <a:bodyPr rtlCol="0" anchor="ctr"/>
+          <a:lstStyle/>
+          <a:p>
+            <a:pPr marL="0" marR="0" lvl="0" indent="0" algn="ctr" defTabSz="914400" rtl="0" eaLnBrk="1" fontAlgn="auto" latinLnBrk="0" hangingPunct="1">
+              <a:lnSpc>
+                <a:spcPct val="100000"/>
+              </a:lnSpc>
+              <a:spcBef>
+                <a:spcPts val="0"/>
+              </a:spcBef>
+              <a:spcAft>
+                <a:spcPts val="0"/>
+              </a:spcAft>
+              <a:buClrTx/>
+              <a:buSzTx/>
+              <a:buFontTx/>
+              <a:buNone/>
+              <a:tabLst/>
+              <a:defRPr/>
+            </a:pPr>
+            <a:endParaRPr kumimoji="0" lang="en-US" sz="1800" b="0" i="0" u="none" strike="noStrike" kern="1200" cap="none" spc="0" normalizeH="0" baseline="0" noProof="0">
+              <a:ln>
+                <a:noFill/>
+              </a:ln>
+              <a:solidFill>
+                <a:prstClr val="white"/>
+              </a:solidFill>
+              <a:effectLst/>
+              <a:uLnTx/>
+              <a:uFillTx/>
+              <a:latin typeface="Calibri" panose="020F0502020204030204"/>
+              <a:ea typeface="+mn-ea"/>
+              <a:cs typeface="+mn-cs"/>
+            </a:endParaRPr>
           </a:p>
         </p:txBody>
       </p:sp>
@@ -3647,10 +4833,1751 @@
   <p:clrMapOvr>
     <a:masterClrMapping/>
   </p:clrMapOvr>
+  <p:timing>
+    <p:tnLst>
+      <p:par>
+        <p:cTn id="1" dur="indefinite" restart="never" nodeType="tmRoot">
+          <p:childTnLst>
+            <p:seq concurrent="1" nextAc="seek">
+              <p:cTn id="2" dur="indefinite" nodeType="mainSeq">
+                <p:childTnLst>
+                  <p:par>
+                    <p:cTn id="3" fill="hold">
+                      <p:stCondLst>
+                        <p:cond delay="indefinite"/>
+                        <p:cond evt="onBegin" delay="0">
+                          <p:tn val="2"/>
+                        </p:cond>
+                      </p:stCondLst>
+                      <p:childTnLst>
+                        <p:par>
+                          <p:cTn id="4" fill="hold">
+                            <p:stCondLst>
+                              <p:cond delay="0"/>
+                            </p:stCondLst>
+                            <p:childTnLst>
+                              <p:par>
+                                <p:cTn id="5" presetID="10" presetClass="entr" presetSubtype="0" fill="hold" grpId="0" nodeType="withEffect">
+                                  <p:stCondLst>
+                                    <p:cond delay="500"/>
+                                  </p:stCondLst>
+                                  <p:iterate type="lt">
+                                    <p:tmPct val="10000"/>
+                                  </p:iterate>
+                                  <p:childTnLst>
+                                    <p:set>
+                                      <p:cBhvr>
+                                        <p:cTn id="6" dur="1" fill="hold">
+                                          <p:stCondLst>
+                                            <p:cond delay="0"/>
+                                          </p:stCondLst>
+                                        </p:cTn>
+                                        <p:tgtEl>
+                                          <p:spTgt spid="2"/>
+                                        </p:tgtEl>
+                                        <p:attrNameLst>
+                                          <p:attrName>style.visibility</p:attrName>
+                                        </p:attrNameLst>
+                                      </p:cBhvr>
+                                      <p:to>
+                                        <p:strVal val="visible"/>
+                                      </p:to>
+                                    </p:set>
+                                    <p:animEffect transition="in" filter="fade">
+                                      <p:cBhvr>
+                                        <p:cTn id="7" dur="400"/>
+                                        <p:tgtEl>
+                                          <p:spTgt spid="2"/>
+                                        </p:tgtEl>
+                                      </p:cBhvr>
+                                    </p:animEffect>
+                                  </p:childTnLst>
+                                </p:cTn>
+                              </p:par>
+                              <p:par>
+                                <p:cTn id="8" presetID="10" presetClass="entr" presetSubtype="0" fill="hold" grpId="0" nodeType="withEffect">
+                                  <p:stCondLst>
+                                    <p:cond delay="2000"/>
+                                  </p:stCondLst>
+                                  <p:iterate type="lt">
+                                    <p:tmPct val="10000"/>
+                                  </p:iterate>
+                                  <p:childTnLst>
+                                    <p:set>
+                                      <p:cBhvr>
+                                        <p:cTn id="9" dur="1" fill="hold">
+                                          <p:stCondLst>
+                                            <p:cond delay="0"/>
+                                          </p:stCondLst>
+                                        </p:cTn>
+                                        <p:tgtEl>
+                                          <p:spTgt spid="3">
+                                            <p:txEl>
+                                              <p:pRg st="0" end="0"/>
+                                            </p:txEl>
+                                          </p:spTgt>
+                                        </p:tgtEl>
+                                        <p:attrNameLst>
+                                          <p:attrName>style.visibility</p:attrName>
+                                        </p:attrNameLst>
+                                      </p:cBhvr>
+                                      <p:to>
+                                        <p:strVal val="visible"/>
+                                      </p:to>
+                                    </p:set>
+                                    <p:animEffect transition="in" filter="fade">
+                                      <p:cBhvr>
+                                        <p:cTn id="10" dur="400"/>
+                                        <p:tgtEl>
+                                          <p:spTgt spid="3">
+                                            <p:txEl>
+                                              <p:pRg st="0" end="0"/>
+                                            </p:txEl>
+                                          </p:spTgt>
+                                        </p:tgtEl>
+                                      </p:cBhvr>
+                                    </p:animEffect>
+                                  </p:childTnLst>
+                                </p:cTn>
+                              </p:par>
+                            </p:childTnLst>
+                          </p:cTn>
+                        </p:par>
+                      </p:childTnLst>
+                    </p:cTn>
+                  </p:par>
+                </p:childTnLst>
+              </p:cTn>
+              <p:prevCondLst>
+                <p:cond evt="onPrev" delay="0">
+                  <p:tgtEl>
+                    <p:sldTgt/>
+                  </p:tgtEl>
+                </p:cond>
+              </p:prevCondLst>
+              <p:nextCondLst>
+                <p:cond evt="onNext" delay="0">
+                  <p:tgtEl>
+                    <p:sldTgt/>
+                  </p:tgtEl>
+                </p:cond>
+              </p:nextCondLst>
+            </p:seq>
+          </p:childTnLst>
+        </p:cTn>
+      </p:par>
+    </p:tnLst>
+    <p:bldLst>
+      <p:bldP spid="2" grpId="0"/>
+      <p:bldP spid="3" grpId="0" build="p"/>
+    </p:bldLst>
+  </p:timing>
 </p:sld>
 </file>
 
 <file path=ppt/slides/slide10.xml><?xml version="1.0" encoding="utf-8"?>
+<p:sld xmlns:a="http://schemas.openxmlformats.org/drawingml/2006/main" xmlns:r="http://schemas.openxmlformats.org/officeDocument/2006/relationships" xmlns:p="http://schemas.openxmlformats.org/presentationml/2006/main">
+  <p:cSld>
+    <p:bg>
+      <p:bgPr>
+        <a:solidFill>
+          <a:schemeClr val="bg1"/>
+        </a:solidFill>
+        <a:effectLst/>
+      </p:bgPr>
+    </p:bg>
+    <p:spTree>
+      <p:nvGrpSpPr>
+        <p:cNvPr id="1" name=""/>
+        <p:cNvGrpSpPr/>
+        <p:nvPr/>
+      </p:nvGrpSpPr>
+      <p:grpSpPr>
+        <a:xfrm>
+          <a:off x="0" y="0"/>
+          <a:ext cx="0" cy="0"/>
+          <a:chOff x="0" y="0"/>
+          <a:chExt cx="0" cy="0"/>
+        </a:xfrm>
+      </p:grpSpPr>
+      <p:sp useBgFill="1">
+        <p:nvSpPr>
+          <p:cNvPr id="2062" name="Rectangle 2061">
+            <a:extLst>
+              <a:ext uri="{FF2B5EF4-FFF2-40B4-BE49-F238E27FC236}">
+                <a16:creationId xmlns:a16="http://schemas.microsoft.com/office/drawing/2014/main" id="{231BF440-39FA-4087-84CC-2EEC0BBDAF29}"/>
+              </a:ext>
+              <a:ext uri="{C183D7F6-B498-43B3-948B-1728B52AA6E4}">
+                <adec:decorative xmlns:adec="http://schemas.microsoft.com/office/drawing/2017/decorative" val="1"/>
+              </a:ext>
+            </a:extLst>
+          </p:cNvPr>
+          <p:cNvSpPr>
+            <a:spLocks noGrp="1" noRot="1" noChangeAspect="1" noMove="1" noResize="1" noEditPoints="1" noAdjustHandles="1" noChangeArrowheads="1" noChangeShapeType="1" noTextEdit="1"/>
+          </p:cNvSpPr>
+          <p:nvPr>
+            <p:extLst>
+              <p:ext uri="{386F3935-93C4-4BCD-93E2-E3B085C9AB24}">
+                <p16:designElem xmlns:p16="http://schemas.microsoft.com/office/powerpoint/2015/main" val="1"/>
+              </p:ext>
+            </p:extLst>
+          </p:nvPr>
+        </p:nvSpPr>
+        <p:spPr>
+          <a:xfrm>
+            <a:off x="0" y="0"/>
+            <a:ext cx="12192000" cy="6858000"/>
+          </a:xfrm>
+          <a:prstGeom prst="rect">
+            <a:avLst/>
+          </a:prstGeom>
+          <a:ln>
+            <a:noFill/>
+          </a:ln>
+        </p:spPr>
+        <p:style>
+          <a:lnRef idx="2">
+            <a:schemeClr val="accent1">
+              <a:shade val="50000"/>
+            </a:schemeClr>
+          </a:lnRef>
+          <a:fillRef idx="1">
+            <a:schemeClr val="accent1"/>
+          </a:fillRef>
+          <a:effectRef idx="0">
+            <a:schemeClr val="accent1"/>
+          </a:effectRef>
+          <a:fontRef idx="minor">
+            <a:schemeClr val="lt1"/>
+          </a:fontRef>
+        </p:style>
+        <p:txBody>
+          <a:bodyPr rtlCol="0" anchor="ctr"/>
+          <a:lstStyle/>
+          <a:p>
+            <a:pPr algn="ctr"/>
+            <a:endParaRPr lang="en-US"/>
+          </a:p>
+        </p:txBody>
+      </p:sp>
+      <p:pic>
+        <p:nvPicPr>
+          <p:cNvPr id="2052" name="Picture 4" descr="Microsoft Hololens: MR for Business - Visartech Blog">
+            <a:extLst>
+              <a:ext uri="{FF2B5EF4-FFF2-40B4-BE49-F238E27FC236}">
+                <a16:creationId xmlns:a16="http://schemas.microsoft.com/office/drawing/2014/main" id="{BAB2418E-6B0D-38D4-5833-751CF43E6322}"/>
+              </a:ext>
+            </a:extLst>
+          </p:cNvPr>
+          <p:cNvPicPr>
+            <a:picLocks noChangeAspect="1" noChangeArrowheads="1"/>
+          </p:cNvPicPr>
+          <p:nvPr/>
+        </p:nvPicPr>
+        <p:blipFill>
+          <a:blip r:embed="rId2">
+            <a:extLst>
+              <a:ext uri="{28A0092B-C50C-407E-A947-70E740481C1C}">
+                <a14:useLocalDpi xmlns:a14="http://schemas.microsoft.com/office/drawing/2010/main" val="0"/>
+              </a:ext>
+            </a:extLst>
+          </a:blip>
+          <a:srcRect t="785" r="-1" b="11655"/>
+          <a:stretch/>
+        </p:blipFill>
+        <p:spPr bwMode="auto">
+          <a:xfrm>
+            <a:off x="4883025" y="10"/>
+            <a:ext cx="7308975" cy="3364982"/>
+          </a:xfrm>
+          <a:custGeom>
+            <a:avLst/>
+            <a:gdLst/>
+            <a:ahLst/>
+            <a:cxnLst/>
+            <a:rect l="l" t="t" r="r" b="b"/>
+            <a:pathLst>
+              <a:path w="7308975" h="3364992">
+                <a:moveTo>
+                  <a:pt x="0" y="0"/>
+                </a:moveTo>
+                <a:lnTo>
+                  <a:pt x="7308975" y="0"/>
+                </a:lnTo>
+                <a:lnTo>
+                  <a:pt x="7308975" y="3364992"/>
+                </a:lnTo>
+                <a:lnTo>
+                  <a:pt x="1210305" y="3364992"/>
+                </a:lnTo>
+                <a:lnTo>
+                  <a:pt x="1192705" y="2943200"/>
+                </a:lnTo>
+                <a:cubicBezTo>
+                  <a:pt x="1098874" y="1825108"/>
+                  <a:pt x="684692" y="821621"/>
+                  <a:pt x="62981" y="69271"/>
+                </a:cubicBezTo>
+                <a:close/>
+              </a:path>
+            </a:pathLst>
+          </a:custGeom>
+          <a:noFill/>
+          <a:extLst>
+            <a:ext uri="{909E8E84-426E-40DD-AFC4-6F175D3DCCD1}">
+              <a14:hiddenFill xmlns:a14="http://schemas.microsoft.com/office/drawing/2010/main">
+                <a:solidFill>
+                  <a:srgbClr val="FFFFFF"/>
+                </a:solidFill>
+              </a14:hiddenFill>
+            </a:ext>
+          </a:extLst>
+        </p:spPr>
+      </p:pic>
+      <p:pic>
+        <p:nvPicPr>
+          <p:cNvPr id="2050" name="Picture 2" descr="Manufacturing use cases for mixed reality | Rand Group">
+            <a:extLst>
+              <a:ext uri="{FF2B5EF4-FFF2-40B4-BE49-F238E27FC236}">
+                <a16:creationId xmlns:a16="http://schemas.microsoft.com/office/drawing/2014/main" id="{BB303917-9EAA-D7D1-2288-93415EEFACA9}"/>
+              </a:ext>
+            </a:extLst>
+          </p:cNvPr>
+          <p:cNvPicPr>
+            <a:picLocks noChangeAspect="1" noChangeArrowheads="1"/>
+          </p:cNvPicPr>
+          <p:nvPr/>
+        </p:nvPicPr>
+        <p:blipFill>
+          <a:blip r:embed="rId3">
+            <a:extLst>
+              <a:ext uri="{28A0092B-C50C-407E-A947-70E740481C1C}">
+                <a14:useLocalDpi xmlns:a14="http://schemas.microsoft.com/office/drawing/2010/main" val="0"/>
+              </a:ext>
+            </a:extLst>
+          </a:blip>
+          <a:srcRect t="23040" r="-2" b="3296"/>
+          <a:stretch/>
+        </p:blipFill>
+        <p:spPr bwMode="auto">
+          <a:xfrm>
+            <a:off x="4883025" y="3493008"/>
+            <a:ext cx="7308975" cy="3364992"/>
+          </a:xfrm>
+          <a:custGeom>
+            <a:avLst/>
+            <a:gdLst/>
+            <a:ahLst/>
+            <a:cxnLst/>
+            <a:rect l="l" t="t" r="r" b="b"/>
+            <a:pathLst>
+              <a:path w="7308975" h="3364992">
+                <a:moveTo>
+                  <a:pt x="1210305" y="0"/>
+                </a:moveTo>
+                <a:lnTo>
+                  <a:pt x="7308975" y="0"/>
+                </a:lnTo>
+                <a:lnTo>
+                  <a:pt x="7308975" y="3364992"/>
+                </a:lnTo>
+                <a:lnTo>
+                  <a:pt x="0" y="3364992"/>
+                </a:lnTo>
+                <a:lnTo>
+                  <a:pt x="62981" y="3295722"/>
+                </a:lnTo>
+                <a:cubicBezTo>
+                  <a:pt x="684692" y="2543371"/>
+                  <a:pt x="1098874" y="1539884"/>
+                  <a:pt x="1192705" y="421793"/>
+                </a:cubicBezTo>
+                <a:close/>
+              </a:path>
+            </a:pathLst>
+          </a:custGeom>
+          <a:noFill/>
+          <a:extLst>
+            <a:ext uri="{909E8E84-426E-40DD-AFC4-6F175D3DCCD1}">
+              <a14:hiddenFill xmlns:a14="http://schemas.microsoft.com/office/drawing/2010/main">
+                <a:solidFill>
+                  <a:srgbClr val="FFFFFF"/>
+                </a:solidFill>
+              </a14:hiddenFill>
+            </a:ext>
+          </a:extLst>
+        </p:spPr>
+      </p:pic>
+      <p:sp useBgFill="1">
+        <p:nvSpPr>
+          <p:cNvPr id="2061" name="Freeform: Shape 2060">
+            <a:extLst>
+              <a:ext uri="{FF2B5EF4-FFF2-40B4-BE49-F238E27FC236}">
+                <a16:creationId xmlns:a16="http://schemas.microsoft.com/office/drawing/2014/main" id="{F04E4CBA-303B-48BD-8451-C2701CB0EEBF}"/>
+              </a:ext>
+              <a:ext uri="{C183D7F6-B498-43B3-948B-1728B52AA6E4}">
+                <adec:decorative xmlns:adec="http://schemas.microsoft.com/office/drawing/2017/decorative" val="1"/>
+              </a:ext>
+            </a:extLst>
+          </p:cNvPr>
+          <p:cNvSpPr>
+            <a:spLocks noGrp="1" noRot="1" noChangeAspect="1" noMove="1" noResize="1" noEditPoints="1" noAdjustHandles="1" noChangeArrowheads="1" noChangeShapeType="1" noTextEdit="1"/>
+          </p:cNvSpPr>
+          <p:nvPr>
+            <p:extLst>
+              <p:ext uri="{386F3935-93C4-4BCD-93E2-E3B085C9AB24}">
+                <p16:designElem xmlns:p16="http://schemas.microsoft.com/office/powerpoint/2015/main" val="1"/>
+              </p:ext>
+            </p:extLst>
+          </p:nvPr>
+        </p:nvSpPr>
+        <p:spPr>
+          <a:xfrm>
+            <a:off x="0" y="0"/>
+            <a:ext cx="6096001" cy="6858000"/>
+          </a:xfrm>
+          <a:custGeom>
+            <a:avLst/>
+            <a:gdLst>
+              <a:gd name="connsiteX0" fmla="*/ 0 w 6096001"/>
+              <a:gd name="connsiteY0" fmla="*/ 0 h 6858000"/>
+              <a:gd name="connsiteX1" fmla="*/ 4883024 w 6096001"/>
+              <a:gd name="connsiteY1" fmla="*/ 0 h 6858000"/>
+              <a:gd name="connsiteX2" fmla="*/ 4946006 w 6096001"/>
+              <a:gd name="connsiteY2" fmla="*/ 69271 h 6858000"/>
+              <a:gd name="connsiteX3" fmla="*/ 6096001 w 6096001"/>
+              <a:gd name="connsiteY3" fmla="*/ 3429000 h 6858000"/>
+              <a:gd name="connsiteX4" fmla="*/ 4946006 w 6096001"/>
+              <a:gd name="connsiteY4" fmla="*/ 6788730 h 6858000"/>
+              <a:gd name="connsiteX5" fmla="*/ 4883024 w 6096001"/>
+              <a:gd name="connsiteY5" fmla="*/ 6858000 h 6858000"/>
+              <a:gd name="connsiteX6" fmla="*/ 0 w 6096001"/>
+              <a:gd name="connsiteY6" fmla="*/ 6858000 h 6858000"/>
+            </a:gdLst>
+            <a:ahLst/>
+            <a:cxnLst>
+              <a:cxn ang="0">
+                <a:pos x="connsiteX0" y="connsiteY0"/>
+              </a:cxn>
+              <a:cxn ang="0">
+                <a:pos x="connsiteX1" y="connsiteY1"/>
+              </a:cxn>
+              <a:cxn ang="0">
+                <a:pos x="connsiteX2" y="connsiteY2"/>
+              </a:cxn>
+              <a:cxn ang="0">
+                <a:pos x="connsiteX3" y="connsiteY3"/>
+              </a:cxn>
+              <a:cxn ang="0">
+                <a:pos x="connsiteX4" y="connsiteY4"/>
+              </a:cxn>
+              <a:cxn ang="0">
+                <a:pos x="connsiteX5" y="connsiteY5"/>
+              </a:cxn>
+              <a:cxn ang="0">
+                <a:pos x="connsiteX6" y="connsiteY6"/>
+              </a:cxn>
+            </a:cxnLst>
+            <a:rect l="l" t="t" r="r" b="b"/>
+            <a:pathLst>
+              <a:path w="6096001" h="6858000">
+                <a:moveTo>
+                  <a:pt x="0" y="0"/>
+                </a:moveTo>
+                <a:lnTo>
+                  <a:pt x="4883024" y="0"/>
+                </a:lnTo>
+                <a:lnTo>
+                  <a:pt x="4946006" y="69271"/>
+                </a:lnTo>
+                <a:cubicBezTo>
+                  <a:pt x="5656532" y="929100"/>
+                  <a:pt x="6096001" y="2116944"/>
+                  <a:pt x="6096001" y="3429000"/>
+                </a:cubicBezTo>
+                <a:cubicBezTo>
+                  <a:pt x="6096001" y="4741056"/>
+                  <a:pt x="5656532" y="5928900"/>
+                  <a:pt x="4946006" y="6788730"/>
+                </a:cubicBezTo>
+                <a:lnTo>
+                  <a:pt x="4883024" y="6858000"/>
+                </a:lnTo>
+                <a:lnTo>
+                  <a:pt x="0" y="6858000"/>
+                </a:lnTo>
+                <a:close/>
+              </a:path>
+            </a:pathLst>
+          </a:custGeom>
+          <a:ln w="9525">
+            <a:solidFill>
+              <a:srgbClr val="EFEFEF"/>
+            </a:solidFill>
+          </a:ln>
+          <a:effectLst>
+            <a:outerShdw blurRad="50800" dist="38100" algn="l" rotWithShape="0">
+              <a:schemeClr val="bg1">
+                <a:lumMod val="85000"/>
+                <a:alpha val="30000"/>
+              </a:schemeClr>
+            </a:outerShdw>
+          </a:effectLst>
+        </p:spPr>
+        <p:style>
+          <a:lnRef idx="2">
+            <a:schemeClr val="accent1">
+              <a:shade val="50000"/>
+            </a:schemeClr>
+          </a:lnRef>
+          <a:fillRef idx="1">
+            <a:schemeClr val="accent1"/>
+          </a:fillRef>
+          <a:effectRef idx="0">
+            <a:schemeClr val="accent1"/>
+          </a:effectRef>
+          <a:fontRef idx="minor">
+            <a:schemeClr val="lt1"/>
+          </a:fontRef>
+        </p:style>
+        <p:txBody>
+          <a:bodyPr wrap="square" rtlCol="0" anchor="ctr">
+            <a:noAutofit/>
+          </a:bodyPr>
+          <a:lstStyle/>
+          <a:p>
+            <a:pPr marL="0" marR="0" lvl="0" indent="0" algn="ctr" defTabSz="914400" rtl="0" eaLnBrk="1" fontAlgn="auto" latinLnBrk="0" hangingPunct="1">
+              <a:lnSpc>
+                <a:spcPct val="100000"/>
+              </a:lnSpc>
+              <a:spcBef>
+                <a:spcPts val="0"/>
+              </a:spcBef>
+              <a:spcAft>
+                <a:spcPts val="0"/>
+              </a:spcAft>
+              <a:buClrTx/>
+              <a:buSzTx/>
+              <a:buFontTx/>
+              <a:buNone/>
+              <a:tabLst/>
+              <a:defRPr/>
+            </a:pPr>
+            <a:endParaRPr kumimoji="0" lang="en-US" sz="1800" b="0" i="0" u="none" strike="noStrike" kern="1200" cap="none" spc="0" normalizeH="0" baseline="0" noProof="0">
+              <a:ln>
+                <a:noFill/>
+              </a:ln>
+              <a:solidFill>
+                <a:prstClr val="white"/>
+              </a:solidFill>
+              <a:effectLst/>
+              <a:uLnTx/>
+              <a:uFillTx/>
+              <a:latin typeface="Calibri" panose="020F0502020204030204"/>
+              <a:ea typeface="+mn-ea"/>
+              <a:cs typeface="+mn-cs"/>
+            </a:endParaRPr>
+          </a:p>
+        </p:txBody>
+      </p:sp>
+      <p:sp useBgFill="1">
+        <p:nvSpPr>
+          <p:cNvPr id="2063" name="Freeform: Shape 2062">
+            <a:extLst>
+              <a:ext uri="{FF2B5EF4-FFF2-40B4-BE49-F238E27FC236}">
+                <a16:creationId xmlns:a16="http://schemas.microsoft.com/office/drawing/2014/main" id="{F6CA58B3-AFCC-4A40-9882-50D5080879B0}"/>
+              </a:ext>
+              <a:ext uri="{C183D7F6-B498-43B3-948B-1728B52AA6E4}">
+                <adec:decorative xmlns:adec="http://schemas.microsoft.com/office/drawing/2017/decorative" val="1"/>
+              </a:ext>
+            </a:extLst>
+          </p:cNvPr>
+          <p:cNvSpPr>
+            <a:spLocks noGrp="1" noRot="1" noChangeAspect="1" noMove="1" noResize="1" noEditPoints="1" noAdjustHandles="1" noChangeArrowheads="1" noChangeShapeType="1" noTextEdit="1"/>
+          </p:cNvSpPr>
+          <p:nvPr>
+            <p:extLst>
+              <p:ext uri="{386F3935-93C4-4BCD-93E2-E3B085C9AB24}">
+                <p16:designElem xmlns:p16="http://schemas.microsoft.com/office/powerpoint/2015/main" val="1"/>
+              </p:ext>
+            </p:extLst>
+          </p:nvPr>
+        </p:nvSpPr>
+        <p:spPr>
+          <a:xfrm>
+            <a:off x="1" y="0"/>
+            <a:ext cx="6087332" cy="6858000"/>
+          </a:xfrm>
+          <a:custGeom>
+            <a:avLst/>
+            <a:gdLst>
+              <a:gd name="connsiteX0" fmla="*/ 0 w 6087332"/>
+              <a:gd name="connsiteY0" fmla="*/ 0 h 6858000"/>
+              <a:gd name="connsiteX1" fmla="*/ 4874355 w 6087332"/>
+              <a:gd name="connsiteY1" fmla="*/ 0 h 6858000"/>
+              <a:gd name="connsiteX2" fmla="*/ 4937337 w 6087332"/>
+              <a:gd name="connsiteY2" fmla="*/ 69271 h 6858000"/>
+              <a:gd name="connsiteX3" fmla="*/ 6087332 w 6087332"/>
+              <a:gd name="connsiteY3" fmla="*/ 3429000 h 6858000"/>
+              <a:gd name="connsiteX4" fmla="*/ 4937337 w 6087332"/>
+              <a:gd name="connsiteY4" fmla="*/ 6788730 h 6858000"/>
+              <a:gd name="connsiteX5" fmla="*/ 4874355 w 6087332"/>
+              <a:gd name="connsiteY5" fmla="*/ 6858000 h 6858000"/>
+              <a:gd name="connsiteX6" fmla="*/ 0 w 6087332"/>
+              <a:gd name="connsiteY6" fmla="*/ 6858000 h 6858000"/>
+            </a:gdLst>
+            <a:ahLst/>
+            <a:cxnLst>
+              <a:cxn ang="0">
+                <a:pos x="connsiteX0" y="connsiteY0"/>
+              </a:cxn>
+              <a:cxn ang="0">
+                <a:pos x="connsiteX1" y="connsiteY1"/>
+              </a:cxn>
+              <a:cxn ang="0">
+                <a:pos x="connsiteX2" y="connsiteY2"/>
+              </a:cxn>
+              <a:cxn ang="0">
+                <a:pos x="connsiteX3" y="connsiteY3"/>
+              </a:cxn>
+              <a:cxn ang="0">
+                <a:pos x="connsiteX4" y="connsiteY4"/>
+              </a:cxn>
+              <a:cxn ang="0">
+                <a:pos x="connsiteX5" y="connsiteY5"/>
+              </a:cxn>
+              <a:cxn ang="0">
+                <a:pos x="connsiteX6" y="connsiteY6"/>
+              </a:cxn>
+            </a:cxnLst>
+            <a:rect l="l" t="t" r="r" b="b"/>
+            <a:pathLst>
+              <a:path w="6087332" h="6858000">
+                <a:moveTo>
+                  <a:pt x="0" y="0"/>
+                </a:moveTo>
+                <a:lnTo>
+                  <a:pt x="4874355" y="0"/>
+                </a:lnTo>
+                <a:lnTo>
+                  <a:pt x="4937337" y="69271"/>
+                </a:lnTo>
+                <a:cubicBezTo>
+                  <a:pt x="5647863" y="929100"/>
+                  <a:pt x="6087332" y="2116944"/>
+                  <a:pt x="6087332" y="3429000"/>
+                </a:cubicBezTo>
+                <a:cubicBezTo>
+                  <a:pt x="6087332" y="4741056"/>
+                  <a:pt x="5647863" y="5928900"/>
+                  <a:pt x="4937337" y="6788730"/>
+                </a:cubicBezTo>
+                <a:lnTo>
+                  <a:pt x="4874355" y="6858000"/>
+                </a:lnTo>
+                <a:lnTo>
+                  <a:pt x="0" y="6858000"/>
+                </a:lnTo>
+                <a:close/>
+              </a:path>
+            </a:pathLst>
+          </a:custGeom>
+          <a:ln>
+            <a:noFill/>
+          </a:ln>
+        </p:spPr>
+        <p:style>
+          <a:lnRef idx="2">
+            <a:schemeClr val="accent1">
+              <a:shade val="50000"/>
+            </a:schemeClr>
+          </a:lnRef>
+          <a:fillRef idx="1">
+            <a:schemeClr val="accent1"/>
+          </a:fillRef>
+          <a:effectRef idx="0">
+            <a:schemeClr val="accent1"/>
+          </a:effectRef>
+          <a:fontRef idx="minor">
+            <a:schemeClr val="lt1"/>
+          </a:fontRef>
+        </p:style>
+        <p:txBody>
+          <a:bodyPr rtlCol="0" anchor="ctr"/>
+          <a:lstStyle/>
+          <a:p>
+            <a:pPr algn="ctr"/>
+            <a:endParaRPr lang="en-US">
+              <a:solidFill>
+                <a:prstClr val="white"/>
+              </a:solidFill>
+              <a:latin typeface="Calibri" panose="020F0502020204030204"/>
+            </a:endParaRPr>
+          </a:p>
+        </p:txBody>
+      </p:sp>
+      <p:sp>
+        <p:nvSpPr>
+          <p:cNvPr id="2" name="Title 1">
+            <a:extLst>
+              <a:ext uri="{FF2B5EF4-FFF2-40B4-BE49-F238E27FC236}">
+                <a16:creationId xmlns:a16="http://schemas.microsoft.com/office/drawing/2014/main" id="{BC1CC5B3-04CF-D0FB-7BFC-0ABEBD0E2A48}"/>
+              </a:ext>
+            </a:extLst>
+          </p:cNvPr>
+          <p:cNvSpPr>
+            <a:spLocks noGrp="1"/>
+          </p:cNvSpPr>
+          <p:nvPr>
+            <p:ph type="title"/>
+          </p:nvPr>
+        </p:nvSpPr>
+        <p:spPr>
+          <a:xfrm>
+            <a:off x="448056" y="859536"/>
+            <a:ext cx="4832802" cy="1243584"/>
+          </a:xfrm>
+        </p:spPr>
+        <p:txBody>
+          <a:bodyPr>
+            <a:normAutofit/>
+          </a:bodyPr>
+          <a:lstStyle/>
+          <a:p>
+            <a:r>
+              <a:rPr lang="en-US" sz="3400" dirty="0"/>
+              <a:t>MR Applications</a:t>
+            </a:r>
+            <a:endParaRPr lang="en-IN" sz="3400" dirty="0"/>
+          </a:p>
+        </p:txBody>
+      </p:sp>
+      <p:sp>
+        <p:nvSpPr>
+          <p:cNvPr id="2065" name="Rectangle 2064">
+            <a:extLst>
+              <a:ext uri="{FF2B5EF4-FFF2-40B4-BE49-F238E27FC236}">
+                <a16:creationId xmlns:a16="http://schemas.microsoft.com/office/drawing/2014/main" id="{75C56826-D4E5-42ED-8529-079651CB3005}"/>
+              </a:ext>
+              <a:ext uri="{C183D7F6-B498-43B3-948B-1728B52AA6E4}">
+                <adec:decorative xmlns:adec="http://schemas.microsoft.com/office/drawing/2017/decorative" val="1"/>
+              </a:ext>
+            </a:extLst>
+          </p:cNvPr>
+          <p:cNvSpPr>
+            <a:spLocks noGrp="1" noRot="1" noChangeAspect="1" noMove="1" noResize="1" noEditPoints="1" noAdjustHandles="1" noChangeArrowheads="1" noChangeShapeType="1" noTextEdit="1"/>
+          </p:cNvSpPr>
+          <p:nvPr>
+            <p:extLst>
+              <p:ext uri="{386F3935-93C4-4BCD-93E2-E3B085C9AB24}">
+                <p16:designElem xmlns:p16="http://schemas.microsoft.com/office/powerpoint/2015/main" val="1"/>
+              </p:ext>
+            </p:extLst>
+          </p:nvPr>
+        </p:nvSpPr>
+        <p:spPr>
+          <a:xfrm>
+            <a:off x="0" y="1152144"/>
+            <a:ext cx="128016" cy="653903"/>
+          </a:xfrm>
+          <a:prstGeom prst="rect">
+            <a:avLst/>
+          </a:prstGeom>
+          <a:solidFill>
+            <a:schemeClr val="accent2"/>
+          </a:solidFill>
+          <a:ln>
+            <a:noFill/>
+          </a:ln>
+        </p:spPr>
+        <p:style>
+          <a:lnRef idx="2">
+            <a:schemeClr val="accent1">
+              <a:shade val="50000"/>
+            </a:schemeClr>
+          </a:lnRef>
+          <a:fillRef idx="1">
+            <a:schemeClr val="accent1"/>
+          </a:fillRef>
+          <a:effectRef idx="0">
+            <a:schemeClr val="accent1"/>
+          </a:effectRef>
+          <a:fontRef idx="minor">
+            <a:schemeClr val="lt1"/>
+          </a:fontRef>
+        </p:style>
+        <p:txBody>
+          <a:bodyPr rtlCol="0" anchor="ctr"/>
+          <a:lstStyle/>
+          <a:p>
+            <a:pPr algn="ctr"/>
+            <a:endParaRPr lang="en-US">
+              <a:solidFill>
+                <a:prstClr val="white"/>
+              </a:solidFill>
+              <a:latin typeface="Calibri" panose="020F0502020204030204"/>
+            </a:endParaRPr>
+          </a:p>
+        </p:txBody>
+      </p:sp>
+      <p:sp useBgFill="1">
+        <p:nvSpPr>
+          <p:cNvPr id="2067" name="Rectangle 2066">
+            <a:extLst>
+              <a:ext uri="{FF2B5EF4-FFF2-40B4-BE49-F238E27FC236}">
+                <a16:creationId xmlns:a16="http://schemas.microsoft.com/office/drawing/2014/main" id="{82095FCE-EF05-4443-B97A-85DEE3A5CA17}"/>
+              </a:ext>
+              <a:ext uri="{C183D7F6-B498-43B3-948B-1728B52AA6E4}">
+                <adec:decorative xmlns:adec="http://schemas.microsoft.com/office/drawing/2017/decorative" val="1"/>
+              </a:ext>
+            </a:extLst>
+          </p:cNvPr>
+          <p:cNvSpPr>
+            <a:spLocks noGrp="1" noRot="1" noChangeAspect="1" noMove="1" noResize="1" noEditPoints="1" noAdjustHandles="1" noChangeArrowheads="1" noChangeShapeType="1" noTextEdit="1"/>
+          </p:cNvSpPr>
+          <p:nvPr>
+            <p:extLst>
+              <p:ext uri="{386F3935-93C4-4BCD-93E2-E3B085C9AB24}">
+                <p16:designElem xmlns:p16="http://schemas.microsoft.com/office/powerpoint/2015/main" val="1"/>
+              </p:ext>
+            </p:extLst>
+          </p:nvPr>
+        </p:nvSpPr>
+        <p:spPr>
+          <a:xfrm>
+            <a:off x="449544" y="2194560"/>
+            <a:ext cx="4892040" cy="18288"/>
+          </a:xfrm>
+          <a:prstGeom prst="rect">
+            <a:avLst/>
+          </a:prstGeom>
+          <a:ln w="3175">
+            <a:noFill/>
+          </a:ln>
+          <a:effectLst/>
+        </p:spPr>
+        <p:style>
+          <a:lnRef idx="2">
+            <a:schemeClr val="accent1">
+              <a:shade val="50000"/>
+            </a:schemeClr>
+          </a:lnRef>
+          <a:fillRef idx="1">
+            <a:schemeClr val="accent1"/>
+          </a:fillRef>
+          <a:effectRef idx="0">
+            <a:schemeClr val="accent1"/>
+          </a:effectRef>
+          <a:fontRef idx="minor">
+            <a:schemeClr val="lt1"/>
+          </a:fontRef>
+        </p:style>
+        <p:txBody>
+          <a:bodyPr rtlCol="0" anchor="ctr"/>
+          <a:lstStyle/>
+          <a:p>
+            <a:pPr marL="0" marR="0" lvl="0" indent="0" algn="ctr" defTabSz="914400" rtl="0" eaLnBrk="1" fontAlgn="auto" latinLnBrk="0" hangingPunct="1">
+              <a:lnSpc>
+                <a:spcPct val="100000"/>
+              </a:lnSpc>
+              <a:spcBef>
+                <a:spcPts val="0"/>
+              </a:spcBef>
+              <a:spcAft>
+                <a:spcPts val="0"/>
+              </a:spcAft>
+              <a:buClrTx/>
+              <a:buSzTx/>
+              <a:buFontTx/>
+              <a:buNone/>
+              <a:tabLst/>
+              <a:defRPr/>
+            </a:pPr>
+            <a:endParaRPr kumimoji="0" lang="en-US" sz="1800" b="0" i="0" u="none" strike="noStrike" kern="1200" cap="none" spc="0" normalizeH="0" baseline="0" noProof="0">
+              <a:ln>
+                <a:noFill/>
+              </a:ln>
+              <a:solidFill>
+                <a:prstClr val="white"/>
+              </a:solidFill>
+              <a:effectLst/>
+              <a:uLnTx/>
+              <a:uFillTx/>
+              <a:latin typeface="Calibri" panose="020F0502020204030204"/>
+              <a:ea typeface="+mn-ea"/>
+              <a:cs typeface="+mn-cs"/>
+            </a:endParaRPr>
+          </a:p>
+        </p:txBody>
+      </p:sp>
+      <p:sp>
+        <p:nvSpPr>
+          <p:cNvPr id="2069" name="Rectangle 2068">
+            <a:extLst>
+              <a:ext uri="{FF2B5EF4-FFF2-40B4-BE49-F238E27FC236}">
+                <a16:creationId xmlns:a16="http://schemas.microsoft.com/office/drawing/2014/main" id="{CA00AE6B-AA30-4CF8-BA6F-339B780AD76C}"/>
+              </a:ext>
+              <a:ext uri="{C183D7F6-B498-43B3-948B-1728B52AA6E4}">
+                <adec:decorative xmlns:adec="http://schemas.microsoft.com/office/drawing/2017/decorative" val="1"/>
+              </a:ext>
+            </a:extLst>
+          </p:cNvPr>
+          <p:cNvSpPr>
+            <a:spLocks noGrp="1" noRot="1" noChangeAspect="1" noMove="1" noResize="1" noEditPoints="1" noAdjustHandles="1" noChangeArrowheads="1" noChangeShapeType="1" noTextEdit="1"/>
+          </p:cNvSpPr>
+          <p:nvPr>
+            <p:extLst>
+              <p:ext uri="{386F3935-93C4-4BCD-93E2-E3B085C9AB24}">
+                <p16:designElem xmlns:p16="http://schemas.microsoft.com/office/powerpoint/2015/main" val="1"/>
+              </p:ext>
+            </p:extLst>
+          </p:nvPr>
+        </p:nvSpPr>
+        <p:spPr>
+          <a:xfrm>
+            <a:off x="449544" y="2194560"/>
+            <a:ext cx="4892040" cy="18288"/>
+          </a:xfrm>
+          <a:prstGeom prst="rect">
+            <a:avLst/>
+          </a:prstGeom>
+          <a:solidFill>
+            <a:srgbClr val="D5D5D5"/>
+          </a:solidFill>
+          <a:ln w="3175">
+            <a:noFill/>
+          </a:ln>
+          <a:effectLst/>
+        </p:spPr>
+        <p:style>
+          <a:lnRef idx="2">
+            <a:schemeClr val="accent1">
+              <a:shade val="50000"/>
+            </a:schemeClr>
+          </a:lnRef>
+          <a:fillRef idx="1">
+            <a:schemeClr val="accent1"/>
+          </a:fillRef>
+          <a:effectRef idx="0">
+            <a:schemeClr val="accent1"/>
+          </a:effectRef>
+          <a:fontRef idx="minor">
+            <a:schemeClr val="lt1"/>
+          </a:fontRef>
+        </p:style>
+        <p:txBody>
+          <a:bodyPr rtlCol="0" anchor="ctr"/>
+          <a:lstStyle/>
+          <a:p>
+            <a:pPr algn="ctr"/>
+            <a:endParaRPr lang="en-US">
+              <a:solidFill>
+                <a:prstClr val="white"/>
+              </a:solidFill>
+              <a:latin typeface="Calibri" panose="020F0502020204030204"/>
+            </a:endParaRPr>
+          </a:p>
+        </p:txBody>
+      </p:sp>
+      <p:sp>
+        <p:nvSpPr>
+          <p:cNvPr id="2064" name="Content Placeholder 2055">
+            <a:extLst>
+              <a:ext uri="{FF2B5EF4-FFF2-40B4-BE49-F238E27FC236}">
+                <a16:creationId xmlns:a16="http://schemas.microsoft.com/office/drawing/2014/main" id="{7BF9B835-0795-1967-DF78-4DFEA403F568}"/>
+              </a:ext>
+            </a:extLst>
+          </p:cNvPr>
+          <p:cNvSpPr>
+            <a:spLocks noGrp="1"/>
+          </p:cNvSpPr>
+          <p:nvPr>
+            <p:ph idx="1"/>
+          </p:nvPr>
+        </p:nvSpPr>
+        <p:spPr>
+          <a:xfrm>
+            <a:off x="448056" y="2512611"/>
+            <a:ext cx="4832803" cy="3664351"/>
+          </a:xfrm>
+        </p:spPr>
+        <p:txBody>
+          <a:bodyPr>
+            <a:normAutofit/>
+          </a:bodyPr>
+          <a:lstStyle/>
+          <a:p>
+            <a:r>
+              <a:rPr lang="en-US" sz="2000" dirty="0"/>
+              <a:t>Industrial applications</a:t>
+            </a:r>
+          </a:p>
+          <a:p>
+            <a:r>
+              <a:rPr lang="en-US" sz="2000" dirty="0"/>
+              <a:t>Complex machinery repairs / maintenance / installation / training</a:t>
+            </a:r>
+          </a:p>
+        </p:txBody>
+      </p:sp>
+    </p:spTree>
+    <p:extLst>
+      <p:ext uri="{BB962C8B-B14F-4D97-AF65-F5344CB8AC3E}">
+        <p14:creationId xmlns:p14="http://schemas.microsoft.com/office/powerpoint/2010/main" val="956245343"/>
+      </p:ext>
+    </p:extLst>
+  </p:cSld>
+  <p:clrMapOvr>
+    <a:masterClrMapping/>
+  </p:clrMapOvr>
+</p:sld>
+</file>
+
+<file path=ppt/slides/slide11.xml><?xml version="1.0" encoding="utf-8"?>
+<p:sld xmlns:a="http://schemas.openxmlformats.org/drawingml/2006/main" xmlns:r="http://schemas.openxmlformats.org/officeDocument/2006/relationships" xmlns:p="http://schemas.openxmlformats.org/presentationml/2006/main">
+  <p:cSld>
+    <p:bg>
+      <p:bgPr>
+        <a:solidFill>
+          <a:schemeClr val="bg1"/>
+        </a:solidFill>
+        <a:effectLst/>
+      </p:bgPr>
+    </p:bg>
+    <p:spTree>
+      <p:nvGrpSpPr>
+        <p:cNvPr id="1" name=""/>
+        <p:cNvGrpSpPr/>
+        <p:nvPr/>
+      </p:nvGrpSpPr>
+      <p:grpSpPr>
+        <a:xfrm>
+          <a:off x="0" y="0"/>
+          <a:ext cx="0" cy="0"/>
+          <a:chOff x="0" y="0"/>
+          <a:chExt cx="0" cy="0"/>
+        </a:xfrm>
+      </p:grpSpPr>
+      <p:sp useBgFill="1">
+        <p:nvSpPr>
+          <p:cNvPr id="9" name="Rectangle 8">
+            <a:extLst>
+              <a:ext uri="{FF2B5EF4-FFF2-40B4-BE49-F238E27FC236}">
+                <a16:creationId xmlns:a16="http://schemas.microsoft.com/office/drawing/2014/main" id="{1C799903-48D5-4A31-A1A2-541072D9771E}"/>
+              </a:ext>
+              <a:ext uri="{C183D7F6-B498-43B3-948B-1728B52AA6E4}">
+                <adec:decorative xmlns:adec="http://schemas.microsoft.com/office/drawing/2017/decorative" val="1"/>
+              </a:ext>
+            </a:extLst>
+          </p:cNvPr>
+          <p:cNvSpPr>
+            <a:spLocks noGrp="1" noRot="1" noChangeAspect="1" noMove="1" noResize="1" noEditPoints="1" noAdjustHandles="1" noChangeArrowheads="1" noChangeShapeType="1" noTextEdit="1"/>
+          </p:cNvSpPr>
+          <p:nvPr>
+            <p:extLst>
+              <p:ext uri="{386F3935-93C4-4BCD-93E2-E3B085C9AB24}">
+                <p16:designElem xmlns:p16="http://schemas.microsoft.com/office/powerpoint/2015/main" val="1"/>
+              </p:ext>
+            </p:extLst>
+          </p:nvPr>
+        </p:nvSpPr>
+        <p:spPr>
+          <a:xfrm>
+            <a:off x="0" y="0"/>
+            <a:ext cx="12192002" cy="6858000"/>
+          </a:xfrm>
+          <a:prstGeom prst="rect">
+            <a:avLst/>
+          </a:prstGeom>
+          <a:ln>
+            <a:noFill/>
+          </a:ln>
+        </p:spPr>
+        <p:style>
+          <a:lnRef idx="2">
+            <a:schemeClr val="accent1">
+              <a:shade val="50000"/>
+            </a:schemeClr>
+          </a:lnRef>
+          <a:fillRef idx="1">
+            <a:schemeClr val="accent1"/>
+          </a:fillRef>
+          <a:effectRef idx="0">
+            <a:schemeClr val="accent1"/>
+          </a:effectRef>
+          <a:fontRef idx="minor">
+            <a:schemeClr val="lt1"/>
+          </a:fontRef>
+        </p:style>
+        <p:txBody>
+          <a:bodyPr rtlCol="0" anchor="ctr"/>
+          <a:lstStyle/>
+          <a:p>
+            <a:pPr algn="ctr"/>
+            <a:endParaRPr lang="en-US"/>
+          </a:p>
+        </p:txBody>
+      </p:sp>
+      <p:sp useBgFill="1">
+        <p:nvSpPr>
+          <p:cNvPr id="11" name="Freeform: Shape 10">
+            <a:extLst>
+              <a:ext uri="{FF2B5EF4-FFF2-40B4-BE49-F238E27FC236}">
+                <a16:creationId xmlns:a16="http://schemas.microsoft.com/office/drawing/2014/main" id="{8EFFF109-FC58-4FD3-BE05-9775A1310F55}"/>
+              </a:ext>
+              <a:ext uri="{C183D7F6-B498-43B3-948B-1728B52AA6E4}">
+                <adec:decorative xmlns:adec="http://schemas.microsoft.com/office/drawing/2017/decorative" val="1"/>
+              </a:ext>
+            </a:extLst>
+          </p:cNvPr>
+          <p:cNvSpPr>
+            <a:spLocks noGrp="1" noRot="1" noChangeAspect="1" noMove="1" noResize="1" noEditPoints="1" noAdjustHandles="1" noChangeArrowheads="1" noChangeShapeType="1" noTextEdit="1"/>
+          </p:cNvSpPr>
+          <p:nvPr>
+            <p:extLst>
+              <p:ext uri="{386F3935-93C4-4BCD-93E2-E3B085C9AB24}">
+                <p16:designElem xmlns:p16="http://schemas.microsoft.com/office/powerpoint/2015/main" val="1"/>
+              </p:ext>
+            </p:extLst>
+          </p:nvPr>
+        </p:nvSpPr>
+        <p:spPr>
+          <a:xfrm>
+            <a:off x="-1" y="0"/>
+            <a:ext cx="4818889" cy="6858000"/>
+          </a:xfrm>
+          <a:custGeom>
+            <a:avLst/>
+            <a:gdLst>
+              <a:gd name="connsiteX0" fmla="*/ 0 w 4818889"/>
+              <a:gd name="connsiteY0" fmla="*/ 0 h 6858000"/>
+              <a:gd name="connsiteX1" fmla="*/ 3605911 w 4818889"/>
+              <a:gd name="connsiteY1" fmla="*/ 0 h 6858000"/>
+              <a:gd name="connsiteX2" fmla="*/ 3668894 w 4818889"/>
+              <a:gd name="connsiteY2" fmla="*/ 69271 h 6858000"/>
+              <a:gd name="connsiteX3" fmla="*/ 4818889 w 4818889"/>
+              <a:gd name="connsiteY3" fmla="*/ 3429000 h 6858000"/>
+              <a:gd name="connsiteX4" fmla="*/ 3668894 w 4818889"/>
+              <a:gd name="connsiteY4" fmla="*/ 6788730 h 6858000"/>
+              <a:gd name="connsiteX5" fmla="*/ 3605911 w 4818889"/>
+              <a:gd name="connsiteY5" fmla="*/ 6858000 h 6858000"/>
+              <a:gd name="connsiteX6" fmla="*/ 0 w 4818889"/>
+              <a:gd name="connsiteY6" fmla="*/ 6858000 h 6858000"/>
+            </a:gdLst>
+            <a:ahLst/>
+            <a:cxnLst>
+              <a:cxn ang="0">
+                <a:pos x="connsiteX0" y="connsiteY0"/>
+              </a:cxn>
+              <a:cxn ang="0">
+                <a:pos x="connsiteX1" y="connsiteY1"/>
+              </a:cxn>
+              <a:cxn ang="0">
+                <a:pos x="connsiteX2" y="connsiteY2"/>
+              </a:cxn>
+              <a:cxn ang="0">
+                <a:pos x="connsiteX3" y="connsiteY3"/>
+              </a:cxn>
+              <a:cxn ang="0">
+                <a:pos x="connsiteX4" y="connsiteY4"/>
+              </a:cxn>
+              <a:cxn ang="0">
+                <a:pos x="connsiteX5" y="connsiteY5"/>
+              </a:cxn>
+              <a:cxn ang="0">
+                <a:pos x="connsiteX6" y="connsiteY6"/>
+              </a:cxn>
+            </a:cxnLst>
+            <a:rect l="l" t="t" r="r" b="b"/>
+            <a:pathLst>
+              <a:path w="4818889" h="6858000">
+                <a:moveTo>
+                  <a:pt x="0" y="0"/>
+                </a:moveTo>
+                <a:lnTo>
+                  <a:pt x="3605911" y="0"/>
+                </a:lnTo>
+                <a:lnTo>
+                  <a:pt x="3668894" y="69271"/>
+                </a:lnTo>
+                <a:cubicBezTo>
+                  <a:pt x="4379420" y="929100"/>
+                  <a:pt x="4818889" y="2116944"/>
+                  <a:pt x="4818889" y="3429000"/>
+                </a:cubicBezTo>
+                <a:cubicBezTo>
+                  <a:pt x="4818889" y="4741056"/>
+                  <a:pt x="4379420" y="5928900"/>
+                  <a:pt x="3668894" y="6788730"/>
+                </a:cubicBezTo>
+                <a:lnTo>
+                  <a:pt x="3605911" y="6858000"/>
+                </a:lnTo>
+                <a:lnTo>
+                  <a:pt x="0" y="6858000"/>
+                </a:lnTo>
+                <a:close/>
+              </a:path>
+            </a:pathLst>
+          </a:custGeom>
+          <a:ln w="9525">
+            <a:solidFill>
+              <a:srgbClr val="E6E6E6"/>
+            </a:solidFill>
+          </a:ln>
+          <a:effectLst>
+            <a:outerShdw blurRad="50800" dist="38100" algn="l" rotWithShape="0">
+              <a:schemeClr val="bg1">
+                <a:lumMod val="85000"/>
+                <a:alpha val="50000"/>
+              </a:schemeClr>
+            </a:outerShdw>
+          </a:effectLst>
+        </p:spPr>
+        <p:style>
+          <a:lnRef idx="2">
+            <a:schemeClr val="accent1">
+              <a:shade val="50000"/>
+            </a:schemeClr>
+          </a:lnRef>
+          <a:fillRef idx="1">
+            <a:schemeClr val="accent1"/>
+          </a:fillRef>
+          <a:effectRef idx="0">
+            <a:schemeClr val="accent1"/>
+          </a:effectRef>
+          <a:fontRef idx="minor">
+            <a:schemeClr val="lt1"/>
+          </a:fontRef>
+        </p:style>
+        <p:txBody>
+          <a:bodyPr wrap="square" rtlCol="0" anchor="ctr">
+            <a:noAutofit/>
+          </a:bodyPr>
+          <a:lstStyle/>
+          <a:p>
+            <a:pPr marL="0" marR="0" lvl="0" indent="0" algn="ctr" defTabSz="914400" rtl="0" eaLnBrk="1" fontAlgn="auto" latinLnBrk="0" hangingPunct="1">
+              <a:lnSpc>
+                <a:spcPct val="100000"/>
+              </a:lnSpc>
+              <a:spcBef>
+                <a:spcPts val="0"/>
+              </a:spcBef>
+              <a:spcAft>
+                <a:spcPts val="0"/>
+              </a:spcAft>
+              <a:buClrTx/>
+              <a:buSzTx/>
+              <a:buFontTx/>
+              <a:buNone/>
+              <a:tabLst/>
+              <a:defRPr/>
+            </a:pPr>
+            <a:endParaRPr kumimoji="0" lang="en-US" sz="1800" b="0" i="0" u="none" strike="noStrike" kern="1200" cap="none" spc="0" normalizeH="0" baseline="0" noProof="0">
+              <a:ln>
+                <a:noFill/>
+              </a:ln>
+              <a:solidFill>
+                <a:prstClr val="white"/>
+              </a:solidFill>
+              <a:effectLst/>
+              <a:uLnTx/>
+              <a:uFillTx/>
+              <a:latin typeface="Calibri" panose="020F0502020204030204"/>
+              <a:ea typeface="+mn-ea"/>
+              <a:cs typeface="+mn-cs"/>
+            </a:endParaRPr>
+          </a:p>
+        </p:txBody>
+      </p:sp>
+      <p:sp useBgFill="1">
+        <p:nvSpPr>
+          <p:cNvPr id="13" name="Freeform: Shape 12">
+            <a:extLst>
+              <a:ext uri="{FF2B5EF4-FFF2-40B4-BE49-F238E27FC236}">
+                <a16:creationId xmlns:a16="http://schemas.microsoft.com/office/drawing/2014/main" id="{E1B96AD6-92A9-4273-A62B-96A1C3E0BA95}"/>
+              </a:ext>
+              <a:ext uri="{C183D7F6-B498-43B3-948B-1728B52AA6E4}">
+                <adec:decorative xmlns:adec="http://schemas.microsoft.com/office/drawing/2017/decorative" val="1"/>
+              </a:ext>
+            </a:extLst>
+          </p:cNvPr>
+          <p:cNvSpPr>
+            <a:spLocks noGrp="1" noRot="1" noChangeAspect="1" noMove="1" noResize="1" noEditPoints="1" noAdjustHandles="1" noChangeArrowheads="1" noChangeShapeType="1" noTextEdit="1"/>
+          </p:cNvSpPr>
+          <p:nvPr>
+            <p:extLst>
+              <p:ext uri="{386F3935-93C4-4BCD-93E2-E3B085C9AB24}">
+                <p16:designElem xmlns:p16="http://schemas.microsoft.com/office/powerpoint/2015/main" val="1"/>
+              </p:ext>
+            </p:extLst>
+          </p:nvPr>
+        </p:nvSpPr>
+        <p:spPr>
+          <a:xfrm>
+            <a:off x="1" y="0"/>
+            <a:ext cx="4811477" cy="6858000"/>
+          </a:xfrm>
+          <a:custGeom>
+            <a:avLst/>
+            <a:gdLst>
+              <a:gd name="connsiteX0" fmla="*/ 0 w 4811477"/>
+              <a:gd name="connsiteY0" fmla="*/ 0 h 6858000"/>
+              <a:gd name="connsiteX1" fmla="*/ 3598499 w 4811477"/>
+              <a:gd name="connsiteY1" fmla="*/ 0 h 6858000"/>
+              <a:gd name="connsiteX2" fmla="*/ 3661482 w 4811477"/>
+              <a:gd name="connsiteY2" fmla="*/ 69271 h 6858000"/>
+              <a:gd name="connsiteX3" fmla="*/ 4811477 w 4811477"/>
+              <a:gd name="connsiteY3" fmla="*/ 3429000 h 6858000"/>
+              <a:gd name="connsiteX4" fmla="*/ 3661482 w 4811477"/>
+              <a:gd name="connsiteY4" fmla="*/ 6788730 h 6858000"/>
+              <a:gd name="connsiteX5" fmla="*/ 3598499 w 4811477"/>
+              <a:gd name="connsiteY5" fmla="*/ 6858000 h 6858000"/>
+              <a:gd name="connsiteX6" fmla="*/ 0 w 4811477"/>
+              <a:gd name="connsiteY6" fmla="*/ 6858000 h 6858000"/>
+            </a:gdLst>
+            <a:ahLst/>
+            <a:cxnLst>
+              <a:cxn ang="0">
+                <a:pos x="connsiteX0" y="connsiteY0"/>
+              </a:cxn>
+              <a:cxn ang="0">
+                <a:pos x="connsiteX1" y="connsiteY1"/>
+              </a:cxn>
+              <a:cxn ang="0">
+                <a:pos x="connsiteX2" y="connsiteY2"/>
+              </a:cxn>
+              <a:cxn ang="0">
+                <a:pos x="connsiteX3" y="connsiteY3"/>
+              </a:cxn>
+              <a:cxn ang="0">
+                <a:pos x="connsiteX4" y="connsiteY4"/>
+              </a:cxn>
+              <a:cxn ang="0">
+                <a:pos x="connsiteX5" y="connsiteY5"/>
+              </a:cxn>
+              <a:cxn ang="0">
+                <a:pos x="connsiteX6" y="connsiteY6"/>
+              </a:cxn>
+            </a:cxnLst>
+            <a:rect l="l" t="t" r="r" b="b"/>
+            <a:pathLst>
+              <a:path w="4811477" h="6858000">
+                <a:moveTo>
+                  <a:pt x="0" y="0"/>
+                </a:moveTo>
+                <a:lnTo>
+                  <a:pt x="3598499" y="0"/>
+                </a:lnTo>
+                <a:lnTo>
+                  <a:pt x="3661482" y="69271"/>
+                </a:lnTo>
+                <a:cubicBezTo>
+                  <a:pt x="4372008" y="929100"/>
+                  <a:pt x="4811477" y="2116944"/>
+                  <a:pt x="4811477" y="3429000"/>
+                </a:cubicBezTo>
+                <a:cubicBezTo>
+                  <a:pt x="4811477" y="4741056"/>
+                  <a:pt x="4372008" y="5928900"/>
+                  <a:pt x="3661482" y="6788730"/>
+                </a:cubicBezTo>
+                <a:lnTo>
+                  <a:pt x="3598499" y="6858000"/>
+                </a:lnTo>
+                <a:lnTo>
+                  <a:pt x="0" y="6858000"/>
+                </a:lnTo>
+                <a:close/>
+              </a:path>
+            </a:pathLst>
+          </a:custGeom>
+          <a:ln w="9525">
+            <a:noFill/>
+          </a:ln>
+          <a:effectLst/>
+        </p:spPr>
+        <p:style>
+          <a:lnRef idx="2">
+            <a:schemeClr val="accent1">
+              <a:shade val="50000"/>
+            </a:schemeClr>
+          </a:lnRef>
+          <a:fillRef idx="1">
+            <a:schemeClr val="accent1"/>
+          </a:fillRef>
+          <a:effectRef idx="0">
+            <a:schemeClr val="accent1"/>
+          </a:effectRef>
+          <a:fontRef idx="minor">
+            <a:schemeClr val="lt1"/>
+          </a:fontRef>
+        </p:style>
+        <p:txBody>
+          <a:bodyPr wrap="square" rtlCol="0" anchor="ctr">
+            <a:noAutofit/>
+          </a:bodyPr>
+          <a:lstStyle/>
+          <a:p>
+            <a:pPr marL="0" marR="0" lvl="0" indent="0" algn="ctr" defTabSz="914400" rtl="0" eaLnBrk="1" fontAlgn="auto" latinLnBrk="0" hangingPunct="1">
+              <a:lnSpc>
+                <a:spcPct val="100000"/>
+              </a:lnSpc>
+              <a:spcBef>
+                <a:spcPts val="0"/>
+              </a:spcBef>
+              <a:spcAft>
+                <a:spcPts val="0"/>
+              </a:spcAft>
+              <a:buClrTx/>
+              <a:buSzTx/>
+              <a:buFontTx/>
+              <a:buNone/>
+              <a:tabLst/>
+              <a:defRPr/>
+            </a:pPr>
+            <a:endParaRPr kumimoji="0" lang="en-US" sz="1800" b="0" i="0" u="none" strike="noStrike" kern="1200" cap="none" spc="0" normalizeH="0" baseline="0" noProof="0">
+              <a:ln>
+                <a:noFill/>
+              </a:ln>
+              <a:solidFill>
+                <a:prstClr val="white"/>
+              </a:solidFill>
+              <a:effectLst/>
+              <a:uLnTx/>
+              <a:uFillTx/>
+              <a:latin typeface="Calibri" panose="020F0502020204030204"/>
+              <a:ea typeface="+mn-ea"/>
+              <a:cs typeface="+mn-cs"/>
+            </a:endParaRPr>
+          </a:p>
+        </p:txBody>
+      </p:sp>
+      <p:sp>
+        <p:nvSpPr>
+          <p:cNvPr id="2" name="Title 1">
+            <a:extLst>
+              <a:ext uri="{FF2B5EF4-FFF2-40B4-BE49-F238E27FC236}">
+                <a16:creationId xmlns:a16="http://schemas.microsoft.com/office/drawing/2014/main" id="{73CC334E-AB2C-C46C-E726-3E5E8CA43F71}"/>
+              </a:ext>
+            </a:extLst>
+          </p:cNvPr>
+          <p:cNvSpPr>
+            <a:spLocks noGrp="1"/>
+          </p:cNvSpPr>
+          <p:nvPr>
+            <p:ph type="title"/>
+          </p:nvPr>
+        </p:nvSpPr>
+        <p:spPr>
+          <a:xfrm>
+            <a:off x="621792" y="1161288"/>
+            <a:ext cx="3602736" cy="4526280"/>
+          </a:xfrm>
+        </p:spPr>
+        <p:txBody>
+          <a:bodyPr>
+            <a:normAutofit/>
+          </a:bodyPr>
+          <a:lstStyle/>
+          <a:p>
+            <a:r>
+              <a:rPr lang="en-US" sz="4000"/>
+              <a:t>Summary</a:t>
+            </a:r>
+            <a:endParaRPr lang="en-IN" sz="4000"/>
+          </a:p>
+        </p:txBody>
+      </p:sp>
+      <p:sp>
+        <p:nvSpPr>
+          <p:cNvPr id="15" name="Rectangle 14">
+            <a:extLst>
+              <a:ext uri="{FF2B5EF4-FFF2-40B4-BE49-F238E27FC236}">
+                <a16:creationId xmlns:a16="http://schemas.microsoft.com/office/drawing/2014/main" id="{463EEC44-1BA3-44ED-81FC-A644B04B2A44}"/>
+              </a:ext>
+              <a:ext uri="{C183D7F6-B498-43B3-948B-1728B52AA6E4}">
+                <adec:decorative xmlns:adec="http://schemas.microsoft.com/office/drawing/2017/decorative" val="1"/>
+              </a:ext>
+            </a:extLst>
+          </p:cNvPr>
+          <p:cNvSpPr>
+            <a:spLocks noGrp="1" noRot="1" noChangeAspect="1" noMove="1" noResize="1" noEditPoints="1" noAdjustHandles="1" noChangeArrowheads="1" noChangeShapeType="1" noTextEdit="1"/>
+          </p:cNvSpPr>
+          <p:nvPr>
+            <p:extLst>
+              <p:ext uri="{386F3935-93C4-4BCD-93E2-E3B085C9AB24}">
+                <p16:designElem xmlns:p16="http://schemas.microsoft.com/office/powerpoint/2015/main" val="1"/>
+              </p:ext>
+            </p:extLst>
+          </p:nvPr>
+        </p:nvSpPr>
+        <p:spPr>
+          <a:xfrm>
+            <a:off x="0" y="3102049"/>
+            <a:ext cx="128016" cy="653903"/>
+          </a:xfrm>
+          <a:prstGeom prst="rect">
+            <a:avLst/>
+          </a:prstGeom>
+          <a:solidFill>
+            <a:schemeClr val="accent2"/>
+          </a:solidFill>
+          <a:ln>
+            <a:noFill/>
+          </a:ln>
+        </p:spPr>
+        <p:style>
+          <a:lnRef idx="2">
+            <a:schemeClr val="accent1">
+              <a:shade val="50000"/>
+            </a:schemeClr>
+          </a:lnRef>
+          <a:fillRef idx="1">
+            <a:schemeClr val="accent1"/>
+          </a:fillRef>
+          <a:effectRef idx="0">
+            <a:schemeClr val="accent1"/>
+          </a:effectRef>
+          <a:fontRef idx="minor">
+            <a:schemeClr val="lt1"/>
+          </a:fontRef>
+        </p:style>
+        <p:txBody>
+          <a:bodyPr rtlCol="0" anchor="ctr"/>
+          <a:lstStyle/>
+          <a:p>
+            <a:pPr algn="ctr"/>
+            <a:endParaRPr lang="en-US">
+              <a:solidFill>
+                <a:prstClr val="white"/>
+              </a:solidFill>
+              <a:latin typeface="Calibri" panose="020F0502020204030204"/>
+            </a:endParaRPr>
+          </a:p>
+        </p:txBody>
+      </p:sp>
+      <p:sp>
+        <p:nvSpPr>
+          <p:cNvPr id="4" name="Rectangle 1">
+            <a:extLst>
+              <a:ext uri="{FF2B5EF4-FFF2-40B4-BE49-F238E27FC236}">
+                <a16:creationId xmlns:a16="http://schemas.microsoft.com/office/drawing/2014/main" id="{06FDA291-58B1-BE0A-2854-E5EEA95AA8B8}"/>
+              </a:ext>
+            </a:extLst>
+          </p:cNvPr>
+          <p:cNvSpPr>
+            <a:spLocks noGrp="1" noChangeArrowheads="1"/>
+          </p:cNvSpPr>
+          <p:nvPr>
+            <p:ph idx="1"/>
+          </p:nvPr>
+        </p:nvSpPr>
+        <p:spPr bwMode="auto">
+          <a:xfrm>
+            <a:off x="5434149" y="932688"/>
+            <a:ext cx="5916603" cy="4992624"/>
+          </a:xfrm>
+          <a:prstGeom prst="rect">
+            <a:avLst/>
+          </a:prstGeom>
+          <a:extLst>
+            <a:ext uri="{909E8E84-426E-40DD-AFC4-6F175D3DCCD1}">
+              <a14:hiddenFill xmlns:a14="http://schemas.microsoft.com/office/drawing/2010/main">
+                <a:solidFill>
+                  <a:schemeClr val="accent1"/>
+                </a:solidFill>
+              </a14:hiddenFill>
+            </a:ext>
+            <a:ext uri="{91240B29-F687-4F45-9708-019B960494DF}">
+              <a14:hiddenLine xmlns:a14="http://schemas.microsoft.com/office/drawing/2010/main" w="9525">
+                <a:solidFill>
+                  <a:schemeClr val="tx1"/>
+                </a:solidFill>
+                <a:miter lim="800000"/>
+                <a:headEnd/>
+                <a:tailEnd/>
+              </a14:hiddenLine>
+            </a:ext>
+            <a:ext uri="{AF507438-7753-43E0-B8FC-AC1667EBCBE1}">
+              <a14:hiddenEffects xmlns:a14="http://schemas.microsoft.com/office/drawing/2010/main">
+                <a:effectLst>
+                  <a:outerShdw dist="35921" dir="2700000" algn="ctr" rotWithShape="0">
+                    <a:schemeClr val="bg2"/>
+                  </a:outerShdw>
+                </a:effectLst>
+              </a14:hiddenEffects>
+            </a:ext>
+          </a:extLst>
+        </p:spPr>
+        <p:txBody>
+          <a:bodyPr vert="horz" lIns="91440" tIns="45720" rIns="91440" bIns="45720" numCol="1" anchor="ctr" anchorCtr="0" compatLnSpc="1">
+            <a:prstTxWarp prst="textNoShape">
+              <a:avLst/>
+            </a:prstTxWarp>
+            <a:normAutofit/>
+          </a:bodyPr>
+          <a:lstStyle/>
+          <a:p>
+            <a:pPr marL="0" marR="0" lvl="0" indent="0" defTabSz="914400" rtl="0" eaLnBrk="0" fontAlgn="base" latinLnBrk="0" hangingPunct="0">
+              <a:spcBef>
+                <a:spcPct val="0"/>
+              </a:spcBef>
+              <a:spcAft>
+                <a:spcPts val="600"/>
+              </a:spcAft>
+              <a:buClrTx/>
+              <a:buSzTx/>
+              <a:buNone/>
+              <a:tabLst/>
+            </a:pPr>
+            <a:r>
+              <a:rPr kumimoji="0" lang="en-US" altLang="en-US" sz="2000" b="1" i="0" u="none" strike="noStrike" cap="none" normalizeH="0" baseline="0">
+                <a:ln>
+                  <a:noFill/>
+                </a:ln>
+                <a:effectLst/>
+                <a:latin typeface="Arial" panose="020B0604020202020204" pitchFamily="34" charset="0"/>
+              </a:rPr>
+              <a:t>AR</a:t>
+            </a:r>
+            <a:r>
+              <a:rPr kumimoji="0" lang="en-US" altLang="en-US" sz="2000" b="0" i="0" u="none" strike="noStrike" cap="none" normalizeH="0" baseline="0">
+                <a:ln>
+                  <a:noFill/>
+                </a:ln>
+                <a:effectLst/>
+                <a:latin typeface="Arial" panose="020B0604020202020204" pitchFamily="34" charset="0"/>
+              </a:rPr>
+              <a:t> enhances the real world with digital overlays.</a:t>
+            </a:r>
+          </a:p>
+          <a:p>
+            <a:pPr marL="0" marR="0" lvl="0" indent="0" defTabSz="914400" rtl="0" eaLnBrk="0" fontAlgn="base" latinLnBrk="0" hangingPunct="0">
+              <a:spcBef>
+                <a:spcPct val="0"/>
+              </a:spcBef>
+              <a:spcAft>
+                <a:spcPts val="600"/>
+              </a:spcAft>
+              <a:buClrTx/>
+              <a:buSzTx/>
+              <a:buNone/>
+              <a:tabLst/>
+            </a:pPr>
+            <a:endParaRPr kumimoji="0" lang="en-US" altLang="en-US" sz="2000" b="0" i="0" u="none" strike="noStrike" cap="none" normalizeH="0" baseline="0">
+              <a:ln>
+                <a:noFill/>
+              </a:ln>
+              <a:effectLst/>
+              <a:latin typeface="Arial" panose="020B0604020202020204" pitchFamily="34" charset="0"/>
+            </a:endParaRPr>
+          </a:p>
+          <a:p>
+            <a:pPr marL="0" marR="0" lvl="0" indent="0" defTabSz="914400" rtl="0" eaLnBrk="0" fontAlgn="base" latinLnBrk="0" hangingPunct="0">
+              <a:spcBef>
+                <a:spcPct val="0"/>
+              </a:spcBef>
+              <a:spcAft>
+                <a:spcPts val="600"/>
+              </a:spcAft>
+              <a:buClrTx/>
+              <a:buSzTx/>
+              <a:buNone/>
+              <a:tabLst/>
+            </a:pPr>
+            <a:r>
+              <a:rPr kumimoji="0" lang="en-US" altLang="en-US" sz="2000" b="1" i="0" u="none" strike="noStrike" cap="none" normalizeH="0" baseline="0">
+                <a:ln>
+                  <a:noFill/>
+                </a:ln>
+                <a:effectLst/>
+                <a:latin typeface="Arial" panose="020B0604020202020204" pitchFamily="34" charset="0"/>
+              </a:rPr>
+              <a:t>VR</a:t>
+            </a:r>
+            <a:r>
+              <a:rPr kumimoji="0" lang="en-US" altLang="en-US" sz="2000" b="0" i="0" u="none" strike="noStrike" cap="none" normalizeH="0" baseline="0">
+                <a:ln>
+                  <a:noFill/>
+                </a:ln>
+                <a:effectLst/>
+                <a:latin typeface="Arial" panose="020B0604020202020204" pitchFamily="34" charset="0"/>
+              </a:rPr>
+              <a:t> creates a completely digital world, blocking out the real one.</a:t>
+            </a:r>
+          </a:p>
+          <a:p>
+            <a:pPr marL="0" marR="0" lvl="0" indent="0" defTabSz="914400" rtl="0" eaLnBrk="0" fontAlgn="base" latinLnBrk="0" hangingPunct="0">
+              <a:spcBef>
+                <a:spcPct val="0"/>
+              </a:spcBef>
+              <a:spcAft>
+                <a:spcPts val="600"/>
+              </a:spcAft>
+              <a:buClrTx/>
+              <a:buSzTx/>
+              <a:buNone/>
+              <a:tabLst/>
+            </a:pPr>
+            <a:endParaRPr kumimoji="0" lang="en-US" altLang="en-US" sz="2000" b="0" i="0" u="none" strike="noStrike" cap="none" normalizeH="0" baseline="0">
+              <a:ln>
+                <a:noFill/>
+              </a:ln>
+              <a:effectLst/>
+              <a:latin typeface="Arial" panose="020B0604020202020204" pitchFamily="34" charset="0"/>
+            </a:endParaRPr>
+          </a:p>
+          <a:p>
+            <a:pPr marL="0" marR="0" lvl="0" indent="0" defTabSz="914400" rtl="0" eaLnBrk="0" fontAlgn="base" latinLnBrk="0" hangingPunct="0">
+              <a:spcBef>
+                <a:spcPct val="0"/>
+              </a:spcBef>
+              <a:spcAft>
+                <a:spcPts val="600"/>
+              </a:spcAft>
+              <a:buClrTx/>
+              <a:buSzTx/>
+              <a:buNone/>
+              <a:tabLst/>
+            </a:pPr>
+            <a:r>
+              <a:rPr kumimoji="0" lang="en-US" altLang="en-US" sz="2000" b="1" i="0" u="none" strike="noStrike" cap="none" normalizeH="0" baseline="0">
+                <a:ln>
+                  <a:noFill/>
+                </a:ln>
+                <a:effectLst/>
+                <a:latin typeface="Arial" panose="020B0604020202020204" pitchFamily="34" charset="0"/>
+              </a:rPr>
+              <a:t>MR</a:t>
+            </a:r>
+            <a:r>
+              <a:rPr kumimoji="0" lang="en-US" altLang="en-US" sz="2000" b="0" i="0" u="none" strike="noStrike" cap="none" normalizeH="0" baseline="0">
+                <a:ln>
+                  <a:noFill/>
+                </a:ln>
+                <a:effectLst/>
+                <a:latin typeface="Arial" panose="020B0604020202020204" pitchFamily="34" charset="0"/>
+              </a:rPr>
+              <a:t> blends the real and digital worlds, allowing for interaction between them. </a:t>
+            </a:r>
+          </a:p>
+        </p:txBody>
+      </p:sp>
+    </p:spTree>
+    <p:extLst>
+      <p:ext uri="{BB962C8B-B14F-4D97-AF65-F5344CB8AC3E}">
+        <p14:creationId xmlns:p14="http://schemas.microsoft.com/office/powerpoint/2010/main" val="1065276320"/>
+      </p:ext>
+    </p:extLst>
+  </p:cSld>
+  <p:clrMapOvr>
+    <a:masterClrMapping/>
+  </p:clrMapOvr>
+</p:sld>
+</file>
+
+<file path=ppt/slides/slide12.xml><?xml version="1.0" encoding="utf-8"?>
 <p:sld xmlns:a="http://schemas.openxmlformats.org/drawingml/2006/main" xmlns:r="http://schemas.openxmlformats.org/officeDocument/2006/relationships" xmlns:p="http://schemas.openxmlformats.org/presentationml/2006/main">
   <p:cSld>
     <p:spTree>
@@ -3737,6 +6664,14 @@
 <file path=ppt/slides/slide2.xml><?xml version="1.0" encoding="utf-8"?>
 <p:sld xmlns:a="http://schemas.openxmlformats.org/drawingml/2006/main" xmlns:r="http://schemas.openxmlformats.org/officeDocument/2006/relationships" xmlns:p="http://schemas.openxmlformats.org/presentationml/2006/main">
   <p:cSld>
+    <p:bg>
+      <p:bgPr>
+        <a:solidFill>
+          <a:schemeClr val="bg1"/>
+        </a:solidFill>
+        <a:effectLst/>
+      </p:bgPr>
+    </p:bg>
     <p:spTree>
       <p:nvGrpSpPr>
         <p:cNvPr id="1" name=""/>
@@ -3751,6 +6686,457 @@
           <a:chExt cx="0" cy="0"/>
         </a:xfrm>
       </p:grpSpPr>
+      <p:sp useBgFill="1">
+        <p:nvSpPr>
+          <p:cNvPr id="8" name="Rectangle 7">
+            <a:extLst>
+              <a:ext uri="{FF2B5EF4-FFF2-40B4-BE49-F238E27FC236}">
+                <a16:creationId xmlns:a16="http://schemas.microsoft.com/office/drawing/2014/main" id="{FFD48BC7-DC40-47DE-87EE-9F4B6ECB9ABB}"/>
+              </a:ext>
+              <a:ext uri="{C183D7F6-B498-43B3-948B-1728B52AA6E4}">
+                <adec:decorative xmlns:adec="http://schemas.microsoft.com/office/drawing/2017/decorative" val="1"/>
+              </a:ext>
+            </a:extLst>
+          </p:cNvPr>
+          <p:cNvSpPr>
+            <a:spLocks noGrp="1" noRot="1" noChangeAspect="1" noMove="1" noResize="1" noEditPoints="1" noAdjustHandles="1" noChangeArrowheads="1" noChangeShapeType="1" noTextEdit="1"/>
+          </p:cNvSpPr>
+          <p:nvPr>
+            <p:extLst>
+              <p:ext uri="{386F3935-93C4-4BCD-93E2-E3B085C9AB24}">
+                <p16:designElem xmlns:p16="http://schemas.microsoft.com/office/powerpoint/2015/main" val="1"/>
+              </p:ext>
+            </p:extLst>
+          </p:nvPr>
+        </p:nvSpPr>
+        <p:spPr>
+          <a:xfrm>
+            <a:off x="0" y="0"/>
+            <a:ext cx="12192000" cy="6858000"/>
+          </a:xfrm>
+          <a:prstGeom prst="rect">
+            <a:avLst/>
+          </a:prstGeom>
+          <a:ln>
+            <a:noFill/>
+          </a:ln>
+        </p:spPr>
+        <p:style>
+          <a:lnRef idx="2">
+            <a:schemeClr val="accent1">
+              <a:shade val="50000"/>
+            </a:schemeClr>
+          </a:lnRef>
+          <a:fillRef idx="1">
+            <a:schemeClr val="accent1"/>
+          </a:fillRef>
+          <a:effectRef idx="0">
+            <a:schemeClr val="accent1"/>
+          </a:effectRef>
+          <a:fontRef idx="minor">
+            <a:schemeClr val="lt1"/>
+          </a:fontRef>
+        </p:style>
+        <p:txBody>
+          <a:bodyPr rtlCol="0" anchor="ctr"/>
+          <a:lstStyle/>
+          <a:p>
+            <a:pPr algn="ctr"/>
+            <a:endParaRPr lang="en-US"/>
+          </a:p>
+        </p:txBody>
+      </p:sp>
+      <p:sp useBgFill="1">
+        <p:nvSpPr>
+          <p:cNvPr id="10" name="Freeform: Shape 9">
+            <a:extLst>
+              <a:ext uri="{FF2B5EF4-FFF2-40B4-BE49-F238E27FC236}">
+                <a16:creationId xmlns:a16="http://schemas.microsoft.com/office/drawing/2014/main" id="{E502BBC7-2C76-46F3-BC24-5985BC13DB88}"/>
+              </a:ext>
+              <a:ext uri="{C183D7F6-B498-43B3-948B-1728B52AA6E4}">
+                <adec:decorative xmlns:adec="http://schemas.microsoft.com/office/drawing/2017/decorative" val="1"/>
+              </a:ext>
+            </a:extLst>
+          </p:cNvPr>
+          <p:cNvSpPr>
+            <a:spLocks noGrp="1" noRot="1" noChangeAspect="1" noMove="1" noResize="1" noEditPoints="1" noAdjustHandles="1" noChangeArrowheads="1" noChangeShapeType="1" noTextEdit="1"/>
+          </p:cNvSpPr>
+          <p:nvPr>
+            <p:extLst>
+              <p:ext uri="{386F3935-93C4-4BCD-93E2-E3B085C9AB24}">
+                <p16:designElem xmlns:p16="http://schemas.microsoft.com/office/powerpoint/2015/main" val="1"/>
+              </p:ext>
+            </p:extLst>
+          </p:nvPr>
+        </p:nvSpPr>
+        <p:spPr>
+          <a:xfrm>
+            <a:off x="1114425" y="0"/>
+            <a:ext cx="9963150" cy="6858000"/>
+          </a:xfrm>
+          <a:custGeom>
+            <a:avLst/>
+            <a:gdLst>
+              <a:gd name="connsiteX0" fmla="*/ 1595771 w 9963150"/>
+              <a:gd name="connsiteY0" fmla="*/ 0 h 6858000"/>
+              <a:gd name="connsiteX1" fmla="*/ 8367379 w 9963150"/>
+              <a:gd name="connsiteY1" fmla="*/ 0 h 6858000"/>
+              <a:gd name="connsiteX2" fmla="*/ 8504080 w 9963150"/>
+              <a:gd name="connsiteY2" fmla="*/ 130333 h 6858000"/>
+              <a:gd name="connsiteX3" fmla="*/ 9963150 w 9963150"/>
+              <a:gd name="connsiteY3" fmla="*/ 3652838 h 6858000"/>
+              <a:gd name="connsiteX4" fmla="*/ 8825600 w 9963150"/>
+              <a:gd name="connsiteY4" fmla="*/ 6821583 h 6858000"/>
+              <a:gd name="connsiteX5" fmla="*/ 8794055 w 9963150"/>
+              <a:gd name="connsiteY5" fmla="*/ 6858000 h 6858000"/>
+              <a:gd name="connsiteX6" fmla="*/ 1169096 w 9963150"/>
+              <a:gd name="connsiteY6" fmla="*/ 6858000 h 6858000"/>
+              <a:gd name="connsiteX7" fmla="*/ 1137550 w 9963150"/>
+              <a:gd name="connsiteY7" fmla="*/ 6821583 h 6858000"/>
+              <a:gd name="connsiteX8" fmla="*/ 0 w 9963150"/>
+              <a:gd name="connsiteY8" fmla="*/ 3652838 h 6858000"/>
+              <a:gd name="connsiteX9" fmla="*/ 1459070 w 9963150"/>
+              <a:gd name="connsiteY9" fmla="*/ 130333 h 6858000"/>
+            </a:gdLst>
+            <a:ahLst/>
+            <a:cxnLst>
+              <a:cxn ang="0">
+                <a:pos x="connsiteX0" y="connsiteY0"/>
+              </a:cxn>
+              <a:cxn ang="0">
+                <a:pos x="connsiteX1" y="connsiteY1"/>
+              </a:cxn>
+              <a:cxn ang="0">
+                <a:pos x="connsiteX2" y="connsiteY2"/>
+              </a:cxn>
+              <a:cxn ang="0">
+                <a:pos x="connsiteX3" y="connsiteY3"/>
+              </a:cxn>
+              <a:cxn ang="0">
+                <a:pos x="connsiteX4" y="connsiteY4"/>
+              </a:cxn>
+              <a:cxn ang="0">
+                <a:pos x="connsiteX5" y="connsiteY5"/>
+              </a:cxn>
+              <a:cxn ang="0">
+                <a:pos x="connsiteX6" y="connsiteY6"/>
+              </a:cxn>
+              <a:cxn ang="0">
+                <a:pos x="connsiteX7" y="connsiteY7"/>
+              </a:cxn>
+              <a:cxn ang="0">
+                <a:pos x="connsiteX8" y="connsiteY8"/>
+              </a:cxn>
+              <a:cxn ang="0">
+                <a:pos x="connsiteX9" y="connsiteY9"/>
+              </a:cxn>
+            </a:cxnLst>
+            <a:rect l="l" t="t" r="r" b="b"/>
+            <a:pathLst>
+              <a:path w="9963150" h="6858000">
+                <a:moveTo>
+                  <a:pt x="1595771" y="0"/>
+                </a:moveTo>
+                <a:lnTo>
+                  <a:pt x="8367379" y="0"/>
+                </a:lnTo>
+                <a:lnTo>
+                  <a:pt x="8504080" y="130333"/>
+                </a:lnTo>
+                <a:cubicBezTo>
+                  <a:pt x="9405568" y="1031820"/>
+                  <a:pt x="9963150" y="2277214"/>
+                  <a:pt x="9963150" y="3652838"/>
+                </a:cubicBezTo>
+                <a:cubicBezTo>
+                  <a:pt x="9963150" y="4856509"/>
+                  <a:pt x="9536251" y="5960473"/>
+                  <a:pt x="8825600" y="6821583"/>
+                </a:cubicBezTo>
+                <a:lnTo>
+                  <a:pt x="8794055" y="6858000"/>
+                </a:lnTo>
+                <a:lnTo>
+                  <a:pt x="1169096" y="6858000"/>
+                </a:lnTo>
+                <a:lnTo>
+                  <a:pt x="1137550" y="6821583"/>
+                </a:lnTo>
+                <a:cubicBezTo>
+                  <a:pt x="426899" y="5960473"/>
+                  <a:pt x="0" y="4856509"/>
+                  <a:pt x="0" y="3652838"/>
+                </a:cubicBezTo>
+                <a:cubicBezTo>
+                  <a:pt x="0" y="2277214"/>
+                  <a:pt x="557582" y="1031820"/>
+                  <a:pt x="1459070" y="130333"/>
+                </a:cubicBezTo>
+                <a:close/>
+              </a:path>
+            </a:pathLst>
+          </a:custGeom>
+          <a:ln w="9525">
+            <a:solidFill>
+              <a:srgbClr val="EFEFEF"/>
+            </a:solidFill>
+          </a:ln>
+          <a:effectLst>
+            <a:outerShdw blurRad="139700" sx="102000" sy="102000" algn="ctr" rotWithShape="0">
+              <a:schemeClr val="bg1">
+                <a:lumMod val="85000"/>
+                <a:alpha val="38000"/>
+              </a:schemeClr>
+            </a:outerShdw>
+          </a:effectLst>
+        </p:spPr>
+        <p:style>
+          <a:lnRef idx="2">
+            <a:schemeClr val="accent1">
+              <a:shade val="50000"/>
+            </a:schemeClr>
+          </a:lnRef>
+          <a:fillRef idx="1">
+            <a:schemeClr val="accent1"/>
+          </a:fillRef>
+          <a:effectRef idx="0">
+            <a:schemeClr val="accent1"/>
+          </a:effectRef>
+          <a:fontRef idx="minor">
+            <a:schemeClr val="lt1"/>
+          </a:fontRef>
+        </p:style>
+        <p:txBody>
+          <a:bodyPr wrap="square" rtlCol="0" anchor="ctr">
+            <a:noAutofit/>
+          </a:bodyPr>
+          <a:lstStyle/>
+          <a:p>
+            <a:pPr marL="0" marR="0" lvl="0" indent="0" algn="ctr" defTabSz="914400" rtl="0" eaLnBrk="1" fontAlgn="auto" latinLnBrk="0" hangingPunct="1">
+              <a:lnSpc>
+                <a:spcPct val="100000"/>
+              </a:lnSpc>
+              <a:spcBef>
+                <a:spcPts val="0"/>
+              </a:spcBef>
+              <a:spcAft>
+                <a:spcPts val="0"/>
+              </a:spcAft>
+              <a:buClrTx/>
+              <a:buSzTx/>
+              <a:buFontTx/>
+              <a:buNone/>
+              <a:tabLst/>
+              <a:defRPr/>
+            </a:pPr>
+            <a:endParaRPr kumimoji="0" lang="en-US" sz="1800" b="0" i="0" u="none" strike="noStrike" kern="1200" cap="none" spc="0" normalizeH="0" baseline="0" noProof="0">
+              <a:ln>
+                <a:noFill/>
+              </a:ln>
+              <a:solidFill>
+                <a:prstClr val="white"/>
+              </a:solidFill>
+              <a:effectLst/>
+              <a:uLnTx/>
+              <a:uFillTx/>
+              <a:latin typeface="Calibri" panose="020F0502020204030204"/>
+              <a:ea typeface="+mn-ea"/>
+              <a:cs typeface="+mn-cs"/>
+            </a:endParaRPr>
+          </a:p>
+        </p:txBody>
+      </p:sp>
+      <p:sp useBgFill="1">
+        <p:nvSpPr>
+          <p:cNvPr id="12" name="Freeform: Shape 11">
+            <a:extLst>
+              <a:ext uri="{FF2B5EF4-FFF2-40B4-BE49-F238E27FC236}">
+                <a16:creationId xmlns:a16="http://schemas.microsoft.com/office/drawing/2014/main" id="{C7F28D52-2A5F-4D23-81AE-7CB8B591C7AF}"/>
+              </a:ext>
+              <a:ext uri="{C183D7F6-B498-43B3-948B-1728B52AA6E4}">
+                <adec:decorative xmlns:adec="http://schemas.microsoft.com/office/drawing/2017/decorative" val="1"/>
+              </a:ext>
+            </a:extLst>
+          </p:cNvPr>
+          <p:cNvSpPr>
+            <a:spLocks noGrp="1" noRot="1" noChangeAspect="1" noMove="1" noResize="1" noEditPoints="1" noAdjustHandles="1" noChangeArrowheads="1" noChangeShapeType="1" noTextEdit="1"/>
+          </p:cNvSpPr>
+          <p:nvPr>
+            <p:extLst>
+              <p:ext uri="{386F3935-93C4-4BCD-93E2-E3B085C9AB24}">
+                <p16:designElem xmlns:p16="http://schemas.microsoft.com/office/powerpoint/2015/main" val="1"/>
+              </p:ext>
+            </p:extLst>
+          </p:nvPr>
+        </p:nvSpPr>
+        <p:spPr>
+          <a:xfrm>
+            <a:off x="1121664" y="0"/>
+            <a:ext cx="9948672" cy="6858000"/>
+          </a:xfrm>
+          <a:custGeom>
+            <a:avLst/>
+            <a:gdLst>
+              <a:gd name="connsiteX0" fmla="*/ 1595771 w 9963150"/>
+              <a:gd name="connsiteY0" fmla="*/ 0 h 6858000"/>
+              <a:gd name="connsiteX1" fmla="*/ 8367379 w 9963150"/>
+              <a:gd name="connsiteY1" fmla="*/ 0 h 6858000"/>
+              <a:gd name="connsiteX2" fmla="*/ 8504080 w 9963150"/>
+              <a:gd name="connsiteY2" fmla="*/ 130333 h 6858000"/>
+              <a:gd name="connsiteX3" fmla="*/ 9963150 w 9963150"/>
+              <a:gd name="connsiteY3" fmla="*/ 3652838 h 6858000"/>
+              <a:gd name="connsiteX4" fmla="*/ 8825600 w 9963150"/>
+              <a:gd name="connsiteY4" fmla="*/ 6821583 h 6858000"/>
+              <a:gd name="connsiteX5" fmla="*/ 8794055 w 9963150"/>
+              <a:gd name="connsiteY5" fmla="*/ 6858000 h 6858000"/>
+              <a:gd name="connsiteX6" fmla="*/ 1169096 w 9963150"/>
+              <a:gd name="connsiteY6" fmla="*/ 6858000 h 6858000"/>
+              <a:gd name="connsiteX7" fmla="*/ 1137550 w 9963150"/>
+              <a:gd name="connsiteY7" fmla="*/ 6821583 h 6858000"/>
+              <a:gd name="connsiteX8" fmla="*/ 0 w 9963150"/>
+              <a:gd name="connsiteY8" fmla="*/ 3652838 h 6858000"/>
+              <a:gd name="connsiteX9" fmla="*/ 1459070 w 9963150"/>
+              <a:gd name="connsiteY9" fmla="*/ 130333 h 6858000"/>
+            </a:gdLst>
+            <a:ahLst/>
+            <a:cxnLst>
+              <a:cxn ang="0">
+                <a:pos x="connsiteX0" y="connsiteY0"/>
+              </a:cxn>
+              <a:cxn ang="0">
+                <a:pos x="connsiteX1" y="connsiteY1"/>
+              </a:cxn>
+              <a:cxn ang="0">
+                <a:pos x="connsiteX2" y="connsiteY2"/>
+              </a:cxn>
+              <a:cxn ang="0">
+                <a:pos x="connsiteX3" y="connsiteY3"/>
+              </a:cxn>
+              <a:cxn ang="0">
+                <a:pos x="connsiteX4" y="connsiteY4"/>
+              </a:cxn>
+              <a:cxn ang="0">
+                <a:pos x="connsiteX5" y="connsiteY5"/>
+              </a:cxn>
+              <a:cxn ang="0">
+                <a:pos x="connsiteX6" y="connsiteY6"/>
+              </a:cxn>
+              <a:cxn ang="0">
+                <a:pos x="connsiteX7" y="connsiteY7"/>
+              </a:cxn>
+              <a:cxn ang="0">
+                <a:pos x="connsiteX8" y="connsiteY8"/>
+              </a:cxn>
+              <a:cxn ang="0">
+                <a:pos x="connsiteX9" y="connsiteY9"/>
+              </a:cxn>
+            </a:cxnLst>
+            <a:rect l="l" t="t" r="r" b="b"/>
+            <a:pathLst>
+              <a:path w="9963150" h="6858000">
+                <a:moveTo>
+                  <a:pt x="1595771" y="0"/>
+                </a:moveTo>
+                <a:lnTo>
+                  <a:pt x="8367379" y="0"/>
+                </a:lnTo>
+                <a:lnTo>
+                  <a:pt x="8504080" y="130333"/>
+                </a:lnTo>
+                <a:cubicBezTo>
+                  <a:pt x="9405568" y="1031820"/>
+                  <a:pt x="9963150" y="2277214"/>
+                  <a:pt x="9963150" y="3652838"/>
+                </a:cubicBezTo>
+                <a:cubicBezTo>
+                  <a:pt x="9963150" y="4856509"/>
+                  <a:pt x="9536251" y="5960473"/>
+                  <a:pt x="8825600" y="6821583"/>
+                </a:cubicBezTo>
+                <a:lnTo>
+                  <a:pt x="8794055" y="6858000"/>
+                </a:lnTo>
+                <a:lnTo>
+                  <a:pt x="1169096" y="6858000"/>
+                </a:lnTo>
+                <a:lnTo>
+                  <a:pt x="1137550" y="6821583"/>
+                </a:lnTo>
+                <a:cubicBezTo>
+                  <a:pt x="426899" y="5960473"/>
+                  <a:pt x="0" y="4856509"/>
+                  <a:pt x="0" y="3652838"/>
+                </a:cubicBezTo>
+                <a:cubicBezTo>
+                  <a:pt x="0" y="2277214"/>
+                  <a:pt x="557582" y="1031820"/>
+                  <a:pt x="1459070" y="130333"/>
+                </a:cubicBezTo>
+                <a:close/>
+              </a:path>
+            </a:pathLst>
+          </a:custGeom>
+          <a:ln w="9525">
+            <a:noFill/>
+          </a:ln>
+          <a:effectLst/>
+        </p:spPr>
+        <p:style>
+          <a:lnRef idx="2">
+            <a:schemeClr val="accent1">
+              <a:shade val="50000"/>
+            </a:schemeClr>
+          </a:lnRef>
+          <a:fillRef idx="1">
+            <a:schemeClr val="accent1"/>
+          </a:fillRef>
+          <a:effectRef idx="0">
+            <a:schemeClr val="accent1"/>
+          </a:effectRef>
+          <a:fontRef idx="minor">
+            <a:schemeClr val="lt1"/>
+          </a:fontRef>
+        </p:style>
+        <p:txBody>
+          <a:bodyPr wrap="square" rtlCol="0" anchor="ctr">
+            <a:noAutofit/>
+          </a:bodyPr>
+          <a:lstStyle/>
+          <a:p>
+            <a:pPr marL="0" marR="0" lvl="0" indent="0" algn="ctr" defTabSz="914400" rtl="0" eaLnBrk="1" fontAlgn="auto" latinLnBrk="0" hangingPunct="1">
+              <a:lnSpc>
+                <a:spcPct val="100000"/>
+              </a:lnSpc>
+              <a:spcBef>
+                <a:spcPts val="0"/>
+              </a:spcBef>
+              <a:spcAft>
+                <a:spcPts val="0"/>
+              </a:spcAft>
+              <a:buClrTx/>
+              <a:buSzTx/>
+              <a:buFontTx/>
+              <a:buNone/>
+              <a:tabLst/>
+              <a:defRPr/>
+            </a:pPr>
+            <a:endParaRPr kumimoji="0" lang="en-US" sz="1800" b="0" i="0" u="none" strike="noStrike" kern="1200" cap="none" spc="0" normalizeH="0" baseline="0" noProof="0">
+              <a:ln>
+                <a:noFill/>
+              </a:ln>
+              <a:solidFill>
+                <a:prstClr val="white"/>
+              </a:solidFill>
+              <a:effectLst/>
+              <a:uLnTx/>
+              <a:uFillTx/>
+              <a:latin typeface="Calibri" panose="020F0502020204030204"/>
+              <a:ea typeface="+mn-ea"/>
+              <a:cs typeface="+mn-cs"/>
+            </a:endParaRPr>
+          </a:p>
+        </p:txBody>
+      </p:sp>
       <p:sp>
         <p:nvSpPr>
           <p:cNvPr id="2" name="Title 1">
@@ -3767,16 +7153,23 @@
             <p:ph type="ctrTitle"/>
           </p:nvPr>
         </p:nvSpPr>
-        <p:spPr/>
-        <p:txBody>
-          <a:bodyPr/>
+        <p:spPr>
+          <a:xfrm>
+            <a:off x="1524003" y="1999615"/>
+            <a:ext cx="9144000" cy="2764028"/>
+          </a:xfrm>
+        </p:spPr>
+        <p:txBody>
+          <a:bodyPr anchor="ctr">
+            <a:normAutofit/>
+          </a:bodyPr>
           <a:lstStyle/>
           <a:p>
             <a:r>
-              <a:rPr lang="en-US" dirty="0"/>
+              <a:rPr lang="en-US" sz="7200"/>
               <a:t>VR, AR and MR</a:t>
             </a:r>
-            <a:endParaRPr lang="en-IN" dirty="0"/>
+            <a:endParaRPr lang="en-IN" sz="7200"/>
           </a:p>
         </p:txBody>
       </p:sp>
@@ -3796,16 +7189,115 @@
             <p:ph type="subTitle" idx="1"/>
           </p:nvPr>
         </p:nvSpPr>
-        <p:spPr/>
-        <p:txBody>
-          <a:bodyPr/>
+        <p:spPr>
+          <a:xfrm>
+            <a:off x="1966912" y="5645150"/>
+            <a:ext cx="8258176" cy="631825"/>
+          </a:xfrm>
+        </p:spPr>
+        <p:txBody>
+          <a:bodyPr anchor="ctr">
+            <a:normAutofit/>
+          </a:bodyPr>
           <a:lstStyle/>
           <a:p>
             <a:r>
-              <a:rPr lang="en-US" dirty="0"/>
+              <a:rPr lang="en-US" sz="2800"/>
               <a:t>JPP SIG CP2</a:t>
             </a:r>
-            <a:endParaRPr lang="en-IN" dirty="0"/>
+            <a:endParaRPr lang="en-IN" sz="2800"/>
+          </a:p>
+        </p:txBody>
+      </p:sp>
+      <p:sp>
+        <p:nvSpPr>
+          <p:cNvPr id="14" name="Rectangle 13">
+            <a:extLst>
+              <a:ext uri="{FF2B5EF4-FFF2-40B4-BE49-F238E27FC236}">
+                <a16:creationId xmlns:a16="http://schemas.microsoft.com/office/drawing/2014/main" id="{3629484E-3792-4B3D-89AD-7C8A1ED0E0D4}"/>
+              </a:ext>
+              <a:ext uri="{C183D7F6-B498-43B3-948B-1728B52AA6E4}">
+                <adec:decorative xmlns:adec="http://schemas.microsoft.com/office/drawing/2017/decorative" val="1"/>
+              </a:ext>
+            </a:extLst>
+          </p:cNvPr>
+          <p:cNvSpPr>
+            <a:spLocks noGrp="1" noRot="1" noChangeAspect="1" noMove="1" noResize="1" noEditPoints="1" noAdjustHandles="1" noChangeArrowheads="1" noChangeShapeType="1" noTextEdit="1"/>
+          </p:cNvSpPr>
+          <p:nvPr>
+            <p:extLst>
+              <p:ext uri="{386F3935-93C4-4BCD-93E2-E3B085C9AB24}">
+                <p16:designElem xmlns:p16="http://schemas.microsoft.com/office/powerpoint/2015/main" val="1"/>
+              </p:ext>
+            </p:extLst>
+          </p:nvPr>
+        </p:nvSpPr>
+        <p:spPr>
+          <a:xfrm>
+            <a:off x="3718560" y="5524786"/>
+            <a:ext cx="4754880" cy="27432"/>
+          </a:xfrm>
+          <a:prstGeom prst="rect">
+            <a:avLst/>
+          </a:prstGeom>
+          <a:solidFill>
+            <a:schemeClr val="accent2"/>
+          </a:solidFill>
+          <a:ln>
+            <a:noFill/>
+          </a:ln>
+        </p:spPr>
+        <p:style>
+          <a:lnRef idx="2">
+            <a:schemeClr val="accent1">
+              <a:shade val="50000"/>
+            </a:schemeClr>
+          </a:lnRef>
+          <a:fillRef idx="1">
+            <a:schemeClr val="accent1"/>
+          </a:fillRef>
+          <a:effectRef idx="0">
+            <a:schemeClr val="accent1"/>
+          </a:effectRef>
+          <a:fontRef idx="minor">
+            <a:schemeClr val="lt1"/>
+          </a:fontRef>
+        </p:style>
+        <p:txBody>
+          <a:bodyPr rtlCol="0" anchor="ctr"/>
+          <a:lstStyle/>
+          <a:p>
+            <a:pPr marL="0" marR="0" lvl="0" indent="0" algn="ctr" defTabSz="914400" rtl="0" eaLnBrk="1" fontAlgn="auto" latinLnBrk="0" hangingPunct="1">
+              <a:lnSpc>
+                <a:spcPct val="100000"/>
+              </a:lnSpc>
+              <a:spcBef>
+                <a:spcPts val="0"/>
+              </a:spcBef>
+              <a:spcAft>
+                <a:spcPts val="0"/>
+              </a:spcAft>
+              <a:buClrTx/>
+              <a:buSzTx/>
+              <a:buFontTx/>
+              <a:buNone/>
+              <a:tabLst/>
+              <a:defRPr/>
+            </a:pPr>
+            <a:endParaRPr kumimoji="0" lang="en-US" sz="1800" b="0" i="0" u="none" strike="noStrike" kern="1200" cap="none" spc="0" normalizeH="0" baseline="0" noProof="0">
+              <a:ln>
+                <a:noFill/>
+              </a:ln>
+              <a:solidFill>
+                <a:prstClr val="white"/>
+              </a:solidFill>
+              <a:effectLst/>
+              <a:uLnTx/>
+              <a:uFillTx/>
+              <a:latin typeface="Calibri" panose="020F0502020204030204"/>
+              <a:ea typeface="+mn-ea"/>
+              <a:cs typeface="+mn-cs"/>
+            </a:endParaRPr>
           </a:p>
         </p:txBody>
       </p:sp>
@@ -3819,12 +7311,159 @@
   <p:clrMapOvr>
     <a:masterClrMapping/>
   </p:clrMapOvr>
+  <p:timing>
+    <p:tnLst>
+      <p:par>
+        <p:cTn id="1" dur="indefinite" restart="never" nodeType="tmRoot">
+          <p:childTnLst>
+            <p:seq concurrent="1" nextAc="seek">
+              <p:cTn id="2" dur="indefinite" nodeType="mainSeq">
+                <p:childTnLst>
+                  <p:par>
+                    <p:cTn id="3" fill="hold">
+                      <p:stCondLst>
+                        <p:cond delay="indefinite"/>
+                        <p:cond evt="onBegin" delay="0">
+                          <p:tn val="2"/>
+                        </p:cond>
+                      </p:stCondLst>
+                      <p:childTnLst>
+                        <p:par>
+                          <p:cTn id="4" fill="hold">
+                            <p:stCondLst>
+                              <p:cond delay="0"/>
+                            </p:stCondLst>
+                            <p:childTnLst>
+                              <p:par>
+                                <p:cTn id="5" presetID="10" presetClass="entr" presetSubtype="0" fill="hold" grpId="0" nodeType="withEffect">
+                                  <p:stCondLst>
+                                    <p:cond delay="500"/>
+                                  </p:stCondLst>
+                                  <p:iterate type="wd">
+                                    <p:tmPct val="15000"/>
+                                  </p:iterate>
+                                  <p:childTnLst>
+                                    <p:set>
+                                      <p:cBhvr>
+                                        <p:cTn id="6" dur="1" fill="hold">
+                                          <p:stCondLst>
+                                            <p:cond delay="0"/>
+                                          </p:stCondLst>
+                                        </p:cTn>
+                                        <p:tgtEl>
+                                          <p:spTgt spid="2"/>
+                                        </p:tgtEl>
+                                        <p:attrNameLst>
+                                          <p:attrName>style.visibility</p:attrName>
+                                        </p:attrNameLst>
+                                      </p:cBhvr>
+                                      <p:to>
+                                        <p:strVal val="visible"/>
+                                      </p:to>
+                                    </p:set>
+                                    <p:animEffect transition="in" filter="fade">
+                                      <p:cBhvr>
+                                        <p:cTn id="7" dur="1000"/>
+                                        <p:tgtEl>
+                                          <p:spTgt spid="2"/>
+                                        </p:tgtEl>
+                                      </p:cBhvr>
+                                    </p:animEffect>
+                                  </p:childTnLst>
+                                </p:cTn>
+                              </p:par>
+                              <p:par>
+                                <p:cTn id="8" presetID="10" presetClass="entr" presetSubtype="0" fill="hold" grpId="0" nodeType="withEffect">
+                                  <p:stCondLst>
+                                    <p:cond delay="1000"/>
+                                  </p:stCondLst>
+                                  <p:iterate type="wd">
+                                    <p:tmPct val="15000"/>
+                                  </p:iterate>
+                                  <p:childTnLst>
+                                    <p:set>
+                                      <p:cBhvr>
+                                        <p:cTn id="9" dur="1" fill="hold">
+                                          <p:stCondLst>
+                                            <p:cond delay="0"/>
+                                          </p:stCondLst>
+                                        </p:cTn>
+                                        <p:tgtEl>
+                                          <p:spTgt spid="3">
+                                            <p:txEl>
+                                              <p:pRg st="0" end="0"/>
+                                            </p:txEl>
+                                          </p:spTgt>
+                                        </p:tgtEl>
+                                        <p:attrNameLst>
+                                          <p:attrName>style.visibility</p:attrName>
+                                        </p:attrNameLst>
+                                      </p:cBhvr>
+                                      <p:to>
+                                        <p:strVal val="visible"/>
+                                      </p:to>
+                                    </p:set>
+                                    <p:animEffect transition="in" filter="fade">
+                                      <p:cBhvr>
+                                        <p:cTn id="10" dur="1000"/>
+                                        <p:tgtEl>
+                                          <p:spTgt spid="3">
+                                            <p:txEl>
+                                              <p:pRg st="0" end="0"/>
+                                            </p:txEl>
+                                          </p:spTgt>
+                                        </p:tgtEl>
+                                      </p:cBhvr>
+                                    </p:animEffect>
+                                  </p:childTnLst>
+                                </p:cTn>
+                              </p:par>
+                            </p:childTnLst>
+                          </p:cTn>
+                        </p:par>
+                      </p:childTnLst>
+                    </p:cTn>
+                  </p:par>
+                </p:childTnLst>
+              </p:cTn>
+              <p:prevCondLst>
+                <p:cond evt="onPrev" delay="0">
+                  <p:tgtEl>
+                    <p:sldTgt/>
+                  </p:tgtEl>
+                </p:cond>
+              </p:prevCondLst>
+              <p:nextCondLst>
+                <p:cond evt="onNext" delay="0">
+                  <p:tgtEl>
+                    <p:sldTgt/>
+                  </p:tgtEl>
+                </p:cond>
+              </p:nextCondLst>
+            </p:seq>
+          </p:childTnLst>
+        </p:cTn>
+      </p:par>
+    </p:tnLst>
+    <p:bldLst>
+      <p:bldP spid="2" grpId="0"/>
+      <p:bldP spid="3" grpId="0" build="p"/>
+    </p:bldLst>
+  </p:timing>
 </p:sld>
 </file>
 
 <file path=ppt/slides/slide3.xml><?xml version="1.0" encoding="utf-8"?>
 <p:sld xmlns:a="http://schemas.openxmlformats.org/drawingml/2006/main" xmlns:r="http://schemas.openxmlformats.org/officeDocument/2006/relationships" xmlns:p="http://schemas.openxmlformats.org/presentationml/2006/main">
   <p:cSld>
+    <p:bg>
+      <p:bgPr>
+        <a:solidFill>
+          <a:schemeClr val="bg1"/>
+        </a:solidFill>
+        <a:effectLst/>
+      </p:bgPr>
+    </p:bg>
     <p:spTree>
       <p:nvGrpSpPr>
         <p:cNvPr id="1" name=""/>
@@ -3839,6 +7478,401 @@
           <a:chExt cx="0" cy="0"/>
         </a:xfrm>
       </p:grpSpPr>
+      <p:sp useBgFill="1">
+        <p:nvSpPr>
+          <p:cNvPr id="4103" name="Rectangle 4102">
+            <a:extLst>
+              <a:ext uri="{FF2B5EF4-FFF2-40B4-BE49-F238E27FC236}">
+                <a16:creationId xmlns:a16="http://schemas.microsoft.com/office/drawing/2014/main" id="{0288C6B4-AFC3-407F-A595-EFFD38D4CCAF}"/>
+              </a:ext>
+              <a:ext uri="{C183D7F6-B498-43B3-948B-1728B52AA6E4}">
+                <adec:decorative xmlns:adec="http://schemas.microsoft.com/office/drawing/2017/decorative" val="1"/>
+              </a:ext>
+            </a:extLst>
+          </p:cNvPr>
+          <p:cNvSpPr>
+            <a:spLocks noGrp="1" noRot="1" noChangeAspect="1" noMove="1" noResize="1" noEditPoints="1" noAdjustHandles="1" noChangeArrowheads="1" noChangeShapeType="1" noTextEdit="1"/>
+          </p:cNvSpPr>
+          <p:nvPr>
+            <p:extLst>
+              <p:ext uri="{386F3935-93C4-4BCD-93E2-E3B085C9AB24}">
+                <p16:designElem xmlns:p16="http://schemas.microsoft.com/office/powerpoint/2015/main" val="1"/>
+              </p:ext>
+            </p:extLst>
+          </p:nvPr>
+        </p:nvSpPr>
+        <p:spPr>
+          <a:xfrm>
+            <a:off x="0" y="0"/>
+            <a:ext cx="12192000" cy="6858000"/>
+          </a:xfrm>
+          <a:prstGeom prst="rect">
+            <a:avLst/>
+          </a:prstGeom>
+          <a:ln>
+            <a:noFill/>
+          </a:ln>
+        </p:spPr>
+        <p:style>
+          <a:lnRef idx="2">
+            <a:schemeClr val="accent1">
+              <a:shade val="50000"/>
+            </a:schemeClr>
+          </a:lnRef>
+          <a:fillRef idx="1">
+            <a:schemeClr val="accent1"/>
+          </a:fillRef>
+          <a:effectRef idx="0">
+            <a:schemeClr val="accent1"/>
+          </a:effectRef>
+          <a:fontRef idx="minor">
+            <a:schemeClr val="lt1"/>
+          </a:fontRef>
+        </p:style>
+        <p:txBody>
+          <a:bodyPr rtlCol="0" anchor="ctr"/>
+          <a:lstStyle/>
+          <a:p>
+            <a:pPr algn="ctr"/>
+            <a:endParaRPr lang="en-US"/>
+          </a:p>
+        </p:txBody>
+      </p:sp>
+      <p:sp useBgFill="1">
+        <p:nvSpPr>
+          <p:cNvPr id="4105" name="Freeform: Shape 4104">
+            <a:extLst>
+              <a:ext uri="{FF2B5EF4-FFF2-40B4-BE49-F238E27FC236}">
+                <a16:creationId xmlns:a16="http://schemas.microsoft.com/office/drawing/2014/main" id="{CF236821-17FE-429B-8D2C-08E13A64EA40}"/>
+              </a:ext>
+              <a:ext uri="{C183D7F6-B498-43B3-948B-1728B52AA6E4}">
+                <adec:decorative xmlns:adec="http://schemas.microsoft.com/office/drawing/2017/decorative" val="1"/>
+              </a:ext>
+            </a:extLst>
+          </p:cNvPr>
+          <p:cNvSpPr>
+            <a:spLocks noGrp="1" noRot="1" noChangeAspect="1" noMove="1" noResize="1" noEditPoints="1" noAdjustHandles="1" noChangeArrowheads="1" noChangeShapeType="1" noTextEdit="1"/>
+          </p:cNvSpPr>
+          <p:nvPr>
+            <p:extLst>
+              <p:ext uri="{386F3935-93C4-4BCD-93E2-E3B085C9AB24}">
+                <p16:designElem xmlns:p16="http://schemas.microsoft.com/office/powerpoint/2015/main" val="1"/>
+              </p:ext>
+            </p:extLst>
+          </p:nvPr>
+        </p:nvSpPr>
+        <p:spPr>
+          <a:xfrm>
+            <a:off x="-1" y="0"/>
+            <a:ext cx="4455673" cy="6858000"/>
+          </a:xfrm>
+          <a:custGeom>
+            <a:avLst/>
+            <a:gdLst>
+              <a:gd name="connsiteX0" fmla="*/ 0 w 4455673"/>
+              <a:gd name="connsiteY0" fmla="*/ 0 h 6858000"/>
+              <a:gd name="connsiteX1" fmla="*/ 3242695 w 4455673"/>
+              <a:gd name="connsiteY1" fmla="*/ 0 h 6858000"/>
+              <a:gd name="connsiteX2" fmla="*/ 3305678 w 4455673"/>
+              <a:gd name="connsiteY2" fmla="*/ 69271 h 6858000"/>
+              <a:gd name="connsiteX3" fmla="*/ 4455673 w 4455673"/>
+              <a:gd name="connsiteY3" fmla="*/ 3429000 h 6858000"/>
+              <a:gd name="connsiteX4" fmla="*/ 3305678 w 4455673"/>
+              <a:gd name="connsiteY4" fmla="*/ 6788730 h 6858000"/>
+              <a:gd name="connsiteX5" fmla="*/ 3242695 w 4455673"/>
+              <a:gd name="connsiteY5" fmla="*/ 6858000 h 6858000"/>
+              <a:gd name="connsiteX6" fmla="*/ 0 w 4455673"/>
+              <a:gd name="connsiteY6" fmla="*/ 6858000 h 6858000"/>
+            </a:gdLst>
+            <a:ahLst/>
+            <a:cxnLst>
+              <a:cxn ang="0">
+                <a:pos x="connsiteX0" y="connsiteY0"/>
+              </a:cxn>
+              <a:cxn ang="0">
+                <a:pos x="connsiteX1" y="connsiteY1"/>
+              </a:cxn>
+              <a:cxn ang="0">
+                <a:pos x="connsiteX2" y="connsiteY2"/>
+              </a:cxn>
+              <a:cxn ang="0">
+                <a:pos x="connsiteX3" y="connsiteY3"/>
+              </a:cxn>
+              <a:cxn ang="0">
+                <a:pos x="connsiteX4" y="connsiteY4"/>
+              </a:cxn>
+              <a:cxn ang="0">
+                <a:pos x="connsiteX5" y="connsiteY5"/>
+              </a:cxn>
+              <a:cxn ang="0">
+                <a:pos x="connsiteX6" y="connsiteY6"/>
+              </a:cxn>
+            </a:cxnLst>
+            <a:rect l="l" t="t" r="r" b="b"/>
+            <a:pathLst>
+              <a:path w="4455673" h="6858000">
+                <a:moveTo>
+                  <a:pt x="0" y="0"/>
+                </a:moveTo>
+                <a:lnTo>
+                  <a:pt x="3242695" y="0"/>
+                </a:lnTo>
+                <a:lnTo>
+                  <a:pt x="3305678" y="69271"/>
+                </a:lnTo>
+                <a:cubicBezTo>
+                  <a:pt x="4016204" y="929100"/>
+                  <a:pt x="4455673" y="2116944"/>
+                  <a:pt x="4455673" y="3429000"/>
+                </a:cubicBezTo>
+                <a:cubicBezTo>
+                  <a:pt x="4455673" y="4741056"/>
+                  <a:pt x="4016204" y="5928900"/>
+                  <a:pt x="3305678" y="6788730"/>
+                </a:cubicBezTo>
+                <a:lnTo>
+                  <a:pt x="3242695" y="6858000"/>
+                </a:lnTo>
+                <a:lnTo>
+                  <a:pt x="0" y="6858000"/>
+                </a:lnTo>
+                <a:close/>
+              </a:path>
+            </a:pathLst>
+          </a:custGeom>
+          <a:ln w="9525">
+            <a:solidFill>
+              <a:srgbClr val="EFEFEF"/>
+            </a:solidFill>
+          </a:ln>
+          <a:effectLst>
+            <a:outerShdw blurRad="88900" dist="38100" algn="l" rotWithShape="0">
+              <a:schemeClr val="bg1">
+                <a:lumMod val="85000"/>
+                <a:alpha val="50000"/>
+              </a:schemeClr>
+            </a:outerShdw>
+          </a:effectLst>
+        </p:spPr>
+        <p:style>
+          <a:lnRef idx="2">
+            <a:schemeClr val="accent1">
+              <a:shade val="50000"/>
+            </a:schemeClr>
+          </a:lnRef>
+          <a:fillRef idx="1">
+            <a:schemeClr val="accent1"/>
+          </a:fillRef>
+          <a:effectRef idx="0">
+            <a:schemeClr val="accent1"/>
+          </a:effectRef>
+          <a:fontRef idx="minor">
+            <a:schemeClr val="lt1"/>
+          </a:fontRef>
+        </p:style>
+        <p:txBody>
+          <a:bodyPr wrap="square" rtlCol="0" anchor="ctr">
+            <a:noAutofit/>
+          </a:bodyPr>
+          <a:lstStyle/>
+          <a:p>
+            <a:pPr marL="0" marR="0" lvl="0" indent="0" algn="ctr" defTabSz="914400" rtl="0" eaLnBrk="1" fontAlgn="auto" latinLnBrk="0" hangingPunct="1">
+              <a:lnSpc>
+                <a:spcPct val="100000"/>
+              </a:lnSpc>
+              <a:spcBef>
+                <a:spcPts val="0"/>
+              </a:spcBef>
+              <a:spcAft>
+                <a:spcPts val="0"/>
+              </a:spcAft>
+              <a:buClrTx/>
+              <a:buSzTx/>
+              <a:buFontTx/>
+              <a:buNone/>
+              <a:tabLst/>
+              <a:defRPr/>
+            </a:pPr>
+            <a:endParaRPr kumimoji="0" lang="en-US" sz="1800" b="0" i="0" u="none" strike="noStrike" kern="1200" cap="none" spc="0" normalizeH="0" baseline="0" noProof="0">
+              <a:ln>
+                <a:noFill/>
+              </a:ln>
+              <a:solidFill>
+                <a:prstClr val="white"/>
+              </a:solidFill>
+              <a:effectLst/>
+              <a:uLnTx/>
+              <a:uFillTx/>
+              <a:latin typeface="Calibri" panose="020F0502020204030204"/>
+              <a:ea typeface="+mn-ea"/>
+              <a:cs typeface="+mn-cs"/>
+            </a:endParaRPr>
+          </a:p>
+        </p:txBody>
+      </p:sp>
+      <p:sp useBgFill="1">
+        <p:nvSpPr>
+          <p:cNvPr id="4107" name="Freeform: Shape 4106">
+            <a:extLst>
+              <a:ext uri="{FF2B5EF4-FFF2-40B4-BE49-F238E27FC236}">
+                <a16:creationId xmlns:a16="http://schemas.microsoft.com/office/drawing/2014/main" id="{C0BDBCD2-E081-43AB-9119-C55465E59757}"/>
+              </a:ext>
+              <a:ext uri="{C183D7F6-B498-43B3-948B-1728B52AA6E4}">
+                <adec:decorative xmlns:adec="http://schemas.microsoft.com/office/drawing/2017/decorative" val="1"/>
+              </a:ext>
+            </a:extLst>
+          </p:cNvPr>
+          <p:cNvSpPr>
+            <a:spLocks noGrp="1" noRot="1" noChangeAspect="1" noMove="1" noResize="1" noEditPoints="1" noAdjustHandles="1" noChangeArrowheads="1" noChangeShapeType="1" noTextEdit="1"/>
+          </p:cNvSpPr>
+          <p:nvPr>
+            <p:extLst>
+              <p:ext uri="{386F3935-93C4-4BCD-93E2-E3B085C9AB24}">
+                <p16:designElem xmlns:p16="http://schemas.microsoft.com/office/powerpoint/2015/main" val="1"/>
+              </p:ext>
+            </p:extLst>
+          </p:nvPr>
+        </p:nvSpPr>
+        <p:spPr>
+          <a:xfrm>
+            <a:off x="0" y="0"/>
+            <a:ext cx="4446529" cy="6858000"/>
+          </a:xfrm>
+          <a:custGeom>
+            <a:avLst/>
+            <a:gdLst>
+              <a:gd name="connsiteX0" fmla="*/ 0 w 4446529"/>
+              <a:gd name="connsiteY0" fmla="*/ 0 h 6858000"/>
+              <a:gd name="connsiteX1" fmla="*/ 3233551 w 4446529"/>
+              <a:gd name="connsiteY1" fmla="*/ 0 h 6858000"/>
+              <a:gd name="connsiteX2" fmla="*/ 3296534 w 4446529"/>
+              <a:gd name="connsiteY2" fmla="*/ 69271 h 6858000"/>
+              <a:gd name="connsiteX3" fmla="*/ 4446529 w 4446529"/>
+              <a:gd name="connsiteY3" fmla="*/ 3429000 h 6858000"/>
+              <a:gd name="connsiteX4" fmla="*/ 3296534 w 4446529"/>
+              <a:gd name="connsiteY4" fmla="*/ 6788730 h 6858000"/>
+              <a:gd name="connsiteX5" fmla="*/ 3233551 w 4446529"/>
+              <a:gd name="connsiteY5" fmla="*/ 6858000 h 6858000"/>
+              <a:gd name="connsiteX6" fmla="*/ 0 w 4446529"/>
+              <a:gd name="connsiteY6" fmla="*/ 6858000 h 6858000"/>
+            </a:gdLst>
+            <a:ahLst/>
+            <a:cxnLst>
+              <a:cxn ang="0">
+                <a:pos x="connsiteX0" y="connsiteY0"/>
+              </a:cxn>
+              <a:cxn ang="0">
+                <a:pos x="connsiteX1" y="connsiteY1"/>
+              </a:cxn>
+              <a:cxn ang="0">
+                <a:pos x="connsiteX2" y="connsiteY2"/>
+              </a:cxn>
+              <a:cxn ang="0">
+                <a:pos x="connsiteX3" y="connsiteY3"/>
+              </a:cxn>
+              <a:cxn ang="0">
+                <a:pos x="connsiteX4" y="connsiteY4"/>
+              </a:cxn>
+              <a:cxn ang="0">
+                <a:pos x="connsiteX5" y="connsiteY5"/>
+              </a:cxn>
+              <a:cxn ang="0">
+                <a:pos x="connsiteX6" y="connsiteY6"/>
+              </a:cxn>
+            </a:cxnLst>
+            <a:rect l="l" t="t" r="r" b="b"/>
+            <a:pathLst>
+              <a:path w="4446529" h="6858000">
+                <a:moveTo>
+                  <a:pt x="0" y="0"/>
+                </a:moveTo>
+                <a:lnTo>
+                  <a:pt x="3233551" y="0"/>
+                </a:lnTo>
+                <a:lnTo>
+                  <a:pt x="3296534" y="69271"/>
+                </a:lnTo>
+                <a:cubicBezTo>
+                  <a:pt x="4007060" y="929100"/>
+                  <a:pt x="4446529" y="2116944"/>
+                  <a:pt x="4446529" y="3429000"/>
+                </a:cubicBezTo>
+                <a:cubicBezTo>
+                  <a:pt x="4446529" y="4741056"/>
+                  <a:pt x="4007060" y="5928900"/>
+                  <a:pt x="3296534" y="6788730"/>
+                </a:cubicBezTo>
+                <a:lnTo>
+                  <a:pt x="3233551" y="6858000"/>
+                </a:lnTo>
+                <a:lnTo>
+                  <a:pt x="0" y="6858000"/>
+                </a:lnTo>
+                <a:close/>
+              </a:path>
+            </a:pathLst>
+          </a:custGeom>
+          <a:ln w="9525">
+            <a:noFill/>
+          </a:ln>
+          <a:effectLst/>
+        </p:spPr>
+        <p:style>
+          <a:lnRef idx="2">
+            <a:schemeClr val="accent1">
+              <a:shade val="50000"/>
+            </a:schemeClr>
+          </a:lnRef>
+          <a:fillRef idx="1">
+            <a:schemeClr val="accent1"/>
+          </a:fillRef>
+          <a:effectRef idx="0">
+            <a:schemeClr val="accent1"/>
+          </a:effectRef>
+          <a:fontRef idx="minor">
+            <a:schemeClr val="lt1"/>
+          </a:fontRef>
+        </p:style>
+        <p:txBody>
+          <a:bodyPr wrap="square" rtlCol="0" anchor="ctr">
+            <a:noAutofit/>
+          </a:bodyPr>
+          <a:lstStyle/>
+          <a:p>
+            <a:pPr marL="0" marR="0" lvl="0" indent="0" algn="ctr" defTabSz="914400" rtl="0" eaLnBrk="1" fontAlgn="auto" latinLnBrk="0" hangingPunct="1">
+              <a:lnSpc>
+                <a:spcPct val="100000"/>
+              </a:lnSpc>
+              <a:spcBef>
+                <a:spcPts val="0"/>
+              </a:spcBef>
+              <a:spcAft>
+                <a:spcPts val="0"/>
+              </a:spcAft>
+              <a:buClrTx/>
+              <a:buSzTx/>
+              <a:buFontTx/>
+              <a:buNone/>
+              <a:tabLst/>
+              <a:defRPr/>
+            </a:pPr>
+            <a:endParaRPr kumimoji="0" lang="en-US" sz="1800" b="0" i="0" u="none" strike="noStrike" kern="1200" cap="none" spc="0" normalizeH="0" baseline="0" noProof="0">
+              <a:ln>
+                <a:noFill/>
+              </a:ln>
+              <a:solidFill>
+                <a:prstClr val="white"/>
+              </a:solidFill>
+              <a:effectLst/>
+              <a:uLnTx/>
+              <a:uFillTx/>
+              <a:latin typeface="Calibri" panose="020F0502020204030204"/>
+              <a:ea typeface="+mn-ea"/>
+              <a:cs typeface="+mn-cs"/>
+            </a:endParaRPr>
+          </a:p>
+        </p:txBody>
+      </p:sp>
       <p:sp>
         <p:nvSpPr>
           <p:cNvPr id="2" name="Title 1">
@@ -3855,79 +7889,239 @@
             <p:ph type="title"/>
           </p:nvPr>
         </p:nvSpPr>
-        <p:spPr/>
-        <p:txBody>
-          <a:bodyPr/>
+        <p:spPr>
+          <a:xfrm>
+            <a:off x="371094" y="1161288"/>
+            <a:ext cx="3438144" cy="1239012"/>
+          </a:xfrm>
+        </p:spPr>
+        <p:txBody>
+          <a:bodyPr anchor="ctr">
+            <a:normAutofit/>
+          </a:bodyPr>
           <a:lstStyle/>
           <a:p>
             <a:r>
-              <a:rPr lang="en-US" dirty="0"/>
+              <a:rPr lang="en-US" sz="2800"/>
               <a:t>Virtual Reality - VR</a:t>
             </a:r>
-            <a:endParaRPr lang="en-IN" dirty="0"/>
+            <a:endParaRPr lang="en-IN" sz="2800"/>
           </a:p>
         </p:txBody>
       </p:sp>
       <p:sp>
         <p:nvSpPr>
-          <p:cNvPr id="3" name="Content Placeholder 2">
-            <a:extLst>
-              <a:ext uri="{FF2B5EF4-FFF2-40B4-BE49-F238E27FC236}">
-                <a16:creationId xmlns:a16="http://schemas.microsoft.com/office/drawing/2014/main" id="{55C8BA99-3A68-DD73-83BE-217B2B84A25F}"/>
-              </a:ext>
-            </a:extLst>
-          </p:cNvPr>
-          <p:cNvSpPr>
-            <a:spLocks noGrp="1"/>
-          </p:cNvSpPr>
-          <p:nvPr>
-            <p:ph idx="1"/>
+          <p:cNvPr id="4109" name="Rectangle 4108">
+            <a:extLst>
+              <a:ext uri="{FF2B5EF4-FFF2-40B4-BE49-F238E27FC236}">
+                <a16:creationId xmlns:a16="http://schemas.microsoft.com/office/drawing/2014/main" id="{98E79BE4-34FE-485A-98A5-92CE8F7C4743}"/>
+              </a:ext>
+              <a:ext uri="{C183D7F6-B498-43B3-948B-1728B52AA6E4}">
+                <adec:decorative xmlns:adec="http://schemas.microsoft.com/office/drawing/2017/decorative" val="1"/>
+              </a:ext>
+            </a:extLst>
+          </p:cNvPr>
+          <p:cNvSpPr>
+            <a:spLocks noGrp="1" noRot="1" noChangeAspect="1" noMove="1" noResize="1" noEditPoints="1" noAdjustHandles="1" noChangeArrowheads="1" noChangeShapeType="1" noTextEdit="1"/>
+          </p:cNvSpPr>
+          <p:nvPr>
+            <p:extLst>
+              <p:ext uri="{386F3935-93C4-4BCD-93E2-E3B085C9AB24}">
+                <p16:designElem xmlns:p16="http://schemas.microsoft.com/office/powerpoint/2015/main" val="1"/>
+              </p:ext>
+            </p:extLst>
           </p:nvPr>
         </p:nvSpPr>
         <p:spPr>
           <a:xfrm>
-            <a:off x="388971" y="1990012"/>
-            <a:ext cx="7401674" cy="4351338"/>
+            <a:off x="0" y="1426546"/>
+            <a:ext cx="128016" cy="653903"/>
+          </a:xfrm>
+          <a:prstGeom prst="rect">
+            <a:avLst/>
+          </a:prstGeom>
+          <a:solidFill>
+            <a:schemeClr val="accent2"/>
+          </a:solidFill>
+          <a:ln>
+            <a:noFill/>
+          </a:ln>
+        </p:spPr>
+        <p:style>
+          <a:lnRef idx="2">
+            <a:schemeClr val="accent1">
+              <a:shade val="50000"/>
+            </a:schemeClr>
+          </a:lnRef>
+          <a:fillRef idx="1">
+            <a:schemeClr val="accent1"/>
+          </a:fillRef>
+          <a:effectRef idx="0">
+            <a:schemeClr val="accent1"/>
+          </a:effectRef>
+          <a:fontRef idx="minor">
+            <a:schemeClr val="lt1"/>
+          </a:fontRef>
+        </p:style>
+        <p:txBody>
+          <a:bodyPr rtlCol="0" anchor="ctr"/>
+          <a:lstStyle/>
+          <a:p>
+            <a:pPr algn="ctr"/>
+            <a:endParaRPr lang="en-US">
+              <a:solidFill>
+                <a:prstClr val="white"/>
+              </a:solidFill>
+              <a:latin typeface="Calibri" panose="020F0502020204030204"/>
+            </a:endParaRPr>
+          </a:p>
+        </p:txBody>
+      </p:sp>
+      <p:sp>
+        <p:nvSpPr>
+          <p:cNvPr id="4111" name="Rectangle 4110">
+            <a:extLst>
+              <a:ext uri="{FF2B5EF4-FFF2-40B4-BE49-F238E27FC236}">
+                <a16:creationId xmlns:a16="http://schemas.microsoft.com/office/drawing/2014/main" id="{7A5F0580-5EE9-419F-96EE-B6529EF6E7D0}"/>
+              </a:ext>
+              <a:ext uri="{C183D7F6-B498-43B3-948B-1728B52AA6E4}">
+                <adec:decorative xmlns:adec="http://schemas.microsoft.com/office/drawing/2017/decorative" val="1"/>
+              </a:ext>
+            </a:extLst>
+          </p:cNvPr>
+          <p:cNvSpPr>
+            <a:spLocks noGrp="1" noRot="1" noChangeAspect="1" noMove="1" noResize="1" noEditPoints="1" noAdjustHandles="1" noChangeArrowheads="1" noChangeShapeType="1" noTextEdit="1"/>
+          </p:cNvSpPr>
+          <p:nvPr>
+            <p:extLst>
+              <p:ext uri="{386F3935-93C4-4BCD-93E2-E3B085C9AB24}">
+                <p16:designElem xmlns:p16="http://schemas.microsoft.com/office/powerpoint/2015/main" val="1"/>
+              </p:ext>
+            </p:extLst>
+          </p:nvPr>
+        </p:nvSpPr>
+        <p:spPr>
+          <a:xfrm>
+            <a:off x="395893" y="2443480"/>
+            <a:ext cx="3383280" cy="18288"/>
+          </a:xfrm>
+          <a:prstGeom prst="rect">
+            <a:avLst/>
+          </a:prstGeom>
+          <a:solidFill>
+            <a:srgbClr val="D5D5D5"/>
+          </a:solidFill>
+          <a:ln w="3175">
+            <a:noFill/>
+          </a:ln>
+          <a:effectLst/>
+        </p:spPr>
+        <p:style>
+          <a:lnRef idx="2">
+            <a:schemeClr val="accent1">
+              <a:shade val="50000"/>
+            </a:schemeClr>
+          </a:lnRef>
+          <a:fillRef idx="1">
+            <a:schemeClr val="accent1"/>
+          </a:fillRef>
+          <a:effectRef idx="0">
+            <a:schemeClr val="accent1"/>
+          </a:effectRef>
+          <a:fontRef idx="minor">
+            <a:schemeClr val="lt1"/>
+          </a:fontRef>
+        </p:style>
+        <p:txBody>
+          <a:bodyPr rtlCol="0" anchor="ctr"/>
+          <a:lstStyle/>
+          <a:p>
+            <a:pPr marL="0" marR="0" lvl="0" indent="0" algn="ctr" defTabSz="914400" rtl="0" eaLnBrk="1" fontAlgn="auto" latinLnBrk="0" hangingPunct="1">
+              <a:lnSpc>
+                <a:spcPct val="100000"/>
+              </a:lnSpc>
+              <a:spcBef>
+                <a:spcPts val="0"/>
+              </a:spcBef>
+              <a:spcAft>
+                <a:spcPts val="0"/>
+              </a:spcAft>
+              <a:buClrTx/>
+              <a:buSzTx/>
+              <a:buFontTx/>
+              <a:buNone/>
+              <a:tabLst/>
+              <a:defRPr/>
+            </a:pPr>
+            <a:endParaRPr kumimoji="0" lang="en-US" sz="1800" b="0" i="0" u="none" strike="noStrike" kern="1200" cap="none" spc="0" normalizeH="0" baseline="0" noProof="0">
+              <a:ln>
+                <a:noFill/>
+              </a:ln>
+              <a:solidFill>
+                <a:prstClr val="white"/>
+              </a:solidFill>
+              <a:effectLst/>
+              <a:uLnTx/>
+              <a:uFillTx/>
+              <a:latin typeface="Calibri" panose="020F0502020204030204"/>
+              <a:ea typeface="+mn-ea"/>
+              <a:cs typeface="+mn-cs"/>
+            </a:endParaRPr>
+          </a:p>
+        </p:txBody>
+      </p:sp>
+      <p:sp>
+        <p:nvSpPr>
+          <p:cNvPr id="3" name="Content Placeholder 2">
+            <a:extLst>
+              <a:ext uri="{FF2B5EF4-FFF2-40B4-BE49-F238E27FC236}">
+                <a16:creationId xmlns:a16="http://schemas.microsoft.com/office/drawing/2014/main" id="{55C8BA99-3A68-DD73-83BE-217B2B84A25F}"/>
+              </a:ext>
+            </a:extLst>
+          </p:cNvPr>
+          <p:cNvSpPr>
+            <a:spLocks noGrp="1"/>
+          </p:cNvSpPr>
+          <p:nvPr>
+            <p:ph idx="1"/>
+          </p:nvPr>
+        </p:nvSpPr>
+        <p:spPr>
+          <a:xfrm>
+            <a:off x="371094" y="2718054"/>
+            <a:ext cx="3438906" cy="3207258"/>
           </a:xfrm>
         </p:spPr>
         <p:txBody>
-          <a:bodyPr>
-            <a:normAutofit fontScale="92500" lnSpcReduction="10000"/>
+          <a:bodyPr anchor="t">
+            <a:normAutofit/>
           </a:bodyPr>
           <a:lstStyle/>
           <a:p>
             <a:r>
-              <a:rPr lang="en-US" dirty="0"/>
+              <a:rPr lang="en-US" sz="1400"/>
               <a:t>VR immerses users in a fully digital environment, completely separate from the real world. </a:t>
             </a:r>
           </a:p>
           <a:p>
             <a:r>
-              <a:rPr lang="en-US" dirty="0"/>
+              <a:rPr lang="en-US" sz="1400"/>
               <a:t>Users wear a VR headset that blocks out the physical surroundings and replaces them with a simulated environment, often 3D and interactive.</a:t>
             </a:r>
           </a:p>
           <a:p>
-            <a:endParaRPr lang="en-US" dirty="0"/>
+            <a:endParaRPr lang="en-US" sz="1400"/>
           </a:p>
           <a:p>
             <a:r>
-              <a:rPr lang="en-US" b="1" dirty="0"/>
+              <a:rPr lang="en-US" sz="1400" b="1"/>
               <a:t>Example:</a:t>
             </a:r>
             <a:r>
-              <a:rPr lang="en-US" dirty="0"/>
-              <a:t> Oculus Rift or HTC </a:t>
+              <a:rPr lang="en-US" sz="1400"/>
+              <a:t> Oculus Rift or HTC Vive games, where users can explore and interact with a virtual world, such as walking through a digital forest or playing a game in a completely fictional environment.</a:t>
             </a:r>
-            <a:r>
-              <a:rPr lang="en-US" dirty="0" err="1"/>
-              <a:t>Vive</a:t>
-            </a:r>
-            <a:r>
-              <a:rPr lang="en-US" dirty="0"/>
-              <a:t> games, where users can explore and interact with a virtual world, such as walking through a digital forest or playing a game in a completely fictional environment.</a:t>
-            </a:r>
-            <a:endParaRPr lang="en-IN" dirty="0"/>
+            <a:endParaRPr lang="en-IN" sz="1400"/>
           </a:p>
         </p:txBody>
       </p:sp>
@@ -3953,15 +8147,14 @@
               </a:ext>
             </a:extLst>
           </a:blip>
-          <a:srcRect/>
           <a:stretch>
             <a:fillRect/>
           </a:stretch>
         </p:blipFill>
         <p:spPr bwMode="auto">
           <a:xfrm>
-            <a:off x="8019193" y="2475269"/>
-            <a:ext cx="3783836" cy="2517971"/>
+            <a:off x="4901184" y="1176151"/>
+            <a:ext cx="6922008" cy="4606281"/>
           </a:xfrm>
           <a:prstGeom prst="rect">
             <a:avLst/>
@@ -4016,62 +8209,618 @@
           <a:chExt cx="0" cy="0"/>
         </a:xfrm>
       </p:grpSpPr>
-      <p:sp>
-        <p:nvSpPr>
-          <p:cNvPr id="2" name="Title 1">
-            <a:extLst>
-              <a:ext uri="{FF2B5EF4-FFF2-40B4-BE49-F238E27FC236}">
-                <a16:creationId xmlns:a16="http://schemas.microsoft.com/office/drawing/2014/main" id="{479AEDDA-98ED-7301-9715-0F1E8ADF94C4}"/>
-              </a:ext>
-            </a:extLst>
-          </p:cNvPr>
-          <p:cNvSpPr>
-            <a:spLocks noGrp="1"/>
-          </p:cNvSpPr>
-          <p:nvPr>
-            <p:ph type="title"/>
+      <p:sp useBgFill="1">
+        <p:nvSpPr>
+          <p:cNvPr id="3086" name="Rectangle 3085">
+            <a:extLst>
+              <a:ext uri="{FF2B5EF4-FFF2-40B4-BE49-F238E27FC236}">
+                <a16:creationId xmlns:a16="http://schemas.microsoft.com/office/drawing/2014/main" id="{0288C6B4-AFC3-407F-A595-EFFD38D4CCAF}"/>
+              </a:ext>
+              <a:ext uri="{C183D7F6-B498-43B3-948B-1728B52AA6E4}">
+                <adec:decorative xmlns:adec="http://schemas.microsoft.com/office/drawing/2017/decorative" val="1"/>
+              </a:ext>
+            </a:extLst>
+          </p:cNvPr>
+          <p:cNvSpPr>
+            <a:spLocks noGrp="1" noRot="1" noChangeAspect="1" noMove="1" noResize="1" noEditPoints="1" noAdjustHandles="1" noChangeArrowheads="1" noChangeShapeType="1" noTextEdit="1"/>
+          </p:cNvSpPr>
+          <p:nvPr>
+            <p:extLst>
+              <p:ext uri="{386F3935-93C4-4BCD-93E2-E3B085C9AB24}">
+                <p16:designElem xmlns:p16="http://schemas.microsoft.com/office/powerpoint/2015/main" val="1"/>
+              </p:ext>
+            </p:extLst>
           </p:nvPr>
         </p:nvSpPr>
         <p:spPr>
           <a:xfrm>
-            <a:off x="876693" y="741391"/>
-            <a:ext cx="3455821" cy="1616203"/>
+            <a:off x="0" y="0"/>
+            <a:ext cx="12192000" cy="6858000"/>
+          </a:xfrm>
+          <a:prstGeom prst="rect">
+            <a:avLst/>
+          </a:prstGeom>
+          <a:ln>
+            <a:noFill/>
+          </a:ln>
+        </p:spPr>
+        <p:style>
+          <a:lnRef idx="2">
+            <a:schemeClr val="accent1">
+              <a:shade val="50000"/>
+            </a:schemeClr>
+          </a:lnRef>
+          <a:fillRef idx="1">
+            <a:schemeClr val="accent1"/>
+          </a:fillRef>
+          <a:effectRef idx="0">
+            <a:schemeClr val="accent1"/>
+          </a:effectRef>
+          <a:fontRef idx="minor">
+            <a:schemeClr val="lt1"/>
+          </a:fontRef>
+        </p:style>
+        <p:txBody>
+          <a:bodyPr rtlCol="0" anchor="ctr"/>
+          <a:lstStyle/>
+          <a:p>
+            <a:pPr algn="ctr"/>
+            <a:endParaRPr lang="en-US"/>
+          </a:p>
+        </p:txBody>
+      </p:sp>
+      <p:sp useBgFill="1">
+        <p:nvSpPr>
+          <p:cNvPr id="3088" name="Freeform: Shape 3087">
+            <a:extLst>
+              <a:ext uri="{FF2B5EF4-FFF2-40B4-BE49-F238E27FC236}">
+                <a16:creationId xmlns:a16="http://schemas.microsoft.com/office/drawing/2014/main" id="{CF236821-17FE-429B-8D2C-08E13A64EA40}"/>
+              </a:ext>
+              <a:ext uri="{C183D7F6-B498-43B3-948B-1728B52AA6E4}">
+                <adec:decorative xmlns:adec="http://schemas.microsoft.com/office/drawing/2017/decorative" val="1"/>
+              </a:ext>
+            </a:extLst>
+          </p:cNvPr>
+          <p:cNvSpPr>
+            <a:spLocks noGrp="1" noRot="1" noChangeAspect="1" noMove="1" noResize="1" noEditPoints="1" noAdjustHandles="1" noChangeArrowheads="1" noChangeShapeType="1" noTextEdit="1"/>
+          </p:cNvSpPr>
+          <p:nvPr>
+            <p:extLst>
+              <p:ext uri="{386F3935-93C4-4BCD-93E2-E3B085C9AB24}">
+                <p16:designElem xmlns:p16="http://schemas.microsoft.com/office/powerpoint/2015/main" val="1"/>
+              </p:ext>
+            </p:extLst>
+          </p:nvPr>
+        </p:nvSpPr>
+        <p:spPr>
+          <a:xfrm>
+            <a:off x="-1" y="0"/>
+            <a:ext cx="4455673" cy="6858000"/>
+          </a:xfrm>
+          <a:custGeom>
+            <a:avLst/>
+            <a:gdLst>
+              <a:gd name="connsiteX0" fmla="*/ 0 w 4455673"/>
+              <a:gd name="connsiteY0" fmla="*/ 0 h 6858000"/>
+              <a:gd name="connsiteX1" fmla="*/ 3242695 w 4455673"/>
+              <a:gd name="connsiteY1" fmla="*/ 0 h 6858000"/>
+              <a:gd name="connsiteX2" fmla="*/ 3305678 w 4455673"/>
+              <a:gd name="connsiteY2" fmla="*/ 69271 h 6858000"/>
+              <a:gd name="connsiteX3" fmla="*/ 4455673 w 4455673"/>
+              <a:gd name="connsiteY3" fmla="*/ 3429000 h 6858000"/>
+              <a:gd name="connsiteX4" fmla="*/ 3305678 w 4455673"/>
+              <a:gd name="connsiteY4" fmla="*/ 6788730 h 6858000"/>
+              <a:gd name="connsiteX5" fmla="*/ 3242695 w 4455673"/>
+              <a:gd name="connsiteY5" fmla="*/ 6858000 h 6858000"/>
+              <a:gd name="connsiteX6" fmla="*/ 0 w 4455673"/>
+              <a:gd name="connsiteY6" fmla="*/ 6858000 h 6858000"/>
+            </a:gdLst>
+            <a:ahLst/>
+            <a:cxnLst>
+              <a:cxn ang="0">
+                <a:pos x="connsiteX0" y="connsiteY0"/>
+              </a:cxn>
+              <a:cxn ang="0">
+                <a:pos x="connsiteX1" y="connsiteY1"/>
+              </a:cxn>
+              <a:cxn ang="0">
+                <a:pos x="connsiteX2" y="connsiteY2"/>
+              </a:cxn>
+              <a:cxn ang="0">
+                <a:pos x="connsiteX3" y="connsiteY3"/>
+              </a:cxn>
+              <a:cxn ang="0">
+                <a:pos x="connsiteX4" y="connsiteY4"/>
+              </a:cxn>
+              <a:cxn ang="0">
+                <a:pos x="connsiteX5" y="connsiteY5"/>
+              </a:cxn>
+              <a:cxn ang="0">
+                <a:pos x="connsiteX6" y="connsiteY6"/>
+              </a:cxn>
+            </a:cxnLst>
+            <a:rect l="l" t="t" r="r" b="b"/>
+            <a:pathLst>
+              <a:path w="4455673" h="6858000">
+                <a:moveTo>
+                  <a:pt x="0" y="0"/>
+                </a:moveTo>
+                <a:lnTo>
+                  <a:pt x="3242695" y="0"/>
+                </a:lnTo>
+                <a:lnTo>
+                  <a:pt x="3305678" y="69271"/>
+                </a:lnTo>
+                <a:cubicBezTo>
+                  <a:pt x="4016204" y="929100"/>
+                  <a:pt x="4455673" y="2116944"/>
+                  <a:pt x="4455673" y="3429000"/>
+                </a:cubicBezTo>
+                <a:cubicBezTo>
+                  <a:pt x="4455673" y="4741056"/>
+                  <a:pt x="4016204" y="5928900"/>
+                  <a:pt x="3305678" y="6788730"/>
+                </a:cubicBezTo>
+                <a:lnTo>
+                  <a:pt x="3242695" y="6858000"/>
+                </a:lnTo>
+                <a:lnTo>
+                  <a:pt x="0" y="6858000"/>
+                </a:lnTo>
+                <a:close/>
+              </a:path>
+            </a:pathLst>
+          </a:custGeom>
+          <a:ln w="9525">
+            <a:solidFill>
+              <a:srgbClr val="EFEFEF"/>
+            </a:solidFill>
+          </a:ln>
+          <a:effectLst>
+            <a:outerShdw blurRad="88900" dist="38100" algn="l" rotWithShape="0">
+              <a:schemeClr val="bg1">
+                <a:lumMod val="85000"/>
+                <a:alpha val="50000"/>
+              </a:schemeClr>
+            </a:outerShdw>
+          </a:effectLst>
+        </p:spPr>
+        <p:style>
+          <a:lnRef idx="2">
+            <a:schemeClr val="accent1">
+              <a:shade val="50000"/>
+            </a:schemeClr>
+          </a:lnRef>
+          <a:fillRef idx="1">
+            <a:schemeClr val="accent1"/>
+          </a:fillRef>
+          <a:effectRef idx="0">
+            <a:schemeClr val="accent1"/>
+          </a:effectRef>
+          <a:fontRef idx="minor">
+            <a:schemeClr val="lt1"/>
+          </a:fontRef>
+        </p:style>
+        <p:txBody>
+          <a:bodyPr wrap="square" rtlCol="0" anchor="ctr">
+            <a:noAutofit/>
+          </a:bodyPr>
+          <a:lstStyle/>
+          <a:p>
+            <a:pPr marL="0" marR="0" lvl="0" indent="0" algn="ctr" defTabSz="914400" rtl="0" eaLnBrk="1" fontAlgn="auto" latinLnBrk="0" hangingPunct="1">
+              <a:lnSpc>
+                <a:spcPct val="100000"/>
+              </a:lnSpc>
+              <a:spcBef>
+                <a:spcPts val="0"/>
+              </a:spcBef>
+              <a:spcAft>
+                <a:spcPts val="0"/>
+              </a:spcAft>
+              <a:buClrTx/>
+              <a:buSzTx/>
+              <a:buFontTx/>
+              <a:buNone/>
+              <a:tabLst/>
+              <a:defRPr/>
+            </a:pPr>
+            <a:endParaRPr kumimoji="0" lang="en-US" sz="1800" b="0" i="0" u="none" strike="noStrike" kern="1200" cap="none" spc="0" normalizeH="0" baseline="0" noProof="0">
+              <a:ln>
+                <a:noFill/>
+              </a:ln>
+              <a:solidFill>
+                <a:prstClr val="white"/>
+              </a:solidFill>
+              <a:effectLst/>
+              <a:uLnTx/>
+              <a:uFillTx/>
+              <a:latin typeface="Calibri" panose="020F0502020204030204"/>
+              <a:ea typeface="+mn-ea"/>
+              <a:cs typeface="+mn-cs"/>
+            </a:endParaRPr>
+          </a:p>
+        </p:txBody>
+      </p:sp>
+      <p:sp useBgFill="1">
+        <p:nvSpPr>
+          <p:cNvPr id="3090" name="Freeform: Shape 3089">
+            <a:extLst>
+              <a:ext uri="{FF2B5EF4-FFF2-40B4-BE49-F238E27FC236}">
+                <a16:creationId xmlns:a16="http://schemas.microsoft.com/office/drawing/2014/main" id="{C0BDBCD2-E081-43AB-9119-C55465E59757}"/>
+              </a:ext>
+              <a:ext uri="{C183D7F6-B498-43B3-948B-1728B52AA6E4}">
+                <adec:decorative xmlns:adec="http://schemas.microsoft.com/office/drawing/2017/decorative" val="1"/>
+              </a:ext>
+            </a:extLst>
+          </p:cNvPr>
+          <p:cNvSpPr>
+            <a:spLocks noGrp="1" noRot="1" noChangeAspect="1" noMove="1" noResize="1" noEditPoints="1" noAdjustHandles="1" noChangeArrowheads="1" noChangeShapeType="1" noTextEdit="1"/>
+          </p:cNvSpPr>
+          <p:nvPr>
+            <p:extLst>
+              <p:ext uri="{386F3935-93C4-4BCD-93E2-E3B085C9AB24}">
+                <p16:designElem xmlns:p16="http://schemas.microsoft.com/office/powerpoint/2015/main" val="1"/>
+              </p:ext>
+            </p:extLst>
+          </p:nvPr>
+        </p:nvSpPr>
+        <p:spPr>
+          <a:xfrm>
+            <a:off x="0" y="0"/>
+            <a:ext cx="4446529" cy="6858000"/>
+          </a:xfrm>
+          <a:custGeom>
+            <a:avLst/>
+            <a:gdLst>
+              <a:gd name="connsiteX0" fmla="*/ 0 w 4446529"/>
+              <a:gd name="connsiteY0" fmla="*/ 0 h 6858000"/>
+              <a:gd name="connsiteX1" fmla="*/ 3233551 w 4446529"/>
+              <a:gd name="connsiteY1" fmla="*/ 0 h 6858000"/>
+              <a:gd name="connsiteX2" fmla="*/ 3296534 w 4446529"/>
+              <a:gd name="connsiteY2" fmla="*/ 69271 h 6858000"/>
+              <a:gd name="connsiteX3" fmla="*/ 4446529 w 4446529"/>
+              <a:gd name="connsiteY3" fmla="*/ 3429000 h 6858000"/>
+              <a:gd name="connsiteX4" fmla="*/ 3296534 w 4446529"/>
+              <a:gd name="connsiteY4" fmla="*/ 6788730 h 6858000"/>
+              <a:gd name="connsiteX5" fmla="*/ 3233551 w 4446529"/>
+              <a:gd name="connsiteY5" fmla="*/ 6858000 h 6858000"/>
+              <a:gd name="connsiteX6" fmla="*/ 0 w 4446529"/>
+              <a:gd name="connsiteY6" fmla="*/ 6858000 h 6858000"/>
+            </a:gdLst>
+            <a:ahLst/>
+            <a:cxnLst>
+              <a:cxn ang="0">
+                <a:pos x="connsiteX0" y="connsiteY0"/>
+              </a:cxn>
+              <a:cxn ang="0">
+                <a:pos x="connsiteX1" y="connsiteY1"/>
+              </a:cxn>
+              <a:cxn ang="0">
+                <a:pos x="connsiteX2" y="connsiteY2"/>
+              </a:cxn>
+              <a:cxn ang="0">
+                <a:pos x="connsiteX3" y="connsiteY3"/>
+              </a:cxn>
+              <a:cxn ang="0">
+                <a:pos x="connsiteX4" y="connsiteY4"/>
+              </a:cxn>
+              <a:cxn ang="0">
+                <a:pos x="connsiteX5" y="connsiteY5"/>
+              </a:cxn>
+              <a:cxn ang="0">
+                <a:pos x="connsiteX6" y="connsiteY6"/>
+              </a:cxn>
+            </a:cxnLst>
+            <a:rect l="l" t="t" r="r" b="b"/>
+            <a:pathLst>
+              <a:path w="4446529" h="6858000">
+                <a:moveTo>
+                  <a:pt x="0" y="0"/>
+                </a:moveTo>
+                <a:lnTo>
+                  <a:pt x="3233551" y="0"/>
+                </a:lnTo>
+                <a:lnTo>
+                  <a:pt x="3296534" y="69271"/>
+                </a:lnTo>
+                <a:cubicBezTo>
+                  <a:pt x="4007060" y="929100"/>
+                  <a:pt x="4446529" y="2116944"/>
+                  <a:pt x="4446529" y="3429000"/>
+                </a:cubicBezTo>
+                <a:cubicBezTo>
+                  <a:pt x="4446529" y="4741056"/>
+                  <a:pt x="4007060" y="5928900"/>
+                  <a:pt x="3296534" y="6788730"/>
+                </a:cubicBezTo>
+                <a:lnTo>
+                  <a:pt x="3233551" y="6858000"/>
+                </a:lnTo>
+                <a:lnTo>
+                  <a:pt x="0" y="6858000"/>
+                </a:lnTo>
+                <a:close/>
+              </a:path>
+            </a:pathLst>
+          </a:custGeom>
+          <a:ln w="9525">
+            <a:noFill/>
+          </a:ln>
+          <a:effectLst/>
+        </p:spPr>
+        <p:style>
+          <a:lnRef idx="2">
+            <a:schemeClr val="accent1">
+              <a:shade val="50000"/>
+            </a:schemeClr>
+          </a:lnRef>
+          <a:fillRef idx="1">
+            <a:schemeClr val="accent1"/>
+          </a:fillRef>
+          <a:effectRef idx="0">
+            <a:schemeClr val="accent1"/>
+          </a:effectRef>
+          <a:fontRef idx="minor">
+            <a:schemeClr val="lt1"/>
+          </a:fontRef>
+        </p:style>
+        <p:txBody>
+          <a:bodyPr wrap="square" rtlCol="0" anchor="ctr">
+            <a:noAutofit/>
+          </a:bodyPr>
+          <a:lstStyle/>
+          <a:p>
+            <a:pPr marL="0" marR="0" lvl="0" indent="0" algn="ctr" defTabSz="914400" rtl="0" eaLnBrk="1" fontAlgn="auto" latinLnBrk="0" hangingPunct="1">
+              <a:lnSpc>
+                <a:spcPct val="100000"/>
+              </a:lnSpc>
+              <a:spcBef>
+                <a:spcPts val="0"/>
+              </a:spcBef>
+              <a:spcAft>
+                <a:spcPts val="0"/>
+              </a:spcAft>
+              <a:buClrTx/>
+              <a:buSzTx/>
+              <a:buFontTx/>
+              <a:buNone/>
+              <a:tabLst/>
+              <a:defRPr/>
+            </a:pPr>
+            <a:endParaRPr kumimoji="0" lang="en-US" sz="1800" b="0" i="0" u="none" strike="noStrike" kern="1200" cap="none" spc="0" normalizeH="0" baseline="0" noProof="0">
+              <a:ln>
+                <a:noFill/>
+              </a:ln>
+              <a:solidFill>
+                <a:prstClr val="white"/>
+              </a:solidFill>
+              <a:effectLst/>
+              <a:uLnTx/>
+              <a:uFillTx/>
+              <a:latin typeface="Calibri" panose="020F0502020204030204"/>
+              <a:ea typeface="+mn-ea"/>
+              <a:cs typeface="+mn-cs"/>
+            </a:endParaRPr>
+          </a:p>
+        </p:txBody>
+      </p:sp>
+      <p:sp>
+        <p:nvSpPr>
+          <p:cNvPr id="2" name="Title 1">
+            <a:extLst>
+              <a:ext uri="{FF2B5EF4-FFF2-40B4-BE49-F238E27FC236}">
+                <a16:creationId xmlns:a16="http://schemas.microsoft.com/office/drawing/2014/main" id="{479AEDDA-98ED-7301-9715-0F1E8ADF94C4}"/>
+              </a:ext>
+            </a:extLst>
+          </p:cNvPr>
+          <p:cNvSpPr>
+            <a:spLocks noGrp="1"/>
+          </p:cNvSpPr>
+          <p:nvPr>
+            <p:ph type="title"/>
+          </p:nvPr>
+        </p:nvSpPr>
+        <p:spPr>
+          <a:xfrm>
+            <a:off x="371094" y="1161288"/>
+            <a:ext cx="3438144" cy="1239012"/>
           </a:xfrm>
         </p:spPr>
         <p:txBody>
-          <a:bodyPr anchor="b">
+          <a:bodyPr anchor="ctr">
             <a:normAutofit/>
           </a:bodyPr>
           <a:lstStyle/>
           <a:p>
             <a:r>
-              <a:rPr lang="en-US" sz="3200"/>
+              <a:rPr lang="en-US" sz="2800"/>
               <a:t>Google Cardboard Demo</a:t>
             </a:r>
-            <a:endParaRPr lang="en-IN" sz="3200"/>
+            <a:endParaRPr lang="en-IN" sz="2800"/>
           </a:p>
         </p:txBody>
       </p:sp>
       <p:sp>
         <p:nvSpPr>
-          <p:cNvPr id="3" name="Content Placeholder 2">
-            <a:extLst>
-              <a:ext uri="{FF2B5EF4-FFF2-40B4-BE49-F238E27FC236}">
-                <a16:creationId xmlns:a16="http://schemas.microsoft.com/office/drawing/2014/main" id="{7FB97219-D347-9617-350F-E0D5371140A8}"/>
-              </a:ext>
-            </a:extLst>
-          </p:cNvPr>
-          <p:cNvSpPr>
-            <a:spLocks noGrp="1"/>
-          </p:cNvSpPr>
-          <p:nvPr>
-            <p:ph idx="1"/>
+          <p:cNvPr id="3092" name="Rectangle 3091">
+            <a:extLst>
+              <a:ext uri="{FF2B5EF4-FFF2-40B4-BE49-F238E27FC236}">
+                <a16:creationId xmlns:a16="http://schemas.microsoft.com/office/drawing/2014/main" id="{98E79BE4-34FE-485A-98A5-92CE8F7C4743}"/>
+              </a:ext>
+              <a:ext uri="{C183D7F6-B498-43B3-948B-1728B52AA6E4}">
+                <adec:decorative xmlns:adec="http://schemas.microsoft.com/office/drawing/2017/decorative" val="1"/>
+              </a:ext>
+            </a:extLst>
+          </p:cNvPr>
+          <p:cNvSpPr>
+            <a:spLocks noGrp="1" noRot="1" noChangeAspect="1" noMove="1" noResize="1" noEditPoints="1" noAdjustHandles="1" noChangeArrowheads="1" noChangeShapeType="1" noTextEdit="1"/>
+          </p:cNvSpPr>
+          <p:nvPr>
+            <p:extLst>
+              <p:ext uri="{386F3935-93C4-4BCD-93E2-E3B085C9AB24}">
+                <p16:designElem xmlns:p16="http://schemas.microsoft.com/office/powerpoint/2015/main" val="1"/>
+              </p:ext>
+            </p:extLst>
           </p:nvPr>
         </p:nvSpPr>
         <p:spPr>
           <a:xfrm>
-            <a:off x="876693" y="2533476"/>
-            <a:ext cx="3455821" cy="3447832"/>
+            <a:off x="0" y="1426546"/>
+            <a:ext cx="128016" cy="653903"/>
+          </a:xfrm>
+          <a:prstGeom prst="rect">
+            <a:avLst/>
+          </a:prstGeom>
+          <a:solidFill>
+            <a:schemeClr val="accent2"/>
+          </a:solidFill>
+          <a:ln>
+            <a:noFill/>
+          </a:ln>
+        </p:spPr>
+        <p:style>
+          <a:lnRef idx="2">
+            <a:schemeClr val="accent1">
+              <a:shade val="50000"/>
+            </a:schemeClr>
+          </a:lnRef>
+          <a:fillRef idx="1">
+            <a:schemeClr val="accent1"/>
+          </a:fillRef>
+          <a:effectRef idx="0">
+            <a:schemeClr val="accent1"/>
+          </a:effectRef>
+          <a:fontRef idx="minor">
+            <a:schemeClr val="lt1"/>
+          </a:fontRef>
+        </p:style>
+        <p:txBody>
+          <a:bodyPr rtlCol="0" anchor="ctr"/>
+          <a:lstStyle/>
+          <a:p>
+            <a:pPr algn="ctr"/>
+            <a:endParaRPr lang="en-US">
+              <a:solidFill>
+                <a:prstClr val="white"/>
+              </a:solidFill>
+              <a:latin typeface="Calibri" panose="020F0502020204030204"/>
+            </a:endParaRPr>
+          </a:p>
+        </p:txBody>
+      </p:sp>
+      <p:sp>
+        <p:nvSpPr>
+          <p:cNvPr id="3094" name="Rectangle 3093">
+            <a:extLst>
+              <a:ext uri="{FF2B5EF4-FFF2-40B4-BE49-F238E27FC236}">
+                <a16:creationId xmlns:a16="http://schemas.microsoft.com/office/drawing/2014/main" id="{7A5F0580-5EE9-419F-96EE-B6529EF6E7D0}"/>
+              </a:ext>
+              <a:ext uri="{C183D7F6-B498-43B3-948B-1728B52AA6E4}">
+                <adec:decorative xmlns:adec="http://schemas.microsoft.com/office/drawing/2017/decorative" val="1"/>
+              </a:ext>
+            </a:extLst>
+          </p:cNvPr>
+          <p:cNvSpPr>
+            <a:spLocks noGrp="1" noRot="1" noChangeAspect="1" noMove="1" noResize="1" noEditPoints="1" noAdjustHandles="1" noChangeArrowheads="1" noChangeShapeType="1" noTextEdit="1"/>
+          </p:cNvSpPr>
+          <p:nvPr>
+            <p:extLst>
+              <p:ext uri="{386F3935-93C4-4BCD-93E2-E3B085C9AB24}">
+                <p16:designElem xmlns:p16="http://schemas.microsoft.com/office/powerpoint/2015/main" val="1"/>
+              </p:ext>
+            </p:extLst>
+          </p:nvPr>
+        </p:nvSpPr>
+        <p:spPr>
+          <a:xfrm>
+            <a:off x="395893" y="2443480"/>
+            <a:ext cx="3383280" cy="18288"/>
+          </a:xfrm>
+          <a:prstGeom prst="rect">
+            <a:avLst/>
+          </a:prstGeom>
+          <a:solidFill>
+            <a:srgbClr val="D5D5D5"/>
+          </a:solidFill>
+          <a:ln w="3175">
+            <a:noFill/>
+          </a:ln>
+          <a:effectLst/>
+        </p:spPr>
+        <p:style>
+          <a:lnRef idx="2">
+            <a:schemeClr val="accent1">
+              <a:shade val="50000"/>
+            </a:schemeClr>
+          </a:lnRef>
+          <a:fillRef idx="1">
+            <a:schemeClr val="accent1"/>
+          </a:fillRef>
+          <a:effectRef idx="0">
+            <a:schemeClr val="accent1"/>
+          </a:effectRef>
+          <a:fontRef idx="minor">
+            <a:schemeClr val="lt1"/>
+          </a:fontRef>
+        </p:style>
+        <p:txBody>
+          <a:bodyPr rtlCol="0" anchor="ctr"/>
+          <a:lstStyle/>
+          <a:p>
+            <a:pPr marL="0" marR="0" lvl="0" indent="0" algn="ctr" defTabSz="914400" rtl="0" eaLnBrk="1" fontAlgn="auto" latinLnBrk="0" hangingPunct="1">
+              <a:lnSpc>
+                <a:spcPct val="100000"/>
+              </a:lnSpc>
+              <a:spcBef>
+                <a:spcPts val="0"/>
+              </a:spcBef>
+              <a:spcAft>
+                <a:spcPts val="0"/>
+              </a:spcAft>
+              <a:buClrTx/>
+              <a:buSzTx/>
+              <a:buFontTx/>
+              <a:buNone/>
+              <a:tabLst/>
+              <a:defRPr/>
+            </a:pPr>
+            <a:endParaRPr kumimoji="0" lang="en-US" sz="1800" b="0" i="0" u="none" strike="noStrike" kern="1200" cap="none" spc="0" normalizeH="0" baseline="0" noProof="0">
+              <a:ln>
+                <a:noFill/>
+              </a:ln>
+              <a:solidFill>
+                <a:prstClr val="white"/>
+              </a:solidFill>
+              <a:effectLst/>
+              <a:uLnTx/>
+              <a:uFillTx/>
+              <a:latin typeface="Calibri" panose="020F0502020204030204"/>
+              <a:ea typeface="+mn-ea"/>
+              <a:cs typeface="+mn-cs"/>
+            </a:endParaRPr>
+          </a:p>
+        </p:txBody>
+      </p:sp>
+      <p:sp>
+        <p:nvSpPr>
+          <p:cNvPr id="3" name="Content Placeholder 2">
+            <a:extLst>
+              <a:ext uri="{FF2B5EF4-FFF2-40B4-BE49-F238E27FC236}">
+                <a16:creationId xmlns:a16="http://schemas.microsoft.com/office/drawing/2014/main" id="{7FB97219-D347-9617-350F-E0D5371140A8}"/>
+              </a:ext>
+            </a:extLst>
+          </p:cNvPr>
+          <p:cNvSpPr>
+            <a:spLocks noGrp="1"/>
+          </p:cNvSpPr>
+          <p:nvPr>
+            <p:ph idx="1"/>
+          </p:nvPr>
+        </p:nvSpPr>
+        <p:spPr>
+          <a:xfrm>
+            <a:off x="371094" y="2718054"/>
+            <a:ext cx="3438906" cy="3207258"/>
           </a:xfrm>
         </p:spPr>
         <p:txBody>
@@ -4081,18 +8830,18 @@
           <a:lstStyle/>
           <a:p>
             <a:r>
-              <a:rPr lang="en-IN" sz="2000">
+              <a:rPr lang="en-IN" sz="1700">
                 <a:hlinkClick r:id="rId2"/>
               </a:rPr>
               <a:t>https://www.instructables.com/How-to-make-Google-Cardboard/</a:t>
             </a:r>
-            <a:endParaRPr lang="en-IN" sz="2000"/>
-          </a:p>
-          <a:p>
-            <a:endParaRPr lang="en-IN" sz="2000"/>
-          </a:p>
-          <a:p>
-            <a:endParaRPr lang="en-IN" sz="2000"/>
+            <a:endParaRPr lang="en-IN" sz="1700"/>
+          </a:p>
+          <a:p>
+            <a:endParaRPr lang="en-IN" sz="1700"/>
+          </a:p>
+          <a:p>
+            <a:endParaRPr lang="en-IN" sz="1700"/>
           </a:p>
         </p:txBody>
       </p:sp>
@@ -4124,393 +8873,8 @@
         </p:blipFill>
         <p:spPr bwMode="auto">
           <a:xfrm>
-            <a:off x="5118292" y="741391"/>
-            <a:ext cx="6128105" cy="5384528"/>
-          </a:xfrm>
-          <a:prstGeom prst="rect">
-            <a:avLst/>
-          </a:prstGeom>
-          <a:noFill/>
-          <a:extLst>
-            <a:ext uri="{909E8E84-426E-40DD-AFC4-6F175D3DCCD1}">
-              <a14:hiddenFill xmlns:a14="http://schemas.microsoft.com/office/drawing/2010/main">
-                <a:solidFill>
-                  <a:srgbClr val="FFFFFF"/>
-                </a:solidFill>
-              </a14:hiddenFill>
-            </a:ext>
-          </a:extLst>
-        </p:spPr>
-      </p:pic>
-      <p:grpSp>
-        <p:nvGrpSpPr>
-          <p:cNvPr id="3079" name="Group 3078">
-            <a:extLst>
-              <a:ext uri="{FF2B5EF4-FFF2-40B4-BE49-F238E27FC236}">
-                <a16:creationId xmlns:a16="http://schemas.microsoft.com/office/drawing/2014/main" id="{6258F736-B256-8039-9DC6-F4E49A5C5AD5}"/>
-              </a:ext>
-              <a:ext uri="{C183D7F6-B498-43B3-948B-1728B52AA6E4}">
-                <adec:decorative xmlns:adec="http://schemas.microsoft.com/office/drawing/2017/decorative" val="1"/>
-              </a:ext>
-            </a:extLst>
-          </p:cNvPr>
-          <p:cNvGrpSpPr>
-            <a:grpSpLocks noGrp="1" noUngrp="1" noRot="1" noChangeAspect="1" noMove="1" noResize="1"/>
-          </p:cNvGrpSpPr>
-          <p:nvPr>
-            <p:extLst>
-              <p:ext uri="{386F3935-93C4-4BCD-93E2-E3B085C9AB24}">
-                <p16:designElem xmlns:p16="http://schemas.microsoft.com/office/powerpoint/2015/main" val="1"/>
-              </p:ext>
-            </p:extLst>
-          </p:nvPr>
-        </p:nvGrpSpPr>
-        <p:grpSpPr>
-          <a:xfrm flipH="1">
-            <a:off x="12068638" y="0"/>
-            <a:ext cx="123362" cy="6858000"/>
-            <a:chOff x="12068638" y="0"/>
-            <a:chExt cx="123362" cy="6858000"/>
-          </a:xfrm>
-        </p:grpSpPr>
-        <p:sp>
-          <p:nvSpPr>
-            <p:cNvPr id="3080" name="Rectangle 3079">
-              <a:extLst>
-                <a:ext uri="{FF2B5EF4-FFF2-40B4-BE49-F238E27FC236}">
-                  <a16:creationId xmlns:a16="http://schemas.microsoft.com/office/drawing/2014/main" id="{10B4520A-996E-330C-99DA-69CA4D89E906}"/>
-                </a:ext>
-                <a:ext uri="{C183D7F6-B498-43B3-948B-1728B52AA6E4}">
-                  <adec:decorative xmlns:adec="http://schemas.microsoft.com/office/drawing/2017/decorative" val="1"/>
-                </a:ext>
-              </a:extLst>
-            </p:cNvPr>
-            <p:cNvSpPr/>
-            <p:nvPr>
-              <p:extLst>
-                <p:ext uri="{386F3935-93C4-4BCD-93E2-E3B085C9AB24}">
-                  <p16:designElem xmlns:p16="http://schemas.microsoft.com/office/powerpoint/2015/main" val="1"/>
-                </p:ext>
-              </p:extLst>
-            </p:nvPr>
-          </p:nvSpPr>
-          <p:spPr>
-            <a:xfrm>
-              <a:off x="12068638" y="0"/>
-              <a:ext cx="123362" cy="6858000"/>
-            </a:xfrm>
-            <a:prstGeom prst="rect">
-              <a:avLst/>
-            </a:prstGeom>
-            <a:gradFill>
-              <a:gsLst>
-                <a:gs pos="0">
-                  <a:schemeClr val="accent2"/>
-                </a:gs>
-                <a:gs pos="100000">
-                  <a:schemeClr val="accent5"/>
-                </a:gs>
-              </a:gsLst>
-              <a:lin ang="1800000" scaled="0"/>
-            </a:gradFill>
-            <a:ln>
-              <a:noFill/>
-            </a:ln>
-          </p:spPr>
-          <p:style>
-            <a:lnRef idx="2">
-              <a:schemeClr val="accent1">
-                <a:shade val="50000"/>
-              </a:schemeClr>
-            </a:lnRef>
-            <a:fillRef idx="1">
-              <a:schemeClr val="accent1"/>
-            </a:fillRef>
-            <a:effectRef idx="0">
-              <a:schemeClr val="accent1"/>
-            </a:effectRef>
-            <a:fontRef idx="minor">
-              <a:schemeClr val="lt1"/>
-            </a:fontRef>
-          </p:style>
-          <p:txBody>
-            <a:bodyPr rtlCol="0" anchor="ctr"/>
-            <a:lstStyle/>
-            <a:p>
-              <a:pPr algn="ctr"/>
-              <a:endParaRPr lang="en-US"/>
-            </a:p>
-          </p:txBody>
-        </p:sp>
-        <p:sp>
-          <p:nvSpPr>
-            <p:cNvPr id="3081" name="Rectangle 3080">
-              <a:extLst>
-                <a:ext uri="{FF2B5EF4-FFF2-40B4-BE49-F238E27FC236}">
-                  <a16:creationId xmlns:a16="http://schemas.microsoft.com/office/drawing/2014/main" id="{EC8FA945-E356-695F-18D6-CAD4EF34FE4A}"/>
-                </a:ext>
-                <a:ext uri="{C183D7F6-B498-43B3-948B-1728B52AA6E4}">
-                  <adec:decorative xmlns:adec="http://schemas.microsoft.com/office/drawing/2017/decorative" val="1"/>
-                </a:ext>
-              </a:extLst>
-            </p:cNvPr>
-            <p:cNvSpPr/>
-            <p:nvPr>
-              <p:extLst>
-                <p:ext uri="{386F3935-93C4-4BCD-93E2-E3B085C9AB24}">
-                  <p16:designElem xmlns:p16="http://schemas.microsoft.com/office/powerpoint/2015/main" val="1"/>
-                </p:ext>
-              </p:extLst>
-            </p:nvPr>
-          </p:nvSpPr>
-          <p:spPr>
-            <a:xfrm>
-              <a:off x="12068638" y="3527553"/>
-              <a:ext cx="123362" cy="3330447"/>
-            </a:xfrm>
-            <a:prstGeom prst="rect">
-              <a:avLst/>
-            </a:prstGeom>
-            <a:gradFill>
-              <a:gsLst>
-                <a:gs pos="19000">
-                  <a:schemeClr val="accent5">
-                    <a:lumMod val="60000"/>
-                    <a:lumOff val="40000"/>
-                    <a:alpha val="0"/>
-                  </a:schemeClr>
-                </a:gs>
-                <a:gs pos="100000">
-                  <a:schemeClr val="accent5">
-                    <a:lumMod val="60000"/>
-                    <a:lumOff val="40000"/>
-                  </a:schemeClr>
-                </a:gs>
-              </a:gsLst>
-              <a:lin ang="600000" scaled="0"/>
-            </a:gradFill>
-            <a:ln>
-              <a:noFill/>
-            </a:ln>
-          </p:spPr>
-          <p:style>
-            <a:lnRef idx="2">
-              <a:schemeClr val="accent1">
-                <a:shade val="50000"/>
-              </a:schemeClr>
-            </a:lnRef>
-            <a:fillRef idx="1">
-              <a:schemeClr val="accent1"/>
-            </a:fillRef>
-            <a:effectRef idx="0">
-              <a:schemeClr val="accent1"/>
-            </a:effectRef>
-            <a:fontRef idx="minor">
-              <a:schemeClr val="lt1"/>
-            </a:fontRef>
-          </p:style>
-          <p:txBody>
-            <a:bodyPr rtlCol="0" anchor="ctr"/>
-            <a:lstStyle/>
-            <a:p>
-              <a:pPr algn="ctr"/>
-              <a:endParaRPr lang="en-US"/>
-            </a:p>
-          </p:txBody>
-        </p:sp>
-      </p:grpSp>
-    </p:spTree>
-    <p:extLst>
-      <p:ext uri="{BB962C8B-B14F-4D97-AF65-F5344CB8AC3E}">
-        <p14:creationId xmlns:p14="http://schemas.microsoft.com/office/powerpoint/2010/main" val="1111484387"/>
-      </p:ext>
-    </p:extLst>
-  </p:cSld>
-  <p:clrMapOvr>
-    <a:masterClrMapping/>
-  </p:clrMapOvr>
-</p:sld>
-</file>
-
-<file path=ppt/slides/slide5.xml><?xml version="1.0" encoding="utf-8"?>
-<p:sld xmlns:a="http://schemas.openxmlformats.org/drawingml/2006/main" xmlns:r="http://schemas.openxmlformats.org/officeDocument/2006/relationships" xmlns:p="http://schemas.openxmlformats.org/presentationml/2006/main">
-  <p:cSld>
-    <p:spTree>
-      <p:nvGrpSpPr>
-        <p:cNvPr id="1" name=""/>
-        <p:cNvGrpSpPr/>
-        <p:nvPr/>
-      </p:nvGrpSpPr>
-      <p:grpSpPr>
-        <a:xfrm>
-          <a:off x="0" y="0"/>
-          <a:ext cx="0" cy="0"/>
-          <a:chOff x="0" y="0"/>
-          <a:chExt cx="0" cy="0"/>
-        </a:xfrm>
-      </p:grpSpPr>
-      <p:sp>
-        <p:nvSpPr>
-          <p:cNvPr id="2" name="Title 1">
-            <a:extLst>
-              <a:ext uri="{FF2B5EF4-FFF2-40B4-BE49-F238E27FC236}">
-                <a16:creationId xmlns:a16="http://schemas.microsoft.com/office/drawing/2014/main" id="{42C1D54F-BDB6-3654-CDE2-EC1451918759}"/>
-              </a:ext>
-            </a:extLst>
-          </p:cNvPr>
-          <p:cNvSpPr>
-            <a:spLocks noGrp="1"/>
-          </p:cNvSpPr>
-          <p:nvPr>
-            <p:ph type="title"/>
-          </p:nvPr>
-        </p:nvSpPr>
-        <p:spPr/>
-        <p:txBody>
-          <a:bodyPr/>
-          <a:lstStyle/>
-          <a:p>
-            <a:r>
-              <a:rPr lang="en-US" dirty="0"/>
-              <a:t>Augmented Reality - AR</a:t>
-            </a:r>
-            <a:endParaRPr lang="en-IN" dirty="0"/>
-          </a:p>
-        </p:txBody>
-      </p:sp>
-      <p:sp>
-        <p:nvSpPr>
-          <p:cNvPr id="3" name="Content Placeholder 2">
-            <a:extLst>
-              <a:ext uri="{FF2B5EF4-FFF2-40B4-BE49-F238E27FC236}">
-                <a16:creationId xmlns:a16="http://schemas.microsoft.com/office/drawing/2014/main" id="{9DBE6F76-6571-A42F-5649-B20B57EB0042}"/>
-              </a:ext>
-            </a:extLst>
-          </p:cNvPr>
-          <p:cNvSpPr>
-            <a:spLocks noGrp="1"/>
-          </p:cNvSpPr>
-          <p:nvPr>
-            <p:ph idx="1"/>
-          </p:nvPr>
-        </p:nvSpPr>
-        <p:spPr>
-          <a:xfrm>
-            <a:off x="420384" y="1897545"/>
-            <a:ext cx="6134528" cy="4351338"/>
-          </a:xfrm>
-        </p:spPr>
-        <p:txBody>
-          <a:bodyPr>
-            <a:normAutofit fontScale="92500" lnSpcReduction="10000"/>
-          </a:bodyPr>
-          <a:lstStyle/>
-          <a:p>
-            <a:r>
-              <a:rPr lang="en-US" dirty="0"/>
-              <a:t>AR overlays digital content onto the real world. </a:t>
-            </a:r>
-          </a:p>
-          <a:p>
-            <a:r>
-              <a:rPr lang="en-US" dirty="0"/>
-              <a:t>It enhances the physical environment by adding computer-generated elements, such as images, videos, or sounds, which users can see and interact with through devices like smartphones, tablets, or AR glasses.</a:t>
-            </a:r>
-          </a:p>
-          <a:p>
-            <a:endParaRPr lang="en-US" dirty="0"/>
-          </a:p>
-          <a:p>
-            <a:r>
-              <a:rPr lang="en-US" b="1" dirty="0"/>
-              <a:t>Example:</a:t>
-            </a:r>
-            <a:r>
-              <a:rPr lang="en-US" dirty="0"/>
-              <a:t> Pokémon GO, where players see Pokémon in the real world through their phone screens.</a:t>
-            </a:r>
-            <a:endParaRPr lang="en-IN" dirty="0"/>
-          </a:p>
-        </p:txBody>
-      </p:sp>
-      <p:pic>
-        <p:nvPicPr>
-          <p:cNvPr id="1027" name="Picture 3" descr="AR Glasses for Consumer &amp; Enterprise ...">
-            <a:extLst>
-              <a:ext uri="{FF2B5EF4-FFF2-40B4-BE49-F238E27FC236}">
-                <a16:creationId xmlns:a16="http://schemas.microsoft.com/office/drawing/2014/main" id="{A0AA53AF-B7F8-6BC8-764A-EB80817967A2}"/>
-              </a:ext>
-            </a:extLst>
-          </p:cNvPr>
-          <p:cNvPicPr>
-            <a:picLocks noChangeAspect="1" noChangeArrowheads="1"/>
-          </p:cNvPicPr>
-          <p:nvPr/>
-        </p:nvPicPr>
-        <p:blipFill>
-          <a:blip r:embed="rId2">
-            <a:extLst>
-              <a:ext uri="{28A0092B-C50C-407E-A947-70E740481C1C}">
-                <a14:useLocalDpi xmlns:a14="http://schemas.microsoft.com/office/drawing/2010/main" val="0"/>
-              </a:ext>
-            </a:extLst>
-          </a:blip>
-          <a:srcRect/>
-          <a:stretch>
-            <a:fillRect/>
-          </a:stretch>
-        </p:blipFill>
-        <p:spPr bwMode="auto">
-          <a:xfrm>
-            <a:off x="6911564" y="1508742"/>
-            <a:ext cx="5093118" cy="2210503"/>
-          </a:xfrm>
-          <a:prstGeom prst="rect">
-            <a:avLst/>
-          </a:prstGeom>
-          <a:noFill/>
-          <a:extLst>
-            <a:ext uri="{909E8E84-426E-40DD-AFC4-6F175D3DCCD1}">
-              <a14:hiddenFill xmlns:a14="http://schemas.microsoft.com/office/drawing/2010/main">
-                <a:solidFill>
-                  <a:srgbClr val="FFFFFF"/>
-                </a:solidFill>
-              </a14:hiddenFill>
-            </a:ext>
-          </a:extLst>
-        </p:spPr>
-      </p:pic>
-      <p:pic>
-        <p:nvPicPr>
-          <p:cNvPr id="1031" name="Picture 7" descr="Catching Pokémon in AR mode — Pokémon GO Help Center">
-            <a:extLst>
-              <a:ext uri="{FF2B5EF4-FFF2-40B4-BE49-F238E27FC236}">
-                <a16:creationId xmlns:a16="http://schemas.microsoft.com/office/drawing/2014/main" id="{A28101B4-26CB-16C9-8134-4F895109ADB6}"/>
-              </a:ext>
-            </a:extLst>
-          </p:cNvPr>
-          <p:cNvPicPr>
-            <a:picLocks noChangeAspect="1" noChangeArrowheads="1"/>
-          </p:cNvPicPr>
-          <p:nvPr/>
-        </p:nvPicPr>
-        <p:blipFill>
-          <a:blip r:embed="rId3">
-            <a:extLst>
-              <a:ext uri="{28A0092B-C50C-407E-A947-70E740481C1C}">
-                <a14:useLocalDpi xmlns:a14="http://schemas.microsoft.com/office/drawing/2010/main" val="0"/>
-              </a:ext>
-            </a:extLst>
-          </a:blip>
-          <a:srcRect/>
-          <a:stretch>
-            <a:fillRect/>
-          </a:stretch>
-        </p:blipFill>
-        <p:spPr bwMode="auto">
-          <a:xfrm>
-            <a:off x="8215366" y="4067022"/>
-            <a:ext cx="2564472" cy="2564472"/>
+            <a:off x="5359843" y="841248"/>
+            <a:ext cx="6004690" cy="5276088"/>
           </a:xfrm>
           <a:prstGeom prst="rect">
             <a:avLst/>
@@ -4530,7 +8894,7 @@
     </p:spTree>
     <p:extLst>
       <p:ext uri="{BB962C8B-B14F-4D97-AF65-F5344CB8AC3E}">
-        <p14:creationId xmlns:p14="http://schemas.microsoft.com/office/powerpoint/2010/main" val="2225496149"/>
+        <p14:creationId xmlns:p14="http://schemas.microsoft.com/office/powerpoint/2010/main" val="1111484387"/>
       </p:ext>
     </p:extLst>
   </p:cSld>
@@ -4540,9 +8904,17 @@
 </p:sld>
 </file>
 
-<file path=ppt/slides/slide6.xml><?xml version="1.0" encoding="utf-8"?>
+<file path=ppt/slides/slide5.xml><?xml version="1.0" encoding="utf-8"?>
 <p:sld xmlns:a="http://schemas.openxmlformats.org/drawingml/2006/main" xmlns:r="http://schemas.openxmlformats.org/officeDocument/2006/relationships" xmlns:p="http://schemas.openxmlformats.org/presentationml/2006/main">
   <p:cSld>
+    <p:bg>
+      <p:bgPr>
+        <a:solidFill>
+          <a:schemeClr val="bg1"/>
+        </a:solidFill>
+        <a:effectLst/>
+      </p:bgPr>
+    </p:bg>
     <p:spTree>
       <p:nvGrpSpPr>
         <p:cNvPr id="1" name=""/>
@@ -4557,48 +8929,72 @@
           <a:chExt cx="0" cy="0"/>
         </a:xfrm>
       </p:grpSpPr>
-      <p:sp>
-        <p:nvSpPr>
-          <p:cNvPr id="2" name="Title 1">
-            <a:extLst>
-              <a:ext uri="{FF2B5EF4-FFF2-40B4-BE49-F238E27FC236}">
-                <a16:creationId xmlns:a16="http://schemas.microsoft.com/office/drawing/2014/main" id="{BFF257CD-9E19-70A4-79CF-417B3B2A55ED}"/>
-              </a:ext>
-            </a:extLst>
-          </p:cNvPr>
-          <p:cNvSpPr>
-            <a:spLocks noGrp="1"/>
-          </p:cNvSpPr>
-          <p:nvPr>
-            <p:ph type="title"/>
-          </p:nvPr>
-        </p:nvSpPr>
-        <p:spPr/>
-        <p:txBody>
-          <a:bodyPr/>
+      <p:sp useBgFill="1">
+        <p:nvSpPr>
+          <p:cNvPr id="1036" name="Rectangle 1035">
+            <a:extLst>
+              <a:ext uri="{FF2B5EF4-FFF2-40B4-BE49-F238E27FC236}">
+                <a16:creationId xmlns:a16="http://schemas.microsoft.com/office/drawing/2014/main" id="{231BF440-39FA-4087-84CC-2EEC0BBDAF29}"/>
+              </a:ext>
+              <a:ext uri="{C183D7F6-B498-43B3-948B-1728B52AA6E4}">
+                <adec:decorative xmlns:adec="http://schemas.microsoft.com/office/drawing/2017/decorative" val="1"/>
+              </a:ext>
+            </a:extLst>
+          </p:cNvPr>
+          <p:cNvSpPr>
+            <a:spLocks noGrp="1" noRot="1" noChangeAspect="1" noMove="1" noResize="1" noEditPoints="1" noAdjustHandles="1" noChangeArrowheads="1" noChangeShapeType="1" noTextEdit="1"/>
+          </p:cNvSpPr>
+          <p:nvPr>
+            <p:extLst>
+              <p:ext uri="{386F3935-93C4-4BCD-93E2-E3B085C9AB24}">
+                <p16:designElem xmlns:p16="http://schemas.microsoft.com/office/powerpoint/2015/main" val="1"/>
+              </p:ext>
+            </p:extLst>
+          </p:nvPr>
+        </p:nvSpPr>
+        <p:spPr>
+          <a:xfrm>
+            <a:off x="0" y="0"/>
+            <a:ext cx="12192000" cy="6858000"/>
+          </a:xfrm>
+          <a:prstGeom prst="rect">
+            <a:avLst/>
+          </a:prstGeom>
+          <a:ln>
+            <a:noFill/>
+          </a:ln>
+        </p:spPr>
+        <p:style>
+          <a:lnRef idx="2">
+            <a:schemeClr val="accent1">
+              <a:shade val="50000"/>
+            </a:schemeClr>
+          </a:lnRef>
+          <a:fillRef idx="1">
+            <a:schemeClr val="accent1"/>
+          </a:fillRef>
+          <a:effectRef idx="0">
+            <a:schemeClr val="accent1"/>
+          </a:effectRef>
+          <a:fontRef idx="minor">
+            <a:schemeClr val="lt1"/>
+          </a:fontRef>
+        </p:style>
+        <p:txBody>
+          <a:bodyPr rtlCol="0" anchor="ctr"/>
           <a:lstStyle/>
           <a:p>
-            <a:r>
-              <a:rPr lang="en-US" dirty="0"/>
-              <a:t>Vuforia viewer </a:t>
-            </a:r>
-            <a:br>
-              <a:rPr lang="en-US" dirty="0"/>
-            </a:br>
-            <a:r>
-              <a:rPr lang="en-US" dirty="0"/>
-              <a:t>demo</a:t>
-            </a:r>
-            <a:endParaRPr lang="en-IN" dirty="0"/>
+            <a:pPr algn="ctr"/>
+            <a:endParaRPr lang="en-US"/>
           </a:p>
         </p:txBody>
       </p:sp>
       <p:pic>
         <p:nvPicPr>
-          <p:cNvPr id="5124" name="Picture 4" descr="Vuforia Engine Reviews 2024: Details, Pricing, &amp; Features | G2">
-            <a:extLst>
-              <a:ext uri="{FF2B5EF4-FFF2-40B4-BE49-F238E27FC236}">
-                <a16:creationId xmlns:a16="http://schemas.microsoft.com/office/drawing/2014/main" id="{9B6BE115-8EDD-2A75-EFAF-C4F044597FF6}"/>
+          <p:cNvPr id="1031" name="Picture 7" descr="Catching Pokémon in AR mode — Pokémon GO Help Center">
+            <a:extLst>
+              <a:ext uri="{FF2B5EF4-FFF2-40B4-BE49-F238E27FC236}">
+                <a16:creationId xmlns:a16="http://schemas.microsoft.com/office/drawing/2014/main" id="{A28101B4-26CB-16C9-8134-4F895109ADB6}"/>
               </a:ext>
             </a:extLst>
           </p:cNvPr>
@@ -4615,19 +9011,46 @@
               </a:ext>
             </a:extLst>
           </a:blip>
-          <a:srcRect/>
-          <a:stretch>
-            <a:fillRect/>
-          </a:stretch>
+          <a:srcRect t="19427" b="34535"/>
+          <a:stretch/>
         </p:blipFill>
         <p:spPr bwMode="auto">
           <a:xfrm>
-            <a:off x="5713837" y="1940051"/>
-            <a:ext cx="5370801" cy="4131977"/>
+            <a:off x="4883025" y="10"/>
+            <a:ext cx="7308975" cy="3364982"/>
           </a:xfrm>
-          <a:prstGeom prst="rect">
+          <a:custGeom>
             <a:avLst/>
-          </a:prstGeom>
+            <a:gdLst/>
+            <a:ahLst/>
+            <a:cxnLst/>
+            <a:rect l="l" t="t" r="r" b="b"/>
+            <a:pathLst>
+              <a:path w="7308975" h="3364992">
+                <a:moveTo>
+                  <a:pt x="0" y="0"/>
+                </a:moveTo>
+                <a:lnTo>
+                  <a:pt x="7308975" y="0"/>
+                </a:lnTo>
+                <a:lnTo>
+                  <a:pt x="7308975" y="3364992"/>
+                </a:lnTo>
+                <a:lnTo>
+                  <a:pt x="1210305" y="3364992"/>
+                </a:lnTo>
+                <a:lnTo>
+                  <a:pt x="1192705" y="2943200"/>
+                </a:lnTo>
+                <a:cubicBezTo>
+                  <a:pt x="1098874" y="1825108"/>
+                  <a:pt x="684692" y="821621"/>
+                  <a:pt x="62981" y="69271"/>
+                </a:cubicBezTo>
+                <a:close/>
+              </a:path>
+            </a:pathLst>
+          </a:custGeom>
           <a:noFill/>
           <a:extLst>
             <a:ext uri="{909E8E84-426E-40DD-AFC4-6F175D3DCCD1}">
@@ -4640,44 +9063,1454 @@
           </a:extLst>
         </p:spPr>
       </p:pic>
-      <p:sp>
-        <p:nvSpPr>
-          <p:cNvPr id="5" name="TextBox 4">
-            <a:extLst>
-              <a:ext uri="{FF2B5EF4-FFF2-40B4-BE49-F238E27FC236}">
-                <a16:creationId xmlns:a16="http://schemas.microsoft.com/office/drawing/2014/main" id="{7C4FA44A-3297-9F80-BF18-0019916AE403}"/>
-              </a:ext>
-            </a:extLst>
-          </p:cNvPr>
-          <p:cNvSpPr txBox="1"/>
+      <p:pic>
+        <p:nvPicPr>
+          <p:cNvPr id="1027" name="Picture 3" descr="AR Glasses for Consumer &amp; Enterprise ...">
+            <a:extLst>
+              <a:ext uri="{FF2B5EF4-FFF2-40B4-BE49-F238E27FC236}">
+                <a16:creationId xmlns:a16="http://schemas.microsoft.com/office/drawing/2014/main" id="{A0AA53AF-B7F8-6BC8-764A-EB80817967A2}"/>
+              </a:ext>
+            </a:extLst>
+          </p:cNvPr>
+          <p:cNvPicPr>
+            <a:picLocks noChangeAspect="1" noChangeArrowheads="1"/>
+          </p:cNvPicPr>
           <p:nvPr/>
+        </p:nvPicPr>
+        <p:blipFill>
+          <a:blip r:embed="rId3">
+            <a:extLst>
+              <a:ext uri="{28A0092B-C50C-407E-A947-70E740481C1C}">
+                <a14:useLocalDpi xmlns:a14="http://schemas.microsoft.com/office/drawing/2010/main" val="0"/>
+              </a:ext>
+            </a:extLst>
+          </a:blip>
+          <a:srcRect l="2404" r="3323" b="-2"/>
+          <a:stretch/>
+        </p:blipFill>
+        <p:spPr bwMode="auto">
+          <a:xfrm>
+            <a:off x="4883025" y="3493008"/>
+            <a:ext cx="7308975" cy="3364992"/>
+          </a:xfrm>
+          <a:custGeom>
+            <a:avLst/>
+            <a:gdLst/>
+            <a:ahLst/>
+            <a:cxnLst/>
+            <a:rect l="l" t="t" r="r" b="b"/>
+            <a:pathLst>
+              <a:path w="7308975" h="3364992">
+                <a:moveTo>
+                  <a:pt x="1210305" y="0"/>
+                </a:moveTo>
+                <a:lnTo>
+                  <a:pt x="7308975" y="0"/>
+                </a:lnTo>
+                <a:lnTo>
+                  <a:pt x="7308975" y="3364992"/>
+                </a:lnTo>
+                <a:lnTo>
+                  <a:pt x="0" y="3364992"/>
+                </a:lnTo>
+                <a:lnTo>
+                  <a:pt x="62981" y="3295722"/>
+                </a:lnTo>
+                <a:cubicBezTo>
+                  <a:pt x="684692" y="2543371"/>
+                  <a:pt x="1098874" y="1539884"/>
+                  <a:pt x="1192705" y="421793"/>
+                </a:cubicBezTo>
+                <a:close/>
+              </a:path>
+            </a:pathLst>
+          </a:custGeom>
+          <a:noFill/>
+          <a:extLst>
+            <a:ext uri="{909E8E84-426E-40DD-AFC4-6F175D3DCCD1}">
+              <a14:hiddenFill xmlns:a14="http://schemas.microsoft.com/office/drawing/2010/main">
+                <a:solidFill>
+                  <a:srgbClr val="FFFFFF"/>
+                </a:solidFill>
+              </a14:hiddenFill>
+            </a:ext>
+          </a:extLst>
+        </p:spPr>
+      </p:pic>
+      <p:sp useBgFill="1">
+        <p:nvSpPr>
+          <p:cNvPr id="1038" name="Freeform: Shape 1037">
+            <a:extLst>
+              <a:ext uri="{FF2B5EF4-FFF2-40B4-BE49-F238E27FC236}">
+                <a16:creationId xmlns:a16="http://schemas.microsoft.com/office/drawing/2014/main" id="{F04E4CBA-303B-48BD-8451-C2701CB0EEBF}"/>
+              </a:ext>
+              <a:ext uri="{C183D7F6-B498-43B3-948B-1728B52AA6E4}">
+                <adec:decorative xmlns:adec="http://schemas.microsoft.com/office/drawing/2017/decorative" val="1"/>
+              </a:ext>
+            </a:extLst>
+          </p:cNvPr>
+          <p:cNvSpPr>
+            <a:spLocks noGrp="1" noRot="1" noChangeAspect="1" noMove="1" noResize="1" noEditPoints="1" noAdjustHandles="1" noChangeArrowheads="1" noChangeShapeType="1" noTextEdit="1"/>
+          </p:cNvSpPr>
+          <p:nvPr>
+            <p:extLst>
+              <p:ext uri="{386F3935-93C4-4BCD-93E2-E3B085C9AB24}">
+                <p16:designElem xmlns:p16="http://schemas.microsoft.com/office/powerpoint/2015/main" val="1"/>
+              </p:ext>
+            </p:extLst>
+          </p:nvPr>
         </p:nvSpPr>
         <p:spPr>
           <a:xfrm>
-            <a:off x="716623" y="2080987"/>
-            <a:ext cx="4697858" cy="1815882"/>
+            <a:off x="0" y="0"/>
+            <a:ext cx="6096001" cy="6858000"/>
+          </a:xfrm>
+          <a:custGeom>
+            <a:avLst/>
+            <a:gdLst>
+              <a:gd name="connsiteX0" fmla="*/ 0 w 6096001"/>
+              <a:gd name="connsiteY0" fmla="*/ 0 h 6858000"/>
+              <a:gd name="connsiteX1" fmla="*/ 4883024 w 6096001"/>
+              <a:gd name="connsiteY1" fmla="*/ 0 h 6858000"/>
+              <a:gd name="connsiteX2" fmla="*/ 4946006 w 6096001"/>
+              <a:gd name="connsiteY2" fmla="*/ 69271 h 6858000"/>
+              <a:gd name="connsiteX3" fmla="*/ 6096001 w 6096001"/>
+              <a:gd name="connsiteY3" fmla="*/ 3429000 h 6858000"/>
+              <a:gd name="connsiteX4" fmla="*/ 4946006 w 6096001"/>
+              <a:gd name="connsiteY4" fmla="*/ 6788730 h 6858000"/>
+              <a:gd name="connsiteX5" fmla="*/ 4883024 w 6096001"/>
+              <a:gd name="connsiteY5" fmla="*/ 6858000 h 6858000"/>
+              <a:gd name="connsiteX6" fmla="*/ 0 w 6096001"/>
+              <a:gd name="connsiteY6" fmla="*/ 6858000 h 6858000"/>
+            </a:gdLst>
+            <a:ahLst/>
+            <a:cxnLst>
+              <a:cxn ang="0">
+                <a:pos x="connsiteX0" y="connsiteY0"/>
+              </a:cxn>
+              <a:cxn ang="0">
+                <a:pos x="connsiteX1" y="connsiteY1"/>
+              </a:cxn>
+              <a:cxn ang="0">
+                <a:pos x="connsiteX2" y="connsiteY2"/>
+              </a:cxn>
+              <a:cxn ang="0">
+                <a:pos x="connsiteX3" y="connsiteY3"/>
+              </a:cxn>
+              <a:cxn ang="0">
+                <a:pos x="connsiteX4" y="connsiteY4"/>
+              </a:cxn>
+              <a:cxn ang="0">
+                <a:pos x="connsiteX5" y="connsiteY5"/>
+              </a:cxn>
+              <a:cxn ang="0">
+                <a:pos x="connsiteX6" y="connsiteY6"/>
+              </a:cxn>
+            </a:cxnLst>
+            <a:rect l="l" t="t" r="r" b="b"/>
+            <a:pathLst>
+              <a:path w="6096001" h="6858000">
+                <a:moveTo>
+                  <a:pt x="0" y="0"/>
+                </a:moveTo>
+                <a:lnTo>
+                  <a:pt x="4883024" y="0"/>
+                </a:lnTo>
+                <a:lnTo>
+                  <a:pt x="4946006" y="69271"/>
+                </a:lnTo>
+                <a:cubicBezTo>
+                  <a:pt x="5656532" y="929100"/>
+                  <a:pt x="6096001" y="2116944"/>
+                  <a:pt x="6096001" y="3429000"/>
+                </a:cubicBezTo>
+                <a:cubicBezTo>
+                  <a:pt x="6096001" y="4741056"/>
+                  <a:pt x="5656532" y="5928900"/>
+                  <a:pt x="4946006" y="6788730"/>
+                </a:cubicBezTo>
+                <a:lnTo>
+                  <a:pt x="4883024" y="6858000"/>
+                </a:lnTo>
+                <a:lnTo>
+                  <a:pt x="0" y="6858000"/>
+                </a:lnTo>
+                <a:close/>
+              </a:path>
+            </a:pathLst>
+          </a:custGeom>
+          <a:ln w="9525">
+            <a:solidFill>
+              <a:srgbClr val="EFEFEF"/>
+            </a:solidFill>
+          </a:ln>
+          <a:effectLst>
+            <a:outerShdw blurRad="50800" dist="38100" algn="l" rotWithShape="0">
+              <a:schemeClr val="bg1">
+                <a:lumMod val="85000"/>
+                <a:alpha val="30000"/>
+              </a:schemeClr>
+            </a:outerShdw>
+          </a:effectLst>
+        </p:spPr>
+        <p:style>
+          <a:lnRef idx="2">
+            <a:schemeClr val="accent1">
+              <a:shade val="50000"/>
+            </a:schemeClr>
+          </a:lnRef>
+          <a:fillRef idx="1">
+            <a:schemeClr val="accent1"/>
+          </a:fillRef>
+          <a:effectRef idx="0">
+            <a:schemeClr val="accent1"/>
+          </a:effectRef>
+          <a:fontRef idx="minor">
+            <a:schemeClr val="lt1"/>
+          </a:fontRef>
+        </p:style>
+        <p:txBody>
+          <a:bodyPr wrap="square" rtlCol="0" anchor="ctr">
+            <a:noAutofit/>
+          </a:bodyPr>
+          <a:lstStyle/>
+          <a:p>
+            <a:pPr marL="0" marR="0" lvl="0" indent="0" algn="ctr" defTabSz="914400" rtl="0" eaLnBrk="1" fontAlgn="auto" latinLnBrk="0" hangingPunct="1">
+              <a:lnSpc>
+                <a:spcPct val="100000"/>
+              </a:lnSpc>
+              <a:spcBef>
+                <a:spcPts val="0"/>
+              </a:spcBef>
+              <a:spcAft>
+                <a:spcPts val="0"/>
+              </a:spcAft>
+              <a:buClrTx/>
+              <a:buSzTx/>
+              <a:buFontTx/>
+              <a:buNone/>
+              <a:tabLst/>
+              <a:defRPr/>
+            </a:pPr>
+            <a:endParaRPr kumimoji="0" lang="en-US" sz="1800" b="0" i="0" u="none" strike="noStrike" kern="1200" cap="none" spc="0" normalizeH="0" baseline="0" noProof="0">
+              <a:ln>
+                <a:noFill/>
+              </a:ln>
+              <a:solidFill>
+                <a:prstClr val="white"/>
+              </a:solidFill>
+              <a:effectLst/>
+              <a:uLnTx/>
+              <a:uFillTx/>
+              <a:latin typeface="Calibri" panose="020F0502020204030204"/>
+              <a:ea typeface="+mn-ea"/>
+              <a:cs typeface="+mn-cs"/>
+            </a:endParaRPr>
+          </a:p>
+        </p:txBody>
+      </p:sp>
+      <p:sp useBgFill="1">
+        <p:nvSpPr>
+          <p:cNvPr id="1040" name="Freeform: Shape 1039">
+            <a:extLst>
+              <a:ext uri="{FF2B5EF4-FFF2-40B4-BE49-F238E27FC236}">
+                <a16:creationId xmlns:a16="http://schemas.microsoft.com/office/drawing/2014/main" id="{F6CA58B3-AFCC-4A40-9882-50D5080879B0}"/>
+              </a:ext>
+              <a:ext uri="{C183D7F6-B498-43B3-948B-1728B52AA6E4}">
+                <adec:decorative xmlns:adec="http://schemas.microsoft.com/office/drawing/2017/decorative" val="1"/>
+              </a:ext>
+            </a:extLst>
+          </p:cNvPr>
+          <p:cNvSpPr>
+            <a:spLocks noGrp="1" noRot="1" noChangeAspect="1" noMove="1" noResize="1" noEditPoints="1" noAdjustHandles="1" noChangeArrowheads="1" noChangeShapeType="1" noTextEdit="1"/>
+          </p:cNvSpPr>
+          <p:nvPr>
+            <p:extLst>
+              <p:ext uri="{386F3935-93C4-4BCD-93E2-E3B085C9AB24}">
+                <p16:designElem xmlns:p16="http://schemas.microsoft.com/office/powerpoint/2015/main" val="1"/>
+              </p:ext>
+            </p:extLst>
+          </p:nvPr>
+        </p:nvSpPr>
+        <p:spPr>
+          <a:xfrm>
+            <a:off x="1" y="0"/>
+            <a:ext cx="6087332" cy="6858000"/>
+          </a:xfrm>
+          <a:custGeom>
+            <a:avLst/>
+            <a:gdLst>
+              <a:gd name="connsiteX0" fmla="*/ 0 w 6087332"/>
+              <a:gd name="connsiteY0" fmla="*/ 0 h 6858000"/>
+              <a:gd name="connsiteX1" fmla="*/ 4874355 w 6087332"/>
+              <a:gd name="connsiteY1" fmla="*/ 0 h 6858000"/>
+              <a:gd name="connsiteX2" fmla="*/ 4937337 w 6087332"/>
+              <a:gd name="connsiteY2" fmla="*/ 69271 h 6858000"/>
+              <a:gd name="connsiteX3" fmla="*/ 6087332 w 6087332"/>
+              <a:gd name="connsiteY3" fmla="*/ 3429000 h 6858000"/>
+              <a:gd name="connsiteX4" fmla="*/ 4937337 w 6087332"/>
+              <a:gd name="connsiteY4" fmla="*/ 6788730 h 6858000"/>
+              <a:gd name="connsiteX5" fmla="*/ 4874355 w 6087332"/>
+              <a:gd name="connsiteY5" fmla="*/ 6858000 h 6858000"/>
+              <a:gd name="connsiteX6" fmla="*/ 0 w 6087332"/>
+              <a:gd name="connsiteY6" fmla="*/ 6858000 h 6858000"/>
+            </a:gdLst>
+            <a:ahLst/>
+            <a:cxnLst>
+              <a:cxn ang="0">
+                <a:pos x="connsiteX0" y="connsiteY0"/>
+              </a:cxn>
+              <a:cxn ang="0">
+                <a:pos x="connsiteX1" y="connsiteY1"/>
+              </a:cxn>
+              <a:cxn ang="0">
+                <a:pos x="connsiteX2" y="connsiteY2"/>
+              </a:cxn>
+              <a:cxn ang="0">
+                <a:pos x="connsiteX3" y="connsiteY3"/>
+              </a:cxn>
+              <a:cxn ang="0">
+                <a:pos x="connsiteX4" y="connsiteY4"/>
+              </a:cxn>
+              <a:cxn ang="0">
+                <a:pos x="connsiteX5" y="connsiteY5"/>
+              </a:cxn>
+              <a:cxn ang="0">
+                <a:pos x="connsiteX6" y="connsiteY6"/>
+              </a:cxn>
+            </a:cxnLst>
+            <a:rect l="l" t="t" r="r" b="b"/>
+            <a:pathLst>
+              <a:path w="6087332" h="6858000">
+                <a:moveTo>
+                  <a:pt x="0" y="0"/>
+                </a:moveTo>
+                <a:lnTo>
+                  <a:pt x="4874355" y="0"/>
+                </a:lnTo>
+                <a:lnTo>
+                  <a:pt x="4937337" y="69271"/>
+                </a:lnTo>
+                <a:cubicBezTo>
+                  <a:pt x="5647863" y="929100"/>
+                  <a:pt x="6087332" y="2116944"/>
+                  <a:pt x="6087332" y="3429000"/>
+                </a:cubicBezTo>
+                <a:cubicBezTo>
+                  <a:pt x="6087332" y="4741056"/>
+                  <a:pt x="5647863" y="5928900"/>
+                  <a:pt x="4937337" y="6788730"/>
+                </a:cubicBezTo>
+                <a:lnTo>
+                  <a:pt x="4874355" y="6858000"/>
+                </a:lnTo>
+                <a:lnTo>
+                  <a:pt x="0" y="6858000"/>
+                </a:lnTo>
+                <a:close/>
+              </a:path>
+            </a:pathLst>
+          </a:custGeom>
+          <a:ln>
+            <a:noFill/>
+          </a:ln>
+        </p:spPr>
+        <p:style>
+          <a:lnRef idx="2">
+            <a:schemeClr val="accent1">
+              <a:shade val="50000"/>
+            </a:schemeClr>
+          </a:lnRef>
+          <a:fillRef idx="1">
+            <a:schemeClr val="accent1"/>
+          </a:fillRef>
+          <a:effectRef idx="0">
+            <a:schemeClr val="accent1"/>
+          </a:effectRef>
+          <a:fontRef idx="minor">
+            <a:schemeClr val="lt1"/>
+          </a:fontRef>
+        </p:style>
+        <p:txBody>
+          <a:bodyPr rtlCol="0" anchor="ctr"/>
+          <a:lstStyle/>
+          <a:p>
+            <a:pPr algn="ctr"/>
+            <a:endParaRPr lang="en-US">
+              <a:solidFill>
+                <a:prstClr val="white"/>
+              </a:solidFill>
+              <a:latin typeface="Calibri" panose="020F0502020204030204"/>
+            </a:endParaRPr>
+          </a:p>
+        </p:txBody>
+      </p:sp>
+      <p:sp>
+        <p:nvSpPr>
+          <p:cNvPr id="2" name="Title 1">
+            <a:extLst>
+              <a:ext uri="{FF2B5EF4-FFF2-40B4-BE49-F238E27FC236}">
+                <a16:creationId xmlns:a16="http://schemas.microsoft.com/office/drawing/2014/main" id="{42C1D54F-BDB6-3654-CDE2-EC1451918759}"/>
+              </a:ext>
+            </a:extLst>
+          </p:cNvPr>
+          <p:cNvSpPr>
+            <a:spLocks noGrp="1"/>
+          </p:cNvSpPr>
+          <p:nvPr>
+            <p:ph type="title"/>
+          </p:nvPr>
+        </p:nvSpPr>
+        <p:spPr>
+          <a:xfrm>
+            <a:off x="448056" y="859536"/>
+            <a:ext cx="4832802" cy="1243584"/>
+          </a:xfrm>
+        </p:spPr>
+        <p:txBody>
+          <a:bodyPr>
+            <a:normAutofit/>
+          </a:bodyPr>
+          <a:lstStyle/>
+          <a:p>
+            <a:r>
+              <a:rPr lang="en-US" sz="3400"/>
+              <a:t>Augmented Reality - AR</a:t>
+            </a:r>
+            <a:endParaRPr lang="en-IN" sz="3400"/>
+          </a:p>
+        </p:txBody>
+      </p:sp>
+      <p:sp>
+        <p:nvSpPr>
+          <p:cNvPr id="1042" name="Rectangle 1041">
+            <a:extLst>
+              <a:ext uri="{FF2B5EF4-FFF2-40B4-BE49-F238E27FC236}">
+                <a16:creationId xmlns:a16="http://schemas.microsoft.com/office/drawing/2014/main" id="{75C56826-D4E5-42ED-8529-079651CB3005}"/>
+              </a:ext>
+              <a:ext uri="{C183D7F6-B498-43B3-948B-1728B52AA6E4}">
+                <adec:decorative xmlns:adec="http://schemas.microsoft.com/office/drawing/2017/decorative" val="1"/>
+              </a:ext>
+            </a:extLst>
+          </p:cNvPr>
+          <p:cNvSpPr>
+            <a:spLocks noGrp="1" noRot="1" noChangeAspect="1" noMove="1" noResize="1" noEditPoints="1" noAdjustHandles="1" noChangeArrowheads="1" noChangeShapeType="1" noTextEdit="1"/>
+          </p:cNvSpPr>
+          <p:nvPr>
+            <p:extLst>
+              <p:ext uri="{386F3935-93C4-4BCD-93E2-E3B085C9AB24}">
+                <p16:designElem xmlns:p16="http://schemas.microsoft.com/office/powerpoint/2015/main" val="1"/>
+              </p:ext>
+            </p:extLst>
+          </p:nvPr>
+        </p:nvSpPr>
+        <p:spPr>
+          <a:xfrm>
+            <a:off x="0" y="1152144"/>
+            <a:ext cx="128016" cy="653903"/>
           </a:xfrm>
           <a:prstGeom prst="rect">
             <a:avLst/>
           </a:prstGeom>
-          <a:noFill/>
+          <a:solidFill>
+            <a:schemeClr val="accent2"/>
+          </a:solidFill>
+          <a:ln>
+            <a:noFill/>
+          </a:ln>
         </p:spPr>
-        <p:txBody>
-          <a:bodyPr wrap="square">
-            <a:spAutoFit/>
+        <p:style>
+          <a:lnRef idx="2">
+            <a:schemeClr val="accent1">
+              <a:shade val="50000"/>
+            </a:schemeClr>
+          </a:lnRef>
+          <a:fillRef idx="1">
+            <a:schemeClr val="accent1"/>
+          </a:fillRef>
+          <a:effectRef idx="0">
+            <a:schemeClr val="accent1"/>
+          </a:effectRef>
+          <a:fontRef idx="minor">
+            <a:schemeClr val="lt1"/>
+          </a:fontRef>
+        </p:style>
+        <p:txBody>
+          <a:bodyPr rtlCol="0" anchor="ctr"/>
+          <a:lstStyle/>
+          <a:p>
+            <a:pPr algn="ctr"/>
+            <a:endParaRPr lang="en-US">
+              <a:solidFill>
+                <a:prstClr val="white"/>
+              </a:solidFill>
+              <a:latin typeface="Calibri" panose="020F0502020204030204"/>
+            </a:endParaRPr>
+          </a:p>
+        </p:txBody>
+      </p:sp>
+      <p:sp useBgFill="1">
+        <p:nvSpPr>
+          <p:cNvPr id="1044" name="Rectangle 1043">
+            <a:extLst>
+              <a:ext uri="{FF2B5EF4-FFF2-40B4-BE49-F238E27FC236}">
+                <a16:creationId xmlns:a16="http://schemas.microsoft.com/office/drawing/2014/main" id="{82095FCE-EF05-4443-B97A-85DEE3A5CA17}"/>
+              </a:ext>
+              <a:ext uri="{C183D7F6-B498-43B3-948B-1728B52AA6E4}">
+                <adec:decorative xmlns:adec="http://schemas.microsoft.com/office/drawing/2017/decorative" val="1"/>
+              </a:ext>
+            </a:extLst>
+          </p:cNvPr>
+          <p:cNvSpPr>
+            <a:spLocks noGrp="1" noRot="1" noChangeAspect="1" noMove="1" noResize="1" noEditPoints="1" noAdjustHandles="1" noChangeArrowheads="1" noChangeShapeType="1" noTextEdit="1"/>
+          </p:cNvSpPr>
+          <p:nvPr>
+            <p:extLst>
+              <p:ext uri="{386F3935-93C4-4BCD-93E2-E3B085C9AB24}">
+                <p16:designElem xmlns:p16="http://schemas.microsoft.com/office/powerpoint/2015/main" val="1"/>
+              </p:ext>
+            </p:extLst>
+          </p:nvPr>
+        </p:nvSpPr>
+        <p:spPr>
+          <a:xfrm>
+            <a:off x="449544" y="2194560"/>
+            <a:ext cx="4892040" cy="18288"/>
+          </a:xfrm>
+          <a:prstGeom prst="rect">
+            <a:avLst/>
+          </a:prstGeom>
+          <a:ln w="3175">
+            <a:noFill/>
+          </a:ln>
+          <a:effectLst/>
+        </p:spPr>
+        <p:style>
+          <a:lnRef idx="2">
+            <a:schemeClr val="accent1">
+              <a:shade val="50000"/>
+            </a:schemeClr>
+          </a:lnRef>
+          <a:fillRef idx="1">
+            <a:schemeClr val="accent1"/>
+          </a:fillRef>
+          <a:effectRef idx="0">
+            <a:schemeClr val="accent1"/>
+          </a:effectRef>
+          <a:fontRef idx="minor">
+            <a:schemeClr val="lt1"/>
+          </a:fontRef>
+        </p:style>
+        <p:txBody>
+          <a:bodyPr rtlCol="0" anchor="ctr"/>
+          <a:lstStyle/>
+          <a:p>
+            <a:pPr marL="0" marR="0" lvl="0" indent="0" algn="ctr" defTabSz="914400" rtl="0" eaLnBrk="1" fontAlgn="auto" latinLnBrk="0" hangingPunct="1">
+              <a:lnSpc>
+                <a:spcPct val="100000"/>
+              </a:lnSpc>
+              <a:spcBef>
+                <a:spcPts val="0"/>
+              </a:spcBef>
+              <a:spcAft>
+                <a:spcPts val="0"/>
+              </a:spcAft>
+              <a:buClrTx/>
+              <a:buSzTx/>
+              <a:buFontTx/>
+              <a:buNone/>
+              <a:tabLst/>
+              <a:defRPr/>
+            </a:pPr>
+            <a:endParaRPr kumimoji="0" lang="en-US" sz="1800" b="0" i="0" u="none" strike="noStrike" kern="1200" cap="none" spc="0" normalizeH="0" baseline="0" noProof="0">
+              <a:ln>
+                <a:noFill/>
+              </a:ln>
+              <a:solidFill>
+                <a:prstClr val="white"/>
+              </a:solidFill>
+              <a:effectLst/>
+              <a:uLnTx/>
+              <a:uFillTx/>
+              <a:latin typeface="Calibri" panose="020F0502020204030204"/>
+              <a:ea typeface="+mn-ea"/>
+              <a:cs typeface="+mn-cs"/>
+            </a:endParaRPr>
+          </a:p>
+        </p:txBody>
+      </p:sp>
+      <p:sp>
+        <p:nvSpPr>
+          <p:cNvPr id="1046" name="Rectangle 1045">
+            <a:extLst>
+              <a:ext uri="{FF2B5EF4-FFF2-40B4-BE49-F238E27FC236}">
+                <a16:creationId xmlns:a16="http://schemas.microsoft.com/office/drawing/2014/main" id="{CA00AE6B-AA30-4CF8-BA6F-339B780AD76C}"/>
+              </a:ext>
+              <a:ext uri="{C183D7F6-B498-43B3-948B-1728B52AA6E4}">
+                <adec:decorative xmlns:adec="http://schemas.microsoft.com/office/drawing/2017/decorative" val="1"/>
+              </a:ext>
+            </a:extLst>
+          </p:cNvPr>
+          <p:cNvSpPr>
+            <a:spLocks noGrp="1" noRot="1" noChangeAspect="1" noMove="1" noResize="1" noEditPoints="1" noAdjustHandles="1" noChangeArrowheads="1" noChangeShapeType="1" noTextEdit="1"/>
+          </p:cNvSpPr>
+          <p:nvPr>
+            <p:extLst>
+              <p:ext uri="{386F3935-93C4-4BCD-93E2-E3B085C9AB24}">
+                <p16:designElem xmlns:p16="http://schemas.microsoft.com/office/powerpoint/2015/main" val="1"/>
+              </p:ext>
+            </p:extLst>
+          </p:nvPr>
+        </p:nvSpPr>
+        <p:spPr>
+          <a:xfrm>
+            <a:off x="449544" y="2194560"/>
+            <a:ext cx="4892040" cy="18288"/>
+          </a:xfrm>
+          <a:prstGeom prst="rect">
+            <a:avLst/>
+          </a:prstGeom>
+          <a:solidFill>
+            <a:srgbClr val="D5D5D5"/>
+          </a:solidFill>
+          <a:ln w="3175">
+            <a:noFill/>
+          </a:ln>
+          <a:effectLst/>
+        </p:spPr>
+        <p:style>
+          <a:lnRef idx="2">
+            <a:schemeClr val="accent1">
+              <a:shade val="50000"/>
+            </a:schemeClr>
+          </a:lnRef>
+          <a:fillRef idx="1">
+            <a:schemeClr val="accent1"/>
+          </a:fillRef>
+          <a:effectRef idx="0">
+            <a:schemeClr val="accent1"/>
+          </a:effectRef>
+          <a:fontRef idx="minor">
+            <a:schemeClr val="lt1"/>
+          </a:fontRef>
+        </p:style>
+        <p:txBody>
+          <a:bodyPr rtlCol="0" anchor="ctr"/>
+          <a:lstStyle/>
+          <a:p>
+            <a:pPr algn="ctr"/>
+            <a:endParaRPr lang="en-US">
+              <a:solidFill>
+                <a:prstClr val="white"/>
+              </a:solidFill>
+              <a:latin typeface="Calibri" panose="020F0502020204030204"/>
+            </a:endParaRPr>
+          </a:p>
+        </p:txBody>
+      </p:sp>
+      <p:sp>
+        <p:nvSpPr>
+          <p:cNvPr id="3" name="Content Placeholder 2">
+            <a:extLst>
+              <a:ext uri="{FF2B5EF4-FFF2-40B4-BE49-F238E27FC236}">
+                <a16:creationId xmlns:a16="http://schemas.microsoft.com/office/drawing/2014/main" id="{9DBE6F76-6571-A42F-5649-B20B57EB0042}"/>
+              </a:ext>
+            </a:extLst>
+          </p:cNvPr>
+          <p:cNvSpPr>
+            <a:spLocks noGrp="1"/>
+          </p:cNvSpPr>
+          <p:nvPr>
+            <p:ph idx="1"/>
+          </p:nvPr>
+        </p:nvSpPr>
+        <p:spPr>
+          <a:xfrm>
+            <a:off x="448056" y="2512611"/>
+            <a:ext cx="4832803" cy="3664351"/>
+          </a:xfrm>
+        </p:spPr>
+        <p:txBody>
+          <a:bodyPr>
+            <a:normAutofit/>
           </a:bodyPr>
           <a:lstStyle/>
           <a:p>
             <a:r>
-              <a:rPr lang="en-IN" sz="2800" dirty="0">
+              <a:rPr lang="en-US" sz="1900"/>
+              <a:t>AR overlays digital content onto the real world. </a:t>
+            </a:r>
+          </a:p>
+          <a:p>
+            <a:r>
+              <a:rPr lang="en-US" sz="1900"/>
+              <a:t>It enhances the physical environment by adding computer-generated elements, such as images, videos, or sounds, which users can see and interact with through devices like smartphones, tablets, or AR glasses.</a:t>
+            </a:r>
+          </a:p>
+          <a:p>
+            <a:endParaRPr lang="en-US" sz="1900"/>
+          </a:p>
+          <a:p>
+            <a:r>
+              <a:rPr lang="en-US" sz="1900" b="1"/>
+              <a:t>Example:</a:t>
+            </a:r>
+            <a:r>
+              <a:rPr lang="en-US" sz="1900"/>
+              <a:t> Pokémon GO, where players see Pokémon in the real world through their phone screens.</a:t>
+            </a:r>
+            <a:endParaRPr lang="en-IN" sz="1900"/>
+          </a:p>
+        </p:txBody>
+      </p:sp>
+    </p:spTree>
+    <p:extLst>
+      <p:ext uri="{BB962C8B-B14F-4D97-AF65-F5344CB8AC3E}">
+        <p14:creationId xmlns:p14="http://schemas.microsoft.com/office/powerpoint/2010/main" val="2225496149"/>
+      </p:ext>
+    </p:extLst>
+  </p:cSld>
+  <p:clrMapOvr>
+    <a:masterClrMapping/>
+  </p:clrMapOvr>
+</p:sld>
+</file>
+
+<file path=ppt/slides/slide6.xml><?xml version="1.0" encoding="utf-8"?>
+<p:sld xmlns:a="http://schemas.openxmlformats.org/drawingml/2006/main" xmlns:r="http://schemas.openxmlformats.org/officeDocument/2006/relationships" xmlns:p="http://schemas.openxmlformats.org/presentationml/2006/main">
+  <p:cSld>
+    <p:bg>
+      <p:bgPr>
+        <a:solidFill>
+          <a:schemeClr val="bg1"/>
+        </a:solidFill>
+        <a:effectLst/>
+      </p:bgPr>
+    </p:bg>
+    <p:spTree>
+      <p:nvGrpSpPr>
+        <p:cNvPr id="1" name=""/>
+        <p:cNvGrpSpPr/>
+        <p:nvPr/>
+      </p:nvGrpSpPr>
+      <p:grpSpPr>
+        <a:xfrm>
+          <a:off x="0" y="0"/>
+          <a:ext cx="0" cy="0"/>
+          <a:chOff x="0" y="0"/>
+          <a:chExt cx="0" cy="0"/>
+        </a:xfrm>
+      </p:grpSpPr>
+      <p:sp useBgFill="1">
+        <p:nvSpPr>
+          <p:cNvPr id="5129" name="Rectangle 5128">
+            <a:extLst>
+              <a:ext uri="{FF2B5EF4-FFF2-40B4-BE49-F238E27FC236}">
+                <a16:creationId xmlns:a16="http://schemas.microsoft.com/office/drawing/2014/main" id="{560AFAAC-EA6C-45A9-9E03-C9C9F0193B4F}"/>
+              </a:ext>
+              <a:ext uri="{C183D7F6-B498-43B3-948B-1728B52AA6E4}">
+                <adec:decorative xmlns:adec="http://schemas.microsoft.com/office/drawing/2017/decorative" val="1"/>
+              </a:ext>
+            </a:extLst>
+          </p:cNvPr>
+          <p:cNvSpPr>
+            <a:spLocks noGrp="1" noRot="1" noChangeAspect="1" noMove="1" noResize="1" noEditPoints="1" noAdjustHandles="1" noChangeArrowheads="1" noChangeShapeType="1" noTextEdit="1"/>
+          </p:cNvSpPr>
+          <p:nvPr>
+            <p:extLst>
+              <p:ext uri="{386F3935-93C4-4BCD-93E2-E3B085C9AB24}">
+                <p16:designElem xmlns:p16="http://schemas.microsoft.com/office/powerpoint/2015/main" val="1"/>
+              </p:ext>
+            </p:extLst>
+          </p:nvPr>
+        </p:nvSpPr>
+        <p:spPr>
+          <a:xfrm>
+            <a:off x="0" y="0"/>
+            <a:ext cx="12192000" cy="6858000"/>
+          </a:xfrm>
+          <a:prstGeom prst="rect">
+            <a:avLst/>
+          </a:prstGeom>
+          <a:ln>
+            <a:noFill/>
+          </a:ln>
+        </p:spPr>
+        <p:style>
+          <a:lnRef idx="2">
+            <a:schemeClr val="accent1">
+              <a:shade val="50000"/>
+            </a:schemeClr>
+          </a:lnRef>
+          <a:fillRef idx="1">
+            <a:schemeClr val="accent1"/>
+          </a:fillRef>
+          <a:effectRef idx="0">
+            <a:schemeClr val="accent1"/>
+          </a:effectRef>
+          <a:fontRef idx="minor">
+            <a:schemeClr val="lt1"/>
+          </a:fontRef>
+        </p:style>
+        <p:txBody>
+          <a:bodyPr rtlCol="0" anchor="ctr"/>
+          <a:lstStyle/>
+          <a:p>
+            <a:pPr algn="ctr"/>
+            <a:endParaRPr lang="en-US"/>
+          </a:p>
+        </p:txBody>
+      </p:sp>
+      <p:pic>
+        <p:nvPicPr>
+          <p:cNvPr id="5124" name="Picture 4" descr="Vuforia Engine Reviews 2024: Details, Pricing, &amp; Features | G2">
+            <a:extLst>
+              <a:ext uri="{FF2B5EF4-FFF2-40B4-BE49-F238E27FC236}">
+                <a16:creationId xmlns:a16="http://schemas.microsoft.com/office/drawing/2014/main" id="{9B6BE115-8EDD-2A75-EFAF-C4F044597FF6}"/>
+              </a:ext>
+            </a:extLst>
+          </p:cNvPr>
+          <p:cNvPicPr>
+            <a:picLocks noChangeAspect="1" noChangeArrowheads="1"/>
+          </p:cNvPicPr>
+          <p:nvPr/>
+        </p:nvPicPr>
+        <p:blipFill>
+          <a:blip r:embed="rId2">
+            <a:extLst>
+              <a:ext uri="{28A0092B-C50C-407E-A947-70E740481C1C}">
+                <a14:useLocalDpi xmlns:a14="http://schemas.microsoft.com/office/drawing/2010/main" val="0"/>
+              </a:ext>
+            </a:extLst>
+          </a:blip>
+          <a:srcRect l="17937" r="-1" b="-1"/>
+          <a:stretch/>
+        </p:blipFill>
+        <p:spPr bwMode="auto">
+          <a:xfrm>
+            <a:off x="4883022" y="10"/>
+            <a:ext cx="7308978" cy="6857990"/>
+          </a:xfrm>
+          <a:custGeom>
+            <a:avLst/>
+            <a:gdLst/>
+            <a:ahLst/>
+            <a:cxnLst/>
+            <a:rect l="l" t="t" r="r" b="b"/>
+            <a:pathLst>
+              <a:path w="7308978" h="6858000">
+                <a:moveTo>
+                  <a:pt x="0" y="0"/>
+                </a:moveTo>
+                <a:lnTo>
+                  <a:pt x="7308978" y="0"/>
+                </a:lnTo>
+                <a:lnTo>
+                  <a:pt x="7308978" y="6858000"/>
+                </a:lnTo>
+                <a:lnTo>
+                  <a:pt x="0" y="6858000"/>
+                </a:lnTo>
+                <a:lnTo>
+                  <a:pt x="62983" y="6788730"/>
+                </a:lnTo>
+                <a:cubicBezTo>
+                  <a:pt x="773509" y="5928900"/>
+                  <a:pt x="1212978" y="4741056"/>
+                  <a:pt x="1212978" y="3429000"/>
+                </a:cubicBezTo>
+                <a:cubicBezTo>
+                  <a:pt x="1212978" y="2116944"/>
+                  <a:pt x="773509" y="929100"/>
+                  <a:pt x="62983" y="69271"/>
+                </a:cubicBezTo>
+                <a:close/>
+              </a:path>
+            </a:pathLst>
+          </a:custGeom>
+          <a:noFill/>
+          <a:extLst>
+            <a:ext uri="{909E8E84-426E-40DD-AFC4-6F175D3DCCD1}">
+              <a14:hiddenFill xmlns:a14="http://schemas.microsoft.com/office/drawing/2010/main">
+                <a:solidFill>
+                  <a:srgbClr val="FFFFFF"/>
+                </a:solidFill>
+              </a14:hiddenFill>
+            </a:ext>
+          </a:extLst>
+        </p:spPr>
+      </p:pic>
+      <p:sp useBgFill="1">
+        <p:nvSpPr>
+          <p:cNvPr id="5131" name="Freeform: Shape 5130">
+            <a:extLst>
+              <a:ext uri="{FF2B5EF4-FFF2-40B4-BE49-F238E27FC236}">
+                <a16:creationId xmlns:a16="http://schemas.microsoft.com/office/drawing/2014/main" id="{83549E37-C86B-4401-90BD-D8BF83859F14}"/>
+              </a:ext>
+              <a:ext uri="{C183D7F6-B498-43B3-948B-1728B52AA6E4}">
+                <adec:decorative xmlns:adec="http://schemas.microsoft.com/office/drawing/2017/decorative" val="1"/>
+              </a:ext>
+            </a:extLst>
+          </p:cNvPr>
+          <p:cNvSpPr>
+            <a:spLocks noGrp="1" noRot="1" noChangeAspect="1" noMove="1" noResize="1" noEditPoints="1" noAdjustHandles="1" noChangeArrowheads="1" noChangeShapeType="1" noTextEdit="1"/>
+          </p:cNvSpPr>
+          <p:nvPr>
+            <p:extLst>
+              <p:ext uri="{386F3935-93C4-4BCD-93E2-E3B085C9AB24}">
+                <p16:designElem xmlns:p16="http://schemas.microsoft.com/office/powerpoint/2015/main" val="1"/>
+              </p:ext>
+            </p:extLst>
+          </p:nvPr>
+        </p:nvSpPr>
+        <p:spPr>
+          <a:xfrm>
+            <a:off x="0" y="0"/>
+            <a:ext cx="6096001" cy="6858000"/>
+          </a:xfrm>
+          <a:custGeom>
+            <a:avLst/>
+            <a:gdLst>
+              <a:gd name="connsiteX0" fmla="*/ 0 w 6096001"/>
+              <a:gd name="connsiteY0" fmla="*/ 0 h 6858000"/>
+              <a:gd name="connsiteX1" fmla="*/ 4883023 w 6096001"/>
+              <a:gd name="connsiteY1" fmla="*/ 0 h 6858000"/>
+              <a:gd name="connsiteX2" fmla="*/ 4946006 w 6096001"/>
+              <a:gd name="connsiteY2" fmla="*/ 69271 h 6858000"/>
+              <a:gd name="connsiteX3" fmla="*/ 6096001 w 6096001"/>
+              <a:gd name="connsiteY3" fmla="*/ 3429000 h 6858000"/>
+              <a:gd name="connsiteX4" fmla="*/ 4946006 w 6096001"/>
+              <a:gd name="connsiteY4" fmla="*/ 6788730 h 6858000"/>
+              <a:gd name="connsiteX5" fmla="*/ 4883023 w 6096001"/>
+              <a:gd name="connsiteY5" fmla="*/ 6858000 h 6858000"/>
+              <a:gd name="connsiteX6" fmla="*/ 0 w 6096001"/>
+              <a:gd name="connsiteY6" fmla="*/ 6858000 h 6858000"/>
+            </a:gdLst>
+            <a:ahLst/>
+            <a:cxnLst>
+              <a:cxn ang="0">
+                <a:pos x="connsiteX0" y="connsiteY0"/>
+              </a:cxn>
+              <a:cxn ang="0">
+                <a:pos x="connsiteX1" y="connsiteY1"/>
+              </a:cxn>
+              <a:cxn ang="0">
+                <a:pos x="connsiteX2" y="connsiteY2"/>
+              </a:cxn>
+              <a:cxn ang="0">
+                <a:pos x="connsiteX3" y="connsiteY3"/>
+              </a:cxn>
+              <a:cxn ang="0">
+                <a:pos x="connsiteX4" y="connsiteY4"/>
+              </a:cxn>
+              <a:cxn ang="0">
+                <a:pos x="connsiteX5" y="connsiteY5"/>
+              </a:cxn>
+              <a:cxn ang="0">
+                <a:pos x="connsiteX6" y="connsiteY6"/>
+              </a:cxn>
+            </a:cxnLst>
+            <a:rect l="l" t="t" r="r" b="b"/>
+            <a:pathLst>
+              <a:path w="6096001" h="6858000">
+                <a:moveTo>
+                  <a:pt x="0" y="0"/>
+                </a:moveTo>
+                <a:lnTo>
+                  <a:pt x="4883023" y="0"/>
+                </a:lnTo>
+                <a:lnTo>
+                  <a:pt x="4946006" y="69271"/>
+                </a:lnTo>
+                <a:cubicBezTo>
+                  <a:pt x="5656532" y="929100"/>
+                  <a:pt x="6096001" y="2116944"/>
+                  <a:pt x="6096001" y="3429000"/>
+                </a:cubicBezTo>
+                <a:cubicBezTo>
+                  <a:pt x="6096001" y="4741056"/>
+                  <a:pt x="5656532" y="5928900"/>
+                  <a:pt x="4946006" y="6788730"/>
+                </a:cubicBezTo>
+                <a:lnTo>
+                  <a:pt x="4883023" y="6858000"/>
+                </a:lnTo>
+                <a:lnTo>
+                  <a:pt x="0" y="6858000"/>
+                </a:lnTo>
+                <a:close/>
+              </a:path>
+            </a:pathLst>
+          </a:custGeom>
+          <a:ln w="9525">
+            <a:solidFill>
+              <a:srgbClr val="EFEFEF"/>
+            </a:solidFill>
+          </a:ln>
+          <a:effectLst>
+            <a:outerShdw blurRad="50800" dist="38100" algn="l" rotWithShape="0">
+              <a:schemeClr val="bg1">
+                <a:lumMod val="85000"/>
+                <a:alpha val="30000"/>
+              </a:schemeClr>
+            </a:outerShdw>
+          </a:effectLst>
+        </p:spPr>
+        <p:style>
+          <a:lnRef idx="2">
+            <a:schemeClr val="accent1">
+              <a:shade val="50000"/>
+            </a:schemeClr>
+          </a:lnRef>
+          <a:fillRef idx="1">
+            <a:schemeClr val="accent1"/>
+          </a:fillRef>
+          <a:effectRef idx="0">
+            <a:schemeClr val="accent1"/>
+          </a:effectRef>
+          <a:fontRef idx="minor">
+            <a:schemeClr val="lt1"/>
+          </a:fontRef>
+        </p:style>
+        <p:txBody>
+          <a:bodyPr wrap="square" rtlCol="0" anchor="ctr">
+            <a:noAutofit/>
+          </a:bodyPr>
+          <a:lstStyle/>
+          <a:p>
+            <a:pPr marL="0" marR="0" lvl="0" indent="0" algn="ctr" defTabSz="914400" rtl="0" eaLnBrk="1" fontAlgn="auto" latinLnBrk="0" hangingPunct="1">
+              <a:lnSpc>
+                <a:spcPct val="100000"/>
+              </a:lnSpc>
+              <a:spcBef>
+                <a:spcPts val="0"/>
+              </a:spcBef>
+              <a:spcAft>
+                <a:spcPts val="0"/>
+              </a:spcAft>
+              <a:buClrTx/>
+              <a:buSzTx/>
+              <a:buFontTx/>
+              <a:buNone/>
+              <a:tabLst/>
+              <a:defRPr/>
+            </a:pPr>
+            <a:endParaRPr kumimoji="0" lang="en-US" sz="1800" b="0" i="0" u="none" strike="noStrike" kern="1200" cap="none" spc="0" normalizeH="0" baseline="0" noProof="0">
+              <a:ln>
+                <a:noFill/>
+              </a:ln>
+              <a:solidFill>
+                <a:prstClr val="white"/>
+              </a:solidFill>
+              <a:effectLst/>
+              <a:uLnTx/>
+              <a:uFillTx/>
+              <a:latin typeface="Calibri" panose="020F0502020204030204"/>
+              <a:ea typeface="+mn-ea"/>
+              <a:cs typeface="+mn-cs"/>
+            </a:endParaRPr>
+          </a:p>
+        </p:txBody>
+      </p:sp>
+      <p:sp useBgFill="1">
+        <p:nvSpPr>
+          <p:cNvPr id="5133" name="Freeform: Shape 5132">
+            <a:extLst>
+              <a:ext uri="{FF2B5EF4-FFF2-40B4-BE49-F238E27FC236}">
+                <a16:creationId xmlns:a16="http://schemas.microsoft.com/office/drawing/2014/main" id="{8A17784E-76D8-4521-A77D-0D2EBB923004}"/>
+              </a:ext>
+              <a:ext uri="{C183D7F6-B498-43B3-948B-1728B52AA6E4}">
+                <adec:decorative xmlns:adec="http://schemas.microsoft.com/office/drawing/2017/decorative" val="1"/>
+              </a:ext>
+            </a:extLst>
+          </p:cNvPr>
+          <p:cNvSpPr>
+            <a:spLocks noGrp="1" noRot="1" noChangeAspect="1" noMove="1" noResize="1" noEditPoints="1" noAdjustHandles="1" noChangeArrowheads="1" noChangeShapeType="1" noTextEdit="1"/>
+          </p:cNvSpPr>
+          <p:nvPr>
+            <p:extLst>
+              <p:ext uri="{386F3935-93C4-4BCD-93E2-E3B085C9AB24}">
+                <p16:designElem xmlns:p16="http://schemas.microsoft.com/office/powerpoint/2015/main" val="1"/>
+              </p:ext>
+            </p:extLst>
+          </p:nvPr>
+        </p:nvSpPr>
+        <p:spPr>
+          <a:xfrm>
+            <a:off x="0" y="0"/>
+            <a:ext cx="6086857" cy="6858000"/>
+          </a:xfrm>
+          <a:custGeom>
+            <a:avLst/>
+            <a:gdLst>
+              <a:gd name="connsiteX0" fmla="*/ 0 w 6086857"/>
+              <a:gd name="connsiteY0" fmla="*/ 0 h 6858000"/>
+              <a:gd name="connsiteX1" fmla="*/ 4873879 w 6086857"/>
+              <a:gd name="connsiteY1" fmla="*/ 0 h 6858000"/>
+              <a:gd name="connsiteX2" fmla="*/ 4936862 w 6086857"/>
+              <a:gd name="connsiteY2" fmla="*/ 69271 h 6858000"/>
+              <a:gd name="connsiteX3" fmla="*/ 6086857 w 6086857"/>
+              <a:gd name="connsiteY3" fmla="*/ 3429000 h 6858000"/>
+              <a:gd name="connsiteX4" fmla="*/ 4936862 w 6086857"/>
+              <a:gd name="connsiteY4" fmla="*/ 6788730 h 6858000"/>
+              <a:gd name="connsiteX5" fmla="*/ 4873879 w 6086857"/>
+              <a:gd name="connsiteY5" fmla="*/ 6858000 h 6858000"/>
+              <a:gd name="connsiteX6" fmla="*/ 0 w 6086857"/>
+              <a:gd name="connsiteY6" fmla="*/ 6858000 h 6858000"/>
+            </a:gdLst>
+            <a:ahLst/>
+            <a:cxnLst>
+              <a:cxn ang="0">
+                <a:pos x="connsiteX0" y="connsiteY0"/>
+              </a:cxn>
+              <a:cxn ang="0">
+                <a:pos x="connsiteX1" y="connsiteY1"/>
+              </a:cxn>
+              <a:cxn ang="0">
+                <a:pos x="connsiteX2" y="connsiteY2"/>
+              </a:cxn>
+              <a:cxn ang="0">
+                <a:pos x="connsiteX3" y="connsiteY3"/>
+              </a:cxn>
+              <a:cxn ang="0">
+                <a:pos x="connsiteX4" y="connsiteY4"/>
+              </a:cxn>
+              <a:cxn ang="0">
+                <a:pos x="connsiteX5" y="connsiteY5"/>
+              </a:cxn>
+              <a:cxn ang="0">
+                <a:pos x="connsiteX6" y="connsiteY6"/>
+              </a:cxn>
+            </a:cxnLst>
+            <a:rect l="l" t="t" r="r" b="b"/>
+            <a:pathLst>
+              <a:path w="6086857" h="6858000">
+                <a:moveTo>
+                  <a:pt x="0" y="0"/>
+                </a:moveTo>
+                <a:lnTo>
+                  <a:pt x="4873879" y="0"/>
+                </a:lnTo>
+                <a:lnTo>
+                  <a:pt x="4936862" y="69271"/>
+                </a:lnTo>
+                <a:cubicBezTo>
+                  <a:pt x="5647388" y="929100"/>
+                  <a:pt x="6086857" y="2116944"/>
+                  <a:pt x="6086857" y="3429000"/>
+                </a:cubicBezTo>
+                <a:cubicBezTo>
+                  <a:pt x="6086857" y="4741056"/>
+                  <a:pt x="5647388" y="5928900"/>
+                  <a:pt x="4936862" y="6788730"/>
+                </a:cubicBezTo>
+                <a:lnTo>
+                  <a:pt x="4873879" y="6858000"/>
+                </a:lnTo>
+                <a:lnTo>
+                  <a:pt x="0" y="6858000"/>
+                </a:lnTo>
+                <a:close/>
+              </a:path>
+            </a:pathLst>
+          </a:custGeom>
+          <a:ln w="9525">
+            <a:noFill/>
+          </a:ln>
+          <a:effectLst/>
+        </p:spPr>
+        <p:style>
+          <a:lnRef idx="2">
+            <a:schemeClr val="accent1">
+              <a:shade val="50000"/>
+            </a:schemeClr>
+          </a:lnRef>
+          <a:fillRef idx="1">
+            <a:schemeClr val="accent1"/>
+          </a:fillRef>
+          <a:effectRef idx="0">
+            <a:schemeClr val="accent1"/>
+          </a:effectRef>
+          <a:fontRef idx="minor">
+            <a:schemeClr val="lt1"/>
+          </a:fontRef>
+        </p:style>
+        <p:txBody>
+          <a:bodyPr wrap="square" rtlCol="0" anchor="ctr">
+            <a:noAutofit/>
+          </a:bodyPr>
+          <a:lstStyle/>
+          <a:p>
+            <a:pPr marL="0" marR="0" lvl="0" indent="0" algn="ctr" defTabSz="914400" rtl="0" eaLnBrk="1" fontAlgn="auto" latinLnBrk="0" hangingPunct="1">
+              <a:lnSpc>
+                <a:spcPct val="100000"/>
+              </a:lnSpc>
+              <a:spcBef>
+                <a:spcPts val="0"/>
+              </a:spcBef>
+              <a:spcAft>
+                <a:spcPts val="0"/>
+              </a:spcAft>
+              <a:buClrTx/>
+              <a:buSzTx/>
+              <a:buFontTx/>
+              <a:buNone/>
+              <a:tabLst/>
+              <a:defRPr/>
+            </a:pPr>
+            <a:endParaRPr kumimoji="0" lang="en-US" sz="1800" b="0" i="0" u="none" strike="noStrike" kern="1200" cap="none" spc="0" normalizeH="0" baseline="0" noProof="0">
+              <a:ln>
+                <a:noFill/>
+              </a:ln>
+              <a:solidFill>
+                <a:prstClr val="white"/>
+              </a:solidFill>
+              <a:effectLst/>
+              <a:uLnTx/>
+              <a:uFillTx/>
+              <a:latin typeface="Calibri" panose="020F0502020204030204"/>
+              <a:ea typeface="+mn-ea"/>
+              <a:cs typeface="+mn-cs"/>
+            </a:endParaRPr>
+          </a:p>
+        </p:txBody>
+      </p:sp>
+      <p:sp>
+        <p:nvSpPr>
+          <p:cNvPr id="2" name="Title 1">
+            <a:extLst>
+              <a:ext uri="{FF2B5EF4-FFF2-40B4-BE49-F238E27FC236}">
+                <a16:creationId xmlns:a16="http://schemas.microsoft.com/office/drawing/2014/main" id="{BFF257CD-9E19-70A4-79CF-417B3B2A55ED}"/>
+              </a:ext>
+            </a:extLst>
+          </p:cNvPr>
+          <p:cNvSpPr>
+            <a:spLocks noGrp="1"/>
+          </p:cNvSpPr>
+          <p:nvPr>
+            <p:ph type="title"/>
+          </p:nvPr>
+        </p:nvSpPr>
+        <p:spPr>
+          <a:xfrm>
+            <a:off x="374904" y="856488"/>
+            <a:ext cx="4992624" cy="1243584"/>
+          </a:xfrm>
+        </p:spPr>
+        <p:txBody>
+          <a:bodyPr vert="horz" lIns="91440" tIns="45720" rIns="91440" bIns="45720" rtlCol="0" anchor="ctr">
+            <a:normAutofit/>
+          </a:bodyPr>
+          <a:lstStyle/>
+          <a:p>
+            <a:r>
+              <a:rPr lang="en-US" sz="3400"/>
+              <a:t>Vuforia viewer </a:t>
+            </a:r>
+            <a:br>
+              <a:rPr lang="en-US" sz="3400"/>
+            </a:br>
+            <a:r>
+              <a:rPr lang="en-US" sz="3400"/>
+              <a:t>demo</a:t>
+            </a:r>
+          </a:p>
+        </p:txBody>
+      </p:sp>
+      <p:sp>
+        <p:nvSpPr>
+          <p:cNvPr id="5135" name="Rectangle 5134">
+            <a:extLst>
+              <a:ext uri="{FF2B5EF4-FFF2-40B4-BE49-F238E27FC236}">
+                <a16:creationId xmlns:a16="http://schemas.microsoft.com/office/drawing/2014/main" id="{C0036C6B-F09C-4EAB-AE02-8D056EE74856}"/>
+              </a:ext>
+              <a:ext uri="{C183D7F6-B498-43B3-948B-1728B52AA6E4}">
+                <adec:decorative xmlns:adec="http://schemas.microsoft.com/office/drawing/2017/decorative" val="1"/>
+              </a:ext>
+            </a:extLst>
+          </p:cNvPr>
+          <p:cNvSpPr>
+            <a:spLocks noGrp="1" noRot="1" noChangeAspect="1" noMove="1" noResize="1" noEditPoints="1" noAdjustHandles="1" noChangeArrowheads="1" noChangeShapeType="1" noTextEdit="1"/>
+          </p:cNvSpPr>
+          <p:nvPr>
+            <p:extLst>
+              <p:ext uri="{386F3935-93C4-4BCD-93E2-E3B085C9AB24}">
+                <p16:designElem xmlns:p16="http://schemas.microsoft.com/office/powerpoint/2015/main" val="1"/>
+              </p:ext>
+            </p:extLst>
+          </p:nvPr>
+        </p:nvSpPr>
+        <p:spPr>
+          <a:xfrm>
+            <a:off x="0" y="1124325"/>
+            <a:ext cx="128016" cy="653903"/>
+          </a:xfrm>
+          <a:prstGeom prst="rect">
+            <a:avLst/>
+          </a:prstGeom>
+          <a:solidFill>
+            <a:schemeClr val="accent2"/>
+          </a:solidFill>
+          <a:ln>
+            <a:noFill/>
+          </a:ln>
+        </p:spPr>
+        <p:style>
+          <a:lnRef idx="2">
+            <a:schemeClr val="accent1">
+              <a:shade val="50000"/>
+            </a:schemeClr>
+          </a:lnRef>
+          <a:fillRef idx="1">
+            <a:schemeClr val="accent1"/>
+          </a:fillRef>
+          <a:effectRef idx="0">
+            <a:schemeClr val="accent1"/>
+          </a:effectRef>
+          <a:fontRef idx="minor">
+            <a:schemeClr val="lt1"/>
+          </a:fontRef>
+        </p:style>
+        <p:txBody>
+          <a:bodyPr rtlCol="0" anchor="ctr"/>
+          <a:lstStyle/>
+          <a:p>
+            <a:pPr algn="ctr"/>
+            <a:endParaRPr lang="en-US">
+              <a:solidFill>
+                <a:prstClr val="white"/>
+              </a:solidFill>
+              <a:latin typeface="Calibri" panose="020F0502020204030204"/>
+            </a:endParaRPr>
+          </a:p>
+        </p:txBody>
+      </p:sp>
+      <p:sp>
+        <p:nvSpPr>
+          <p:cNvPr id="5137" name="Rectangle 5136">
+            <a:extLst>
+              <a:ext uri="{FF2B5EF4-FFF2-40B4-BE49-F238E27FC236}">
+                <a16:creationId xmlns:a16="http://schemas.microsoft.com/office/drawing/2014/main" id="{FC8D5885-2804-4D3C-BE31-902E4D3279B0}"/>
+              </a:ext>
+              <a:ext uri="{C183D7F6-B498-43B3-948B-1728B52AA6E4}">
+                <adec:decorative xmlns:adec="http://schemas.microsoft.com/office/drawing/2017/decorative" val="1"/>
+              </a:ext>
+            </a:extLst>
+          </p:cNvPr>
+          <p:cNvSpPr>
+            <a:spLocks noGrp="1" noRot="1" noChangeAspect="1" noMove="1" noResize="1" noEditPoints="1" noAdjustHandles="1" noChangeArrowheads="1" noChangeShapeType="1" noTextEdit="1"/>
+          </p:cNvSpPr>
+          <p:nvPr>
+            <p:extLst>
+              <p:ext uri="{386F3935-93C4-4BCD-93E2-E3B085C9AB24}">
+                <p16:designElem xmlns:p16="http://schemas.microsoft.com/office/powerpoint/2015/main" val="1"/>
+              </p:ext>
+            </p:extLst>
+          </p:nvPr>
+        </p:nvSpPr>
+        <p:spPr>
+          <a:xfrm>
+            <a:off x="437769" y="2195336"/>
+            <a:ext cx="4983480" cy="18288"/>
+          </a:xfrm>
+          <a:prstGeom prst="rect">
+            <a:avLst/>
+          </a:prstGeom>
+          <a:solidFill>
+            <a:srgbClr val="D5D5D5"/>
+          </a:solidFill>
+          <a:ln w="3175">
+            <a:noFill/>
+          </a:ln>
+          <a:effectLst/>
+        </p:spPr>
+        <p:style>
+          <a:lnRef idx="2">
+            <a:schemeClr val="accent1">
+              <a:shade val="50000"/>
+            </a:schemeClr>
+          </a:lnRef>
+          <a:fillRef idx="1">
+            <a:schemeClr val="accent1"/>
+          </a:fillRef>
+          <a:effectRef idx="0">
+            <a:schemeClr val="accent1"/>
+          </a:effectRef>
+          <a:fontRef idx="minor">
+            <a:schemeClr val="lt1"/>
+          </a:fontRef>
+        </p:style>
+        <p:txBody>
+          <a:bodyPr rtlCol="0" anchor="ctr"/>
+          <a:lstStyle/>
+          <a:p>
+            <a:pPr algn="ctr"/>
+            <a:endParaRPr lang="en-US">
+              <a:solidFill>
+                <a:prstClr val="white"/>
+              </a:solidFill>
+              <a:latin typeface="Calibri" panose="020F0502020204030204"/>
+            </a:endParaRPr>
+          </a:p>
+        </p:txBody>
+      </p:sp>
+      <p:sp>
+        <p:nvSpPr>
+          <p:cNvPr id="5" name="TextBox 4">
+            <a:extLst>
+              <a:ext uri="{FF2B5EF4-FFF2-40B4-BE49-F238E27FC236}">
+                <a16:creationId xmlns:a16="http://schemas.microsoft.com/office/drawing/2014/main" id="{7C4FA44A-3297-9F80-BF18-0019916AE403}"/>
+              </a:ext>
+            </a:extLst>
+          </p:cNvPr>
+          <p:cNvSpPr txBox="1"/>
+          <p:nvPr/>
+        </p:nvSpPr>
+        <p:spPr>
+          <a:xfrm>
+            <a:off x="374904" y="2522949"/>
+            <a:ext cx="5065776" cy="3402363"/>
+          </a:xfrm>
+          <a:prstGeom prst="rect">
+            <a:avLst/>
+          </a:prstGeom>
+        </p:spPr>
+        <p:txBody>
+          <a:bodyPr vert="horz" lIns="91440" tIns="45720" rIns="91440" bIns="45720" rtlCol="0" anchor="t">
+            <a:normAutofit/>
+          </a:bodyPr>
+          <a:lstStyle/>
+          <a:p>
+            <a:pPr indent="-228600">
+              <a:lnSpc>
+                <a:spcPct val="90000"/>
+              </a:lnSpc>
+              <a:spcAft>
+                <a:spcPts val="600"/>
+              </a:spcAft>
+              <a:buFont typeface="Arial" panose="020B0604020202020204" pitchFamily="34" charset="0"/>
+              <a:buChar char="•"/>
+            </a:pPr>
+            <a:r>
+              <a:rPr lang="en-US" sz="2000">
                 <a:hlinkClick r:id="rId3"/>
               </a:rPr>
               <a:t>https://play.google.com/store/apps/details?id=com.ptc.vuforiaview&amp;hl=en_IN</a:t>
             </a:r>
-            <a:endParaRPr lang="en-IN" sz="2800" dirty="0"/>
-          </a:p>
-          <a:p>
-            <a:endParaRPr lang="en-IN" sz="2800" dirty="0"/>
+            <a:endParaRPr lang="en-US" sz="2000"/>
+          </a:p>
+          <a:p>
+            <a:pPr indent="-228600">
+              <a:lnSpc>
+                <a:spcPct val="90000"/>
+              </a:lnSpc>
+              <a:spcAft>
+                <a:spcPts val="600"/>
+              </a:spcAft>
+              <a:buFont typeface="Arial" panose="020B0604020202020204" pitchFamily="34" charset="0"/>
+              <a:buChar char="•"/>
+            </a:pPr>
+            <a:endParaRPr lang="en-US" sz="2000"/>
           </a:p>
         </p:txBody>
       </p:sp>
@@ -4697,6 +10530,14 @@
 <file path=ppt/slides/slide7.xml><?xml version="1.0" encoding="utf-8"?>
 <p:sld xmlns:a="http://schemas.openxmlformats.org/drawingml/2006/main" xmlns:r="http://schemas.openxmlformats.org/officeDocument/2006/relationships" xmlns:p="http://schemas.openxmlformats.org/presentationml/2006/main">
   <p:cSld>
+    <p:bg>
+      <p:bgPr>
+        <a:solidFill>
+          <a:schemeClr val="bg1"/>
+        </a:solidFill>
+        <a:effectLst/>
+      </p:bgPr>
+    </p:bg>
     <p:spTree>
       <p:nvGrpSpPr>
         <p:cNvPr id="1" name=""/>
@@ -4711,11 +10552,1410 @@
           <a:chExt cx="0" cy="0"/>
         </a:xfrm>
       </p:grpSpPr>
+      <p:sp useBgFill="1">
+        <p:nvSpPr>
+          <p:cNvPr id="1048" name="Rectangle 1047">
+            <a:extLst>
+              <a:ext uri="{FF2B5EF4-FFF2-40B4-BE49-F238E27FC236}">
+                <a16:creationId xmlns:a16="http://schemas.microsoft.com/office/drawing/2014/main" id="{231BF440-39FA-4087-84CC-2EEC0BBDAF29}"/>
+              </a:ext>
+              <a:ext uri="{C183D7F6-B498-43B3-948B-1728B52AA6E4}">
+                <adec:decorative xmlns:adec="http://schemas.microsoft.com/office/drawing/2017/decorative" val="1"/>
+              </a:ext>
+            </a:extLst>
+          </p:cNvPr>
+          <p:cNvSpPr>
+            <a:spLocks noGrp="1" noRot="1" noChangeAspect="1" noMove="1" noResize="1" noEditPoints="1" noAdjustHandles="1" noChangeArrowheads="1" noChangeShapeType="1" noTextEdit="1"/>
+          </p:cNvSpPr>
+          <p:nvPr>
+            <p:extLst>
+              <p:ext uri="{386F3935-93C4-4BCD-93E2-E3B085C9AB24}">
+                <p16:designElem xmlns:p16="http://schemas.microsoft.com/office/powerpoint/2015/main" val="1"/>
+              </p:ext>
+            </p:extLst>
+          </p:nvPr>
+        </p:nvSpPr>
+        <p:spPr>
+          <a:xfrm>
+            <a:off x="0" y="0"/>
+            <a:ext cx="12192000" cy="6858000"/>
+          </a:xfrm>
+          <a:prstGeom prst="rect">
+            <a:avLst/>
+          </a:prstGeom>
+          <a:ln>
+            <a:noFill/>
+          </a:ln>
+        </p:spPr>
+        <p:style>
+          <a:lnRef idx="2">
+            <a:schemeClr val="accent1">
+              <a:shade val="50000"/>
+            </a:schemeClr>
+          </a:lnRef>
+          <a:fillRef idx="1">
+            <a:schemeClr val="accent1"/>
+          </a:fillRef>
+          <a:effectRef idx="0">
+            <a:schemeClr val="accent1"/>
+          </a:effectRef>
+          <a:fontRef idx="minor">
+            <a:schemeClr val="lt1"/>
+          </a:fontRef>
+        </p:style>
+        <p:txBody>
+          <a:bodyPr rtlCol="0" anchor="ctr"/>
+          <a:lstStyle/>
+          <a:p>
+            <a:pPr algn="ctr"/>
+            <a:endParaRPr lang="en-US"/>
+          </a:p>
+        </p:txBody>
+      </p:sp>
+      <p:pic>
+        <p:nvPicPr>
+          <p:cNvPr id="1028" name="Picture 4" descr="5 Indian Apps Using Augmented Realty">
+            <a:extLst>
+              <a:ext uri="{FF2B5EF4-FFF2-40B4-BE49-F238E27FC236}">
+                <a16:creationId xmlns:a16="http://schemas.microsoft.com/office/drawing/2014/main" id="{F49FB003-5B55-5027-39E3-EADF9719B590}"/>
+              </a:ext>
+            </a:extLst>
+          </p:cNvPr>
+          <p:cNvPicPr>
+            <a:picLocks noChangeAspect="1" noChangeArrowheads="1"/>
+          </p:cNvPicPr>
+          <p:nvPr/>
+        </p:nvPicPr>
+        <p:blipFill>
+          <a:blip r:embed="rId2">
+            <a:extLst>
+              <a:ext uri="{28A0092B-C50C-407E-A947-70E740481C1C}">
+                <a14:useLocalDpi xmlns:a14="http://schemas.microsoft.com/office/drawing/2010/main" val="0"/>
+              </a:ext>
+            </a:extLst>
+          </a:blip>
+          <a:srcRect t="18152" r="2" b="2"/>
+          <a:stretch/>
+        </p:blipFill>
+        <p:spPr bwMode="auto">
+          <a:xfrm>
+            <a:off x="4883025" y="10"/>
+            <a:ext cx="7308975" cy="3364982"/>
+          </a:xfrm>
+          <a:custGeom>
+            <a:avLst/>
+            <a:gdLst/>
+            <a:ahLst/>
+            <a:cxnLst/>
+            <a:rect l="l" t="t" r="r" b="b"/>
+            <a:pathLst>
+              <a:path w="7308975" h="3364992">
+                <a:moveTo>
+                  <a:pt x="0" y="0"/>
+                </a:moveTo>
+                <a:lnTo>
+                  <a:pt x="7308975" y="0"/>
+                </a:lnTo>
+                <a:lnTo>
+                  <a:pt x="7308975" y="3364992"/>
+                </a:lnTo>
+                <a:lnTo>
+                  <a:pt x="1210305" y="3364992"/>
+                </a:lnTo>
+                <a:lnTo>
+                  <a:pt x="1192705" y="2943200"/>
+                </a:lnTo>
+                <a:cubicBezTo>
+                  <a:pt x="1098874" y="1825108"/>
+                  <a:pt x="684692" y="821621"/>
+                  <a:pt x="62981" y="69271"/>
+                </a:cubicBezTo>
+                <a:close/>
+              </a:path>
+            </a:pathLst>
+          </a:custGeom>
+          <a:noFill/>
+          <a:extLst>
+            <a:ext uri="{909E8E84-426E-40DD-AFC4-6F175D3DCCD1}">
+              <a14:hiddenFill xmlns:a14="http://schemas.microsoft.com/office/drawing/2010/main">
+                <a:solidFill>
+                  <a:srgbClr val="FFFFFF"/>
+                </a:solidFill>
+              </a14:hiddenFill>
+            </a:ext>
+          </a:extLst>
+        </p:spPr>
+      </p:pic>
+      <p:pic>
+        <p:nvPicPr>
+          <p:cNvPr id="1030" name="Picture 6" descr="The Future of Furniture Shopping: Augmented Reality or Bust?">
+            <a:extLst>
+              <a:ext uri="{FF2B5EF4-FFF2-40B4-BE49-F238E27FC236}">
+                <a16:creationId xmlns:a16="http://schemas.microsoft.com/office/drawing/2014/main" id="{76FF2624-9960-FE3E-A230-1D18911D4F6C}"/>
+              </a:ext>
+            </a:extLst>
+          </p:cNvPr>
+          <p:cNvPicPr>
+            <a:picLocks noChangeAspect="1" noChangeArrowheads="1"/>
+          </p:cNvPicPr>
+          <p:nvPr/>
+        </p:nvPicPr>
+        <p:blipFill>
+          <a:blip r:embed="rId3">
+            <a:extLst>
+              <a:ext uri="{28A0092B-C50C-407E-A947-70E740481C1C}">
+                <a14:useLocalDpi xmlns:a14="http://schemas.microsoft.com/office/drawing/2010/main" val="0"/>
+              </a:ext>
+            </a:extLst>
+          </a:blip>
+          <a:srcRect t="8491" r="-2" b="22534"/>
+          <a:stretch/>
+        </p:blipFill>
+        <p:spPr bwMode="auto">
+          <a:xfrm>
+            <a:off x="4883025" y="3493008"/>
+            <a:ext cx="7308975" cy="3364992"/>
+          </a:xfrm>
+          <a:custGeom>
+            <a:avLst/>
+            <a:gdLst/>
+            <a:ahLst/>
+            <a:cxnLst/>
+            <a:rect l="l" t="t" r="r" b="b"/>
+            <a:pathLst>
+              <a:path w="7308975" h="3364992">
+                <a:moveTo>
+                  <a:pt x="1210305" y="0"/>
+                </a:moveTo>
+                <a:lnTo>
+                  <a:pt x="7308975" y="0"/>
+                </a:lnTo>
+                <a:lnTo>
+                  <a:pt x="7308975" y="3364992"/>
+                </a:lnTo>
+                <a:lnTo>
+                  <a:pt x="0" y="3364992"/>
+                </a:lnTo>
+                <a:lnTo>
+                  <a:pt x="62981" y="3295722"/>
+                </a:lnTo>
+                <a:cubicBezTo>
+                  <a:pt x="684692" y="2543371"/>
+                  <a:pt x="1098874" y="1539884"/>
+                  <a:pt x="1192705" y="421793"/>
+                </a:cubicBezTo>
+                <a:close/>
+              </a:path>
+            </a:pathLst>
+          </a:custGeom>
+          <a:noFill/>
+          <a:extLst>
+            <a:ext uri="{909E8E84-426E-40DD-AFC4-6F175D3DCCD1}">
+              <a14:hiddenFill xmlns:a14="http://schemas.microsoft.com/office/drawing/2010/main">
+                <a:solidFill>
+                  <a:srgbClr val="FFFFFF"/>
+                </a:solidFill>
+              </a14:hiddenFill>
+            </a:ext>
+          </a:extLst>
+        </p:spPr>
+      </p:pic>
+      <p:sp useBgFill="1">
+        <p:nvSpPr>
+          <p:cNvPr id="1050" name="Freeform: Shape 1049">
+            <a:extLst>
+              <a:ext uri="{FF2B5EF4-FFF2-40B4-BE49-F238E27FC236}">
+                <a16:creationId xmlns:a16="http://schemas.microsoft.com/office/drawing/2014/main" id="{F04E4CBA-303B-48BD-8451-C2701CB0EEBF}"/>
+              </a:ext>
+              <a:ext uri="{C183D7F6-B498-43B3-948B-1728B52AA6E4}">
+                <adec:decorative xmlns:adec="http://schemas.microsoft.com/office/drawing/2017/decorative" val="1"/>
+              </a:ext>
+            </a:extLst>
+          </p:cNvPr>
+          <p:cNvSpPr>
+            <a:spLocks noGrp="1" noRot="1" noChangeAspect="1" noMove="1" noResize="1" noEditPoints="1" noAdjustHandles="1" noChangeArrowheads="1" noChangeShapeType="1" noTextEdit="1"/>
+          </p:cNvSpPr>
+          <p:nvPr>
+            <p:extLst>
+              <p:ext uri="{386F3935-93C4-4BCD-93E2-E3B085C9AB24}">
+                <p16:designElem xmlns:p16="http://schemas.microsoft.com/office/powerpoint/2015/main" val="1"/>
+              </p:ext>
+            </p:extLst>
+          </p:nvPr>
+        </p:nvSpPr>
+        <p:spPr>
+          <a:xfrm>
+            <a:off x="0" y="0"/>
+            <a:ext cx="6096001" cy="6858000"/>
+          </a:xfrm>
+          <a:custGeom>
+            <a:avLst/>
+            <a:gdLst>
+              <a:gd name="connsiteX0" fmla="*/ 0 w 6096001"/>
+              <a:gd name="connsiteY0" fmla="*/ 0 h 6858000"/>
+              <a:gd name="connsiteX1" fmla="*/ 4883024 w 6096001"/>
+              <a:gd name="connsiteY1" fmla="*/ 0 h 6858000"/>
+              <a:gd name="connsiteX2" fmla="*/ 4946006 w 6096001"/>
+              <a:gd name="connsiteY2" fmla="*/ 69271 h 6858000"/>
+              <a:gd name="connsiteX3" fmla="*/ 6096001 w 6096001"/>
+              <a:gd name="connsiteY3" fmla="*/ 3429000 h 6858000"/>
+              <a:gd name="connsiteX4" fmla="*/ 4946006 w 6096001"/>
+              <a:gd name="connsiteY4" fmla="*/ 6788730 h 6858000"/>
+              <a:gd name="connsiteX5" fmla="*/ 4883024 w 6096001"/>
+              <a:gd name="connsiteY5" fmla="*/ 6858000 h 6858000"/>
+              <a:gd name="connsiteX6" fmla="*/ 0 w 6096001"/>
+              <a:gd name="connsiteY6" fmla="*/ 6858000 h 6858000"/>
+            </a:gdLst>
+            <a:ahLst/>
+            <a:cxnLst>
+              <a:cxn ang="0">
+                <a:pos x="connsiteX0" y="connsiteY0"/>
+              </a:cxn>
+              <a:cxn ang="0">
+                <a:pos x="connsiteX1" y="connsiteY1"/>
+              </a:cxn>
+              <a:cxn ang="0">
+                <a:pos x="connsiteX2" y="connsiteY2"/>
+              </a:cxn>
+              <a:cxn ang="0">
+                <a:pos x="connsiteX3" y="connsiteY3"/>
+              </a:cxn>
+              <a:cxn ang="0">
+                <a:pos x="connsiteX4" y="connsiteY4"/>
+              </a:cxn>
+              <a:cxn ang="0">
+                <a:pos x="connsiteX5" y="connsiteY5"/>
+              </a:cxn>
+              <a:cxn ang="0">
+                <a:pos x="connsiteX6" y="connsiteY6"/>
+              </a:cxn>
+            </a:cxnLst>
+            <a:rect l="l" t="t" r="r" b="b"/>
+            <a:pathLst>
+              <a:path w="6096001" h="6858000">
+                <a:moveTo>
+                  <a:pt x="0" y="0"/>
+                </a:moveTo>
+                <a:lnTo>
+                  <a:pt x="4883024" y="0"/>
+                </a:lnTo>
+                <a:lnTo>
+                  <a:pt x="4946006" y="69271"/>
+                </a:lnTo>
+                <a:cubicBezTo>
+                  <a:pt x="5656532" y="929100"/>
+                  <a:pt x="6096001" y="2116944"/>
+                  <a:pt x="6096001" y="3429000"/>
+                </a:cubicBezTo>
+                <a:cubicBezTo>
+                  <a:pt x="6096001" y="4741056"/>
+                  <a:pt x="5656532" y="5928900"/>
+                  <a:pt x="4946006" y="6788730"/>
+                </a:cubicBezTo>
+                <a:lnTo>
+                  <a:pt x="4883024" y="6858000"/>
+                </a:lnTo>
+                <a:lnTo>
+                  <a:pt x="0" y="6858000"/>
+                </a:lnTo>
+                <a:close/>
+              </a:path>
+            </a:pathLst>
+          </a:custGeom>
+          <a:ln w="9525">
+            <a:solidFill>
+              <a:srgbClr val="EFEFEF"/>
+            </a:solidFill>
+          </a:ln>
+          <a:effectLst>
+            <a:outerShdw blurRad="50800" dist="38100" algn="l" rotWithShape="0">
+              <a:schemeClr val="bg1">
+                <a:lumMod val="85000"/>
+                <a:alpha val="30000"/>
+              </a:schemeClr>
+            </a:outerShdw>
+          </a:effectLst>
+        </p:spPr>
+        <p:style>
+          <a:lnRef idx="2">
+            <a:schemeClr val="accent1">
+              <a:shade val="50000"/>
+            </a:schemeClr>
+          </a:lnRef>
+          <a:fillRef idx="1">
+            <a:schemeClr val="accent1"/>
+          </a:fillRef>
+          <a:effectRef idx="0">
+            <a:schemeClr val="accent1"/>
+          </a:effectRef>
+          <a:fontRef idx="minor">
+            <a:schemeClr val="lt1"/>
+          </a:fontRef>
+        </p:style>
+        <p:txBody>
+          <a:bodyPr wrap="square" rtlCol="0" anchor="ctr">
+            <a:noAutofit/>
+          </a:bodyPr>
+          <a:lstStyle/>
+          <a:p>
+            <a:pPr marL="0" marR="0" lvl="0" indent="0" algn="ctr" defTabSz="914400" rtl="0" eaLnBrk="1" fontAlgn="auto" latinLnBrk="0" hangingPunct="1">
+              <a:lnSpc>
+                <a:spcPct val="100000"/>
+              </a:lnSpc>
+              <a:spcBef>
+                <a:spcPts val="0"/>
+              </a:spcBef>
+              <a:spcAft>
+                <a:spcPts val="0"/>
+              </a:spcAft>
+              <a:buClrTx/>
+              <a:buSzTx/>
+              <a:buFontTx/>
+              <a:buNone/>
+              <a:tabLst/>
+              <a:defRPr/>
+            </a:pPr>
+            <a:endParaRPr kumimoji="0" lang="en-US" sz="1800" b="0" i="0" u="none" strike="noStrike" kern="1200" cap="none" spc="0" normalizeH="0" baseline="0" noProof="0">
+              <a:ln>
+                <a:noFill/>
+              </a:ln>
+              <a:solidFill>
+                <a:prstClr val="white"/>
+              </a:solidFill>
+              <a:effectLst/>
+              <a:uLnTx/>
+              <a:uFillTx/>
+              <a:latin typeface="Calibri" panose="020F0502020204030204"/>
+              <a:ea typeface="+mn-ea"/>
+              <a:cs typeface="+mn-cs"/>
+            </a:endParaRPr>
+          </a:p>
+        </p:txBody>
+      </p:sp>
+      <p:sp useBgFill="1">
+        <p:nvSpPr>
+          <p:cNvPr id="1052" name="Freeform: Shape 1051">
+            <a:extLst>
+              <a:ext uri="{FF2B5EF4-FFF2-40B4-BE49-F238E27FC236}">
+                <a16:creationId xmlns:a16="http://schemas.microsoft.com/office/drawing/2014/main" id="{F6CA58B3-AFCC-4A40-9882-50D5080879B0}"/>
+              </a:ext>
+              <a:ext uri="{C183D7F6-B498-43B3-948B-1728B52AA6E4}">
+                <adec:decorative xmlns:adec="http://schemas.microsoft.com/office/drawing/2017/decorative" val="1"/>
+              </a:ext>
+            </a:extLst>
+          </p:cNvPr>
+          <p:cNvSpPr>
+            <a:spLocks noGrp="1" noRot="1" noChangeAspect="1" noMove="1" noResize="1" noEditPoints="1" noAdjustHandles="1" noChangeArrowheads="1" noChangeShapeType="1" noTextEdit="1"/>
+          </p:cNvSpPr>
+          <p:nvPr>
+            <p:extLst>
+              <p:ext uri="{386F3935-93C4-4BCD-93E2-E3B085C9AB24}">
+                <p16:designElem xmlns:p16="http://schemas.microsoft.com/office/powerpoint/2015/main" val="1"/>
+              </p:ext>
+            </p:extLst>
+          </p:nvPr>
+        </p:nvSpPr>
+        <p:spPr>
+          <a:xfrm>
+            <a:off x="1" y="0"/>
+            <a:ext cx="6087332" cy="6858000"/>
+          </a:xfrm>
+          <a:custGeom>
+            <a:avLst/>
+            <a:gdLst>
+              <a:gd name="connsiteX0" fmla="*/ 0 w 6087332"/>
+              <a:gd name="connsiteY0" fmla="*/ 0 h 6858000"/>
+              <a:gd name="connsiteX1" fmla="*/ 4874355 w 6087332"/>
+              <a:gd name="connsiteY1" fmla="*/ 0 h 6858000"/>
+              <a:gd name="connsiteX2" fmla="*/ 4937337 w 6087332"/>
+              <a:gd name="connsiteY2" fmla="*/ 69271 h 6858000"/>
+              <a:gd name="connsiteX3" fmla="*/ 6087332 w 6087332"/>
+              <a:gd name="connsiteY3" fmla="*/ 3429000 h 6858000"/>
+              <a:gd name="connsiteX4" fmla="*/ 4937337 w 6087332"/>
+              <a:gd name="connsiteY4" fmla="*/ 6788730 h 6858000"/>
+              <a:gd name="connsiteX5" fmla="*/ 4874355 w 6087332"/>
+              <a:gd name="connsiteY5" fmla="*/ 6858000 h 6858000"/>
+              <a:gd name="connsiteX6" fmla="*/ 0 w 6087332"/>
+              <a:gd name="connsiteY6" fmla="*/ 6858000 h 6858000"/>
+            </a:gdLst>
+            <a:ahLst/>
+            <a:cxnLst>
+              <a:cxn ang="0">
+                <a:pos x="connsiteX0" y="connsiteY0"/>
+              </a:cxn>
+              <a:cxn ang="0">
+                <a:pos x="connsiteX1" y="connsiteY1"/>
+              </a:cxn>
+              <a:cxn ang="0">
+                <a:pos x="connsiteX2" y="connsiteY2"/>
+              </a:cxn>
+              <a:cxn ang="0">
+                <a:pos x="connsiteX3" y="connsiteY3"/>
+              </a:cxn>
+              <a:cxn ang="0">
+                <a:pos x="connsiteX4" y="connsiteY4"/>
+              </a:cxn>
+              <a:cxn ang="0">
+                <a:pos x="connsiteX5" y="connsiteY5"/>
+              </a:cxn>
+              <a:cxn ang="0">
+                <a:pos x="connsiteX6" y="connsiteY6"/>
+              </a:cxn>
+            </a:cxnLst>
+            <a:rect l="l" t="t" r="r" b="b"/>
+            <a:pathLst>
+              <a:path w="6087332" h="6858000">
+                <a:moveTo>
+                  <a:pt x="0" y="0"/>
+                </a:moveTo>
+                <a:lnTo>
+                  <a:pt x="4874355" y="0"/>
+                </a:lnTo>
+                <a:lnTo>
+                  <a:pt x="4937337" y="69271"/>
+                </a:lnTo>
+                <a:cubicBezTo>
+                  <a:pt x="5647863" y="929100"/>
+                  <a:pt x="6087332" y="2116944"/>
+                  <a:pt x="6087332" y="3429000"/>
+                </a:cubicBezTo>
+                <a:cubicBezTo>
+                  <a:pt x="6087332" y="4741056"/>
+                  <a:pt x="5647863" y="5928900"/>
+                  <a:pt x="4937337" y="6788730"/>
+                </a:cubicBezTo>
+                <a:lnTo>
+                  <a:pt x="4874355" y="6858000"/>
+                </a:lnTo>
+                <a:lnTo>
+                  <a:pt x="0" y="6858000"/>
+                </a:lnTo>
+                <a:close/>
+              </a:path>
+            </a:pathLst>
+          </a:custGeom>
+          <a:ln>
+            <a:noFill/>
+          </a:ln>
+        </p:spPr>
+        <p:style>
+          <a:lnRef idx="2">
+            <a:schemeClr val="accent1">
+              <a:shade val="50000"/>
+            </a:schemeClr>
+          </a:lnRef>
+          <a:fillRef idx="1">
+            <a:schemeClr val="accent1"/>
+          </a:fillRef>
+          <a:effectRef idx="0">
+            <a:schemeClr val="accent1"/>
+          </a:effectRef>
+          <a:fontRef idx="minor">
+            <a:schemeClr val="lt1"/>
+          </a:fontRef>
+        </p:style>
+        <p:txBody>
+          <a:bodyPr rtlCol="0" anchor="ctr"/>
+          <a:lstStyle/>
+          <a:p>
+            <a:pPr algn="ctr"/>
+            <a:endParaRPr lang="en-US">
+              <a:solidFill>
+                <a:prstClr val="white"/>
+              </a:solidFill>
+              <a:latin typeface="Calibri" panose="020F0502020204030204"/>
+            </a:endParaRPr>
+          </a:p>
+        </p:txBody>
+      </p:sp>
       <p:sp>
         <p:nvSpPr>
           <p:cNvPr id="2" name="Title 1">
             <a:extLst>
               <a:ext uri="{FF2B5EF4-FFF2-40B4-BE49-F238E27FC236}">
+                <a16:creationId xmlns:a16="http://schemas.microsoft.com/office/drawing/2014/main" id="{964A6BB4-2337-D61E-162B-3F4B969605E2}"/>
+              </a:ext>
+            </a:extLst>
+          </p:cNvPr>
+          <p:cNvSpPr>
+            <a:spLocks noGrp="1"/>
+          </p:cNvSpPr>
+          <p:nvPr>
+            <p:ph type="title"/>
+          </p:nvPr>
+        </p:nvSpPr>
+        <p:spPr>
+          <a:xfrm>
+            <a:off x="448056" y="859536"/>
+            <a:ext cx="4832802" cy="1243584"/>
+          </a:xfrm>
+        </p:spPr>
+        <p:txBody>
+          <a:bodyPr vert="horz" lIns="91440" tIns="45720" rIns="91440" bIns="45720" rtlCol="0">
+            <a:normAutofit/>
+          </a:bodyPr>
+          <a:lstStyle/>
+          <a:p>
+            <a:r>
+              <a:rPr lang="en-US" sz="3400" kern="1200">
+                <a:latin typeface="+mj-lt"/>
+                <a:ea typeface="+mj-ea"/>
+                <a:cs typeface="+mj-cs"/>
+              </a:rPr>
+              <a:t>Applications / Use cases</a:t>
+            </a:r>
+          </a:p>
+        </p:txBody>
+      </p:sp>
+      <p:sp>
+        <p:nvSpPr>
+          <p:cNvPr id="1054" name="Rectangle 1053">
+            <a:extLst>
+              <a:ext uri="{FF2B5EF4-FFF2-40B4-BE49-F238E27FC236}">
+                <a16:creationId xmlns:a16="http://schemas.microsoft.com/office/drawing/2014/main" id="{75C56826-D4E5-42ED-8529-079651CB3005}"/>
+              </a:ext>
+              <a:ext uri="{C183D7F6-B498-43B3-948B-1728B52AA6E4}">
+                <adec:decorative xmlns:adec="http://schemas.microsoft.com/office/drawing/2017/decorative" val="1"/>
+              </a:ext>
+            </a:extLst>
+          </p:cNvPr>
+          <p:cNvSpPr>
+            <a:spLocks noGrp="1" noRot="1" noChangeAspect="1" noMove="1" noResize="1" noEditPoints="1" noAdjustHandles="1" noChangeArrowheads="1" noChangeShapeType="1" noTextEdit="1"/>
+          </p:cNvSpPr>
+          <p:nvPr>
+            <p:extLst>
+              <p:ext uri="{386F3935-93C4-4BCD-93E2-E3B085C9AB24}">
+                <p16:designElem xmlns:p16="http://schemas.microsoft.com/office/powerpoint/2015/main" val="1"/>
+              </p:ext>
+            </p:extLst>
+          </p:nvPr>
+        </p:nvSpPr>
+        <p:spPr>
+          <a:xfrm>
+            <a:off x="0" y="1152144"/>
+            <a:ext cx="128016" cy="653903"/>
+          </a:xfrm>
+          <a:prstGeom prst="rect">
+            <a:avLst/>
+          </a:prstGeom>
+          <a:solidFill>
+            <a:schemeClr val="accent2"/>
+          </a:solidFill>
+          <a:ln>
+            <a:noFill/>
+          </a:ln>
+        </p:spPr>
+        <p:style>
+          <a:lnRef idx="2">
+            <a:schemeClr val="accent1">
+              <a:shade val="50000"/>
+            </a:schemeClr>
+          </a:lnRef>
+          <a:fillRef idx="1">
+            <a:schemeClr val="accent1"/>
+          </a:fillRef>
+          <a:effectRef idx="0">
+            <a:schemeClr val="accent1"/>
+          </a:effectRef>
+          <a:fontRef idx="minor">
+            <a:schemeClr val="lt1"/>
+          </a:fontRef>
+        </p:style>
+        <p:txBody>
+          <a:bodyPr rtlCol="0" anchor="ctr"/>
+          <a:lstStyle/>
+          <a:p>
+            <a:pPr algn="ctr"/>
+            <a:endParaRPr lang="en-US">
+              <a:solidFill>
+                <a:prstClr val="white"/>
+              </a:solidFill>
+              <a:latin typeface="Calibri" panose="020F0502020204030204"/>
+            </a:endParaRPr>
+          </a:p>
+        </p:txBody>
+      </p:sp>
+      <p:sp useBgFill="1">
+        <p:nvSpPr>
+          <p:cNvPr id="1056" name="Rectangle 1055">
+            <a:extLst>
+              <a:ext uri="{FF2B5EF4-FFF2-40B4-BE49-F238E27FC236}">
+                <a16:creationId xmlns:a16="http://schemas.microsoft.com/office/drawing/2014/main" id="{82095FCE-EF05-4443-B97A-85DEE3A5CA17}"/>
+              </a:ext>
+              <a:ext uri="{C183D7F6-B498-43B3-948B-1728B52AA6E4}">
+                <adec:decorative xmlns:adec="http://schemas.microsoft.com/office/drawing/2017/decorative" val="1"/>
+              </a:ext>
+            </a:extLst>
+          </p:cNvPr>
+          <p:cNvSpPr>
+            <a:spLocks noGrp="1" noRot="1" noChangeAspect="1" noMove="1" noResize="1" noEditPoints="1" noAdjustHandles="1" noChangeArrowheads="1" noChangeShapeType="1" noTextEdit="1"/>
+          </p:cNvSpPr>
+          <p:nvPr>
+            <p:extLst>
+              <p:ext uri="{386F3935-93C4-4BCD-93E2-E3B085C9AB24}">
+                <p16:designElem xmlns:p16="http://schemas.microsoft.com/office/powerpoint/2015/main" val="1"/>
+              </p:ext>
+            </p:extLst>
+          </p:nvPr>
+        </p:nvSpPr>
+        <p:spPr>
+          <a:xfrm>
+            <a:off x="449544" y="2194560"/>
+            <a:ext cx="4892040" cy="18288"/>
+          </a:xfrm>
+          <a:prstGeom prst="rect">
+            <a:avLst/>
+          </a:prstGeom>
+          <a:ln w="3175">
+            <a:noFill/>
+          </a:ln>
+          <a:effectLst/>
+        </p:spPr>
+        <p:style>
+          <a:lnRef idx="2">
+            <a:schemeClr val="accent1">
+              <a:shade val="50000"/>
+            </a:schemeClr>
+          </a:lnRef>
+          <a:fillRef idx="1">
+            <a:schemeClr val="accent1"/>
+          </a:fillRef>
+          <a:effectRef idx="0">
+            <a:schemeClr val="accent1"/>
+          </a:effectRef>
+          <a:fontRef idx="minor">
+            <a:schemeClr val="lt1"/>
+          </a:fontRef>
+        </p:style>
+        <p:txBody>
+          <a:bodyPr rtlCol="0" anchor="ctr"/>
+          <a:lstStyle/>
+          <a:p>
+            <a:pPr marL="0" marR="0" lvl="0" indent="0" algn="ctr" defTabSz="914400" rtl="0" eaLnBrk="1" fontAlgn="auto" latinLnBrk="0" hangingPunct="1">
+              <a:lnSpc>
+                <a:spcPct val="100000"/>
+              </a:lnSpc>
+              <a:spcBef>
+                <a:spcPts val="0"/>
+              </a:spcBef>
+              <a:spcAft>
+                <a:spcPts val="0"/>
+              </a:spcAft>
+              <a:buClrTx/>
+              <a:buSzTx/>
+              <a:buFontTx/>
+              <a:buNone/>
+              <a:tabLst/>
+              <a:defRPr/>
+            </a:pPr>
+            <a:endParaRPr kumimoji="0" lang="en-US" sz="1800" b="0" i="0" u="none" strike="noStrike" kern="1200" cap="none" spc="0" normalizeH="0" baseline="0" noProof="0">
+              <a:ln>
+                <a:noFill/>
+              </a:ln>
+              <a:solidFill>
+                <a:prstClr val="white"/>
+              </a:solidFill>
+              <a:effectLst/>
+              <a:uLnTx/>
+              <a:uFillTx/>
+              <a:latin typeface="Calibri" panose="020F0502020204030204"/>
+              <a:ea typeface="+mn-ea"/>
+              <a:cs typeface="+mn-cs"/>
+            </a:endParaRPr>
+          </a:p>
+        </p:txBody>
+      </p:sp>
+      <p:sp>
+        <p:nvSpPr>
+          <p:cNvPr id="1058" name="Rectangle 1057">
+            <a:extLst>
+              <a:ext uri="{FF2B5EF4-FFF2-40B4-BE49-F238E27FC236}">
+                <a16:creationId xmlns:a16="http://schemas.microsoft.com/office/drawing/2014/main" id="{CA00AE6B-AA30-4CF8-BA6F-339B780AD76C}"/>
+              </a:ext>
+              <a:ext uri="{C183D7F6-B498-43B3-948B-1728B52AA6E4}">
+                <adec:decorative xmlns:adec="http://schemas.microsoft.com/office/drawing/2017/decorative" val="1"/>
+              </a:ext>
+            </a:extLst>
+          </p:cNvPr>
+          <p:cNvSpPr>
+            <a:spLocks noGrp="1" noRot="1" noChangeAspect="1" noMove="1" noResize="1" noEditPoints="1" noAdjustHandles="1" noChangeArrowheads="1" noChangeShapeType="1" noTextEdit="1"/>
+          </p:cNvSpPr>
+          <p:nvPr>
+            <p:extLst>
+              <p:ext uri="{386F3935-93C4-4BCD-93E2-E3B085C9AB24}">
+                <p16:designElem xmlns:p16="http://schemas.microsoft.com/office/powerpoint/2015/main" val="1"/>
+              </p:ext>
+            </p:extLst>
+          </p:nvPr>
+        </p:nvSpPr>
+        <p:spPr>
+          <a:xfrm>
+            <a:off x="449544" y="2194560"/>
+            <a:ext cx="4892040" cy="18288"/>
+          </a:xfrm>
+          <a:prstGeom prst="rect">
+            <a:avLst/>
+          </a:prstGeom>
+          <a:solidFill>
+            <a:srgbClr val="D5D5D5"/>
+          </a:solidFill>
+          <a:ln w="3175">
+            <a:noFill/>
+          </a:ln>
+          <a:effectLst/>
+        </p:spPr>
+        <p:style>
+          <a:lnRef idx="2">
+            <a:schemeClr val="accent1">
+              <a:shade val="50000"/>
+            </a:schemeClr>
+          </a:lnRef>
+          <a:fillRef idx="1">
+            <a:schemeClr val="accent1"/>
+          </a:fillRef>
+          <a:effectRef idx="0">
+            <a:schemeClr val="accent1"/>
+          </a:effectRef>
+          <a:fontRef idx="minor">
+            <a:schemeClr val="lt1"/>
+          </a:fontRef>
+        </p:style>
+        <p:txBody>
+          <a:bodyPr rtlCol="0" anchor="ctr"/>
+          <a:lstStyle/>
+          <a:p>
+            <a:pPr algn="ctr"/>
+            <a:endParaRPr lang="en-US">
+              <a:solidFill>
+                <a:prstClr val="white"/>
+              </a:solidFill>
+              <a:latin typeface="Calibri" panose="020F0502020204030204"/>
+            </a:endParaRPr>
+          </a:p>
+        </p:txBody>
+      </p:sp>
+      <p:sp>
+        <p:nvSpPr>
+          <p:cNvPr id="5" name="Content Placeholder 2055">
+            <a:extLst>
+              <a:ext uri="{FF2B5EF4-FFF2-40B4-BE49-F238E27FC236}">
+                <a16:creationId xmlns:a16="http://schemas.microsoft.com/office/drawing/2014/main" id="{D52F480E-9862-CABC-378F-051273E9FB04}"/>
+              </a:ext>
+            </a:extLst>
+          </p:cNvPr>
+          <p:cNvSpPr>
+            <a:spLocks noGrp="1"/>
+          </p:cNvSpPr>
+          <p:nvPr>
+            <p:ph idx="1"/>
+          </p:nvPr>
+        </p:nvSpPr>
+        <p:spPr>
+          <a:xfrm>
+            <a:off x="448056" y="2512611"/>
+            <a:ext cx="4832803" cy="3664351"/>
+          </a:xfrm>
+        </p:spPr>
+        <p:txBody>
+          <a:bodyPr>
+            <a:normAutofit/>
+          </a:bodyPr>
+          <a:lstStyle/>
+          <a:p>
+            <a:r>
+              <a:rPr lang="en-US" sz="2000" dirty="0"/>
+              <a:t>Shopping</a:t>
+            </a:r>
+          </a:p>
+          <a:p>
+            <a:r>
+              <a:rPr lang="en-US" sz="2000" dirty="0"/>
+              <a:t>Jewelry / Fashion accessories</a:t>
+            </a:r>
+          </a:p>
+          <a:p>
+            <a:r>
+              <a:rPr lang="en-US" sz="2000" dirty="0"/>
+              <a:t>Furniture</a:t>
+            </a:r>
+          </a:p>
+        </p:txBody>
+      </p:sp>
+      <p:sp>
+        <p:nvSpPr>
+          <p:cNvPr id="4" name="AutoShape 2">
+            <a:extLst>
+              <a:ext uri="{FF2B5EF4-FFF2-40B4-BE49-F238E27FC236}">
+                <a16:creationId xmlns:a16="http://schemas.microsoft.com/office/drawing/2014/main" id="{3CA5B9E8-3602-0182-CD38-C6F234C3900D}"/>
+              </a:ext>
+            </a:extLst>
+          </p:cNvPr>
+          <p:cNvSpPr>
+            <a:spLocks noChangeAspect="1" noChangeArrowheads="1"/>
+          </p:cNvSpPr>
+          <p:nvPr/>
+        </p:nvSpPr>
+        <p:spPr bwMode="auto">
+          <a:xfrm>
+            <a:off x="5943600" y="3276600"/>
+            <a:ext cx="304800" cy="304800"/>
+          </a:xfrm>
+          <a:prstGeom prst="rect">
+            <a:avLst/>
+          </a:prstGeom>
+          <a:noFill/>
+          <a:extLst>
+            <a:ext uri="{909E8E84-426E-40DD-AFC4-6F175D3DCCD1}">
+              <a14:hiddenFill xmlns:a14="http://schemas.microsoft.com/office/drawing/2010/main">
+                <a:solidFill>
+                  <a:srgbClr val="FFFFFF"/>
+                </a:solidFill>
+              </a14:hiddenFill>
+            </a:ext>
+          </a:extLst>
+        </p:spPr>
+        <p:txBody>
+          <a:bodyPr vert="horz" wrap="square" lIns="91440" tIns="45720" rIns="91440" bIns="45720" numCol="1" anchor="t" anchorCtr="0" compatLnSpc="1">
+            <a:prstTxWarp prst="textNoShape">
+              <a:avLst/>
+            </a:prstTxWarp>
+          </a:bodyPr>
+          <a:lstStyle/>
+          <a:p>
+            <a:endParaRPr lang="en-IN"/>
+          </a:p>
+        </p:txBody>
+      </p:sp>
+    </p:spTree>
+    <p:extLst>
+      <p:ext uri="{BB962C8B-B14F-4D97-AF65-F5344CB8AC3E}">
+        <p14:creationId xmlns:p14="http://schemas.microsoft.com/office/powerpoint/2010/main" val="1534433467"/>
+      </p:ext>
+    </p:extLst>
+  </p:cSld>
+  <p:clrMapOvr>
+    <a:masterClrMapping/>
+  </p:clrMapOvr>
+  <p:timing>
+    <p:tnLst>
+      <p:par>
+        <p:cTn id="1" dur="indefinite" restart="never" nodeType="tmRoot">
+          <p:childTnLst>
+            <p:seq concurrent="1" nextAc="seek">
+              <p:cTn id="2" dur="indefinite" nodeType="mainSeq">
+                <p:childTnLst>
+                  <p:par>
+                    <p:cTn id="3" fill="hold">
+                      <p:stCondLst>
+                        <p:cond delay="indefinite"/>
+                        <p:cond evt="onBegin" delay="0">
+                          <p:tn val="2"/>
+                        </p:cond>
+                      </p:stCondLst>
+                      <p:childTnLst>
+                        <p:par>
+                          <p:cTn id="4" fill="hold">
+                            <p:stCondLst>
+                              <p:cond delay="0"/>
+                            </p:stCondLst>
+                            <p:childTnLst>
+                              <p:par>
+                                <p:cTn id="5" presetID="10" presetClass="entr" presetSubtype="0" fill="hold" grpId="0" nodeType="withEffect">
+                                  <p:stCondLst>
+                                    <p:cond delay="1000"/>
+                                  </p:stCondLst>
+                                  <p:iterate type="lt">
+                                    <p:tmPct val="10000"/>
+                                  </p:iterate>
+                                  <p:childTnLst>
+                                    <p:set>
+                                      <p:cBhvr>
+                                        <p:cTn id="6" dur="1" fill="hold">
+                                          <p:stCondLst>
+                                            <p:cond delay="0"/>
+                                          </p:stCondLst>
+                                        </p:cTn>
+                                        <p:tgtEl>
+                                          <p:spTgt spid="2"/>
+                                        </p:tgtEl>
+                                        <p:attrNameLst>
+                                          <p:attrName>style.visibility</p:attrName>
+                                        </p:attrNameLst>
+                                      </p:cBhvr>
+                                      <p:to>
+                                        <p:strVal val="visible"/>
+                                      </p:to>
+                                    </p:set>
+                                    <p:animEffect transition="in" filter="fade">
+                                      <p:cBhvr>
+                                        <p:cTn id="7" dur="400"/>
+                                        <p:tgtEl>
+                                          <p:spTgt spid="2"/>
+                                        </p:tgtEl>
+                                      </p:cBhvr>
+                                    </p:animEffect>
+                                  </p:childTnLst>
+                                </p:cTn>
+                              </p:par>
+                            </p:childTnLst>
+                          </p:cTn>
+                        </p:par>
+                      </p:childTnLst>
+                    </p:cTn>
+                  </p:par>
+                </p:childTnLst>
+              </p:cTn>
+              <p:prevCondLst>
+                <p:cond evt="onPrev" delay="0">
+                  <p:tgtEl>
+                    <p:sldTgt/>
+                  </p:tgtEl>
+                </p:cond>
+              </p:prevCondLst>
+              <p:nextCondLst>
+                <p:cond evt="onNext" delay="0">
+                  <p:tgtEl>
+                    <p:sldTgt/>
+                  </p:tgtEl>
+                </p:cond>
+              </p:nextCondLst>
+            </p:seq>
+          </p:childTnLst>
+        </p:cTn>
+      </p:par>
+    </p:tnLst>
+    <p:bldLst>
+      <p:bldP spid="2" grpId="0"/>
+    </p:bldLst>
+  </p:timing>
+</p:sld>
+</file>
+
+<file path=ppt/slides/slide8.xml><?xml version="1.0" encoding="utf-8"?>
+<p:sld xmlns:a="http://schemas.openxmlformats.org/drawingml/2006/main" xmlns:r="http://schemas.openxmlformats.org/officeDocument/2006/relationships" xmlns:p="http://schemas.openxmlformats.org/presentationml/2006/main">
+  <p:cSld>
+    <p:bg>
+      <p:bgPr>
+        <a:solidFill>
+          <a:schemeClr val="bg1"/>
+        </a:solidFill>
+        <a:effectLst/>
+      </p:bgPr>
+    </p:bg>
+    <p:spTree>
+      <p:nvGrpSpPr>
+        <p:cNvPr id="1" name=""/>
+        <p:cNvGrpSpPr/>
+        <p:nvPr/>
+      </p:nvGrpSpPr>
+      <p:grpSpPr>
+        <a:xfrm>
+          <a:off x="0" y="0"/>
+          <a:ext cx="0" cy="0"/>
+          <a:chOff x="0" y="0"/>
+          <a:chExt cx="0" cy="0"/>
+        </a:xfrm>
+      </p:grpSpPr>
+      <p:sp useBgFill="1">
+        <p:nvSpPr>
+          <p:cNvPr id="8" name="Rectangle 7">
+            <a:extLst>
+              <a:ext uri="{FF2B5EF4-FFF2-40B4-BE49-F238E27FC236}">
+                <a16:creationId xmlns:a16="http://schemas.microsoft.com/office/drawing/2014/main" id="{1C799903-48D5-4A31-A1A2-541072D9771E}"/>
+              </a:ext>
+              <a:ext uri="{C183D7F6-B498-43B3-948B-1728B52AA6E4}">
+                <adec:decorative xmlns:adec="http://schemas.microsoft.com/office/drawing/2017/decorative" val="1"/>
+              </a:ext>
+            </a:extLst>
+          </p:cNvPr>
+          <p:cNvSpPr>
+            <a:spLocks noGrp="1" noRot="1" noChangeAspect="1" noMove="1" noResize="1" noEditPoints="1" noAdjustHandles="1" noChangeArrowheads="1" noChangeShapeType="1" noTextEdit="1"/>
+          </p:cNvSpPr>
+          <p:nvPr>
+            <p:extLst>
+              <p:ext uri="{386F3935-93C4-4BCD-93E2-E3B085C9AB24}">
+                <p16:designElem xmlns:p16="http://schemas.microsoft.com/office/powerpoint/2015/main" val="1"/>
+              </p:ext>
+            </p:extLst>
+          </p:nvPr>
+        </p:nvSpPr>
+        <p:spPr>
+          <a:xfrm>
+            <a:off x="0" y="0"/>
+            <a:ext cx="12192002" cy="6858000"/>
+          </a:xfrm>
+          <a:prstGeom prst="rect">
+            <a:avLst/>
+          </a:prstGeom>
+          <a:ln>
+            <a:noFill/>
+          </a:ln>
+        </p:spPr>
+        <p:style>
+          <a:lnRef idx="2">
+            <a:schemeClr val="accent1">
+              <a:shade val="50000"/>
+            </a:schemeClr>
+          </a:lnRef>
+          <a:fillRef idx="1">
+            <a:schemeClr val="accent1"/>
+          </a:fillRef>
+          <a:effectRef idx="0">
+            <a:schemeClr val="accent1"/>
+          </a:effectRef>
+          <a:fontRef idx="minor">
+            <a:schemeClr val="lt1"/>
+          </a:fontRef>
+        </p:style>
+        <p:txBody>
+          <a:bodyPr rtlCol="0" anchor="ctr"/>
+          <a:lstStyle/>
+          <a:p>
+            <a:pPr algn="ctr"/>
+            <a:endParaRPr lang="en-US"/>
+          </a:p>
+        </p:txBody>
+      </p:sp>
+      <p:sp useBgFill="1">
+        <p:nvSpPr>
+          <p:cNvPr id="10" name="Freeform: Shape 9">
+            <a:extLst>
+              <a:ext uri="{FF2B5EF4-FFF2-40B4-BE49-F238E27FC236}">
+                <a16:creationId xmlns:a16="http://schemas.microsoft.com/office/drawing/2014/main" id="{8EFFF109-FC58-4FD3-BE05-9775A1310F55}"/>
+              </a:ext>
+              <a:ext uri="{C183D7F6-B498-43B3-948B-1728B52AA6E4}">
+                <adec:decorative xmlns:adec="http://schemas.microsoft.com/office/drawing/2017/decorative" val="1"/>
+              </a:ext>
+            </a:extLst>
+          </p:cNvPr>
+          <p:cNvSpPr>
+            <a:spLocks noGrp="1" noRot="1" noChangeAspect="1" noMove="1" noResize="1" noEditPoints="1" noAdjustHandles="1" noChangeArrowheads="1" noChangeShapeType="1" noTextEdit="1"/>
+          </p:cNvSpPr>
+          <p:nvPr>
+            <p:extLst>
+              <p:ext uri="{386F3935-93C4-4BCD-93E2-E3B085C9AB24}">
+                <p16:designElem xmlns:p16="http://schemas.microsoft.com/office/powerpoint/2015/main" val="1"/>
+              </p:ext>
+            </p:extLst>
+          </p:nvPr>
+        </p:nvSpPr>
+        <p:spPr>
+          <a:xfrm>
+            <a:off x="-1" y="0"/>
+            <a:ext cx="4818889" cy="6858000"/>
+          </a:xfrm>
+          <a:custGeom>
+            <a:avLst/>
+            <a:gdLst>
+              <a:gd name="connsiteX0" fmla="*/ 0 w 4818889"/>
+              <a:gd name="connsiteY0" fmla="*/ 0 h 6858000"/>
+              <a:gd name="connsiteX1" fmla="*/ 3605911 w 4818889"/>
+              <a:gd name="connsiteY1" fmla="*/ 0 h 6858000"/>
+              <a:gd name="connsiteX2" fmla="*/ 3668894 w 4818889"/>
+              <a:gd name="connsiteY2" fmla="*/ 69271 h 6858000"/>
+              <a:gd name="connsiteX3" fmla="*/ 4818889 w 4818889"/>
+              <a:gd name="connsiteY3" fmla="*/ 3429000 h 6858000"/>
+              <a:gd name="connsiteX4" fmla="*/ 3668894 w 4818889"/>
+              <a:gd name="connsiteY4" fmla="*/ 6788730 h 6858000"/>
+              <a:gd name="connsiteX5" fmla="*/ 3605911 w 4818889"/>
+              <a:gd name="connsiteY5" fmla="*/ 6858000 h 6858000"/>
+              <a:gd name="connsiteX6" fmla="*/ 0 w 4818889"/>
+              <a:gd name="connsiteY6" fmla="*/ 6858000 h 6858000"/>
+            </a:gdLst>
+            <a:ahLst/>
+            <a:cxnLst>
+              <a:cxn ang="0">
+                <a:pos x="connsiteX0" y="connsiteY0"/>
+              </a:cxn>
+              <a:cxn ang="0">
+                <a:pos x="connsiteX1" y="connsiteY1"/>
+              </a:cxn>
+              <a:cxn ang="0">
+                <a:pos x="connsiteX2" y="connsiteY2"/>
+              </a:cxn>
+              <a:cxn ang="0">
+                <a:pos x="connsiteX3" y="connsiteY3"/>
+              </a:cxn>
+              <a:cxn ang="0">
+                <a:pos x="connsiteX4" y="connsiteY4"/>
+              </a:cxn>
+              <a:cxn ang="0">
+                <a:pos x="connsiteX5" y="connsiteY5"/>
+              </a:cxn>
+              <a:cxn ang="0">
+                <a:pos x="connsiteX6" y="connsiteY6"/>
+              </a:cxn>
+            </a:cxnLst>
+            <a:rect l="l" t="t" r="r" b="b"/>
+            <a:pathLst>
+              <a:path w="4818889" h="6858000">
+                <a:moveTo>
+                  <a:pt x="0" y="0"/>
+                </a:moveTo>
+                <a:lnTo>
+                  <a:pt x="3605911" y="0"/>
+                </a:lnTo>
+                <a:lnTo>
+                  <a:pt x="3668894" y="69271"/>
+                </a:lnTo>
+                <a:cubicBezTo>
+                  <a:pt x="4379420" y="929100"/>
+                  <a:pt x="4818889" y="2116944"/>
+                  <a:pt x="4818889" y="3429000"/>
+                </a:cubicBezTo>
+                <a:cubicBezTo>
+                  <a:pt x="4818889" y="4741056"/>
+                  <a:pt x="4379420" y="5928900"/>
+                  <a:pt x="3668894" y="6788730"/>
+                </a:cubicBezTo>
+                <a:lnTo>
+                  <a:pt x="3605911" y="6858000"/>
+                </a:lnTo>
+                <a:lnTo>
+                  <a:pt x="0" y="6858000"/>
+                </a:lnTo>
+                <a:close/>
+              </a:path>
+            </a:pathLst>
+          </a:custGeom>
+          <a:ln w="9525">
+            <a:solidFill>
+              <a:srgbClr val="E6E6E6"/>
+            </a:solidFill>
+          </a:ln>
+          <a:effectLst>
+            <a:outerShdw blurRad="50800" dist="38100" algn="l" rotWithShape="0">
+              <a:schemeClr val="bg1">
+                <a:lumMod val="85000"/>
+                <a:alpha val="50000"/>
+              </a:schemeClr>
+            </a:outerShdw>
+          </a:effectLst>
+        </p:spPr>
+        <p:style>
+          <a:lnRef idx="2">
+            <a:schemeClr val="accent1">
+              <a:shade val="50000"/>
+            </a:schemeClr>
+          </a:lnRef>
+          <a:fillRef idx="1">
+            <a:schemeClr val="accent1"/>
+          </a:fillRef>
+          <a:effectRef idx="0">
+            <a:schemeClr val="accent1"/>
+          </a:effectRef>
+          <a:fontRef idx="minor">
+            <a:schemeClr val="lt1"/>
+          </a:fontRef>
+        </p:style>
+        <p:txBody>
+          <a:bodyPr wrap="square" rtlCol="0" anchor="ctr">
+            <a:noAutofit/>
+          </a:bodyPr>
+          <a:lstStyle/>
+          <a:p>
+            <a:pPr marL="0" marR="0" lvl="0" indent="0" algn="ctr" defTabSz="914400" rtl="0" eaLnBrk="1" fontAlgn="auto" latinLnBrk="0" hangingPunct="1">
+              <a:lnSpc>
+                <a:spcPct val="100000"/>
+              </a:lnSpc>
+              <a:spcBef>
+                <a:spcPts val="0"/>
+              </a:spcBef>
+              <a:spcAft>
+                <a:spcPts val="0"/>
+              </a:spcAft>
+              <a:buClrTx/>
+              <a:buSzTx/>
+              <a:buFontTx/>
+              <a:buNone/>
+              <a:tabLst/>
+              <a:defRPr/>
+            </a:pPr>
+            <a:endParaRPr kumimoji="0" lang="en-US" sz="1800" b="0" i="0" u="none" strike="noStrike" kern="1200" cap="none" spc="0" normalizeH="0" baseline="0" noProof="0">
+              <a:ln>
+                <a:noFill/>
+              </a:ln>
+              <a:solidFill>
+                <a:prstClr val="white"/>
+              </a:solidFill>
+              <a:effectLst/>
+              <a:uLnTx/>
+              <a:uFillTx/>
+              <a:latin typeface="Calibri" panose="020F0502020204030204"/>
+              <a:ea typeface="+mn-ea"/>
+              <a:cs typeface="+mn-cs"/>
+            </a:endParaRPr>
+          </a:p>
+        </p:txBody>
+      </p:sp>
+      <p:sp useBgFill="1">
+        <p:nvSpPr>
+          <p:cNvPr id="12" name="Freeform: Shape 11">
+            <a:extLst>
+              <a:ext uri="{FF2B5EF4-FFF2-40B4-BE49-F238E27FC236}">
+                <a16:creationId xmlns:a16="http://schemas.microsoft.com/office/drawing/2014/main" id="{E1B96AD6-92A9-4273-A62B-96A1C3E0BA95}"/>
+              </a:ext>
+              <a:ext uri="{C183D7F6-B498-43B3-948B-1728B52AA6E4}">
+                <adec:decorative xmlns:adec="http://schemas.microsoft.com/office/drawing/2017/decorative" val="1"/>
+              </a:ext>
+            </a:extLst>
+          </p:cNvPr>
+          <p:cNvSpPr>
+            <a:spLocks noGrp="1" noRot="1" noChangeAspect="1" noMove="1" noResize="1" noEditPoints="1" noAdjustHandles="1" noChangeArrowheads="1" noChangeShapeType="1" noTextEdit="1"/>
+          </p:cNvSpPr>
+          <p:nvPr>
+            <p:extLst>
+              <p:ext uri="{386F3935-93C4-4BCD-93E2-E3B085C9AB24}">
+                <p16:designElem xmlns:p16="http://schemas.microsoft.com/office/powerpoint/2015/main" val="1"/>
+              </p:ext>
+            </p:extLst>
+          </p:nvPr>
+        </p:nvSpPr>
+        <p:spPr>
+          <a:xfrm>
+            <a:off x="1" y="0"/>
+            <a:ext cx="4811477" cy="6858000"/>
+          </a:xfrm>
+          <a:custGeom>
+            <a:avLst/>
+            <a:gdLst>
+              <a:gd name="connsiteX0" fmla="*/ 0 w 4811477"/>
+              <a:gd name="connsiteY0" fmla="*/ 0 h 6858000"/>
+              <a:gd name="connsiteX1" fmla="*/ 3598499 w 4811477"/>
+              <a:gd name="connsiteY1" fmla="*/ 0 h 6858000"/>
+              <a:gd name="connsiteX2" fmla="*/ 3661482 w 4811477"/>
+              <a:gd name="connsiteY2" fmla="*/ 69271 h 6858000"/>
+              <a:gd name="connsiteX3" fmla="*/ 4811477 w 4811477"/>
+              <a:gd name="connsiteY3" fmla="*/ 3429000 h 6858000"/>
+              <a:gd name="connsiteX4" fmla="*/ 3661482 w 4811477"/>
+              <a:gd name="connsiteY4" fmla="*/ 6788730 h 6858000"/>
+              <a:gd name="connsiteX5" fmla="*/ 3598499 w 4811477"/>
+              <a:gd name="connsiteY5" fmla="*/ 6858000 h 6858000"/>
+              <a:gd name="connsiteX6" fmla="*/ 0 w 4811477"/>
+              <a:gd name="connsiteY6" fmla="*/ 6858000 h 6858000"/>
+            </a:gdLst>
+            <a:ahLst/>
+            <a:cxnLst>
+              <a:cxn ang="0">
+                <a:pos x="connsiteX0" y="connsiteY0"/>
+              </a:cxn>
+              <a:cxn ang="0">
+                <a:pos x="connsiteX1" y="connsiteY1"/>
+              </a:cxn>
+              <a:cxn ang="0">
+                <a:pos x="connsiteX2" y="connsiteY2"/>
+              </a:cxn>
+              <a:cxn ang="0">
+                <a:pos x="connsiteX3" y="connsiteY3"/>
+              </a:cxn>
+              <a:cxn ang="0">
+                <a:pos x="connsiteX4" y="connsiteY4"/>
+              </a:cxn>
+              <a:cxn ang="0">
+                <a:pos x="connsiteX5" y="connsiteY5"/>
+              </a:cxn>
+              <a:cxn ang="0">
+                <a:pos x="connsiteX6" y="connsiteY6"/>
+              </a:cxn>
+            </a:cxnLst>
+            <a:rect l="l" t="t" r="r" b="b"/>
+            <a:pathLst>
+              <a:path w="4811477" h="6858000">
+                <a:moveTo>
+                  <a:pt x="0" y="0"/>
+                </a:moveTo>
+                <a:lnTo>
+                  <a:pt x="3598499" y="0"/>
+                </a:lnTo>
+                <a:lnTo>
+                  <a:pt x="3661482" y="69271"/>
+                </a:lnTo>
+                <a:cubicBezTo>
+                  <a:pt x="4372008" y="929100"/>
+                  <a:pt x="4811477" y="2116944"/>
+                  <a:pt x="4811477" y="3429000"/>
+                </a:cubicBezTo>
+                <a:cubicBezTo>
+                  <a:pt x="4811477" y="4741056"/>
+                  <a:pt x="4372008" y="5928900"/>
+                  <a:pt x="3661482" y="6788730"/>
+                </a:cubicBezTo>
+                <a:lnTo>
+                  <a:pt x="3598499" y="6858000"/>
+                </a:lnTo>
+                <a:lnTo>
+                  <a:pt x="0" y="6858000"/>
+                </a:lnTo>
+                <a:close/>
+              </a:path>
+            </a:pathLst>
+          </a:custGeom>
+          <a:ln w="9525">
+            <a:noFill/>
+          </a:ln>
+          <a:effectLst/>
+        </p:spPr>
+        <p:style>
+          <a:lnRef idx="2">
+            <a:schemeClr val="accent1">
+              <a:shade val="50000"/>
+            </a:schemeClr>
+          </a:lnRef>
+          <a:fillRef idx="1">
+            <a:schemeClr val="accent1"/>
+          </a:fillRef>
+          <a:effectRef idx="0">
+            <a:schemeClr val="accent1"/>
+          </a:effectRef>
+          <a:fontRef idx="minor">
+            <a:schemeClr val="lt1"/>
+          </a:fontRef>
+        </p:style>
+        <p:txBody>
+          <a:bodyPr wrap="square" rtlCol="0" anchor="ctr">
+            <a:noAutofit/>
+          </a:bodyPr>
+          <a:lstStyle/>
+          <a:p>
+            <a:pPr marL="0" marR="0" lvl="0" indent="0" algn="ctr" defTabSz="914400" rtl="0" eaLnBrk="1" fontAlgn="auto" latinLnBrk="0" hangingPunct="1">
+              <a:lnSpc>
+                <a:spcPct val="100000"/>
+              </a:lnSpc>
+              <a:spcBef>
+                <a:spcPts val="0"/>
+              </a:spcBef>
+              <a:spcAft>
+                <a:spcPts val="0"/>
+              </a:spcAft>
+              <a:buClrTx/>
+              <a:buSzTx/>
+              <a:buFontTx/>
+              <a:buNone/>
+              <a:tabLst/>
+              <a:defRPr/>
+            </a:pPr>
+            <a:endParaRPr kumimoji="0" lang="en-US" sz="1800" b="0" i="0" u="none" strike="noStrike" kern="1200" cap="none" spc="0" normalizeH="0" baseline="0" noProof="0">
+              <a:ln>
+                <a:noFill/>
+              </a:ln>
+              <a:solidFill>
+                <a:prstClr val="white"/>
+              </a:solidFill>
+              <a:effectLst/>
+              <a:uLnTx/>
+              <a:uFillTx/>
+              <a:latin typeface="Calibri" panose="020F0502020204030204"/>
+              <a:ea typeface="+mn-ea"/>
+              <a:cs typeface="+mn-cs"/>
+            </a:endParaRPr>
+          </a:p>
+        </p:txBody>
+      </p:sp>
+      <p:sp>
+        <p:nvSpPr>
+          <p:cNvPr id="2" name="Title 1">
+            <a:extLst>
+              <a:ext uri="{FF2B5EF4-FFF2-40B4-BE49-F238E27FC236}">
                 <a16:creationId xmlns:a16="http://schemas.microsoft.com/office/drawing/2014/main" id="{22844A9D-DC9D-FE9B-9183-C85E0A93C12E}"/>
               </a:ext>
             </a:extLst>
@@ -4727,21 +11967,96 @@
             <p:ph type="title"/>
           </p:nvPr>
         </p:nvSpPr>
-        <p:spPr/>
-        <p:txBody>
-          <a:bodyPr/>
+        <p:spPr>
+          <a:xfrm>
+            <a:off x="621792" y="1161288"/>
+            <a:ext cx="3602736" cy="4526280"/>
+          </a:xfrm>
+        </p:spPr>
+        <p:txBody>
+          <a:bodyPr>
+            <a:normAutofit/>
+          </a:bodyPr>
           <a:lstStyle/>
           <a:p>
             <a:r>
-              <a:rPr lang="en-US" dirty="0"/>
+              <a:rPr lang="en-US" sz="4000" dirty="0"/>
               <a:t>Mixed Reality - MR</a:t>
             </a:r>
-            <a:endParaRPr lang="en-IN" dirty="0"/>
+            <a:endParaRPr lang="en-IN" sz="4000" dirty="0"/>
           </a:p>
         </p:txBody>
       </p:sp>
       <p:sp>
         <p:nvSpPr>
+          <p:cNvPr id="14" name="Rectangle 13">
+            <a:extLst>
+              <a:ext uri="{FF2B5EF4-FFF2-40B4-BE49-F238E27FC236}">
+                <a16:creationId xmlns:a16="http://schemas.microsoft.com/office/drawing/2014/main" id="{463EEC44-1BA3-44ED-81FC-A644B04B2A44}"/>
+              </a:ext>
+              <a:ext uri="{C183D7F6-B498-43B3-948B-1728B52AA6E4}">
+                <adec:decorative xmlns:adec="http://schemas.microsoft.com/office/drawing/2017/decorative" val="1"/>
+              </a:ext>
+            </a:extLst>
+          </p:cNvPr>
+          <p:cNvSpPr>
+            <a:spLocks noGrp="1" noRot="1" noChangeAspect="1" noMove="1" noResize="1" noEditPoints="1" noAdjustHandles="1" noChangeArrowheads="1" noChangeShapeType="1" noTextEdit="1"/>
+          </p:cNvSpPr>
+          <p:nvPr>
+            <p:extLst>
+              <p:ext uri="{386F3935-93C4-4BCD-93E2-E3B085C9AB24}">
+                <p16:designElem xmlns:p16="http://schemas.microsoft.com/office/powerpoint/2015/main" val="1"/>
+              </p:ext>
+            </p:extLst>
+          </p:nvPr>
+        </p:nvSpPr>
+        <p:spPr>
+          <a:xfrm>
+            <a:off x="0" y="3102049"/>
+            <a:ext cx="128016" cy="653903"/>
+          </a:xfrm>
+          <a:prstGeom prst="rect">
+            <a:avLst/>
+          </a:prstGeom>
+          <a:solidFill>
+            <a:schemeClr val="accent2"/>
+          </a:solidFill>
+          <a:ln>
+            <a:noFill/>
+          </a:ln>
+        </p:spPr>
+        <p:style>
+          <a:lnRef idx="2">
+            <a:schemeClr val="accent1">
+              <a:shade val="50000"/>
+            </a:schemeClr>
+          </a:lnRef>
+          <a:fillRef idx="1">
+            <a:schemeClr val="accent1"/>
+          </a:fillRef>
+          <a:effectRef idx="0">
+            <a:schemeClr val="accent1"/>
+          </a:effectRef>
+          <a:fontRef idx="minor">
+            <a:schemeClr val="lt1"/>
+          </a:fontRef>
+        </p:style>
+        <p:txBody>
+          <a:bodyPr rtlCol="0" anchor="ctr"/>
+          <a:lstStyle/>
+          <a:p>
+            <a:pPr algn="ctr"/>
+            <a:endParaRPr lang="en-US">
+              <a:solidFill>
+                <a:prstClr val="white"/>
+              </a:solidFill>
+              <a:latin typeface="Calibri" panose="020F0502020204030204"/>
+            </a:endParaRPr>
+          </a:p>
+        </p:txBody>
+      </p:sp>
+      <p:sp>
+        <p:nvSpPr>
           <p:cNvPr id="3" name="Content Placeholder 2">
             <a:extLst>
               <a:ext uri="{FF2B5EF4-FFF2-40B4-BE49-F238E27FC236}">
@@ -4756,39 +12071,46 @@
             <p:ph idx="1"/>
           </p:nvPr>
         </p:nvSpPr>
-        <p:spPr/>
-        <p:txBody>
-          <a:bodyPr/>
+        <p:spPr>
+          <a:xfrm>
+            <a:off x="5434149" y="932688"/>
+            <a:ext cx="5916603" cy="4992624"/>
+          </a:xfrm>
+        </p:spPr>
+        <p:txBody>
+          <a:bodyPr anchor="ctr">
+            <a:normAutofit/>
+          </a:bodyPr>
           <a:lstStyle/>
           <a:p>
             <a:r>
-              <a:rPr lang="en-US" dirty="0"/>
+              <a:rPr lang="en-US" sz="2000"/>
               <a:t>MR combines elements of both AR and VR, blending the physical and digital worlds in such a way that they can interact with each other in real-time. </a:t>
             </a:r>
           </a:p>
           <a:p>
             <a:r>
-              <a:rPr lang="en-US" dirty="0"/>
+              <a:rPr lang="en-US" sz="2000"/>
               <a:t>Unlike AR, where digital content only overlays the real world, MR allows for more complex interactions, where virtual objects can interact with the physical environment.</a:t>
             </a:r>
           </a:p>
           <a:p>
-            <a:endParaRPr lang="en-US" dirty="0"/>
+            <a:endParaRPr lang="en-US" sz="2000"/>
           </a:p>
           <a:p>
             <a:r>
-              <a:rPr lang="en-IN" b="1" dirty="0"/>
+              <a:rPr lang="en-IN" sz="2000" b="1"/>
               <a:t>Example:</a:t>
             </a:r>
             <a:r>
-              <a:rPr lang="en-IN" dirty="0"/>
+              <a:rPr lang="en-IN" sz="2000"/>
               <a:t> </a:t>
             </a:r>
             <a:r>
-              <a:rPr lang="en-US" dirty="0"/>
+              <a:rPr lang="en-US" sz="2000"/>
               <a:t>Microsoft HoloLens, where digital objects, like a 3D model, can be placed in a real room, and users can interact with them as if they were physical objects.</a:t>
             </a:r>
-            <a:endParaRPr lang="en-IN" dirty="0"/>
+            <a:endParaRPr lang="en-IN" sz="2000"/>
           </a:p>
         </p:txBody>
       </p:sp>
@@ -4805,7 +12127,7 @@
 </p:sld>
 </file>
 
-<file path=ppt/slides/slide8.xml><?xml version="1.0" encoding="utf-8"?>
+<file path=ppt/slides/slide9.xml><?xml version="1.0" encoding="utf-8"?>
 <p:sld xmlns:a="http://schemas.openxmlformats.org/drawingml/2006/main" xmlns:r="http://schemas.openxmlformats.org/officeDocument/2006/relationships" xmlns:p="http://schemas.openxmlformats.org/presentationml/2006/main">
   <p:cSld>
     <p:spTree>
@@ -5030,316 +12352,6 @@
       </p:par>
     </p:tnLst>
   </p:timing>
-</p:sld>
-</file>
-
-<file path=ppt/slides/slide9.xml><?xml version="1.0" encoding="utf-8"?>
-<p:sld xmlns:a="http://schemas.openxmlformats.org/drawingml/2006/main" xmlns:r="http://schemas.openxmlformats.org/officeDocument/2006/relationships" xmlns:p="http://schemas.openxmlformats.org/presentationml/2006/main">
-  <p:cSld>
-    <p:spTree>
-      <p:nvGrpSpPr>
-        <p:cNvPr id="1" name=""/>
-        <p:cNvGrpSpPr/>
-        <p:nvPr/>
-      </p:nvGrpSpPr>
-      <p:grpSpPr>
-        <a:xfrm>
-          <a:off x="0" y="0"/>
-          <a:ext cx="0" cy="0"/>
-          <a:chOff x="0" y="0"/>
-          <a:chExt cx="0" cy="0"/>
-        </a:xfrm>
-      </p:grpSpPr>
-      <p:sp>
-        <p:nvSpPr>
-          <p:cNvPr id="2" name="Title 1">
-            <a:extLst>
-              <a:ext uri="{FF2B5EF4-FFF2-40B4-BE49-F238E27FC236}">
-                <a16:creationId xmlns:a16="http://schemas.microsoft.com/office/drawing/2014/main" id="{73CC334E-AB2C-C46C-E726-3E5E8CA43F71}"/>
-              </a:ext>
-            </a:extLst>
-          </p:cNvPr>
-          <p:cNvSpPr>
-            <a:spLocks noGrp="1"/>
-          </p:cNvSpPr>
-          <p:nvPr>
-            <p:ph type="title"/>
-          </p:nvPr>
-        </p:nvSpPr>
-        <p:spPr/>
-        <p:txBody>
-          <a:bodyPr/>
-          <a:lstStyle/>
-          <a:p>
-            <a:r>
-              <a:rPr lang="en-US" dirty="0"/>
-              <a:t>Summary</a:t>
-            </a:r>
-            <a:endParaRPr lang="en-IN" dirty="0"/>
-          </a:p>
-        </p:txBody>
-      </p:sp>
-      <p:sp>
-        <p:nvSpPr>
-          <p:cNvPr id="4" name="Rectangle 1">
-            <a:extLst>
-              <a:ext uri="{FF2B5EF4-FFF2-40B4-BE49-F238E27FC236}">
-                <a16:creationId xmlns:a16="http://schemas.microsoft.com/office/drawing/2014/main" id="{06FDA291-58B1-BE0A-2854-E5EEA95AA8B8}"/>
-              </a:ext>
-            </a:extLst>
-          </p:cNvPr>
-          <p:cNvSpPr>
-            <a:spLocks noGrp="1" noChangeArrowheads="1"/>
-          </p:cNvSpPr>
-          <p:nvPr>
-            <p:ph idx="1"/>
-          </p:nvPr>
-        </p:nvSpPr>
-        <p:spPr bwMode="auto">
-          <a:xfrm>
-            <a:off x="838200" y="2363581"/>
-            <a:ext cx="10781872" cy="2677656"/>
-          </a:xfrm>
-          <a:prstGeom prst="rect">
-            <a:avLst/>
-          </a:prstGeom>
-          <a:noFill/>
-          <a:ln>
-            <a:noFill/>
-          </a:ln>
-          <a:effectLst/>
-          <a:extLst>
-            <a:ext uri="{909E8E84-426E-40DD-AFC4-6F175D3DCCD1}">
-              <a14:hiddenFill xmlns:a14="http://schemas.microsoft.com/office/drawing/2010/main">
-                <a:solidFill>
-                  <a:schemeClr val="accent1"/>
-                </a:solidFill>
-              </a14:hiddenFill>
-            </a:ext>
-            <a:ext uri="{91240B29-F687-4F45-9708-019B960494DF}">
-              <a14:hiddenLine xmlns:a14="http://schemas.microsoft.com/office/drawing/2010/main" w="9525">
-                <a:solidFill>
-                  <a:schemeClr val="tx1"/>
-                </a:solidFill>
-                <a:miter lim="800000"/>
-                <a:headEnd/>
-                <a:tailEnd/>
-              </a14:hiddenLine>
-            </a:ext>
-            <a:ext uri="{AF507438-7753-43E0-B8FC-AC1667EBCBE1}">
-              <a14:hiddenEffects xmlns:a14="http://schemas.microsoft.com/office/drawing/2010/main">
-                <a:effectLst>
-                  <a:outerShdw dist="35921" dir="2700000" algn="ctr" rotWithShape="0">
-                    <a:schemeClr val="bg2"/>
-                  </a:outerShdw>
-                </a:effectLst>
-              </a14:hiddenEffects>
-            </a:ext>
-          </a:extLst>
-        </p:spPr>
-        <p:txBody>
-          <a:bodyPr vert="horz" wrap="square" lIns="91440" tIns="45720" rIns="91440" bIns="45720" numCol="1" anchor="ctr" anchorCtr="0" compatLnSpc="1">
-            <a:prstTxWarp prst="textNoShape">
-              <a:avLst/>
-            </a:prstTxWarp>
-            <a:spAutoFit/>
-          </a:bodyPr>
-          <a:lstStyle/>
-          <a:p>
-            <a:pPr marL="0" marR="0" lvl="0" indent="0" algn="l" defTabSz="914400" rtl="0" eaLnBrk="0" fontAlgn="base" latinLnBrk="0" hangingPunct="0">
-              <a:lnSpc>
-                <a:spcPct val="100000"/>
-              </a:lnSpc>
-              <a:spcBef>
-                <a:spcPct val="0"/>
-              </a:spcBef>
-              <a:spcAft>
-                <a:spcPct val="0"/>
-              </a:spcAft>
-              <a:buClrTx/>
-              <a:buSzTx/>
-              <a:buNone/>
-              <a:tabLst/>
-            </a:pPr>
-            <a:r>
-              <a:rPr kumimoji="0" lang="en-US" altLang="en-US" b="1" i="0" u="none" strike="noStrike" cap="none" normalizeH="0" baseline="0" dirty="0">
-                <a:ln>
-                  <a:noFill/>
-                </a:ln>
-                <a:solidFill>
-                  <a:schemeClr val="tx1"/>
-                </a:solidFill>
-                <a:effectLst/>
-                <a:latin typeface="Arial" panose="020B0604020202020204" pitchFamily="34" charset="0"/>
-              </a:rPr>
-              <a:t>AR</a:t>
-            </a:r>
-            <a:r>
-              <a:rPr kumimoji="0" lang="en-US" altLang="en-US" b="0" i="0" u="none" strike="noStrike" cap="none" normalizeH="0" baseline="0" dirty="0">
-                <a:ln>
-                  <a:noFill/>
-                </a:ln>
-                <a:solidFill>
-                  <a:schemeClr val="tx1"/>
-                </a:solidFill>
-                <a:effectLst/>
-                <a:latin typeface="Arial" panose="020B0604020202020204" pitchFamily="34" charset="0"/>
-              </a:rPr>
-              <a:t> enhances the real world with digital overlays.</a:t>
-            </a:r>
-          </a:p>
-          <a:p>
-            <a:pPr marL="0" marR="0" lvl="0" indent="0" algn="l" defTabSz="914400" rtl="0" eaLnBrk="0" fontAlgn="base" latinLnBrk="0" hangingPunct="0">
-              <a:lnSpc>
-                <a:spcPct val="100000"/>
-              </a:lnSpc>
-              <a:spcBef>
-                <a:spcPct val="0"/>
-              </a:spcBef>
-              <a:spcAft>
-                <a:spcPct val="0"/>
-              </a:spcAft>
-              <a:buClrTx/>
-              <a:buSzTx/>
-              <a:buNone/>
-              <a:tabLst/>
-            </a:pPr>
-            <a:endParaRPr kumimoji="0" lang="en-US" altLang="en-US" b="0" i="0" u="none" strike="noStrike" cap="none" normalizeH="0" baseline="0" dirty="0">
-              <a:ln>
-                <a:noFill/>
-              </a:ln>
-              <a:solidFill>
-                <a:schemeClr val="tx1"/>
-              </a:solidFill>
-              <a:effectLst/>
-              <a:latin typeface="Arial" panose="020B0604020202020204" pitchFamily="34" charset="0"/>
-            </a:endParaRPr>
-          </a:p>
-          <a:p>
-            <a:pPr marL="0" marR="0" lvl="0" indent="0" algn="l" defTabSz="914400" rtl="0" eaLnBrk="0" fontAlgn="base" latinLnBrk="0" hangingPunct="0">
-              <a:lnSpc>
-                <a:spcPct val="100000"/>
-              </a:lnSpc>
-              <a:spcBef>
-                <a:spcPct val="0"/>
-              </a:spcBef>
-              <a:spcAft>
-                <a:spcPct val="0"/>
-              </a:spcAft>
-              <a:buClrTx/>
-              <a:buSzTx/>
-              <a:buNone/>
-              <a:tabLst/>
-            </a:pPr>
-            <a:r>
-              <a:rPr kumimoji="0" lang="en-US" altLang="en-US" b="1" i="0" u="none" strike="noStrike" cap="none" normalizeH="0" baseline="0" dirty="0">
-                <a:ln>
-                  <a:noFill/>
-                </a:ln>
-                <a:solidFill>
-                  <a:schemeClr val="tx1"/>
-                </a:solidFill>
-                <a:effectLst/>
-                <a:latin typeface="Arial" panose="020B0604020202020204" pitchFamily="34" charset="0"/>
-              </a:rPr>
-              <a:t>VR</a:t>
-            </a:r>
-            <a:r>
-              <a:rPr kumimoji="0" lang="en-US" altLang="en-US" b="0" i="0" u="none" strike="noStrike" cap="none" normalizeH="0" baseline="0" dirty="0">
-                <a:ln>
-                  <a:noFill/>
-                </a:ln>
-                <a:solidFill>
-                  <a:schemeClr val="tx1"/>
-                </a:solidFill>
-                <a:effectLst/>
-                <a:latin typeface="Arial" panose="020B0604020202020204" pitchFamily="34" charset="0"/>
-              </a:rPr>
-              <a:t> creates a completely digital world, blocking out the real one.</a:t>
-            </a:r>
-          </a:p>
-          <a:p>
-            <a:pPr marL="0" marR="0" lvl="0" indent="0" algn="l" defTabSz="914400" rtl="0" eaLnBrk="0" fontAlgn="base" latinLnBrk="0" hangingPunct="0">
-              <a:lnSpc>
-                <a:spcPct val="100000"/>
-              </a:lnSpc>
-              <a:spcBef>
-                <a:spcPct val="0"/>
-              </a:spcBef>
-              <a:spcAft>
-                <a:spcPct val="0"/>
-              </a:spcAft>
-              <a:buClrTx/>
-              <a:buSzTx/>
-              <a:buNone/>
-              <a:tabLst/>
-            </a:pPr>
-            <a:endParaRPr kumimoji="0" lang="en-US" altLang="en-US" b="0" i="0" u="none" strike="noStrike" cap="none" normalizeH="0" baseline="0" dirty="0">
-              <a:ln>
-                <a:noFill/>
-              </a:ln>
-              <a:solidFill>
-                <a:schemeClr val="tx1"/>
-              </a:solidFill>
-              <a:effectLst/>
-              <a:latin typeface="Arial" panose="020B0604020202020204" pitchFamily="34" charset="0"/>
-            </a:endParaRPr>
-          </a:p>
-          <a:p>
-            <a:pPr marL="0" marR="0" lvl="0" indent="0" algn="l" defTabSz="914400" rtl="0" eaLnBrk="0" fontAlgn="base" latinLnBrk="0" hangingPunct="0">
-              <a:lnSpc>
-                <a:spcPct val="100000"/>
-              </a:lnSpc>
-              <a:spcBef>
-                <a:spcPct val="0"/>
-              </a:spcBef>
-              <a:spcAft>
-                <a:spcPct val="0"/>
-              </a:spcAft>
-              <a:buClrTx/>
-              <a:buSzTx/>
-              <a:buNone/>
-              <a:tabLst/>
-            </a:pPr>
-            <a:r>
-              <a:rPr kumimoji="0" lang="en-US" altLang="en-US" b="1" i="0" u="none" strike="noStrike" cap="none" normalizeH="0" baseline="0" dirty="0">
-                <a:ln>
-                  <a:noFill/>
-                </a:ln>
-                <a:solidFill>
-                  <a:schemeClr val="tx1"/>
-                </a:solidFill>
-                <a:effectLst/>
-                <a:latin typeface="Arial" panose="020B0604020202020204" pitchFamily="34" charset="0"/>
-              </a:rPr>
-              <a:t>MR</a:t>
-            </a:r>
-            <a:r>
-              <a:rPr kumimoji="0" lang="en-US" altLang="en-US" b="0" i="0" u="none" strike="noStrike" cap="none" normalizeH="0" baseline="0" dirty="0">
-                <a:ln>
-                  <a:noFill/>
-                </a:ln>
-                <a:solidFill>
-                  <a:schemeClr val="tx1"/>
-                </a:solidFill>
-                <a:effectLst/>
-                <a:latin typeface="Arial" panose="020B0604020202020204" pitchFamily="34" charset="0"/>
-              </a:rPr>
-              <a:t> blends the real and digital worlds, allowing for interaction between them. </a:t>
-            </a:r>
-          </a:p>
-        </p:txBody>
-      </p:sp>
-    </p:spTree>
-    <p:extLst>
-      <p:ext uri="{BB962C8B-B14F-4D97-AF65-F5344CB8AC3E}">
-        <p14:creationId xmlns:p14="http://schemas.microsoft.com/office/powerpoint/2010/main" val="1065276320"/>
-      </p:ext>
-    </p:extLst>
-  </p:cSld>
-  <p:clrMapOvr>
-    <a:masterClrMapping/>
-  </p:clrMapOvr>
 </p:sld>
 </file>
 
